--- a/ContinuousDeliveryInPractice/Continuous Delivery.pptx
+++ b/ContinuousDeliveryInPractice/Continuous Delivery.pptx
@@ -2,18 +2,17 @@
 <file path=ppt/presentation.xml><?xml version="1.0" encoding="utf-8"?>
 <p:presentation xmlns:a="http://schemas.openxmlformats.org/drawingml/2006/main" xmlns:r="http://schemas.openxmlformats.org/officeDocument/2006/relationships" xmlns:p="http://schemas.openxmlformats.org/presentationml/2006/main" saveSubsetFonts="1">
   <p:sldMasterIdLst>
-    <p:sldMasterId id="2147483682" r:id="rId1"/>
+    <p:sldMasterId id="2147483694" r:id="rId1"/>
   </p:sldMasterIdLst>
   <p:notesMasterIdLst>
-    <p:notesMasterId r:id="rId8"/>
+    <p:notesMasterId r:id="rId7"/>
   </p:notesMasterIdLst>
   <p:sldIdLst>
     <p:sldId id="269" r:id="rId2"/>
-    <p:sldId id="272" r:id="rId3"/>
-    <p:sldId id="273" r:id="rId4"/>
-    <p:sldId id="258" r:id="rId5"/>
-    <p:sldId id="270" r:id="rId6"/>
-    <p:sldId id="271" r:id="rId7"/>
+    <p:sldId id="273" r:id="rId3"/>
+    <p:sldId id="258" r:id="rId4"/>
+    <p:sldId id="270" r:id="rId5"/>
+    <p:sldId id="271" r:id="rId6"/>
   </p:sldIdLst>
   <p:sldSz cx="9144000" cy="6858000" type="screen4x3"/>
   <p:notesSz cx="6858000" cy="9144000"/>
@@ -112,6 +111,22 @@
       </a:defRPr>
     </a:lvl9pPr>
   </p:defaultTextStyle>
+  <p:extLst>
+    <p:ext uri="{EFAFB233-063F-42B5-8137-9DF3F51BA10A}">
+      <p15:sldGuideLst xmlns:p15="http://schemas.microsoft.com/office/powerpoint/2012/main">
+        <p15:guide id="1" orient="horz" pos="2160">
+          <p15:clr>
+            <a:srgbClr val="A4A3A4"/>
+          </p15:clr>
+        </p15:guide>
+        <p15:guide id="2" pos="2880">
+          <p15:clr>
+            <a:srgbClr val="A4A3A4"/>
+          </p15:clr>
+        </p15:guide>
+      </p15:sldGuideLst>
+    </p:ext>
+  </p:extLst>
 </p:presentation>
 </file>
 
@@ -1410,12 +1425,12 @@
         <a:fontRef idx="minor"/>
       </dsp:style>
       <dsp:txBody>
-        <a:bodyPr spcFirstLastPara="0" vert="horz" wrap="square" lIns="46990" tIns="46990" rIns="46990" bIns="46990" numCol="1" spcCol="1270" anchor="ctr" anchorCtr="0">
+        <a:bodyPr spcFirstLastPara="0" vert="horz" wrap="square" lIns="41910" tIns="41910" rIns="41910" bIns="41910" numCol="1" spcCol="1270" anchor="ctr" anchorCtr="0">
           <a:noAutofit/>
         </a:bodyPr>
         <a:lstStyle/>
         <a:p>
-          <a:pPr lvl="0" algn="ctr" defTabSz="1644650">
+          <a:pPr lvl="0" algn="ctr" defTabSz="1466850">
             <a:lnSpc>
               <a:spcPct val="90000"/>
             </a:lnSpc>
@@ -1427,10 +1442,10 @@
             </a:spcAft>
           </a:pPr>
           <a:r>
-            <a:rPr lang="en-US" sz="3700" kern="1200" dirty="0" smtClean="0"/>
+            <a:rPr lang="en-US" sz="3300" kern="1200" dirty="0" smtClean="0"/>
             <a:t>Design</a:t>
           </a:r>
-          <a:endParaRPr lang="en-US" sz="3700" kern="1200" dirty="0"/>
+          <a:endParaRPr lang="en-US" sz="3300" kern="1200" dirty="0"/>
         </a:p>
       </dsp:txBody>
       <dsp:txXfrm>
@@ -1465,7 +1480,7 @@
             <a:alphaOff val="0"/>
           </a:schemeClr>
         </a:solidFill>
-        <a:ln w="25400" cap="flat" cmpd="sng" algn="ctr">
+        <a:ln w="12700" cap="flat" cmpd="sng" algn="ctr">
           <a:solidFill>
             <a:schemeClr val="lt1">
               <a:hueOff val="0"/>
@@ -1475,6 +1490,7 @@
             </a:schemeClr>
           </a:solidFill>
           <a:prstDash val="solid"/>
+          <a:miter lim="800000"/>
         </a:ln>
         <a:effectLst/>
       </dsp:spPr>
@@ -1525,12 +1541,12 @@
         <a:fontRef idx="minor"/>
       </dsp:style>
       <dsp:txBody>
-        <a:bodyPr spcFirstLastPara="0" vert="horz" wrap="square" lIns="46990" tIns="46990" rIns="46990" bIns="46990" numCol="1" spcCol="1270" anchor="ctr" anchorCtr="0">
+        <a:bodyPr spcFirstLastPara="0" vert="horz" wrap="square" lIns="41910" tIns="41910" rIns="41910" bIns="41910" numCol="1" spcCol="1270" anchor="ctr" anchorCtr="0">
           <a:noAutofit/>
         </a:bodyPr>
         <a:lstStyle/>
         <a:p>
-          <a:pPr lvl="0" algn="ctr" defTabSz="1644650">
+          <a:pPr lvl="0" algn="ctr" defTabSz="1466850">
             <a:lnSpc>
               <a:spcPct val="90000"/>
             </a:lnSpc>
@@ -1542,10 +1558,10 @@
             </a:spcAft>
           </a:pPr>
           <a:r>
-            <a:rPr lang="en-US" sz="3700" kern="1200" dirty="0" smtClean="0"/>
+            <a:rPr lang="en-US" sz="3300" kern="1200" dirty="0" smtClean="0"/>
             <a:t>Develop</a:t>
           </a:r>
-          <a:endParaRPr lang="en-US" sz="3700" kern="1200" dirty="0"/>
+          <a:endParaRPr lang="en-US" sz="3300" kern="1200" dirty="0"/>
         </a:p>
       </dsp:txBody>
       <dsp:txXfrm>
@@ -1580,7 +1596,7 @@
             <a:alphaOff val="0"/>
           </a:schemeClr>
         </a:solidFill>
-        <a:ln w="25400" cap="flat" cmpd="sng" algn="ctr">
+        <a:ln w="12700" cap="flat" cmpd="sng" algn="ctr">
           <a:solidFill>
             <a:schemeClr val="lt1">
               <a:hueOff val="0"/>
@@ -1590,6 +1606,7 @@
             </a:schemeClr>
           </a:solidFill>
           <a:prstDash val="solid"/>
+          <a:miter lim="800000"/>
         </a:ln>
         <a:effectLst/>
       </dsp:spPr>
@@ -1640,12 +1657,12 @@
         <a:fontRef idx="minor"/>
       </dsp:style>
       <dsp:txBody>
-        <a:bodyPr spcFirstLastPara="0" vert="horz" wrap="square" lIns="46990" tIns="46990" rIns="46990" bIns="46990" numCol="1" spcCol="1270" anchor="ctr" anchorCtr="0">
+        <a:bodyPr spcFirstLastPara="0" vert="horz" wrap="square" lIns="41910" tIns="41910" rIns="41910" bIns="41910" numCol="1" spcCol="1270" anchor="ctr" anchorCtr="0">
           <a:noAutofit/>
         </a:bodyPr>
         <a:lstStyle/>
         <a:p>
-          <a:pPr lvl="0" algn="ctr" defTabSz="1644650">
+          <a:pPr lvl="0" algn="ctr" defTabSz="1466850">
             <a:lnSpc>
               <a:spcPct val="90000"/>
             </a:lnSpc>
@@ -1657,10 +1674,10 @@
             </a:spcAft>
           </a:pPr>
           <a:r>
-            <a:rPr lang="en-US" sz="3700" kern="1200" dirty="0" smtClean="0"/>
+            <a:rPr lang="en-US" sz="3300" kern="1200" dirty="0" smtClean="0"/>
             <a:t>Test</a:t>
           </a:r>
-          <a:endParaRPr lang="en-US" sz="3700" kern="1200" dirty="0"/>
+          <a:endParaRPr lang="en-US" sz="3300" kern="1200" dirty="0"/>
         </a:p>
       </dsp:txBody>
       <dsp:txXfrm>
@@ -1695,7 +1712,7 @@
             <a:alphaOff val="0"/>
           </a:schemeClr>
         </a:solidFill>
-        <a:ln w="25400" cap="flat" cmpd="sng" algn="ctr">
+        <a:ln w="12700" cap="flat" cmpd="sng" algn="ctr">
           <a:solidFill>
             <a:schemeClr val="lt1">
               <a:hueOff val="0"/>
@@ -1705,6 +1722,7 @@
             </a:schemeClr>
           </a:solidFill>
           <a:prstDash val="solid"/>
+          <a:miter lim="800000"/>
         </a:ln>
         <a:effectLst/>
       </dsp:spPr>
@@ -1755,12 +1773,12 @@
         <a:fontRef idx="minor"/>
       </dsp:style>
       <dsp:txBody>
-        <a:bodyPr spcFirstLastPara="0" vert="horz" wrap="square" lIns="46990" tIns="46990" rIns="46990" bIns="46990" numCol="1" spcCol="1270" anchor="ctr" anchorCtr="0">
+        <a:bodyPr spcFirstLastPara="0" vert="horz" wrap="square" lIns="41910" tIns="41910" rIns="41910" bIns="41910" numCol="1" spcCol="1270" anchor="ctr" anchorCtr="0">
           <a:noAutofit/>
         </a:bodyPr>
         <a:lstStyle/>
         <a:p>
-          <a:pPr lvl="0" algn="ctr" defTabSz="1644650">
+          <a:pPr lvl="0" algn="ctr" defTabSz="1466850">
             <a:lnSpc>
               <a:spcPct val="90000"/>
             </a:lnSpc>
@@ -1772,10 +1790,10 @@
             </a:spcAft>
           </a:pPr>
           <a:r>
-            <a:rPr lang="en-US" sz="3700" kern="1200" dirty="0" smtClean="0"/>
+            <a:rPr lang="en-US" sz="3300" kern="1200" dirty="0" smtClean="0"/>
             <a:t>Release</a:t>
           </a:r>
-          <a:endParaRPr lang="en-US" sz="3700" kern="1200" dirty="0"/>
+          <a:endParaRPr lang="en-US" sz="3300" kern="1200" dirty="0"/>
         </a:p>
       </dsp:txBody>
       <dsp:txXfrm>
@@ -1810,7 +1828,7 @@
             <a:alphaOff val="0"/>
           </a:schemeClr>
         </a:solidFill>
-        <a:ln w="25400" cap="flat" cmpd="sng" algn="ctr">
+        <a:ln w="12700" cap="flat" cmpd="sng" algn="ctr">
           <a:solidFill>
             <a:schemeClr val="lt1">
               <a:hueOff val="0"/>
@@ -1820,6 +1838,7 @@
             </a:schemeClr>
           </a:solidFill>
           <a:prstDash val="solid"/>
+          <a:miter lim="800000"/>
         </a:ln>
         <a:effectLst/>
       </dsp:spPr>
@@ -3156,7 +3175,7 @@
           <a:p>
             <a:fld id="{3A7C3860-7027-407A-982A-3CBA694F3788}" type="datetimeFigureOut">
               <a:rPr lang="en-US" smtClean="0"/>
-              <a:t>2/8/2013</a:t>
+              <a:t>1/12/2014</a:t>
             </a:fld>
             <a:endParaRPr lang="en-US"/>
           </a:p>
@@ -3489,7 +3508,7 @@
           <a:p>
             <a:fld id="{77DA41C2-2EC4-49B5-B3CD-E0A57519EAE4}" type="slidenum">
               <a:rPr lang="en-US" smtClean="0"/>
-              <a:t>4</a:t>
+              <a:t>3</a:t>
             </a:fld>
             <a:endParaRPr lang="en-US"/>
           </a:p>
@@ -3509,7 +3528,7 @@
 </file>
 
 <file path=ppt/slideLayouts/slideLayout1.xml><?xml version="1.0" encoding="utf-8"?>
-<p:sldLayout xmlns:a="http://schemas.openxmlformats.org/drawingml/2006/main" xmlns:r="http://schemas.openxmlformats.org/officeDocument/2006/relationships" xmlns:p="http://schemas.openxmlformats.org/presentationml/2006/main" type="title" preserve="1">
+<p:sldLayout xmlns:a="http://schemas.openxmlformats.org/drawingml/2006/main" xmlns:r="http://schemas.openxmlformats.org/officeDocument/2006/relationships" xmlns:p="http://schemas.openxmlformats.org/presentationml/2006/main" showMasterSp="0" type="title" preserve="1">
   <p:cSld name="Title Slide">
     <p:spTree>
       <p:nvGrpSpPr>
@@ -3537,13 +3556,17 @@
         </p:nvSpPr>
         <p:spPr>
           <a:xfrm>
-            <a:off x="685800" y="2130428"/>
-            <a:ext cx="7772400" cy="1470025"/>
+            <a:off x="1143000" y="1122363"/>
+            <a:ext cx="6858000" cy="2387600"/>
           </a:xfrm>
         </p:spPr>
         <p:txBody>
-          <a:bodyPr/>
-          <a:lstStyle/>
+          <a:bodyPr anchor="b"/>
+          <a:lstStyle>
+            <a:lvl1pPr algn="ctr">
+              <a:defRPr sz="4500"/>
+            </a:lvl1pPr>
+          </a:lstStyle>
           <a:p>
             <a:r>
               <a:rPr lang="en-US" smtClean="0"/>
@@ -3565,8 +3588,8 @@
         </p:nvSpPr>
         <p:spPr>
           <a:xfrm>
-            <a:off x="1371600" y="3886200"/>
-            <a:ext cx="6400800" cy="1752600"/>
+            <a:off x="1143000" y="3602038"/>
+            <a:ext cx="6858000" cy="1655762"/>
           </a:xfrm>
         </p:spPr>
         <p:txBody>
@@ -3574,39 +3597,39 @@
           <a:lstStyle>
             <a:lvl1pPr marL="0" indent="0" algn="ctr">
               <a:buNone/>
-              <a:defRPr/>
+              <a:defRPr sz="1800"/>
             </a:lvl1pPr>
-            <a:lvl2pPr marL="457200" indent="0" algn="ctr">
+            <a:lvl2pPr marL="342900" indent="0" algn="ctr">
               <a:buNone/>
-              <a:defRPr/>
+              <a:defRPr sz="1500"/>
             </a:lvl2pPr>
-            <a:lvl3pPr marL="914400" indent="0" algn="ctr">
+            <a:lvl3pPr marL="685800" indent="0" algn="ctr">
               <a:buNone/>
-              <a:defRPr/>
+              <a:defRPr sz="1350"/>
             </a:lvl3pPr>
-            <a:lvl4pPr marL="1371600" indent="0" algn="ctr">
+            <a:lvl4pPr marL="1028700" indent="0" algn="ctr">
               <a:buNone/>
-              <a:defRPr/>
+              <a:defRPr sz="1200"/>
             </a:lvl4pPr>
-            <a:lvl5pPr marL="1828800" indent="0" algn="ctr">
+            <a:lvl5pPr marL="1371600" indent="0" algn="ctr">
               <a:buNone/>
-              <a:defRPr/>
+              <a:defRPr sz="1200"/>
             </a:lvl5pPr>
-            <a:lvl6pPr marL="2286000" indent="0" algn="ctr">
+            <a:lvl6pPr marL="1714500" indent="0" algn="ctr">
               <a:buNone/>
-              <a:defRPr/>
+              <a:defRPr sz="1200"/>
             </a:lvl6pPr>
-            <a:lvl7pPr marL="2743200" indent="0" algn="ctr">
+            <a:lvl7pPr marL="2057400" indent="0" algn="ctr">
               <a:buNone/>
-              <a:defRPr/>
+              <a:defRPr sz="1200"/>
             </a:lvl7pPr>
-            <a:lvl8pPr marL="3200400" indent="0" algn="ctr">
+            <a:lvl8pPr marL="2400300" indent="0" algn="ctr">
               <a:buNone/>
-              <a:defRPr/>
+              <a:defRPr sz="1200"/>
             </a:lvl8pPr>
-            <a:lvl9pPr marL="3657600" indent="0" algn="ctr">
+            <a:lvl9pPr marL="2743200" indent="0" algn="ctr">
               <a:buNone/>
-              <a:defRPr/>
+              <a:defRPr sz="1200"/>
             </a:lvl9pPr>
           </a:lstStyle>
           <a:p>
@@ -3620,24 +3643,18 @@
       </p:sp>
       <p:sp>
         <p:nvSpPr>
-          <p:cNvPr id="4" name="Rectangle 4"/>
-          <p:cNvSpPr>
-            <a:spLocks noGrp="1" noChangeArrowheads="1"/>
+          <p:cNvPr id="4" name="Date Placeholder 3"/>
+          <p:cNvSpPr>
+            <a:spLocks noGrp="1"/>
           </p:cNvSpPr>
           <p:nvPr>
             <p:ph type="dt" sz="half" idx="10"/>
           </p:nvPr>
         </p:nvSpPr>
-        <p:spPr>
-          <a:ln/>
-        </p:spPr>
+        <p:spPr/>
         <p:txBody>
           <a:bodyPr/>
-          <a:lstStyle>
-            <a:lvl1pPr>
-              <a:defRPr/>
-            </a:lvl1pPr>
-          </a:lstStyle>
+          <a:lstStyle/>
           <a:p>
             <a:pPr>
               <a:defRPr/>
@@ -3648,24 +3665,18 @@
       </p:sp>
       <p:sp>
         <p:nvSpPr>
-          <p:cNvPr id="5" name="Rectangle 5"/>
-          <p:cNvSpPr>
-            <a:spLocks noGrp="1" noChangeArrowheads="1"/>
+          <p:cNvPr id="5" name="Footer Placeholder 4"/>
+          <p:cNvSpPr>
+            <a:spLocks noGrp="1"/>
           </p:cNvSpPr>
           <p:nvPr>
             <p:ph type="ftr" sz="quarter" idx="11"/>
           </p:nvPr>
         </p:nvSpPr>
-        <p:spPr>
-          <a:ln/>
-        </p:spPr>
+        <p:spPr/>
         <p:txBody>
           <a:bodyPr/>
-          <a:lstStyle>
-            <a:lvl1pPr>
-              <a:defRPr/>
-            </a:lvl1pPr>
-          </a:lstStyle>
+          <a:lstStyle/>
           <a:p>
             <a:pPr>
               <a:defRPr/>
@@ -3676,34 +3687,24 @@
       </p:sp>
       <p:sp>
         <p:nvSpPr>
-          <p:cNvPr id="6" name="Rectangle 6"/>
-          <p:cNvSpPr>
-            <a:spLocks noGrp="1" noChangeArrowheads="1"/>
+          <p:cNvPr id="6" name="Slide Number Placeholder 5"/>
+          <p:cNvSpPr>
+            <a:spLocks noGrp="1"/>
           </p:cNvSpPr>
           <p:nvPr>
             <p:ph type="sldNum" sz="quarter" idx="12"/>
           </p:nvPr>
         </p:nvSpPr>
-        <p:spPr>
-          <a:xfrm>
-            <a:off x="6400800" y="5768976"/>
-            <a:ext cx="2133600" cy="476251"/>
-          </a:xfrm>
-          <a:ln/>
-        </p:spPr>
+        <p:spPr/>
         <p:txBody>
           <a:bodyPr/>
-          <a:lstStyle>
-            <a:lvl1pPr>
-              <a:defRPr/>
-            </a:lvl1pPr>
-          </a:lstStyle>
+          <a:lstStyle/>
           <a:p>
             <a:pPr>
               <a:defRPr/>
             </a:pPr>
             <a:fld id="{77CB49CA-D13D-4260-BBBB-9F00A16D3248}" type="slidenum">
-              <a:rPr lang="en-US"/>
+              <a:rPr lang="en-US" smtClean="0"/>
               <a:pPr>
                 <a:defRPr/>
               </a:pPr>
@@ -3716,7 +3717,7 @@
     </p:spTree>
     <p:extLst>
       <p:ext uri="{BB962C8B-B14F-4D97-AF65-F5344CB8AC3E}">
-        <p14:creationId xmlns:p14="http://schemas.microsoft.com/office/powerpoint/2010/main" val="2977917827"/>
+        <p14:creationId xmlns:p14="http://schemas.microsoft.com/office/powerpoint/2010/main" val="2677497953"/>
       </p:ext>
     </p:extLst>
   </p:cSld>
@@ -3727,7 +3728,7 @@
 </file>
 
 <file path=ppt/slideLayouts/slideLayout10.xml><?xml version="1.0" encoding="utf-8"?>
-<p:sldLayout xmlns:a="http://schemas.openxmlformats.org/drawingml/2006/main" xmlns:r="http://schemas.openxmlformats.org/officeDocument/2006/relationships" xmlns:p="http://schemas.openxmlformats.org/presentationml/2006/main" type="vertTx" preserve="1">
+<p:sldLayout xmlns:a="http://schemas.openxmlformats.org/drawingml/2006/main" xmlns:r="http://schemas.openxmlformats.org/officeDocument/2006/relationships" xmlns:p="http://schemas.openxmlformats.org/presentationml/2006/main" showMasterSp="0" type="vertTx" preserve="1">
   <p:cSld name="Title and Vertical Text">
     <p:spTree>
       <p:nvGrpSpPr>
@@ -3820,24 +3821,18 @@
       </p:sp>
       <p:sp>
         <p:nvSpPr>
-          <p:cNvPr id="4" name="Rectangle 4"/>
-          <p:cNvSpPr>
-            <a:spLocks noGrp="1" noChangeArrowheads="1"/>
+          <p:cNvPr id="4" name="Date Placeholder 3"/>
+          <p:cNvSpPr>
+            <a:spLocks noGrp="1"/>
           </p:cNvSpPr>
           <p:nvPr>
             <p:ph type="dt" sz="half" idx="10"/>
           </p:nvPr>
         </p:nvSpPr>
-        <p:spPr>
-          <a:ln/>
-        </p:spPr>
+        <p:spPr/>
         <p:txBody>
           <a:bodyPr/>
-          <a:lstStyle>
-            <a:lvl1pPr>
-              <a:defRPr/>
-            </a:lvl1pPr>
-          </a:lstStyle>
+          <a:lstStyle/>
           <a:p>
             <a:pPr>
               <a:defRPr/>
@@ -3848,24 +3843,18 @@
       </p:sp>
       <p:sp>
         <p:nvSpPr>
-          <p:cNvPr id="5" name="Rectangle 5"/>
-          <p:cNvSpPr>
-            <a:spLocks noGrp="1" noChangeArrowheads="1"/>
+          <p:cNvPr id="5" name="Footer Placeholder 4"/>
+          <p:cNvSpPr>
+            <a:spLocks noGrp="1"/>
           </p:cNvSpPr>
           <p:nvPr>
             <p:ph type="ftr" sz="quarter" idx="11"/>
           </p:nvPr>
         </p:nvSpPr>
-        <p:spPr>
-          <a:ln/>
-        </p:spPr>
+        <p:spPr/>
         <p:txBody>
           <a:bodyPr/>
-          <a:lstStyle>
-            <a:lvl1pPr>
-              <a:defRPr/>
-            </a:lvl1pPr>
-          </a:lstStyle>
+          <a:lstStyle/>
           <a:p>
             <a:pPr>
               <a:defRPr/>
@@ -3876,30 +3865,24 @@
       </p:sp>
       <p:sp>
         <p:nvSpPr>
-          <p:cNvPr id="6" name="Rectangle 6"/>
-          <p:cNvSpPr>
-            <a:spLocks noGrp="1" noChangeArrowheads="1"/>
+          <p:cNvPr id="6" name="Slide Number Placeholder 5"/>
+          <p:cNvSpPr>
+            <a:spLocks noGrp="1"/>
           </p:cNvSpPr>
           <p:nvPr>
             <p:ph type="sldNum" sz="quarter" idx="12"/>
           </p:nvPr>
         </p:nvSpPr>
-        <p:spPr>
-          <a:ln/>
-        </p:spPr>
+        <p:spPr/>
         <p:txBody>
           <a:bodyPr/>
-          <a:lstStyle>
-            <a:lvl1pPr>
-              <a:defRPr/>
-            </a:lvl1pPr>
-          </a:lstStyle>
+          <a:lstStyle/>
           <a:p>
             <a:pPr>
               <a:defRPr/>
             </a:pPr>
             <a:fld id="{86F25C1A-5F2B-476F-A304-5E4FF49A6AA8}" type="slidenum">
-              <a:rPr lang="en-US"/>
+              <a:rPr lang="en-US" smtClean="0"/>
               <a:pPr>
                 <a:defRPr/>
               </a:pPr>
@@ -3912,7 +3895,7 @@
     </p:spTree>
     <p:extLst>
       <p:ext uri="{BB962C8B-B14F-4D97-AF65-F5344CB8AC3E}">
-        <p14:creationId xmlns:p14="http://schemas.microsoft.com/office/powerpoint/2010/main" val="2830038771"/>
+        <p14:creationId xmlns:p14="http://schemas.microsoft.com/office/powerpoint/2010/main" val="245141199"/>
       </p:ext>
     </p:extLst>
   </p:cSld>
@@ -3923,7 +3906,7 @@
 </file>
 
 <file path=ppt/slideLayouts/slideLayout11.xml><?xml version="1.0" encoding="utf-8"?>
-<p:sldLayout xmlns:a="http://schemas.openxmlformats.org/drawingml/2006/main" xmlns:r="http://schemas.openxmlformats.org/officeDocument/2006/relationships" xmlns:p="http://schemas.openxmlformats.org/presentationml/2006/main" type="vertTitleAndTx" preserve="1">
+<p:sldLayout xmlns:a="http://schemas.openxmlformats.org/drawingml/2006/main" xmlns:r="http://schemas.openxmlformats.org/officeDocument/2006/relationships" xmlns:p="http://schemas.openxmlformats.org/presentationml/2006/main" showMasterSp="0" type="vertTitleAndTx" preserve="1">
   <p:cSld name="Vertical Title and Text">
     <p:spTree>
       <p:nvGrpSpPr>
@@ -3951,8 +3934,8 @@
         </p:nvSpPr>
         <p:spPr>
           <a:xfrm>
-            <a:off x="6629400" y="274640"/>
-            <a:ext cx="2057400" cy="5851525"/>
+            <a:off x="6543675" y="365125"/>
+            <a:ext cx="1971675" cy="5811838"/>
           </a:xfrm>
         </p:spPr>
         <p:txBody>
@@ -3979,8 +3962,8 @@
         </p:nvSpPr>
         <p:spPr>
           <a:xfrm>
-            <a:off x="457200" y="274640"/>
-            <a:ext cx="6019800" cy="5851525"/>
+            <a:off x="628650" y="365125"/>
+            <a:ext cx="5800725" cy="5811838"/>
           </a:xfrm>
         </p:spPr>
         <p:txBody>
@@ -4026,24 +4009,18 @@
       </p:sp>
       <p:sp>
         <p:nvSpPr>
-          <p:cNvPr id="4" name="Rectangle 4"/>
-          <p:cNvSpPr>
-            <a:spLocks noGrp="1" noChangeArrowheads="1"/>
+          <p:cNvPr id="4" name="Date Placeholder 3"/>
+          <p:cNvSpPr>
+            <a:spLocks noGrp="1"/>
           </p:cNvSpPr>
           <p:nvPr>
             <p:ph type="dt" sz="half" idx="10"/>
           </p:nvPr>
         </p:nvSpPr>
-        <p:spPr>
-          <a:ln/>
-        </p:spPr>
+        <p:spPr/>
         <p:txBody>
           <a:bodyPr/>
-          <a:lstStyle>
-            <a:lvl1pPr>
-              <a:defRPr/>
-            </a:lvl1pPr>
-          </a:lstStyle>
+          <a:lstStyle/>
           <a:p>
             <a:pPr>
               <a:defRPr/>
@@ -4054,24 +4031,18 @@
       </p:sp>
       <p:sp>
         <p:nvSpPr>
-          <p:cNvPr id="5" name="Rectangle 5"/>
-          <p:cNvSpPr>
-            <a:spLocks noGrp="1" noChangeArrowheads="1"/>
+          <p:cNvPr id="5" name="Footer Placeholder 4"/>
+          <p:cNvSpPr>
+            <a:spLocks noGrp="1"/>
           </p:cNvSpPr>
           <p:nvPr>
             <p:ph type="ftr" sz="quarter" idx="11"/>
           </p:nvPr>
         </p:nvSpPr>
-        <p:spPr>
-          <a:ln/>
-        </p:spPr>
+        <p:spPr/>
         <p:txBody>
           <a:bodyPr/>
-          <a:lstStyle>
-            <a:lvl1pPr>
-              <a:defRPr/>
-            </a:lvl1pPr>
-          </a:lstStyle>
+          <a:lstStyle/>
           <a:p>
             <a:pPr>
               <a:defRPr/>
@@ -4082,30 +4053,24 @@
       </p:sp>
       <p:sp>
         <p:nvSpPr>
-          <p:cNvPr id="6" name="Rectangle 6"/>
-          <p:cNvSpPr>
-            <a:spLocks noGrp="1" noChangeArrowheads="1"/>
+          <p:cNvPr id="6" name="Slide Number Placeholder 5"/>
+          <p:cNvSpPr>
+            <a:spLocks noGrp="1"/>
           </p:cNvSpPr>
           <p:nvPr>
             <p:ph type="sldNum" sz="quarter" idx="12"/>
           </p:nvPr>
         </p:nvSpPr>
-        <p:spPr>
-          <a:ln/>
-        </p:spPr>
+        <p:spPr/>
         <p:txBody>
           <a:bodyPr/>
-          <a:lstStyle>
-            <a:lvl1pPr>
-              <a:defRPr/>
-            </a:lvl1pPr>
-          </a:lstStyle>
+          <a:lstStyle/>
           <a:p>
             <a:pPr>
               <a:defRPr/>
             </a:pPr>
             <a:fld id="{3B62280B-1FC4-40EC-BDA0-55C663884E07}" type="slidenum">
-              <a:rPr lang="en-US"/>
+              <a:rPr lang="en-US" smtClean="0"/>
               <a:pPr>
                 <a:defRPr/>
               </a:pPr>
@@ -4118,7 +4083,7 @@
     </p:spTree>
     <p:extLst>
       <p:ext uri="{BB962C8B-B14F-4D97-AF65-F5344CB8AC3E}">
-        <p14:creationId xmlns:p14="http://schemas.microsoft.com/office/powerpoint/2010/main" val="525801370"/>
+        <p14:creationId xmlns:p14="http://schemas.microsoft.com/office/powerpoint/2010/main" val="3575767315"/>
       </p:ext>
     </p:extLst>
   </p:cSld>
@@ -4129,7 +4094,7 @@
 </file>
 
 <file path=ppt/slideLayouts/slideLayout2.xml><?xml version="1.0" encoding="utf-8"?>
-<p:sldLayout xmlns:a="http://schemas.openxmlformats.org/drawingml/2006/main" xmlns:r="http://schemas.openxmlformats.org/officeDocument/2006/relationships" xmlns:p="http://schemas.openxmlformats.org/presentationml/2006/main" type="obj" preserve="1">
+<p:sldLayout xmlns:a="http://schemas.openxmlformats.org/drawingml/2006/main" xmlns:r="http://schemas.openxmlformats.org/officeDocument/2006/relationships" xmlns:p="http://schemas.openxmlformats.org/presentationml/2006/main" showMasterSp="0" type="obj" preserve="1">
   <p:cSld name="Title and Content">
     <p:spTree>
       <p:nvGrpSpPr>
@@ -4222,24 +4187,18 @@
       </p:sp>
       <p:sp>
         <p:nvSpPr>
-          <p:cNvPr id="4" name="Rectangle 4"/>
-          <p:cNvSpPr>
-            <a:spLocks noGrp="1" noChangeArrowheads="1"/>
+          <p:cNvPr id="4" name="Date Placeholder 3"/>
+          <p:cNvSpPr>
+            <a:spLocks noGrp="1"/>
           </p:cNvSpPr>
           <p:nvPr>
             <p:ph type="dt" sz="half" idx="10"/>
           </p:nvPr>
         </p:nvSpPr>
-        <p:spPr>
-          <a:ln/>
-        </p:spPr>
+        <p:spPr/>
         <p:txBody>
           <a:bodyPr/>
-          <a:lstStyle>
-            <a:lvl1pPr>
-              <a:defRPr/>
-            </a:lvl1pPr>
-          </a:lstStyle>
+          <a:lstStyle/>
           <a:p>
             <a:pPr>
               <a:defRPr/>
@@ -4250,24 +4209,18 @@
       </p:sp>
       <p:sp>
         <p:nvSpPr>
-          <p:cNvPr id="5" name="Rectangle 5"/>
-          <p:cNvSpPr>
-            <a:spLocks noGrp="1" noChangeArrowheads="1"/>
+          <p:cNvPr id="5" name="Footer Placeholder 4"/>
+          <p:cNvSpPr>
+            <a:spLocks noGrp="1"/>
           </p:cNvSpPr>
           <p:nvPr>
             <p:ph type="ftr" sz="quarter" idx="11"/>
           </p:nvPr>
         </p:nvSpPr>
-        <p:spPr>
-          <a:ln/>
-        </p:spPr>
+        <p:spPr/>
         <p:txBody>
           <a:bodyPr/>
-          <a:lstStyle>
-            <a:lvl1pPr>
-              <a:defRPr/>
-            </a:lvl1pPr>
-          </a:lstStyle>
+          <a:lstStyle/>
           <a:p>
             <a:pPr>
               <a:defRPr/>
@@ -4278,34 +4231,24 @@
       </p:sp>
       <p:sp>
         <p:nvSpPr>
-          <p:cNvPr id="6" name="Rectangle 6"/>
-          <p:cNvSpPr>
-            <a:spLocks noGrp="1" noChangeArrowheads="1"/>
+          <p:cNvPr id="6" name="Slide Number Placeholder 5"/>
+          <p:cNvSpPr>
+            <a:spLocks noGrp="1"/>
           </p:cNvSpPr>
           <p:nvPr>
             <p:ph type="sldNum" sz="quarter" idx="12"/>
           </p:nvPr>
         </p:nvSpPr>
-        <p:spPr>
-          <a:xfrm>
-            <a:off x="5410200" y="3225801"/>
-            <a:ext cx="2133600" cy="476251"/>
-          </a:xfrm>
-          <a:ln/>
-        </p:spPr>
+        <p:spPr/>
         <p:txBody>
           <a:bodyPr/>
-          <a:lstStyle>
-            <a:lvl1pPr>
-              <a:defRPr/>
-            </a:lvl1pPr>
-          </a:lstStyle>
+          <a:lstStyle/>
           <a:p>
             <a:pPr>
               <a:defRPr/>
             </a:pPr>
             <a:fld id="{40F910DE-2C89-4E00-ABCE-598392C4701C}" type="slidenum">
-              <a:rPr lang="en-US"/>
+              <a:rPr lang="en-US" smtClean="0"/>
               <a:pPr>
                 <a:defRPr/>
               </a:pPr>
@@ -4318,7 +4261,7 @@
     </p:spTree>
     <p:extLst>
       <p:ext uri="{BB962C8B-B14F-4D97-AF65-F5344CB8AC3E}">
-        <p14:creationId xmlns:p14="http://schemas.microsoft.com/office/powerpoint/2010/main" val="555883899"/>
+        <p14:creationId xmlns:p14="http://schemas.microsoft.com/office/powerpoint/2010/main" val="1129736352"/>
       </p:ext>
     </p:extLst>
   </p:cSld>
@@ -4329,7 +4272,7 @@
 </file>
 
 <file path=ppt/slideLayouts/slideLayout3.xml><?xml version="1.0" encoding="utf-8"?>
-<p:sldLayout xmlns:a="http://schemas.openxmlformats.org/drawingml/2006/main" xmlns:r="http://schemas.openxmlformats.org/officeDocument/2006/relationships" xmlns:p="http://schemas.openxmlformats.org/presentationml/2006/main" type="secHead" preserve="1">
+<p:sldLayout xmlns:a="http://schemas.openxmlformats.org/drawingml/2006/main" xmlns:r="http://schemas.openxmlformats.org/officeDocument/2006/relationships" xmlns:p="http://schemas.openxmlformats.org/presentationml/2006/main" showMasterSp="0" type="secHead" preserve="1">
   <p:cSld name="Section Header">
     <p:spTree>
       <p:nvGrpSpPr>
@@ -4357,15 +4300,15 @@
         </p:nvSpPr>
         <p:spPr>
           <a:xfrm>
-            <a:off x="722313" y="4406901"/>
-            <a:ext cx="7772400" cy="1362075"/>
+            <a:off x="623888" y="1709739"/>
+            <a:ext cx="7886700" cy="2852737"/>
           </a:xfrm>
         </p:spPr>
         <p:txBody>
-          <a:bodyPr anchor="t"/>
+          <a:bodyPr anchor="b"/>
           <a:lstStyle>
-            <a:lvl1pPr algn="l">
-              <a:defRPr sz="4000" b="1" cap="all"/>
+            <a:lvl1pPr>
+              <a:defRPr sz="4500"/>
             </a:lvl1pPr>
           </a:lstStyle>
           <a:p>
@@ -4389,48 +4332,102 @@
         </p:nvSpPr>
         <p:spPr>
           <a:xfrm>
-            <a:off x="722313" y="2906713"/>
-            <a:ext cx="7772400" cy="1500187"/>
+            <a:off x="623888" y="4589464"/>
+            <a:ext cx="7886700" cy="1500187"/>
           </a:xfrm>
         </p:spPr>
         <p:txBody>
-          <a:bodyPr anchor="b"/>
+          <a:bodyPr/>
           <a:lstStyle>
             <a:lvl1pPr marL="0" indent="0">
               <a:buNone/>
-              <a:defRPr sz="2000"/>
+              <a:defRPr sz="1800">
+                <a:solidFill>
+                  <a:schemeClr val="tx1">
+                    <a:tint val="75000"/>
+                  </a:schemeClr>
+                </a:solidFill>
+              </a:defRPr>
             </a:lvl1pPr>
-            <a:lvl2pPr marL="457200" indent="0">
+            <a:lvl2pPr marL="342900" indent="0">
               <a:buNone/>
-              <a:defRPr sz="1800"/>
+              <a:defRPr sz="1500">
+                <a:solidFill>
+                  <a:schemeClr val="tx1">
+                    <a:tint val="75000"/>
+                  </a:schemeClr>
+                </a:solidFill>
+              </a:defRPr>
             </a:lvl2pPr>
-            <a:lvl3pPr marL="914400" indent="0">
+            <a:lvl3pPr marL="685800" indent="0">
               <a:buNone/>
-              <a:defRPr sz="1600"/>
+              <a:defRPr sz="1350">
+                <a:solidFill>
+                  <a:schemeClr val="tx1">
+                    <a:tint val="75000"/>
+                  </a:schemeClr>
+                </a:solidFill>
+              </a:defRPr>
             </a:lvl3pPr>
-            <a:lvl4pPr marL="1371600" indent="0">
+            <a:lvl4pPr marL="1028700" indent="0">
               <a:buNone/>
-              <a:defRPr sz="1400"/>
+              <a:defRPr sz="1200">
+                <a:solidFill>
+                  <a:schemeClr val="tx1">
+                    <a:tint val="75000"/>
+                  </a:schemeClr>
+                </a:solidFill>
+              </a:defRPr>
             </a:lvl4pPr>
-            <a:lvl5pPr marL="1828800" indent="0">
+            <a:lvl5pPr marL="1371600" indent="0">
               <a:buNone/>
-              <a:defRPr sz="1400"/>
+              <a:defRPr sz="1200">
+                <a:solidFill>
+                  <a:schemeClr val="tx1">
+                    <a:tint val="75000"/>
+                  </a:schemeClr>
+                </a:solidFill>
+              </a:defRPr>
             </a:lvl5pPr>
-            <a:lvl6pPr marL="2286000" indent="0">
+            <a:lvl6pPr marL="1714500" indent="0">
               <a:buNone/>
-              <a:defRPr sz="1400"/>
+              <a:defRPr sz="1200">
+                <a:solidFill>
+                  <a:schemeClr val="tx1">
+                    <a:tint val="75000"/>
+                  </a:schemeClr>
+                </a:solidFill>
+              </a:defRPr>
             </a:lvl6pPr>
-            <a:lvl7pPr marL="2743200" indent="0">
+            <a:lvl7pPr marL="2057400" indent="0">
               <a:buNone/>
-              <a:defRPr sz="1400"/>
+              <a:defRPr sz="1200">
+                <a:solidFill>
+                  <a:schemeClr val="tx1">
+                    <a:tint val="75000"/>
+                  </a:schemeClr>
+                </a:solidFill>
+              </a:defRPr>
             </a:lvl7pPr>
-            <a:lvl8pPr marL="3200400" indent="0">
+            <a:lvl8pPr marL="2400300" indent="0">
               <a:buNone/>
-              <a:defRPr sz="1400"/>
+              <a:defRPr sz="1200">
+                <a:solidFill>
+                  <a:schemeClr val="tx1">
+                    <a:tint val="75000"/>
+                  </a:schemeClr>
+                </a:solidFill>
+              </a:defRPr>
             </a:lvl8pPr>
-            <a:lvl9pPr marL="3657600" indent="0">
+            <a:lvl9pPr marL="2743200" indent="0">
               <a:buNone/>
-              <a:defRPr sz="1400"/>
+              <a:defRPr sz="1200">
+                <a:solidFill>
+                  <a:schemeClr val="tx1">
+                    <a:tint val="75000"/>
+                  </a:schemeClr>
+                </a:solidFill>
+              </a:defRPr>
             </a:lvl9pPr>
           </a:lstStyle>
           <a:p>
@@ -4444,24 +4441,18 @@
       </p:sp>
       <p:sp>
         <p:nvSpPr>
-          <p:cNvPr id="4" name="Rectangle 4"/>
-          <p:cNvSpPr>
-            <a:spLocks noGrp="1" noChangeArrowheads="1"/>
+          <p:cNvPr id="4" name="Date Placeholder 3"/>
+          <p:cNvSpPr>
+            <a:spLocks noGrp="1"/>
           </p:cNvSpPr>
           <p:nvPr>
             <p:ph type="dt" sz="half" idx="10"/>
           </p:nvPr>
         </p:nvSpPr>
-        <p:spPr>
-          <a:ln/>
-        </p:spPr>
+        <p:spPr/>
         <p:txBody>
           <a:bodyPr/>
-          <a:lstStyle>
-            <a:lvl1pPr>
-              <a:defRPr/>
-            </a:lvl1pPr>
-          </a:lstStyle>
+          <a:lstStyle/>
           <a:p>
             <a:pPr>
               <a:defRPr/>
@@ -4472,24 +4463,18 @@
       </p:sp>
       <p:sp>
         <p:nvSpPr>
-          <p:cNvPr id="5" name="Rectangle 5"/>
-          <p:cNvSpPr>
-            <a:spLocks noGrp="1" noChangeArrowheads="1"/>
+          <p:cNvPr id="5" name="Footer Placeholder 4"/>
+          <p:cNvSpPr>
+            <a:spLocks noGrp="1"/>
           </p:cNvSpPr>
           <p:nvPr>
             <p:ph type="ftr" sz="quarter" idx="11"/>
           </p:nvPr>
         </p:nvSpPr>
-        <p:spPr>
-          <a:ln/>
-        </p:spPr>
+        <p:spPr/>
         <p:txBody>
           <a:bodyPr/>
-          <a:lstStyle>
-            <a:lvl1pPr>
-              <a:defRPr/>
-            </a:lvl1pPr>
-          </a:lstStyle>
+          <a:lstStyle/>
           <a:p>
             <a:pPr>
               <a:defRPr/>
@@ -4500,30 +4485,24 @@
       </p:sp>
       <p:sp>
         <p:nvSpPr>
-          <p:cNvPr id="6" name="Rectangle 6"/>
-          <p:cNvSpPr>
-            <a:spLocks noGrp="1" noChangeArrowheads="1"/>
+          <p:cNvPr id="6" name="Slide Number Placeholder 5"/>
+          <p:cNvSpPr>
+            <a:spLocks noGrp="1"/>
           </p:cNvSpPr>
           <p:nvPr>
             <p:ph type="sldNum" sz="quarter" idx="12"/>
           </p:nvPr>
         </p:nvSpPr>
-        <p:spPr>
-          <a:ln/>
-        </p:spPr>
+        <p:spPr/>
         <p:txBody>
           <a:bodyPr/>
-          <a:lstStyle>
-            <a:lvl1pPr>
-              <a:defRPr/>
-            </a:lvl1pPr>
-          </a:lstStyle>
+          <a:lstStyle/>
           <a:p>
             <a:pPr>
               <a:defRPr/>
             </a:pPr>
             <a:fld id="{B6DBC78B-A7C8-41F0-8E2E-F665C6572ECA}" type="slidenum">
-              <a:rPr lang="en-US"/>
+              <a:rPr lang="en-US" smtClean="0"/>
               <a:pPr>
                 <a:defRPr/>
               </a:pPr>
@@ -4536,7 +4515,7 @@
     </p:spTree>
     <p:extLst>
       <p:ext uri="{BB962C8B-B14F-4D97-AF65-F5344CB8AC3E}">
-        <p14:creationId xmlns:p14="http://schemas.microsoft.com/office/powerpoint/2010/main" val="3301961114"/>
+        <p14:creationId xmlns:p14="http://schemas.microsoft.com/office/powerpoint/2010/main" val="2720642689"/>
       </p:ext>
     </p:extLst>
   </p:cSld>
@@ -4547,7 +4526,7 @@
 </file>
 
 <file path=ppt/slideLayouts/slideLayout4.xml><?xml version="1.0" encoding="utf-8"?>
-<p:sldLayout xmlns:a="http://schemas.openxmlformats.org/drawingml/2006/main" xmlns:r="http://schemas.openxmlformats.org/officeDocument/2006/relationships" xmlns:p="http://schemas.openxmlformats.org/presentationml/2006/main" type="twoObj" preserve="1">
+<p:sldLayout xmlns:a="http://schemas.openxmlformats.org/drawingml/2006/main" xmlns:r="http://schemas.openxmlformats.org/officeDocument/2006/relationships" xmlns:p="http://schemas.openxmlformats.org/presentationml/2006/main" showMasterSp="0" type="twoObj" preserve="1">
   <p:cSld name="Two Content">
     <p:spTree>
       <p:nvGrpSpPr>
@@ -4598,41 +4577,13 @@
         </p:nvSpPr>
         <p:spPr>
           <a:xfrm>
-            <a:off x="457200" y="1600201"/>
-            <a:ext cx="4038600" cy="4525963"/>
+            <a:off x="628650" y="1825625"/>
+            <a:ext cx="3886200" cy="4351338"/>
           </a:xfrm>
         </p:spPr>
         <p:txBody>
           <a:bodyPr/>
-          <a:lstStyle>
-            <a:lvl1pPr>
-              <a:defRPr sz="2800"/>
-            </a:lvl1pPr>
-            <a:lvl2pPr>
-              <a:defRPr sz="2400"/>
-            </a:lvl2pPr>
-            <a:lvl3pPr>
-              <a:defRPr sz="2000"/>
-            </a:lvl3pPr>
-            <a:lvl4pPr>
-              <a:defRPr sz="1800"/>
-            </a:lvl4pPr>
-            <a:lvl5pPr>
-              <a:defRPr sz="1800"/>
-            </a:lvl5pPr>
-            <a:lvl6pPr>
-              <a:defRPr sz="1800"/>
-            </a:lvl6pPr>
-            <a:lvl7pPr>
-              <a:defRPr sz="1800"/>
-            </a:lvl7pPr>
-            <a:lvl8pPr>
-              <a:defRPr sz="1800"/>
-            </a:lvl8pPr>
-            <a:lvl9pPr>
-              <a:defRPr sz="1800"/>
-            </a:lvl9pPr>
-          </a:lstStyle>
+          <a:lstStyle/>
           <a:p>
             <a:pPr lvl="0"/>
             <a:r>
@@ -4683,41 +4634,13 @@
         </p:nvSpPr>
         <p:spPr>
           <a:xfrm>
-            <a:off x="4648200" y="1600201"/>
-            <a:ext cx="4038600" cy="4525963"/>
+            <a:off x="4629150" y="1825625"/>
+            <a:ext cx="3886200" cy="4351338"/>
           </a:xfrm>
         </p:spPr>
         <p:txBody>
           <a:bodyPr/>
-          <a:lstStyle>
-            <a:lvl1pPr>
-              <a:defRPr sz="2800"/>
-            </a:lvl1pPr>
-            <a:lvl2pPr>
-              <a:defRPr sz="2400"/>
-            </a:lvl2pPr>
-            <a:lvl3pPr>
-              <a:defRPr sz="2000"/>
-            </a:lvl3pPr>
-            <a:lvl4pPr>
-              <a:defRPr sz="1800"/>
-            </a:lvl4pPr>
-            <a:lvl5pPr>
-              <a:defRPr sz="1800"/>
-            </a:lvl5pPr>
-            <a:lvl6pPr>
-              <a:defRPr sz="1800"/>
-            </a:lvl6pPr>
-            <a:lvl7pPr>
-              <a:defRPr sz="1800"/>
-            </a:lvl7pPr>
-            <a:lvl8pPr>
-              <a:defRPr sz="1800"/>
-            </a:lvl8pPr>
-            <a:lvl9pPr>
-              <a:defRPr sz="1800"/>
-            </a:lvl9pPr>
-          </a:lstStyle>
+          <a:lstStyle/>
           <a:p>
             <a:pPr lvl="0"/>
             <a:r>
@@ -4758,24 +4681,18 @@
       </p:sp>
       <p:sp>
         <p:nvSpPr>
-          <p:cNvPr id="5" name="Rectangle 4"/>
-          <p:cNvSpPr>
-            <a:spLocks noGrp="1" noChangeArrowheads="1"/>
+          <p:cNvPr id="5" name="Date Placeholder 4"/>
+          <p:cNvSpPr>
+            <a:spLocks noGrp="1"/>
           </p:cNvSpPr>
           <p:nvPr>
             <p:ph type="dt" sz="half" idx="10"/>
           </p:nvPr>
         </p:nvSpPr>
-        <p:spPr>
-          <a:ln/>
-        </p:spPr>
+        <p:spPr/>
         <p:txBody>
           <a:bodyPr/>
-          <a:lstStyle>
-            <a:lvl1pPr>
-              <a:defRPr/>
-            </a:lvl1pPr>
-          </a:lstStyle>
+          <a:lstStyle/>
           <a:p>
             <a:pPr>
               <a:defRPr/>
@@ -4786,24 +4703,18 @@
       </p:sp>
       <p:sp>
         <p:nvSpPr>
-          <p:cNvPr id="6" name="Rectangle 5"/>
-          <p:cNvSpPr>
-            <a:spLocks noGrp="1" noChangeArrowheads="1"/>
+          <p:cNvPr id="6" name="Footer Placeholder 5"/>
+          <p:cNvSpPr>
+            <a:spLocks noGrp="1"/>
           </p:cNvSpPr>
           <p:nvPr>
             <p:ph type="ftr" sz="quarter" idx="11"/>
           </p:nvPr>
         </p:nvSpPr>
-        <p:spPr>
-          <a:ln/>
-        </p:spPr>
+        <p:spPr/>
         <p:txBody>
           <a:bodyPr/>
-          <a:lstStyle>
-            <a:lvl1pPr>
-              <a:defRPr/>
-            </a:lvl1pPr>
-          </a:lstStyle>
+          <a:lstStyle/>
           <a:p>
             <a:pPr>
               <a:defRPr/>
@@ -4814,30 +4725,24 @@
       </p:sp>
       <p:sp>
         <p:nvSpPr>
-          <p:cNvPr id="7" name="Rectangle 6"/>
-          <p:cNvSpPr>
-            <a:spLocks noGrp="1" noChangeArrowheads="1"/>
+          <p:cNvPr id="7" name="Slide Number Placeholder 6"/>
+          <p:cNvSpPr>
+            <a:spLocks noGrp="1"/>
           </p:cNvSpPr>
           <p:nvPr>
             <p:ph type="sldNum" sz="quarter" idx="12"/>
           </p:nvPr>
         </p:nvSpPr>
-        <p:spPr>
-          <a:ln/>
-        </p:spPr>
+        <p:spPr/>
         <p:txBody>
           <a:bodyPr/>
-          <a:lstStyle>
-            <a:lvl1pPr>
-              <a:defRPr/>
-            </a:lvl1pPr>
-          </a:lstStyle>
+          <a:lstStyle/>
           <a:p>
             <a:pPr>
               <a:defRPr/>
             </a:pPr>
             <a:fld id="{9B33DEA5-3236-49DF-A87B-8A60F6D569C7}" type="slidenum">
-              <a:rPr lang="en-US"/>
+              <a:rPr lang="en-US" smtClean="0"/>
               <a:pPr>
                 <a:defRPr/>
               </a:pPr>
@@ -4850,7 +4755,7 @@
     </p:spTree>
     <p:extLst>
       <p:ext uri="{BB962C8B-B14F-4D97-AF65-F5344CB8AC3E}">
-        <p14:creationId xmlns:p14="http://schemas.microsoft.com/office/powerpoint/2010/main" val="3045020230"/>
+        <p14:creationId xmlns:p14="http://schemas.microsoft.com/office/powerpoint/2010/main" val="302333347"/>
       </p:ext>
     </p:extLst>
   </p:cSld>
@@ -4861,7 +4766,7 @@
 </file>
 
 <file path=ppt/slideLayouts/slideLayout5.xml><?xml version="1.0" encoding="utf-8"?>
-<p:sldLayout xmlns:a="http://schemas.openxmlformats.org/drawingml/2006/main" xmlns:r="http://schemas.openxmlformats.org/officeDocument/2006/relationships" xmlns:p="http://schemas.openxmlformats.org/presentationml/2006/main" type="twoTxTwoObj" preserve="1">
+<p:sldLayout xmlns:a="http://schemas.openxmlformats.org/drawingml/2006/main" xmlns:r="http://schemas.openxmlformats.org/officeDocument/2006/relationships" xmlns:p="http://schemas.openxmlformats.org/presentationml/2006/main" showMasterSp="0" type="twoTxTwoObj" preserve="1">
   <p:cSld name="Comparison">
     <p:spTree>
       <p:nvGrpSpPr>
@@ -4887,37 +4792,38 @@
             <p:ph type="title"/>
           </p:nvPr>
         </p:nvSpPr>
-        <p:spPr/>
-        <p:txBody>
-          <a:bodyPr/>
-          <a:lstStyle>
-            <a:lvl1pPr>
-              <a:defRPr/>
-            </a:lvl1pPr>
-          </a:lstStyle>
-          <a:p>
-            <a:r>
-              <a:rPr lang="en-US" smtClean="0"/>
-              <a:t>Click to edit Master title style</a:t>
-            </a:r>
-            <a:endParaRPr lang="en-US"/>
-          </a:p>
-        </p:txBody>
-      </p:sp>
-      <p:sp>
-        <p:nvSpPr>
-          <p:cNvPr id="3" name="Text Placeholder 2"/>
-          <p:cNvSpPr>
-            <a:spLocks noGrp="1"/>
-          </p:cNvSpPr>
-          <p:nvPr>
-            <p:ph type="body" idx="1"/>
-          </p:nvPr>
-        </p:nvSpPr>
         <p:spPr>
           <a:xfrm>
-            <a:off x="457200" y="1535113"/>
-            <a:ext cx="4040188" cy="639763"/>
+            <a:off x="629841" y="365126"/>
+            <a:ext cx="7886700" cy="1325563"/>
+          </a:xfrm>
+        </p:spPr>
+        <p:txBody>
+          <a:bodyPr/>
+          <a:lstStyle/>
+          <a:p>
+            <a:r>
+              <a:rPr lang="en-US" smtClean="0"/>
+              <a:t>Click to edit Master title style</a:t>
+            </a:r>
+            <a:endParaRPr lang="en-US"/>
+          </a:p>
+        </p:txBody>
+      </p:sp>
+      <p:sp>
+        <p:nvSpPr>
+          <p:cNvPr id="3" name="Text Placeholder 2"/>
+          <p:cNvSpPr>
+            <a:spLocks noGrp="1"/>
+          </p:cNvSpPr>
+          <p:nvPr>
+            <p:ph type="body" idx="1"/>
+          </p:nvPr>
+        </p:nvSpPr>
+        <p:spPr>
+          <a:xfrm>
+            <a:off x="629842" y="1681163"/>
+            <a:ext cx="3868340" cy="823912"/>
           </a:xfrm>
         </p:spPr>
         <p:txBody>
@@ -4925,39 +4831,39 @@
           <a:lstStyle>
             <a:lvl1pPr marL="0" indent="0">
               <a:buNone/>
-              <a:defRPr sz="2400" b="1"/>
+              <a:defRPr sz="1800" b="1"/>
             </a:lvl1pPr>
-            <a:lvl2pPr marL="457200" indent="0">
+            <a:lvl2pPr marL="342900" indent="0">
               <a:buNone/>
-              <a:defRPr sz="2000" b="1"/>
+              <a:defRPr sz="1500" b="1"/>
             </a:lvl2pPr>
-            <a:lvl3pPr marL="914400" indent="0">
+            <a:lvl3pPr marL="685800" indent="0">
               <a:buNone/>
-              <a:defRPr sz="1800" b="1"/>
+              <a:defRPr sz="1350" b="1"/>
             </a:lvl3pPr>
-            <a:lvl4pPr marL="1371600" indent="0">
+            <a:lvl4pPr marL="1028700" indent="0">
               <a:buNone/>
-              <a:defRPr sz="1600" b="1"/>
+              <a:defRPr sz="1200" b="1"/>
             </a:lvl4pPr>
-            <a:lvl5pPr marL="1828800" indent="0">
+            <a:lvl5pPr marL="1371600" indent="0">
               <a:buNone/>
-              <a:defRPr sz="1600" b="1"/>
+              <a:defRPr sz="1200" b="1"/>
             </a:lvl5pPr>
-            <a:lvl6pPr marL="2286000" indent="0">
+            <a:lvl6pPr marL="1714500" indent="0">
               <a:buNone/>
-              <a:defRPr sz="1600" b="1"/>
+              <a:defRPr sz="1200" b="1"/>
             </a:lvl6pPr>
-            <a:lvl7pPr marL="2743200" indent="0">
+            <a:lvl7pPr marL="2057400" indent="0">
               <a:buNone/>
-              <a:defRPr sz="1600" b="1"/>
+              <a:defRPr sz="1200" b="1"/>
             </a:lvl7pPr>
-            <a:lvl8pPr marL="3200400" indent="0">
+            <a:lvl8pPr marL="2400300" indent="0">
               <a:buNone/>
-              <a:defRPr sz="1600" b="1"/>
+              <a:defRPr sz="1200" b="1"/>
             </a:lvl8pPr>
-            <a:lvl9pPr marL="3657600" indent="0">
+            <a:lvl9pPr marL="2743200" indent="0">
               <a:buNone/>
-              <a:defRPr sz="1600" b="1"/>
+              <a:defRPr sz="1200" b="1"/>
             </a:lvl9pPr>
           </a:lstStyle>
           <a:p>
@@ -4981,41 +4887,13 @@
         </p:nvSpPr>
         <p:spPr>
           <a:xfrm>
-            <a:off x="457200" y="2174875"/>
-            <a:ext cx="4040188" cy="3951288"/>
+            <a:off x="629842" y="2505075"/>
+            <a:ext cx="3868340" cy="3684588"/>
           </a:xfrm>
         </p:spPr>
         <p:txBody>
           <a:bodyPr/>
-          <a:lstStyle>
-            <a:lvl1pPr>
-              <a:defRPr sz="2400"/>
-            </a:lvl1pPr>
-            <a:lvl2pPr>
-              <a:defRPr sz="2000"/>
-            </a:lvl2pPr>
-            <a:lvl3pPr>
-              <a:defRPr sz="1800"/>
-            </a:lvl3pPr>
-            <a:lvl4pPr>
-              <a:defRPr sz="1600"/>
-            </a:lvl4pPr>
-            <a:lvl5pPr>
-              <a:defRPr sz="1600"/>
-            </a:lvl5pPr>
-            <a:lvl6pPr>
-              <a:defRPr sz="1600"/>
-            </a:lvl6pPr>
-            <a:lvl7pPr>
-              <a:defRPr sz="1600"/>
-            </a:lvl7pPr>
-            <a:lvl8pPr>
-              <a:defRPr sz="1600"/>
-            </a:lvl8pPr>
-            <a:lvl9pPr>
-              <a:defRPr sz="1600"/>
-            </a:lvl9pPr>
-          </a:lstStyle>
+          <a:lstStyle/>
           <a:p>
             <a:pPr lvl="0"/>
             <a:r>
@@ -5066,8 +4944,8 @@
         </p:nvSpPr>
         <p:spPr>
           <a:xfrm>
-            <a:off x="4645029" y="1535113"/>
-            <a:ext cx="4041775" cy="639763"/>
+            <a:off x="4629150" y="1681163"/>
+            <a:ext cx="3887391" cy="823912"/>
           </a:xfrm>
         </p:spPr>
         <p:txBody>
@@ -5075,39 +4953,39 @@
           <a:lstStyle>
             <a:lvl1pPr marL="0" indent="0">
               <a:buNone/>
-              <a:defRPr sz="2400" b="1"/>
+              <a:defRPr sz="1800" b="1"/>
             </a:lvl1pPr>
-            <a:lvl2pPr marL="457200" indent="0">
+            <a:lvl2pPr marL="342900" indent="0">
               <a:buNone/>
-              <a:defRPr sz="2000" b="1"/>
+              <a:defRPr sz="1500" b="1"/>
             </a:lvl2pPr>
-            <a:lvl3pPr marL="914400" indent="0">
+            <a:lvl3pPr marL="685800" indent="0">
               <a:buNone/>
-              <a:defRPr sz="1800" b="1"/>
+              <a:defRPr sz="1350" b="1"/>
             </a:lvl3pPr>
-            <a:lvl4pPr marL="1371600" indent="0">
+            <a:lvl4pPr marL="1028700" indent="0">
               <a:buNone/>
-              <a:defRPr sz="1600" b="1"/>
+              <a:defRPr sz="1200" b="1"/>
             </a:lvl4pPr>
-            <a:lvl5pPr marL="1828800" indent="0">
+            <a:lvl5pPr marL="1371600" indent="0">
               <a:buNone/>
-              <a:defRPr sz="1600" b="1"/>
+              <a:defRPr sz="1200" b="1"/>
             </a:lvl5pPr>
-            <a:lvl6pPr marL="2286000" indent="0">
+            <a:lvl6pPr marL="1714500" indent="0">
               <a:buNone/>
-              <a:defRPr sz="1600" b="1"/>
+              <a:defRPr sz="1200" b="1"/>
             </a:lvl6pPr>
-            <a:lvl7pPr marL="2743200" indent="0">
+            <a:lvl7pPr marL="2057400" indent="0">
               <a:buNone/>
-              <a:defRPr sz="1600" b="1"/>
+              <a:defRPr sz="1200" b="1"/>
             </a:lvl7pPr>
-            <a:lvl8pPr marL="3200400" indent="0">
+            <a:lvl8pPr marL="2400300" indent="0">
               <a:buNone/>
-              <a:defRPr sz="1600" b="1"/>
+              <a:defRPr sz="1200" b="1"/>
             </a:lvl8pPr>
-            <a:lvl9pPr marL="3657600" indent="0">
+            <a:lvl9pPr marL="2743200" indent="0">
               <a:buNone/>
-              <a:defRPr sz="1600" b="1"/>
+              <a:defRPr sz="1200" b="1"/>
             </a:lvl9pPr>
           </a:lstStyle>
           <a:p>
@@ -5131,41 +5009,13 @@
         </p:nvSpPr>
         <p:spPr>
           <a:xfrm>
-            <a:off x="4645029" y="2174875"/>
-            <a:ext cx="4041775" cy="3951288"/>
+            <a:off x="4629150" y="2505075"/>
+            <a:ext cx="3887391" cy="3684588"/>
           </a:xfrm>
         </p:spPr>
         <p:txBody>
           <a:bodyPr/>
-          <a:lstStyle>
-            <a:lvl1pPr>
-              <a:defRPr sz="2400"/>
-            </a:lvl1pPr>
-            <a:lvl2pPr>
-              <a:defRPr sz="2000"/>
-            </a:lvl2pPr>
-            <a:lvl3pPr>
-              <a:defRPr sz="1800"/>
-            </a:lvl3pPr>
-            <a:lvl4pPr>
-              <a:defRPr sz="1600"/>
-            </a:lvl4pPr>
-            <a:lvl5pPr>
-              <a:defRPr sz="1600"/>
-            </a:lvl5pPr>
-            <a:lvl6pPr>
-              <a:defRPr sz="1600"/>
-            </a:lvl6pPr>
-            <a:lvl7pPr>
-              <a:defRPr sz="1600"/>
-            </a:lvl7pPr>
-            <a:lvl8pPr>
-              <a:defRPr sz="1600"/>
-            </a:lvl8pPr>
-            <a:lvl9pPr>
-              <a:defRPr sz="1600"/>
-            </a:lvl9pPr>
-          </a:lstStyle>
+          <a:lstStyle/>
           <a:p>
             <a:pPr lvl="0"/>
             <a:r>
@@ -5206,24 +5056,18 @@
       </p:sp>
       <p:sp>
         <p:nvSpPr>
-          <p:cNvPr id="7" name="Rectangle 4"/>
-          <p:cNvSpPr>
-            <a:spLocks noGrp="1" noChangeArrowheads="1"/>
+          <p:cNvPr id="7" name="Date Placeholder 6"/>
+          <p:cNvSpPr>
+            <a:spLocks noGrp="1"/>
           </p:cNvSpPr>
           <p:nvPr>
             <p:ph type="dt" sz="half" idx="10"/>
           </p:nvPr>
         </p:nvSpPr>
-        <p:spPr>
-          <a:ln/>
-        </p:spPr>
+        <p:spPr/>
         <p:txBody>
           <a:bodyPr/>
-          <a:lstStyle>
-            <a:lvl1pPr>
-              <a:defRPr/>
-            </a:lvl1pPr>
-          </a:lstStyle>
+          <a:lstStyle/>
           <a:p>
             <a:pPr>
               <a:defRPr/>
@@ -5234,24 +5078,18 @@
       </p:sp>
       <p:sp>
         <p:nvSpPr>
-          <p:cNvPr id="8" name="Rectangle 5"/>
-          <p:cNvSpPr>
-            <a:spLocks noGrp="1" noChangeArrowheads="1"/>
+          <p:cNvPr id="8" name="Footer Placeholder 7"/>
+          <p:cNvSpPr>
+            <a:spLocks noGrp="1"/>
           </p:cNvSpPr>
           <p:nvPr>
             <p:ph type="ftr" sz="quarter" idx="11"/>
           </p:nvPr>
         </p:nvSpPr>
-        <p:spPr>
-          <a:ln/>
-        </p:spPr>
+        <p:spPr/>
         <p:txBody>
           <a:bodyPr/>
-          <a:lstStyle>
-            <a:lvl1pPr>
-              <a:defRPr/>
-            </a:lvl1pPr>
-          </a:lstStyle>
+          <a:lstStyle/>
           <a:p>
             <a:pPr>
               <a:defRPr/>
@@ -5262,30 +5100,24 @@
       </p:sp>
       <p:sp>
         <p:nvSpPr>
-          <p:cNvPr id="9" name="Rectangle 6"/>
-          <p:cNvSpPr>
-            <a:spLocks noGrp="1" noChangeArrowheads="1"/>
+          <p:cNvPr id="9" name="Slide Number Placeholder 8"/>
+          <p:cNvSpPr>
+            <a:spLocks noGrp="1"/>
           </p:cNvSpPr>
           <p:nvPr>
             <p:ph type="sldNum" sz="quarter" idx="12"/>
           </p:nvPr>
         </p:nvSpPr>
-        <p:spPr>
-          <a:ln/>
-        </p:spPr>
+        <p:spPr/>
         <p:txBody>
           <a:bodyPr/>
-          <a:lstStyle>
-            <a:lvl1pPr>
-              <a:defRPr/>
-            </a:lvl1pPr>
-          </a:lstStyle>
+          <a:lstStyle/>
           <a:p>
             <a:pPr>
               <a:defRPr/>
             </a:pPr>
             <a:fld id="{A1AC467B-4FC7-4D73-BF12-D0A0A527C049}" type="slidenum">
-              <a:rPr lang="en-US"/>
+              <a:rPr lang="en-US" smtClean="0"/>
               <a:pPr>
                 <a:defRPr/>
               </a:pPr>
@@ -5298,7 +5130,7 @@
     </p:spTree>
     <p:extLst>
       <p:ext uri="{BB962C8B-B14F-4D97-AF65-F5344CB8AC3E}">
-        <p14:creationId xmlns:p14="http://schemas.microsoft.com/office/powerpoint/2010/main" val="711132005"/>
+        <p14:creationId xmlns:p14="http://schemas.microsoft.com/office/powerpoint/2010/main" val="1049789076"/>
       </p:ext>
     </p:extLst>
   </p:cSld>
@@ -5309,7 +5141,7 @@
 </file>
 
 <file path=ppt/slideLayouts/slideLayout6.xml><?xml version="1.0" encoding="utf-8"?>
-<p:sldLayout xmlns:a="http://schemas.openxmlformats.org/drawingml/2006/main" xmlns:r="http://schemas.openxmlformats.org/officeDocument/2006/relationships" xmlns:p="http://schemas.openxmlformats.org/presentationml/2006/main" type="titleOnly" preserve="1">
+<p:sldLayout xmlns:a="http://schemas.openxmlformats.org/drawingml/2006/main" xmlns:r="http://schemas.openxmlformats.org/officeDocument/2006/relationships" xmlns:p="http://schemas.openxmlformats.org/presentationml/2006/main" showMasterSp="0" type="titleOnly" preserve="1">
   <p:cSld name="Title Only">
     <p:spTree>
       <p:nvGrpSpPr>
@@ -5350,24 +5182,18 @@
       </p:sp>
       <p:sp>
         <p:nvSpPr>
-          <p:cNvPr id="3" name="Rectangle 4"/>
-          <p:cNvSpPr>
-            <a:spLocks noGrp="1" noChangeArrowheads="1"/>
+          <p:cNvPr id="3" name="Date Placeholder 2"/>
+          <p:cNvSpPr>
+            <a:spLocks noGrp="1"/>
           </p:cNvSpPr>
           <p:nvPr>
             <p:ph type="dt" sz="half" idx="10"/>
           </p:nvPr>
         </p:nvSpPr>
-        <p:spPr>
-          <a:ln/>
-        </p:spPr>
+        <p:spPr/>
         <p:txBody>
           <a:bodyPr/>
-          <a:lstStyle>
-            <a:lvl1pPr>
-              <a:defRPr/>
-            </a:lvl1pPr>
-          </a:lstStyle>
+          <a:lstStyle/>
           <a:p>
             <a:pPr>
               <a:defRPr/>
@@ -5378,24 +5204,18 @@
       </p:sp>
       <p:sp>
         <p:nvSpPr>
-          <p:cNvPr id="4" name="Rectangle 5"/>
-          <p:cNvSpPr>
-            <a:spLocks noGrp="1" noChangeArrowheads="1"/>
+          <p:cNvPr id="4" name="Footer Placeholder 3"/>
+          <p:cNvSpPr>
+            <a:spLocks noGrp="1"/>
           </p:cNvSpPr>
           <p:nvPr>
             <p:ph type="ftr" sz="quarter" idx="11"/>
           </p:nvPr>
         </p:nvSpPr>
-        <p:spPr>
-          <a:ln/>
-        </p:spPr>
+        <p:spPr/>
         <p:txBody>
           <a:bodyPr/>
-          <a:lstStyle>
-            <a:lvl1pPr>
-              <a:defRPr/>
-            </a:lvl1pPr>
-          </a:lstStyle>
+          <a:lstStyle/>
           <a:p>
             <a:pPr>
               <a:defRPr/>
@@ -5406,30 +5226,24 @@
       </p:sp>
       <p:sp>
         <p:nvSpPr>
-          <p:cNvPr id="5" name="Rectangle 6"/>
-          <p:cNvSpPr>
-            <a:spLocks noGrp="1" noChangeArrowheads="1"/>
+          <p:cNvPr id="5" name="Slide Number Placeholder 4"/>
+          <p:cNvSpPr>
+            <a:spLocks noGrp="1"/>
           </p:cNvSpPr>
           <p:nvPr>
             <p:ph type="sldNum" sz="quarter" idx="12"/>
           </p:nvPr>
         </p:nvSpPr>
-        <p:spPr>
-          <a:ln/>
-        </p:spPr>
+        <p:spPr/>
         <p:txBody>
           <a:bodyPr/>
-          <a:lstStyle>
-            <a:lvl1pPr>
-              <a:defRPr/>
-            </a:lvl1pPr>
-          </a:lstStyle>
+          <a:lstStyle/>
           <a:p>
             <a:pPr>
               <a:defRPr/>
             </a:pPr>
             <a:fld id="{07DF7FF4-37D2-4E09-BDCD-56435D34A3C2}" type="slidenum">
-              <a:rPr lang="en-US"/>
+              <a:rPr lang="en-US" smtClean="0"/>
               <a:pPr>
                 <a:defRPr/>
               </a:pPr>
@@ -5442,7 +5256,7 @@
     </p:spTree>
     <p:extLst>
       <p:ext uri="{BB962C8B-B14F-4D97-AF65-F5344CB8AC3E}">
-        <p14:creationId xmlns:p14="http://schemas.microsoft.com/office/powerpoint/2010/main" val="2880164224"/>
+        <p14:creationId xmlns:p14="http://schemas.microsoft.com/office/powerpoint/2010/main" val="1193923595"/>
       </p:ext>
     </p:extLst>
   </p:cSld>
@@ -5453,7 +5267,7 @@
 </file>
 
 <file path=ppt/slideLayouts/slideLayout7.xml><?xml version="1.0" encoding="utf-8"?>
-<p:sldLayout xmlns:a="http://schemas.openxmlformats.org/drawingml/2006/main" xmlns:r="http://schemas.openxmlformats.org/officeDocument/2006/relationships" xmlns:p="http://schemas.openxmlformats.org/presentationml/2006/main" type="blank" preserve="1">
+<p:sldLayout xmlns:a="http://schemas.openxmlformats.org/drawingml/2006/main" xmlns:r="http://schemas.openxmlformats.org/officeDocument/2006/relationships" xmlns:p="http://schemas.openxmlformats.org/presentationml/2006/main" showMasterSp="0" type="blank" preserve="1">
   <p:cSld name="Blank">
     <p:spTree>
       <p:nvGrpSpPr>
@@ -5471,24 +5285,18 @@
       </p:grpSpPr>
       <p:sp>
         <p:nvSpPr>
-          <p:cNvPr id="2" name="Rectangle 4"/>
-          <p:cNvSpPr>
-            <a:spLocks noGrp="1" noChangeArrowheads="1"/>
+          <p:cNvPr id="2" name="Date Placeholder 1"/>
+          <p:cNvSpPr>
+            <a:spLocks noGrp="1"/>
           </p:cNvSpPr>
           <p:nvPr>
             <p:ph type="dt" sz="half" idx="10"/>
           </p:nvPr>
         </p:nvSpPr>
-        <p:spPr>
-          <a:ln/>
-        </p:spPr>
+        <p:spPr/>
         <p:txBody>
           <a:bodyPr/>
-          <a:lstStyle>
-            <a:lvl1pPr>
-              <a:defRPr/>
-            </a:lvl1pPr>
-          </a:lstStyle>
+          <a:lstStyle/>
           <a:p>
             <a:pPr>
               <a:defRPr/>
@@ -5499,24 +5307,18 @@
       </p:sp>
       <p:sp>
         <p:nvSpPr>
-          <p:cNvPr id="3" name="Rectangle 5"/>
-          <p:cNvSpPr>
-            <a:spLocks noGrp="1" noChangeArrowheads="1"/>
+          <p:cNvPr id="3" name="Footer Placeholder 2"/>
+          <p:cNvSpPr>
+            <a:spLocks noGrp="1"/>
           </p:cNvSpPr>
           <p:nvPr>
             <p:ph type="ftr" sz="quarter" idx="11"/>
           </p:nvPr>
         </p:nvSpPr>
-        <p:spPr>
-          <a:ln/>
-        </p:spPr>
+        <p:spPr/>
         <p:txBody>
           <a:bodyPr/>
-          <a:lstStyle>
-            <a:lvl1pPr>
-              <a:defRPr/>
-            </a:lvl1pPr>
-          </a:lstStyle>
+          <a:lstStyle/>
           <a:p>
             <a:pPr>
               <a:defRPr/>
@@ -5527,30 +5329,24 @@
       </p:sp>
       <p:sp>
         <p:nvSpPr>
-          <p:cNvPr id="4" name="Rectangle 6"/>
-          <p:cNvSpPr>
-            <a:spLocks noGrp="1" noChangeArrowheads="1"/>
+          <p:cNvPr id="4" name="Slide Number Placeholder 3"/>
+          <p:cNvSpPr>
+            <a:spLocks noGrp="1"/>
           </p:cNvSpPr>
           <p:nvPr>
             <p:ph type="sldNum" sz="quarter" idx="12"/>
           </p:nvPr>
         </p:nvSpPr>
-        <p:spPr>
-          <a:ln/>
-        </p:spPr>
+        <p:spPr/>
         <p:txBody>
           <a:bodyPr/>
-          <a:lstStyle>
-            <a:lvl1pPr>
-              <a:defRPr/>
-            </a:lvl1pPr>
-          </a:lstStyle>
+          <a:lstStyle/>
           <a:p>
             <a:pPr>
               <a:defRPr/>
             </a:pPr>
             <a:fld id="{B1B99A2B-6586-4CBD-B897-64B6620D71E7}" type="slidenum">
-              <a:rPr lang="en-US"/>
+              <a:rPr lang="en-US" smtClean="0"/>
               <a:pPr>
                 <a:defRPr/>
               </a:pPr>
@@ -5563,7 +5359,7 @@
     </p:spTree>
     <p:extLst>
       <p:ext uri="{BB962C8B-B14F-4D97-AF65-F5344CB8AC3E}">
-        <p14:creationId xmlns:p14="http://schemas.microsoft.com/office/powerpoint/2010/main" val="419613883"/>
+        <p14:creationId xmlns:p14="http://schemas.microsoft.com/office/powerpoint/2010/main" val="2402572073"/>
       </p:ext>
     </p:extLst>
   </p:cSld>
@@ -5574,7 +5370,7 @@
 </file>
 
 <file path=ppt/slideLayouts/slideLayout8.xml><?xml version="1.0" encoding="utf-8"?>
-<p:sldLayout xmlns:a="http://schemas.openxmlformats.org/drawingml/2006/main" xmlns:r="http://schemas.openxmlformats.org/officeDocument/2006/relationships" xmlns:p="http://schemas.openxmlformats.org/presentationml/2006/main" type="objTx" preserve="1">
+<p:sldLayout xmlns:a="http://schemas.openxmlformats.org/drawingml/2006/main" xmlns:r="http://schemas.openxmlformats.org/officeDocument/2006/relationships" xmlns:p="http://schemas.openxmlformats.org/presentationml/2006/main" showMasterSp="0" type="objTx" preserve="1">
   <p:cSld name="Content with Caption">
     <p:spTree>
       <p:nvGrpSpPr>
@@ -5602,15 +5398,15 @@
         </p:nvSpPr>
         <p:spPr>
           <a:xfrm>
-            <a:off x="457204" y="273049"/>
-            <a:ext cx="3008313" cy="1162051"/>
+            <a:off x="629841" y="457200"/>
+            <a:ext cx="2949178" cy="1600200"/>
           </a:xfrm>
         </p:spPr>
         <p:txBody>
           <a:bodyPr anchor="b"/>
           <a:lstStyle>
-            <a:lvl1pPr algn="l">
-              <a:defRPr sz="2000" b="1"/>
+            <a:lvl1pPr>
+              <a:defRPr sz="2400"/>
             </a:lvl1pPr>
           </a:lstStyle>
           <a:p>
@@ -5634,39 +5430,39 @@
         </p:nvSpPr>
         <p:spPr>
           <a:xfrm>
-            <a:off x="3575050" y="273053"/>
-            <a:ext cx="5111750" cy="5853113"/>
+            <a:off x="3887391" y="987426"/>
+            <a:ext cx="4629150" cy="4873625"/>
           </a:xfrm>
         </p:spPr>
         <p:txBody>
           <a:bodyPr/>
           <a:lstStyle>
             <a:lvl1pPr>
-              <a:defRPr sz="3200"/>
+              <a:defRPr sz="2400"/>
             </a:lvl1pPr>
             <a:lvl2pPr>
-              <a:defRPr sz="2800"/>
+              <a:defRPr sz="2100"/>
             </a:lvl2pPr>
             <a:lvl3pPr>
-              <a:defRPr sz="2400"/>
+              <a:defRPr sz="1800"/>
             </a:lvl3pPr>
             <a:lvl4pPr>
-              <a:defRPr sz="2000"/>
+              <a:defRPr sz="1500"/>
             </a:lvl4pPr>
             <a:lvl5pPr>
-              <a:defRPr sz="2000"/>
+              <a:defRPr sz="1500"/>
             </a:lvl5pPr>
             <a:lvl6pPr>
-              <a:defRPr sz="2000"/>
+              <a:defRPr sz="1500"/>
             </a:lvl6pPr>
             <a:lvl7pPr>
-              <a:defRPr sz="2000"/>
+              <a:defRPr sz="1500"/>
             </a:lvl7pPr>
             <a:lvl8pPr>
-              <a:defRPr sz="2000"/>
+              <a:defRPr sz="1500"/>
             </a:lvl8pPr>
             <a:lvl9pPr>
-              <a:defRPr sz="2000"/>
+              <a:defRPr sz="1500"/>
             </a:lvl9pPr>
           </a:lstStyle>
           <a:p>
@@ -5719,8 +5515,8 @@
         </p:nvSpPr>
         <p:spPr>
           <a:xfrm>
-            <a:off x="457204" y="1435103"/>
-            <a:ext cx="3008313" cy="4691063"/>
+            <a:off x="629841" y="2057400"/>
+            <a:ext cx="2949178" cy="3811588"/>
           </a:xfrm>
         </p:spPr>
         <p:txBody>
@@ -5728,39 +5524,39 @@
           <a:lstStyle>
             <a:lvl1pPr marL="0" indent="0">
               <a:buNone/>
-              <a:defRPr sz="1400"/>
+              <a:defRPr sz="1200"/>
             </a:lvl1pPr>
-            <a:lvl2pPr marL="457200" indent="0">
+            <a:lvl2pPr marL="342900" indent="0">
               <a:buNone/>
-              <a:defRPr sz="1200"/>
+              <a:defRPr sz="1050"/>
             </a:lvl2pPr>
-            <a:lvl3pPr marL="914400" indent="0">
-              <a:buNone/>
-              <a:defRPr sz="1000"/>
-            </a:lvl3pPr>
-            <a:lvl4pPr marL="1371600" indent="0">
+            <a:lvl3pPr marL="685800" indent="0">
               <a:buNone/>
               <a:defRPr sz="900"/>
+            </a:lvl3pPr>
+            <a:lvl4pPr marL="1028700" indent="0">
+              <a:buNone/>
+              <a:defRPr sz="750"/>
             </a:lvl4pPr>
-            <a:lvl5pPr marL="1828800" indent="0">
+            <a:lvl5pPr marL="1371600" indent="0">
               <a:buNone/>
-              <a:defRPr sz="900"/>
+              <a:defRPr sz="750"/>
             </a:lvl5pPr>
-            <a:lvl6pPr marL="2286000" indent="0">
+            <a:lvl6pPr marL="1714500" indent="0">
               <a:buNone/>
-              <a:defRPr sz="900"/>
+              <a:defRPr sz="750"/>
             </a:lvl6pPr>
-            <a:lvl7pPr marL="2743200" indent="0">
+            <a:lvl7pPr marL="2057400" indent="0">
               <a:buNone/>
-              <a:defRPr sz="900"/>
+              <a:defRPr sz="750"/>
             </a:lvl7pPr>
-            <a:lvl8pPr marL="3200400" indent="0">
+            <a:lvl8pPr marL="2400300" indent="0">
               <a:buNone/>
-              <a:defRPr sz="900"/>
+              <a:defRPr sz="750"/>
             </a:lvl8pPr>
-            <a:lvl9pPr marL="3657600" indent="0">
+            <a:lvl9pPr marL="2743200" indent="0">
               <a:buNone/>
-              <a:defRPr sz="900"/>
+              <a:defRPr sz="750"/>
             </a:lvl9pPr>
           </a:lstStyle>
           <a:p>
@@ -5774,24 +5570,18 @@
       </p:sp>
       <p:sp>
         <p:nvSpPr>
-          <p:cNvPr id="5" name="Rectangle 4"/>
-          <p:cNvSpPr>
-            <a:spLocks noGrp="1" noChangeArrowheads="1"/>
+          <p:cNvPr id="5" name="Date Placeholder 4"/>
+          <p:cNvSpPr>
+            <a:spLocks noGrp="1"/>
           </p:cNvSpPr>
           <p:nvPr>
             <p:ph type="dt" sz="half" idx="10"/>
           </p:nvPr>
         </p:nvSpPr>
-        <p:spPr>
-          <a:ln/>
-        </p:spPr>
+        <p:spPr/>
         <p:txBody>
           <a:bodyPr/>
-          <a:lstStyle>
-            <a:lvl1pPr>
-              <a:defRPr/>
-            </a:lvl1pPr>
-          </a:lstStyle>
+          <a:lstStyle/>
           <a:p>
             <a:pPr>
               <a:defRPr/>
@@ -5802,24 +5592,18 @@
       </p:sp>
       <p:sp>
         <p:nvSpPr>
-          <p:cNvPr id="6" name="Rectangle 5"/>
-          <p:cNvSpPr>
-            <a:spLocks noGrp="1" noChangeArrowheads="1"/>
+          <p:cNvPr id="6" name="Footer Placeholder 5"/>
+          <p:cNvSpPr>
+            <a:spLocks noGrp="1"/>
           </p:cNvSpPr>
           <p:nvPr>
             <p:ph type="ftr" sz="quarter" idx="11"/>
           </p:nvPr>
         </p:nvSpPr>
-        <p:spPr>
-          <a:ln/>
-        </p:spPr>
+        <p:spPr/>
         <p:txBody>
           <a:bodyPr/>
-          <a:lstStyle>
-            <a:lvl1pPr>
-              <a:defRPr/>
-            </a:lvl1pPr>
-          </a:lstStyle>
+          <a:lstStyle/>
           <a:p>
             <a:pPr>
               <a:defRPr/>
@@ -5830,30 +5614,24 @@
       </p:sp>
       <p:sp>
         <p:nvSpPr>
-          <p:cNvPr id="7" name="Rectangle 6"/>
-          <p:cNvSpPr>
-            <a:spLocks noGrp="1" noChangeArrowheads="1"/>
+          <p:cNvPr id="7" name="Slide Number Placeholder 6"/>
+          <p:cNvSpPr>
+            <a:spLocks noGrp="1"/>
           </p:cNvSpPr>
           <p:nvPr>
             <p:ph type="sldNum" sz="quarter" idx="12"/>
           </p:nvPr>
         </p:nvSpPr>
-        <p:spPr>
-          <a:ln/>
-        </p:spPr>
+        <p:spPr/>
         <p:txBody>
           <a:bodyPr/>
-          <a:lstStyle>
-            <a:lvl1pPr>
-              <a:defRPr/>
-            </a:lvl1pPr>
-          </a:lstStyle>
+          <a:lstStyle/>
           <a:p>
             <a:pPr>
               <a:defRPr/>
             </a:pPr>
             <a:fld id="{D091967B-3950-47B6-87FF-FFEFC76BA632}" type="slidenum">
-              <a:rPr lang="en-US"/>
+              <a:rPr lang="en-US" smtClean="0"/>
               <a:pPr>
                 <a:defRPr/>
               </a:pPr>
@@ -5866,7 +5644,7 @@
     </p:spTree>
     <p:extLst>
       <p:ext uri="{BB962C8B-B14F-4D97-AF65-F5344CB8AC3E}">
-        <p14:creationId xmlns:p14="http://schemas.microsoft.com/office/powerpoint/2010/main" val="686039875"/>
+        <p14:creationId xmlns:p14="http://schemas.microsoft.com/office/powerpoint/2010/main" val="2262572400"/>
       </p:ext>
     </p:extLst>
   </p:cSld>
@@ -5877,7 +5655,7 @@
 </file>
 
 <file path=ppt/slideLayouts/slideLayout9.xml><?xml version="1.0" encoding="utf-8"?>
-<p:sldLayout xmlns:a="http://schemas.openxmlformats.org/drawingml/2006/main" xmlns:r="http://schemas.openxmlformats.org/officeDocument/2006/relationships" xmlns:p="http://schemas.openxmlformats.org/presentationml/2006/main" type="picTx" preserve="1">
+<p:sldLayout xmlns:a="http://schemas.openxmlformats.org/drawingml/2006/main" xmlns:r="http://schemas.openxmlformats.org/officeDocument/2006/relationships" xmlns:p="http://schemas.openxmlformats.org/presentationml/2006/main" showMasterSp="0" type="picTx" preserve="1">
   <p:cSld name="Picture with Caption">
     <p:spTree>
       <p:nvGrpSpPr>
@@ -5905,15 +5683,15 @@
         </p:nvSpPr>
         <p:spPr>
           <a:xfrm>
-            <a:off x="1792288" y="4800601"/>
-            <a:ext cx="5486400" cy="566739"/>
+            <a:off x="629841" y="457200"/>
+            <a:ext cx="2949178" cy="1600200"/>
           </a:xfrm>
         </p:spPr>
         <p:txBody>
           <a:bodyPr anchor="b"/>
           <a:lstStyle>
-            <a:lvl1pPr algn="l">
-              <a:defRPr sz="2000" b="1"/>
+            <a:lvl1pPr>
+              <a:defRPr sz="2400"/>
             </a:lvl1pPr>
           </a:lstStyle>
           <a:p>
@@ -5937,8 +5715,8 @@
         </p:nvSpPr>
         <p:spPr>
           <a:xfrm>
-            <a:off x="1792288" y="612775"/>
-            <a:ext cx="5486400" cy="4114800"/>
+            <a:off x="3887391" y="987426"/>
+            <a:ext cx="4629150" cy="4873625"/>
           </a:xfrm>
         </p:spPr>
         <p:txBody>
@@ -5946,44 +5724,43 @@
           <a:lstStyle>
             <a:lvl1pPr marL="0" indent="0">
               <a:buNone/>
-              <a:defRPr sz="3200"/>
+              <a:defRPr sz="2400"/>
             </a:lvl1pPr>
-            <a:lvl2pPr marL="457200" indent="0">
+            <a:lvl2pPr marL="342900" indent="0">
               <a:buNone/>
-              <a:defRPr sz="2800"/>
+              <a:defRPr sz="2100"/>
             </a:lvl2pPr>
-            <a:lvl3pPr marL="914400" indent="0">
+            <a:lvl3pPr marL="685800" indent="0">
               <a:buNone/>
-              <a:defRPr sz="2400"/>
+              <a:defRPr sz="1800"/>
             </a:lvl3pPr>
-            <a:lvl4pPr marL="1371600" indent="0">
+            <a:lvl4pPr marL="1028700" indent="0">
               <a:buNone/>
-              <a:defRPr sz="2000"/>
+              <a:defRPr sz="1500"/>
             </a:lvl4pPr>
-            <a:lvl5pPr marL="1828800" indent="0">
+            <a:lvl5pPr marL="1371600" indent="0">
               <a:buNone/>
-              <a:defRPr sz="2000"/>
+              <a:defRPr sz="1500"/>
             </a:lvl5pPr>
-            <a:lvl6pPr marL="2286000" indent="0">
+            <a:lvl6pPr marL="1714500" indent="0">
               <a:buNone/>
-              <a:defRPr sz="2000"/>
+              <a:defRPr sz="1500"/>
             </a:lvl6pPr>
-            <a:lvl7pPr marL="2743200" indent="0">
+            <a:lvl7pPr marL="2057400" indent="0">
               <a:buNone/>
-              <a:defRPr sz="2000"/>
+              <a:defRPr sz="1500"/>
             </a:lvl7pPr>
-            <a:lvl8pPr marL="3200400" indent="0">
+            <a:lvl8pPr marL="2400300" indent="0">
               <a:buNone/>
-              <a:defRPr sz="2000"/>
+              <a:defRPr sz="1500"/>
             </a:lvl8pPr>
-            <a:lvl9pPr marL="3657600" indent="0">
+            <a:lvl9pPr marL="2743200" indent="0">
               <a:buNone/>
-              <a:defRPr sz="2000"/>
+              <a:defRPr sz="1500"/>
             </a:lvl9pPr>
           </a:lstStyle>
           <a:p>
-            <a:pPr lvl="0"/>
-            <a:endParaRPr lang="en-US" noProof="0" smtClean="0"/>
+            <a:endParaRPr lang="en-US"/>
           </a:p>
         </p:txBody>
       </p:sp>
@@ -5999,8 +5776,8 @@
         </p:nvSpPr>
         <p:spPr>
           <a:xfrm>
-            <a:off x="1792288" y="5367339"/>
-            <a:ext cx="5486400" cy="804863"/>
+            <a:off x="629841" y="2057400"/>
+            <a:ext cx="2949178" cy="3811588"/>
           </a:xfrm>
         </p:spPr>
         <p:txBody>
@@ -6008,39 +5785,39 @@
           <a:lstStyle>
             <a:lvl1pPr marL="0" indent="0">
               <a:buNone/>
-              <a:defRPr sz="1400"/>
+              <a:defRPr sz="1200"/>
             </a:lvl1pPr>
-            <a:lvl2pPr marL="457200" indent="0">
+            <a:lvl2pPr marL="342900" indent="0">
               <a:buNone/>
-              <a:defRPr sz="1200"/>
+              <a:defRPr sz="1050"/>
             </a:lvl2pPr>
-            <a:lvl3pPr marL="914400" indent="0">
-              <a:buNone/>
-              <a:defRPr sz="1000"/>
-            </a:lvl3pPr>
-            <a:lvl4pPr marL="1371600" indent="0">
+            <a:lvl3pPr marL="685800" indent="0">
               <a:buNone/>
               <a:defRPr sz="900"/>
+            </a:lvl3pPr>
+            <a:lvl4pPr marL="1028700" indent="0">
+              <a:buNone/>
+              <a:defRPr sz="750"/>
             </a:lvl4pPr>
-            <a:lvl5pPr marL="1828800" indent="0">
+            <a:lvl5pPr marL="1371600" indent="0">
               <a:buNone/>
-              <a:defRPr sz="900"/>
+              <a:defRPr sz="750"/>
             </a:lvl5pPr>
-            <a:lvl6pPr marL="2286000" indent="0">
+            <a:lvl6pPr marL="1714500" indent="0">
               <a:buNone/>
-              <a:defRPr sz="900"/>
+              <a:defRPr sz="750"/>
             </a:lvl6pPr>
-            <a:lvl7pPr marL="2743200" indent="0">
+            <a:lvl7pPr marL="2057400" indent="0">
               <a:buNone/>
-              <a:defRPr sz="900"/>
+              <a:defRPr sz="750"/>
             </a:lvl7pPr>
-            <a:lvl8pPr marL="3200400" indent="0">
+            <a:lvl8pPr marL="2400300" indent="0">
               <a:buNone/>
-              <a:defRPr sz="900"/>
+              <a:defRPr sz="750"/>
             </a:lvl8pPr>
-            <a:lvl9pPr marL="3657600" indent="0">
+            <a:lvl9pPr marL="2743200" indent="0">
               <a:buNone/>
-              <a:defRPr sz="900"/>
+              <a:defRPr sz="750"/>
             </a:lvl9pPr>
           </a:lstStyle>
           <a:p>
@@ -6054,24 +5831,18 @@
       </p:sp>
       <p:sp>
         <p:nvSpPr>
-          <p:cNvPr id="5" name="Rectangle 4"/>
-          <p:cNvSpPr>
-            <a:spLocks noGrp="1" noChangeArrowheads="1"/>
+          <p:cNvPr id="5" name="Date Placeholder 4"/>
+          <p:cNvSpPr>
+            <a:spLocks noGrp="1"/>
           </p:cNvSpPr>
           <p:nvPr>
             <p:ph type="dt" sz="half" idx="10"/>
           </p:nvPr>
         </p:nvSpPr>
-        <p:spPr>
-          <a:ln/>
-        </p:spPr>
+        <p:spPr/>
         <p:txBody>
           <a:bodyPr/>
-          <a:lstStyle>
-            <a:lvl1pPr>
-              <a:defRPr/>
-            </a:lvl1pPr>
-          </a:lstStyle>
+          <a:lstStyle/>
           <a:p>
             <a:pPr>
               <a:defRPr/>
@@ -6082,24 +5853,18 @@
       </p:sp>
       <p:sp>
         <p:nvSpPr>
-          <p:cNvPr id="6" name="Rectangle 5"/>
-          <p:cNvSpPr>
-            <a:spLocks noGrp="1" noChangeArrowheads="1"/>
+          <p:cNvPr id="6" name="Footer Placeholder 5"/>
+          <p:cNvSpPr>
+            <a:spLocks noGrp="1"/>
           </p:cNvSpPr>
           <p:nvPr>
             <p:ph type="ftr" sz="quarter" idx="11"/>
           </p:nvPr>
         </p:nvSpPr>
-        <p:spPr>
-          <a:ln/>
-        </p:spPr>
+        <p:spPr/>
         <p:txBody>
           <a:bodyPr/>
-          <a:lstStyle>
-            <a:lvl1pPr>
-              <a:defRPr/>
-            </a:lvl1pPr>
-          </a:lstStyle>
+          <a:lstStyle/>
           <a:p>
             <a:pPr>
               <a:defRPr/>
@@ -6110,30 +5875,24 @@
       </p:sp>
       <p:sp>
         <p:nvSpPr>
-          <p:cNvPr id="7" name="Rectangle 6"/>
-          <p:cNvSpPr>
-            <a:spLocks noGrp="1" noChangeArrowheads="1"/>
+          <p:cNvPr id="7" name="Slide Number Placeholder 6"/>
+          <p:cNvSpPr>
+            <a:spLocks noGrp="1"/>
           </p:cNvSpPr>
           <p:nvPr>
             <p:ph type="sldNum" sz="quarter" idx="12"/>
           </p:nvPr>
         </p:nvSpPr>
-        <p:spPr>
-          <a:ln/>
-        </p:spPr>
+        <p:spPr/>
         <p:txBody>
           <a:bodyPr/>
-          <a:lstStyle>
-            <a:lvl1pPr>
-              <a:defRPr/>
-            </a:lvl1pPr>
-          </a:lstStyle>
+          <a:lstStyle/>
           <a:p>
             <a:pPr>
               <a:defRPr/>
             </a:pPr>
             <a:fld id="{5036AD81-FA7F-45BE-B26D-A36433F83922}" type="slidenum">
-              <a:rPr lang="en-US"/>
+              <a:rPr lang="en-US" smtClean="0"/>
               <a:pPr>
                 <a:defRPr/>
               </a:pPr>
@@ -6146,7 +5905,7 @@
     </p:spTree>
     <p:extLst>
       <p:ext uri="{BB962C8B-B14F-4D97-AF65-F5344CB8AC3E}">
-        <p14:creationId xmlns:p14="http://schemas.microsoft.com/office/powerpoint/2010/main" val="24163252"/>
+        <p14:creationId xmlns:p14="http://schemas.microsoft.com/office/powerpoint/2010/main" val="1132464558"/>
       </p:ext>
     </p:extLst>
   </p:cSld>
@@ -6157,12 +5916,12 @@
 </file>
 
 <file path=ppt/slideMasters/slideMaster1.xml><?xml version="1.0" encoding="utf-8"?>
-<p:sldMaster xmlns:a="http://schemas.openxmlformats.org/drawingml/2006/main" xmlns:r="http://schemas.openxmlformats.org/officeDocument/2006/relationships" xmlns:p="http://schemas.openxmlformats.org/presentationml/2006/main" preserve="1">
+<p:sldMaster xmlns:a="http://schemas.openxmlformats.org/drawingml/2006/main" xmlns:r="http://schemas.openxmlformats.org/officeDocument/2006/relationships" xmlns:p="http://schemas.openxmlformats.org/presentationml/2006/main">
   <p:cSld>
     <p:bg>
       <p:bgPr>
         <a:solidFill>
-          <a:srgbClr val="969696"/>
+          <a:schemeClr val="bg1"/>
         </a:solidFill>
         <a:effectLst/>
       </p:bgPr>
@@ -6181,184 +5940,171 @@
           <a:chExt cx="0" cy="0"/>
         </a:xfrm>
       </p:grpSpPr>
-      <p:pic>
-        <p:nvPicPr>
-          <p:cNvPr id="3" name="Picture 2"/>
-          <p:cNvPicPr>
-            <a:picLocks noChangeAspect="1"/>
-          </p:cNvPicPr>
-          <p:nvPr userDrawn="1"/>
-        </p:nvPicPr>
-        <p:blipFill>
-          <a:blip r:embed="rId13">
-            <a:extLst>
-              <a:ext uri="{28A0092B-C50C-407E-A947-70E740481C1C}">
-                <a14:useLocalDpi xmlns:a14="http://schemas.microsoft.com/office/drawing/2010/main" val="0"/>
-              </a:ext>
-            </a:extLst>
-          </a:blip>
-          <a:stretch>
-            <a:fillRect/>
-          </a:stretch>
-        </p:blipFill>
+      <p:sp>
+        <p:nvSpPr>
+          <p:cNvPr id="2" name="Title Placeholder 1"/>
+          <p:cNvSpPr>
+            <a:spLocks noGrp="1"/>
+          </p:cNvSpPr>
+          <p:nvPr>
+            <p:ph type="title"/>
+          </p:nvPr>
+        </p:nvSpPr>
         <p:spPr>
           <a:xfrm>
-            <a:off x="0" y="0"/>
-            <a:ext cx="9144000" cy="6858000"/>
+            <a:off x="628650" y="365126"/>
+            <a:ext cx="7886700" cy="1325563"/>
           </a:xfrm>
           <a:prstGeom prst="rect">
             <a:avLst/>
           </a:prstGeom>
         </p:spPr>
-      </p:pic>
-      <p:sp>
-        <p:nvSpPr>
-          <p:cNvPr id="1027" name="Rectangle 2"/>
-          <p:cNvSpPr>
-            <a:spLocks noGrp="1" noChangeArrowheads="1"/>
-          </p:cNvSpPr>
-          <p:nvPr>
-            <p:ph type="title"/>
-          </p:nvPr>
-        </p:nvSpPr>
-        <p:spPr bwMode="auto">
+        <p:txBody>
+          <a:bodyPr vert="horz" lIns="91440" tIns="45720" rIns="91440" bIns="45720" rtlCol="0" anchor="ctr">
+            <a:normAutofit/>
+          </a:bodyPr>
+          <a:lstStyle/>
+          <a:p>
+            <a:r>
+              <a:rPr lang="en-US" smtClean="0"/>
+              <a:t>Click to edit Master title style</a:t>
+            </a:r>
+            <a:endParaRPr lang="en-US"/>
+          </a:p>
+        </p:txBody>
+      </p:sp>
+      <p:sp>
+        <p:nvSpPr>
+          <p:cNvPr id="3" name="Text Placeholder 2"/>
+          <p:cNvSpPr>
+            <a:spLocks noGrp="1"/>
+          </p:cNvSpPr>
+          <p:nvPr>
+            <p:ph type="body" idx="1"/>
+          </p:nvPr>
+        </p:nvSpPr>
+        <p:spPr>
           <a:xfrm>
-            <a:off x="457200" y="274639"/>
-            <a:ext cx="8229600" cy="1143000"/>
+            <a:off x="628650" y="1825625"/>
+            <a:ext cx="7886700" cy="4351338"/>
           </a:xfrm>
           <a:prstGeom prst="rect">
             <a:avLst/>
           </a:prstGeom>
-          <a:noFill/>
-          <a:ln w="9525">
-            <a:noFill/>
-            <a:miter lim="800000"/>
-            <a:headEnd/>
-            <a:tailEnd/>
-          </a:ln>
         </p:spPr>
         <p:txBody>
-          <a:bodyPr vert="horz" wrap="square" lIns="91440" tIns="45720" rIns="91440" bIns="45720" numCol="1" anchor="ctr" anchorCtr="0" compatLnSpc="1">
-            <a:prstTxWarp prst="textNoShape">
-              <a:avLst/>
-            </a:prstTxWarp>
+          <a:bodyPr vert="horz" lIns="91440" tIns="45720" rIns="91440" bIns="45720" rtlCol="0">
+            <a:normAutofit/>
           </a:bodyPr>
           <a:lstStyle/>
           <a:p>
             <a:pPr lvl="0"/>
             <a:r>
-              <a:rPr lang="en-US" dirty="0" smtClean="0"/>
-              <a:t>Click to edit Master title style</a:t>
-            </a:r>
-          </a:p>
-        </p:txBody>
-      </p:sp>
-      <p:sp>
-        <p:nvSpPr>
-          <p:cNvPr id="1028" name="Rectangle 3"/>
-          <p:cNvSpPr>
-            <a:spLocks noGrp="1" noChangeArrowheads="1"/>
-          </p:cNvSpPr>
-          <p:nvPr>
-            <p:ph type="body" idx="1"/>
-          </p:nvPr>
-        </p:nvSpPr>
-        <p:spPr bwMode="auto">
+              <a:rPr lang="en-US" smtClean="0"/>
+              <a:t>Click to edit Master text styles</a:t>
+            </a:r>
+          </a:p>
+          <a:p>
+            <a:pPr lvl="1"/>
+            <a:r>
+              <a:rPr lang="en-US" smtClean="0"/>
+              <a:t>Second level</a:t>
+            </a:r>
+          </a:p>
+          <a:p>
+            <a:pPr lvl="2"/>
+            <a:r>
+              <a:rPr lang="en-US" smtClean="0"/>
+              <a:t>Third level</a:t>
+            </a:r>
+          </a:p>
+          <a:p>
+            <a:pPr lvl="3"/>
+            <a:r>
+              <a:rPr lang="en-US" smtClean="0"/>
+              <a:t>Fourth level</a:t>
+            </a:r>
+          </a:p>
+          <a:p>
+            <a:pPr lvl="4"/>
+            <a:r>
+              <a:rPr lang="en-US" smtClean="0"/>
+              <a:t>Fifth level</a:t>
+            </a:r>
+            <a:endParaRPr lang="en-US"/>
+          </a:p>
+        </p:txBody>
+      </p:sp>
+      <p:sp>
+        <p:nvSpPr>
+          <p:cNvPr id="4" name="Date Placeholder 3"/>
+          <p:cNvSpPr>
+            <a:spLocks noGrp="1"/>
+          </p:cNvSpPr>
+          <p:nvPr>
+            <p:ph type="dt" sz="half" idx="2"/>
+          </p:nvPr>
+        </p:nvSpPr>
+        <p:spPr>
           <a:xfrm>
-            <a:off x="457200" y="1600201"/>
-            <a:ext cx="8229600" cy="4525963"/>
+            <a:off x="628650" y="6356351"/>
+            <a:ext cx="2057400" cy="365125"/>
           </a:xfrm>
           <a:prstGeom prst="rect">
             <a:avLst/>
           </a:prstGeom>
-          <a:noFill/>
-          <a:ln w="9525">
-            <a:noFill/>
-            <a:miter lim="800000"/>
-            <a:headEnd/>
-            <a:tailEnd/>
-          </a:ln>
         </p:spPr>
         <p:txBody>
-          <a:bodyPr vert="horz" wrap="square" lIns="91440" tIns="45720" rIns="91440" bIns="45720" numCol="1" anchor="t" anchorCtr="0" compatLnSpc="1">
-            <a:prstTxWarp prst="textNoShape">
-              <a:avLst/>
-            </a:prstTxWarp>
-          </a:bodyPr>
-          <a:lstStyle/>
-          <a:p>
-            <a:pPr lvl="0"/>
-            <a:r>
-              <a:rPr lang="en-US" dirty="0" smtClean="0"/>
-              <a:t>Click to edit Master text styles</a:t>
-            </a:r>
-          </a:p>
-          <a:p>
-            <a:pPr lvl="1"/>
-            <a:r>
-              <a:rPr lang="en-US" dirty="0" smtClean="0"/>
-              <a:t>Second level</a:t>
-            </a:r>
-          </a:p>
-          <a:p>
-            <a:pPr lvl="2"/>
-            <a:r>
-              <a:rPr lang="en-US" dirty="0" smtClean="0"/>
-              <a:t>Third level</a:t>
-            </a:r>
-          </a:p>
-          <a:p>
-            <a:pPr lvl="3"/>
-            <a:r>
-              <a:rPr lang="en-US" dirty="0" smtClean="0"/>
-              <a:t>Fourth level</a:t>
-            </a:r>
-          </a:p>
-          <a:p>
-            <a:pPr lvl="4"/>
-            <a:r>
-              <a:rPr lang="en-US" dirty="0" smtClean="0"/>
-              <a:t>Fifth level</a:t>
-            </a:r>
-          </a:p>
-        </p:txBody>
-      </p:sp>
-      <p:sp>
-        <p:nvSpPr>
-          <p:cNvPr id="2" name="Rectangle 4"/>
-          <p:cNvSpPr>
-            <a:spLocks noGrp="1" noChangeArrowheads="1"/>
-          </p:cNvSpPr>
-          <p:nvPr>
-            <p:ph type="dt" sz="half" idx="2"/>
-          </p:nvPr>
-        </p:nvSpPr>
-        <p:spPr bwMode="auto">
+          <a:bodyPr vert="horz" lIns="91440" tIns="45720" rIns="91440" bIns="45720" rtlCol="0" anchor="ctr"/>
+          <a:lstStyle>
+            <a:lvl1pPr algn="l">
+              <a:defRPr sz="900">
+                <a:solidFill>
+                  <a:schemeClr val="tx1">
+                    <a:tint val="75000"/>
+                  </a:schemeClr>
+                </a:solidFill>
+              </a:defRPr>
+            </a:lvl1pPr>
+          </a:lstStyle>
+          <a:p>
+            <a:pPr>
+              <a:defRPr/>
+            </a:pPr>
+            <a:endParaRPr lang="en-US"/>
+          </a:p>
+        </p:txBody>
+      </p:sp>
+      <p:sp>
+        <p:nvSpPr>
+          <p:cNvPr id="5" name="Footer Placeholder 4"/>
+          <p:cNvSpPr>
+            <a:spLocks noGrp="1"/>
+          </p:cNvSpPr>
+          <p:nvPr>
+            <p:ph type="ftr" sz="quarter" idx="3"/>
+          </p:nvPr>
+        </p:nvSpPr>
+        <p:spPr>
           <a:xfrm>
-            <a:off x="457200" y="6245225"/>
-            <a:ext cx="2133600" cy="476251"/>
+            <a:off x="3028950" y="6356351"/>
+            <a:ext cx="3086100" cy="365125"/>
           </a:xfrm>
           <a:prstGeom prst="rect">
             <a:avLst/>
           </a:prstGeom>
-          <a:noFill/>
-          <a:ln w="9525">
-            <a:noFill/>
-            <a:miter lim="800000"/>
-            <a:headEnd/>
-            <a:tailEnd/>
-          </a:ln>
-          <a:effectLst/>
         </p:spPr>
         <p:txBody>
-          <a:bodyPr vert="horz" wrap="square" lIns="91440" tIns="45720" rIns="91440" bIns="45720" numCol="1" anchor="t" anchorCtr="0" compatLnSpc="1">
-            <a:prstTxWarp prst="textNoShape">
-              <a:avLst/>
-            </a:prstTxWarp>
-          </a:bodyPr>
+          <a:bodyPr vert="horz" lIns="91440" tIns="45720" rIns="91440" bIns="45720" rtlCol="0" anchor="ctr"/>
           <a:lstStyle>
-            <a:lvl1pPr>
-              <a:defRPr sz="1400"/>
+            <a:lvl1pPr algn="ctr">
+              <a:defRPr sz="900">
+                <a:solidFill>
+                  <a:schemeClr val="tx1">
+                    <a:tint val="75000"/>
+                  </a:schemeClr>
+                </a:solidFill>
+              </a:defRPr>
             </a:lvl1pPr>
           </a:lstStyle>
           <a:p>
@@ -6371,86 +6117,34 @@
       </p:sp>
       <p:sp>
         <p:nvSpPr>
-          <p:cNvPr id="1029" name="Rectangle 5"/>
-          <p:cNvSpPr>
-            <a:spLocks noGrp="1" noChangeArrowheads="1"/>
-          </p:cNvSpPr>
-          <p:nvPr>
-            <p:ph type="ftr" sz="quarter" idx="3"/>
-          </p:nvPr>
-        </p:nvSpPr>
-        <p:spPr bwMode="auto">
+          <p:cNvPr id="6" name="Slide Number Placeholder 5"/>
+          <p:cNvSpPr>
+            <a:spLocks noGrp="1"/>
+          </p:cNvSpPr>
+          <p:nvPr>
+            <p:ph type="sldNum" sz="quarter" idx="4"/>
+          </p:nvPr>
+        </p:nvSpPr>
+        <p:spPr>
           <a:xfrm>
-            <a:off x="3124200" y="6245225"/>
-            <a:ext cx="2895600" cy="476251"/>
+            <a:off x="6457950" y="6356351"/>
+            <a:ext cx="2057400" cy="365125"/>
           </a:xfrm>
           <a:prstGeom prst="rect">
             <a:avLst/>
           </a:prstGeom>
-          <a:noFill/>
-          <a:ln w="9525">
-            <a:noFill/>
-            <a:miter lim="800000"/>
-            <a:headEnd/>
-            <a:tailEnd/>
-          </a:ln>
-          <a:effectLst/>
         </p:spPr>
         <p:txBody>
-          <a:bodyPr vert="horz" wrap="square" lIns="91440" tIns="45720" rIns="91440" bIns="45720" numCol="1" anchor="t" anchorCtr="0" compatLnSpc="1">
-            <a:prstTxWarp prst="textNoShape">
-              <a:avLst/>
-            </a:prstTxWarp>
-          </a:bodyPr>
-          <a:lstStyle>
-            <a:lvl1pPr algn="ctr">
-              <a:defRPr sz="1400"/>
-            </a:lvl1pPr>
-          </a:lstStyle>
-          <a:p>
-            <a:pPr>
-              <a:defRPr/>
-            </a:pPr>
-            <a:endParaRPr lang="en-US"/>
-          </a:p>
-        </p:txBody>
-      </p:sp>
-      <p:sp>
-        <p:nvSpPr>
-          <p:cNvPr id="1030" name="Rectangle 6"/>
-          <p:cNvSpPr>
-            <a:spLocks noGrp="1" noChangeArrowheads="1"/>
-          </p:cNvSpPr>
-          <p:nvPr>
-            <p:ph type="sldNum" sz="quarter" idx="4"/>
-          </p:nvPr>
-        </p:nvSpPr>
-        <p:spPr bwMode="auto">
-          <a:xfrm>
-            <a:off x="6553200" y="6245225"/>
-            <a:ext cx="2133600" cy="476251"/>
-          </a:xfrm>
-          <a:prstGeom prst="rect">
-            <a:avLst/>
-          </a:prstGeom>
-          <a:noFill/>
-          <a:ln w="9525">
-            <a:noFill/>
-            <a:miter lim="800000"/>
-            <a:headEnd/>
-            <a:tailEnd/>
-          </a:ln>
-          <a:effectLst/>
-        </p:spPr>
-        <p:txBody>
-          <a:bodyPr vert="horz" wrap="square" lIns="91440" tIns="45720" rIns="91440" bIns="45720" numCol="1" anchor="t" anchorCtr="0" compatLnSpc="1">
-            <a:prstTxWarp prst="textNoShape">
-              <a:avLst/>
-            </a:prstTxWarp>
-          </a:bodyPr>
+          <a:bodyPr vert="horz" lIns="91440" tIns="45720" rIns="91440" bIns="45720" rtlCol="0" anchor="ctr"/>
           <a:lstStyle>
             <a:lvl1pPr algn="r">
-              <a:defRPr sz="1400"/>
+              <a:defRPr sz="900">
+                <a:solidFill>
+                  <a:schemeClr val="tx1">
+                    <a:tint val="75000"/>
+                  </a:schemeClr>
+                </a:solidFill>
+              </a:defRPr>
             </a:lvl1pPr>
           </a:lstStyle>
           <a:p>
@@ -6458,7 +6152,7 @@
               <a:defRPr/>
             </a:pPr>
             <a:fld id="{BE08501C-12D1-4FD8-AEBE-086BB657A8C4}" type="slidenum">
-              <a:rPr lang="en-US"/>
+              <a:rPr lang="en-US" smtClean="0"/>
               <a:pPr>
                 <a:defRPr/>
               </a:pPr>
@@ -6468,85 +6162,38 @@
           </a:p>
         </p:txBody>
       </p:sp>
-      <p:pic>
-        <p:nvPicPr>
-          <p:cNvPr id="1026" name="Picture 2" descr="Dallas Day Of Dot Net"/>
-          <p:cNvPicPr>
-            <a:picLocks noChangeAspect="1" noChangeArrowheads="1"/>
-          </p:cNvPicPr>
-          <p:nvPr userDrawn="1"/>
-        </p:nvPicPr>
-        <p:blipFill>
-          <a:blip r:embed="rId14">
-            <a:extLst>
-              <a:ext uri="{28A0092B-C50C-407E-A947-70E740481C1C}">
-                <a14:useLocalDpi xmlns:a14="http://schemas.microsoft.com/office/drawing/2010/main" val="0"/>
-              </a:ext>
-            </a:extLst>
-          </a:blip>
-          <a:srcRect/>
-          <a:stretch>
-            <a:fillRect/>
-          </a:stretch>
-        </p:blipFill>
-        <p:spPr bwMode="auto">
-          <a:xfrm>
-            <a:off x="1752600" y="6351589"/>
-            <a:ext cx="6076950" cy="292100"/>
-          </a:xfrm>
-          <a:prstGeom prst="rect">
-            <a:avLst/>
-          </a:prstGeom>
-          <a:noFill/>
-          <a:extLst>
-            <a:ext uri="{909E8E84-426E-40DD-AFC4-6F175D3DCCD1}">
-              <a14:hiddenFill xmlns:a14="http://schemas.microsoft.com/office/drawing/2010/main">
-                <a:solidFill>
-                  <a:srgbClr val="FFFFFF"/>
-                </a:solidFill>
-              </a14:hiddenFill>
-            </a:ext>
-          </a:extLst>
-        </p:spPr>
-      </p:pic>
     </p:spTree>
     <p:extLst>
       <p:ext uri="{BB962C8B-B14F-4D97-AF65-F5344CB8AC3E}">
-        <p14:creationId xmlns:p14="http://schemas.microsoft.com/office/powerpoint/2010/main" val="2473290217"/>
+        <p14:creationId xmlns:p14="http://schemas.microsoft.com/office/powerpoint/2010/main" val="1251259575"/>
       </p:ext>
     </p:extLst>
   </p:cSld>
-  <p:clrMap bg1="dk2" tx1="lt1" bg2="dk1" tx2="lt2" accent1="accent1" accent2="accent2" accent3="accent3" accent4="accent4" accent5="accent5" accent6="accent6" hlink="hlink" folHlink="folHlink"/>
+  <p:clrMap bg1="lt1" tx1="dk1" bg2="lt2" tx2="dk2" accent1="accent1" accent2="accent2" accent3="accent3" accent4="accent4" accent5="accent5" accent6="accent6" hlink="hlink" folHlink="folHlink"/>
   <p:sldLayoutIdLst>
-    <p:sldLayoutId id="2147483683" r:id="rId1"/>
-    <p:sldLayoutId id="2147483684" r:id="rId2"/>
-    <p:sldLayoutId id="2147483685" r:id="rId3"/>
-    <p:sldLayoutId id="2147483686" r:id="rId4"/>
-    <p:sldLayoutId id="2147483687" r:id="rId5"/>
-    <p:sldLayoutId id="2147483688" r:id="rId6"/>
-    <p:sldLayoutId id="2147483689" r:id="rId7"/>
-    <p:sldLayoutId id="2147483690" r:id="rId8"/>
-    <p:sldLayoutId id="2147483691" r:id="rId9"/>
-    <p:sldLayoutId id="2147483692" r:id="rId10"/>
-    <p:sldLayoutId id="2147483693" r:id="rId11"/>
+    <p:sldLayoutId id="2147483695" r:id="rId1"/>
+    <p:sldLayoutId id="2147483696" r:id="rId2"/>
+    <p:sldLayoutId id="2147483697" r:id="rId3"/>
+    <p:sldLayoutId id="2147483698" r:id="rId4"/>
+    <p:sldLayoutId id="2147483699" r:id="rId5"/>
+    <p:sldLayoutId id="2147483700" r:id="rId6"/>
+    <p:sldLayoutId id="2147483701" r:id="rId7"/>
+    <p:sldLayoutId id="2147483702" r:id="rId8"/>
+    <p:sldLayoutId id="2147483703" r:id="rId9"/>
+    <p:sldLayoutId id="2147483704" r:id="rId10"/>
+    <p:sldLayoutId id="2147483705" r:id="rId11"/>
   </p:sldLayoutIdLst>
-  <p:timing>
-    <p:tnLst>
-      <p:par>
-        <p:cTn id="1" dur="indefinite" restart="never" nodeType="tmRoot"/>
-      </p:par>
-    </p:tnLst>
-  </p:timing>
   <p:txStyles>
     <p:titleStyle>
-      <a:lvl1pPr algn="l" rtl="0" eaLnBrk="0" fontAlgn="base" hangingPunct="0">
+      <a:lvl1pPr algn="l" defTabSz="685800" rtl="0" eaLnBrk="1" latinLnBrk="0" hangingPunct="1">
+        <a:lnSpc>
+          <a:spcPct val="90000"/>
+        </a:lnSpc>
         <a:spcBef>
           <a:spcPct val="0"/>
         </a:spcBef>
-        <a:spcAft>
-          <a:spcPct val="0"/>
-        </a:spcAft>
-        <a:defRPr sz="3600" b="1">
+        <a:buNone/>
+        <a:defRPr sz="3300" kern="1200">
           <a:solidFill>
             <a:schemeClr val="tx1"/>
           </a:solidFill>
@@ -6555,266 +6202,18 @@
           <a:cs typeface="+mj-cs"/>
         </a:defRPr>
       </a:lvl1pPr>
-      <a:lvl2pPr algn="l" rtl="0" eaLnBrk="0" fontAlgn="base" hangingPunct="0">
-        <a:spcBef>
-          <a:spcPct val="0"/>
-        </a:spcBef>
-        <a:spcAft>
-          <a:spcPct val="0"/>
-        </a:spcAft>
-        <a:defRPr sz="3600" b="1">
-          <a:solidFill>
-            <a:schemeClr val="tx1"/>
-          </a:solidFill>
-          <a:latin typeface="Arial" charset="0"/>
-        </a:defRPr>
-      </a:lvl2pPr>
-      <a:lvl3pPr algn="l" rtl="0" eaLnBrk="0" fontAlgn="base" hangingPunct="0">
-        <a:spcBef>
-          <a:spcPct val="0"/>
-        </a:spcBef>
-        <a:spcAft>
-          <a:spcPct val="0"/>
-        </a:spcAft>
-        <a:defRPr sz="3600" b="1">
-          <a:solidFill>
-            <a:schemeClr val="tx1"/>
-          </a:solidFill>
-          <a:latin typeface="Arial" charset="0"/>
-        </a:defRPr>
-      </a:lvl3pPr>
-      <a:lvl4pPr algn="l" rtl="0" eaLnBrk="0" fontAlgn="base" hangingPunct="0">
-        <a:spcBef>
-          <a:spcPct val="0"/>
-        </a:spcBef>
-        <a:spcAft>
-          <a:spcPct val="0"/>
-        </a:spcAft>
-        <a:defRPr sz="3600" b="1">
-          <a:solidFill>
-            <a:schemeClr val="tx1"/>
-          </a:solidFill>
-          <a:latin typeface="Arial" charset="0"/>
-        </a:defRPr>
-      </a:lvl4pPr>
-      <a:lvl5pPr algn="l" rtl="0" eaLnBrk="0" fontAlgn="base" hangingPunct="0">
-        <a:spcBef>
-          <a:spcPct val="0"/>
-        </a:spcBef>
-        <a:spcAft>
-          <a:spcPct val="0"/>
-        </a:spcAft>
-        <a:defRPr sz="3600" b="1">
-          <a:solidFill>
-            <a:schemeClr val="tx1"/>
-          </a:solidFill>
-          <a:latin typeface="Arial" charset="0"/>
-        </a:defRPr>
-      </a:lvl5pPr>
-      <a:lvl6pPr marL="457200" algn="l" rtl="0" fontAlgn="base">
-        <a:spcBef>
-          <a:spcPct val="0"/>
-        </a:spcBef>
-        <a:spcAft>
-          <a:spcPct val="0"/>
-        </a:spcAft>
-        <a:defRPr sz="3600" b="1">
-          <a:solidFill>
-            <a:schemeClr val="tx1"/>
-          </a:solidFill>
-          <a:latin typeface="Arial" charset="0"/>
-        </a:defRPr>
-      </a:lvl6pPr>
-      <a:lvl7pPr marL="914400" algn="l" rtl="0" fontAlgn="base">
-        <a:spcBef>
-          <a:spcPct val="0"/>
-        </a:spcBef>
-        <a:spcAft>
-          <a:spcPct val="0"/>
-        </a:spcAft>
-        <a:defRPr sz="3600" b="1">
-          <a:solidFill>
-            <a:schemeClr val="tx1"/>
-          </a:solidFill>
-          <a:latin typeface="Arial" charset="0"/>
-        </a:defRPr>
-      </a:lvl7pPr>
-      <a:lvl8pPr marL="1371600" algn="l" rtl="0" fontAlgn="base">
-        <a:spcBef>
-          <a:spcPct val="0"/>
-        </a:spcBef>
-        <a:spcAft>
-          <a:spcPct val="0"/>
-        </a:spcAft>
-        <a:defRPr sz="3600" b="1">
-          <a:solidFill>
-            <a:schemeClr val="tx1"/>
-          </a:solidFill>
-          <a:latin typeface="Arial" charset="0"/>
-        </a:defRPr>
-      </a:lvl8pPr>
-      <a:lvl9pPr marL="1828800" algn="l" rtl="0" fontAlgn="base">
-        <a:spcBef>
-          <a:spcPct val="0"/>
-        </a:spcBef>
-        <a:spcAft>
-          <a:spcPct val="0"/>
-        </a:spcAft>
-        <a:defRPr sz="3600" b="1">
-          <a:solidFill>
-            <a:schemeClr val="tx1"/>
-          </a:solidFill>
-          <a:latin typeface="Arial" charset="0"/>
-        </a:defRPr>
-      </a:lvl9pPr>
     </p:titleStyle>
     <p:bodyStyle>
-      <a:lvl1pPr marL="342900" indent="-342900" algn="l" rtl="0" eaLnBrk="0" fontAlgn="base" hangingPunct="0">
+      <a:lvl1pPr marL="171450" indent="-171450" algn="l" defTabSz="685800" rtl="0" eaLnBrk="1" latinLnBrk="0" hangingPunct="1">
+        <a:lnSpc>
+          <a:spcPct val="90000"/>
+        </a:lnSpc>
         <a:spcBef>
-          <a:spcPct val="20000"/>
+          <a:spcPts val="750"/>
         </a:spcBef>
-        <a:spcAft>
-          <a:spcPct val="0"/>
-        </a:spcAft>
+        <a:buFont typeface="Arial" panose="020B0604020202020204" pitchFamily="34" charset="0"/>
         <a:buChar char="•"/>
-        <a:defRPr sz="3200">
-          <a:solidFill>
-            <a:srgbClr val="FFFF66"/>
-          </a:solidFill>
-          <a:latin typeface="+mn-lt"/>
-          <a:ea typeface="+mn-ea"/>
-          <a:cs typeface="+mn-cs"/>
-        </a:defRPr>
-      </a:lvl1pPr>
-      <a:lvl2pPr marL="742950" indent="-285750" algn="l" rtl="0" eaLnBrk="0" fontAlgn="base" hangingPunct="0">
-        <a:spcBef>
-          <a:spcPct val="20000"/>
-        </a:spcBef>
-        <a:spcAft>
-          <a:spcPct val="0"/>
-        </a:spcAft>
-        <a:buSzPct val="75000"/>
-        <a:buFont typeface="Arial" charset="0"/>
-        <a:buChar char="●"/>
-        <a:defRPr sz="2800">
-          <a:solidFill>
-            <a:schemeClr val="tx1"/>
-          </a:solidFill>
-          <a:latin typeface="+mn-lt"/>
-        </a:defRPr>
-      </a:lvl2pPr>
-      <a:lvl3pPr marL="1143000" indent="-228600" algn="l" rtl="0" eaLnBrk="0" fontAlgn="base" hangingPunct="0">
-        <a:spcBef>
-          <a:spcPct val="20000"/>
-        </a:spcBef>
-        <a:spcAft>
-          <a:spcPct val="0"/>
-        </a:spcAft>
-        <a:buChar char="•"/>
-        <a:defRPr sz="2400">
-          <a:solidFill>
-            <a:srgbClr val="FFFF66"/>
-          </a:solidFill>
-          <a:latin typeface="+mn-lt"/>
-        </a:defRPr>
-      </a:lvl3pPr>
-      <a:lvl4pPr marL="1600200" indent="-228600" algn="l" rtl="0" eaLnBrk="0" fontAlgn="base" hangingPunct="0">
-        <a:spcBef>
-          <a:spcPct val="20000"/>
-        </a:spcBef>
-        <a:spcAft>
-          <a:spcPct val="0"/>
-        </a:spcAft>
-        <a:buChar char="–"/>
-        <a:defRPr sz="2000">
-          <a:solidFill>
-            <a:schemeClr val="tx1"/>
-          </a:solidFill>
-          <a:latin typeface="+mn-lt"/>
-        </a:defRPr>
-      </a:lvl4pPr>
-      <a:lvl5pPr marL="2057400" indent="-228600" algn="l" rtl="0" eaLnBrk="0" fontAlgn="base" hangingPunct="0">
-        <a:spcBef>
-          <a:spcPct val="20000"/>
-        </a:spcBef>
-        <a:spcAft>
-          <a:spcPct val="0"/>
-        </a:spcAft>
-        <a:buChar char="»"/>
-        <a:defRPr sz="2000">
-          <a:solidFill>
-            <a:srgbClr val="FFFF66"/>
-          </a:solidFill>
-          <a:latin typeface="+mn-lt"/>
-        </a:defRPr>
-      </a:lvl5pPr>
-      <a:lvl6pPr marL="2514600" indent="-228600" algn="l" rtl="0" fontAlgn="base">
-        <a:spcBef>
-          <a:spcPct val="20000"/>
-        </a:spcBef>
-        <a:spcAft>
-          <a:spcPct val="0"/>
-        </a:spcAft>
-        <a:buChar char="»"/>
-        <a:defRPr sz="2000">
-          <a:solidFill>
-            <a:srgbClr val="FFFF66"/>
-          </a:solidFill>
-          <a:latin typeface="+mn-lt"/>
-        </a:defRPr>
-      </a:lvl6pPr>
-      <a:lvl7pPr marL="2971800" indent="-228600" algn="l" rtl="0" fontAlgn="base">
-        <a:spcBef>
-          <a:spcPct val="20000"/>
-        </a:spcBef>
-        <a:spcAft>
-          <a:spcPct val="0"/>
-        </a:spcAft>
-        <a:buChar char="»"/>
-        <a:defRPr sz="2000">
-          <a:solidFill>
-            <a:srgbClr val="FFFF66"/>
-          </a:solidFill>
-          <a:latin typeface="+mn-lt"/>
-        </a:defRPr>
-      </a:lvl7pPr>
-      <a:lvl8pPr marL="3429000" indent="-228600" algn="l" rtl="0" fontAlgn="base">
-        <a:spcBef>
-          <a:spcPct val="20000"/>
-        </a:spcBef>
-        <a:spcAft>
-          <a:spcPct val="0"/>
-        </a:spcAft>
-        <a:buChar char="»"/>
-        <a:defRPr sz="2000">
-          <a:solidFill>
-            <a:srgbClr val="FFFF66"/>
-          </a:solidFill>
-          <a:latin typeface="+mn-lt"/>
-        </a:defRPr>
-      </a:lvl8pPr>
-      <a:lvl9pPr marL="3886200" indent="-228600" algn="l" rtl="0" fontAlgn="base">
-        <a:spcBef>
-          <a:spcPct val="20000"/>
-        </a:spcBef>
-        <a:spcAft>
-          <a:spcPct val="0"/>
-        </a:spcAft>
-        <a:buChar char="»"/>
-        <a:defRPr sz="2000">
-          <a:solidFill>
-            <a:srgbClr val="FFFF66"/>
-          </a:solidFill>
-          <a:latin typeface="+mn-lt"/>
-        </a:defRPr>
-      </a:lvl9pPr>
-    </p:bodyStyle>
-    <p:otherStyle>
-      <a:defPPr>
-        <a:defRPr lang="en-US"/>
-      </a:defPPr>
-      <a:lvl1pPr marL="0" algn="l" defTabSz="914400" rtl="0" eaLnBrk="1" latinLnBrk="0" hangingPunct="1">
-        <a:defRPr sz="1800" kern="1200">
+        <a:defRPr sz="2100" kern="1200">
           <a:solidFill>
             <a:schemeClr val="tx1"/>
           </a:solidFill>
@@ -6823,7 +6222,15 @@
           <a:cs typeface="+mn-cs"/>
         </a:defRPr>
       </a:lvl1pPr>
-      <a:lvl2pPr marL="457200" algn="l" defTabSz="914400" rtl="0" eaLnBrk="1" latinLnBrk="0" hangingPunct="1">
+      <a:lvl2pPr marL="514350" indent="-171450" algn="l" defTabSz="685800" rtl="0" eaLnBrk="1" latinLnBrk="0" hangingPunct="1">
+        <a:lnSpc>
+          <a:spcPct val="90000"/>
+        </a:lnSpc>
+        <a:spcBef>
+          <a:spcPts val="375"/>
+        </a:spcBef>
+        <a:buFont typeface="Arial" panose="020B0604020202020204" pitchFamily="34" charset="0"/>
+        <a:buChar char="•"/>
         <a:defRPr sz="1800" kern="1200">
           <a:solidFill>
             <a:schemeClr val="tx1"/>
@@ -6833,8 +6240,16 @@
           <a:cs typeface="+mn-cs"/>
         </a:defRPr>
       </a:lvl2pPr>
-      <a:lvl3pPr marL="914400" algn="l" defTabSz="914400" rtl="0" eaLnBrk="1" latinLnBrk="0" hangingPunct="1">
-        <a:defRPr sz="1800" kern="1200">
+      <a:lvl3pPr marL="857250" indent="-171450" algn="l" defTabSz="685800" rtl="0" eaLnBrk="1" latinLnBrk="0" hangingPunct="1">
+        <a:lnSpc>
+          <a:spcPct val="90000"/>
+        </a:lnSpc>
+        <a:spcBef>
+          <a:spcPts val="375"/>
+        </a:spcBef>
+        <a:buFont typeface="Arial" panose="020B0604020202020204" pitchFamily="34" charset="0"/>
+        <a:buChar char="•"/>
+        <a:defRPr sz="1500" kern="1200">
           <a:solidFill>
             <a:schemeClr val="tx1"/>
           </a:solidFill>
@@ -6843,8 +6258,16 @@
           <a:cs typeface="+mn-cs"/>
         </a:defRPr>
       </a:lvl3pPr>
-      <a:lvl4pPr marL="1371600" algn="l" defTabSz="914400" rtl="0" eaLnBrk="1" latinLnBrk="0" hangingPunct="1">
-        <a:defRPr sz="1800" kern="1200">
+      <a:lvl4pPr marL="1200150" indent="-171450" algn="l" defTabSz="685800" rtl="0" eaLnBrk="1" latinLnBrk="0" hangingPunct="1">
+        <a:lnSpc>
+          <a:spcPct val="90000"/>
+        </a:lnSpc>
+        <a:spcBef>
+          <a:spcPts val="375"/>
+        </a:spcBef>
+        <a:buFont typeface="Arial" panose="020B0604020202020204" pitchFamily="34" charset="0"/>
+        <a:buChar char="•"/>
+        <a:defRPr sz="1350" kern="1200">
           <a:solidFill>
             <a:schemeClr val="tx1"/>
           </a:solidFill>
@@ -6853,8 +6276,16 @@
           <a:cs typeface="+mn-cs"/>
         </a:defRPr>
       </a:lvl4pPr>
-      <a:lvl5pPr marL="1828800" algn="l" defTabSz="914400" rtl="0" eaLnBrk="1" latinLnBrk="0" hangingPunct="1">
-        <a:defRPr sz="1800" kern="1200">
+      <a:lvl5pPr marL="1543050" indent="-171450" algn="l" defTabSz="685800" rtl="0" eaLnBrk="1" latinLnBrk="0" hangingPunct="1">
+        <a:lnSpc>
+          <a:spcPct val="90000"/>
+        </a:lnSpc>
+        <a:spcBef>
+          <a:spcPts val="375"/>
+        </a:spcBef>
+        <a:buFont typeface="Arial" panose="020B0604020202020204" pitchFamily="34" charset="0"/>
+        <a:buChar char="•"/>
+        <a:defRPr sz="1350" kern="1200">
           <a:solidFill>
             <a:schemeClr val="tx1"/>
           </a:solidFill>
@@ -6863,8 +6294,16 @@
           <a:cs typeface="+mn-cs"/>
         </a:defRPr>
       </a:lvl5pPr>
-      <a:lvl6pPr marL="2286000" algn="l" defTabSz="914400" rtl="0" eaLnBrk="1" latinLnBrk="0" hangingPunct="1">
-        <a:defRPr sz="1800" kern="1200">
+      <a:lvl6pPr marL="1885950" indent="-171450" algn="l" defTabSz="685800" rtl="0" eaLnBrk="1" latinLnBrk="0" hangingPunct="1">
+        <a:lnSpc>
+          <a:spcPct val="90000"/>
+        </a:lnSpc>
+        <a:spcBef>
+          <a:spcPts val="375"/>
+        </a:spcBef>
+        <a:buFont typeface="Arial" panose="020B0604020202020204" pitchFamily="34" charset="0"/>
+        <a:buChar char="•"/>
+        <a:defRPr sz="1350" kern="1200">
           <a:solidFill>
             <a:schemeClr val="tx1"/>
           </a:solidFill>
@@ -6873,8 +6312,16 @@
           <a:cs typeface="+mn-cs"/>
         </a:defRPr>
       </a:lvl6pPr>
-      <a:lvl7pPr marL="2743200" algn="l" defTabSz="914400" rtl="0" eaLnBrk="1" latinLnBrk="0" hangingPunct="1">
-        <a:defRPr sz="1800" kern="1200">
+      <a:lvl7pPr marL="2228850" indent="-171450" algn="l" defTabSz="685800" rtl="0" eaLnBrk="1" latinLnBrk="0" hangingPunct="1">
+        <a:lnSpc>
+          <a:spcPct val="90000"/>
+        </a:lnSpc>
+        <a:spcBef>
+          <a:spcPts val="375"/>
+        </a:spcBef>
+        <a:buFont typeface="Arial" panose="020B0604020202020204" pitchFamily="34" charset="0"/>
+        <a:buChar char="•"/>
+        <a:defRPr sz="1350" kern="1200">
           <a:solidFill>
             <a:schemeClr val="tx1"/>
           </a:solidFill>
@@ -6883,8 +6330,16 @@
           <a:cs typeface="+mn-cs"/>
         </a:defRPr>
       </a:lvl7pPr>
-      <a:lvl8pPr marL="3200400" algn="l" defTabSz="914400" rtl="0" eaLnBrk="1" latinLnBrk="0" hangingPunct="1">
-        <a:defRPr sz="1800" kern="1200">
+      <a:lvl8pPr marL="2571750" indent="-171450" algn="l" defTabSz="685800" rtl="0" eaLnBrk="1" latinLnBrk="0" hangingPunct="1">
+        <a:lnSpc>
+          <a:spcPct val="90000"/>
+        </a:lnSpc>
+        <a:spcBef>
+          <a:spcPts val="375"/>
+        </a:spcBef>
+        <a:buFont typeface="Arial" panose="020B0604020202020204" pitchFamily="34" charset="0"/>
+        <a:buChar char="•"/>
+        <a:defRPr sz="1350" kern="1200">
           <a:solidFill>
             <a:schemeClr val="tx1"/>
           </a:solidFill>
@@ -6893,8 +6348,111 @@
           <a:cs typeface="+mn-cs"/>
         </a:defRPr>
       </a:lvl8pPr>
-      <a:lvl9pPr marL="3657600" algn="l" defTabSz="914400" rtl="0" eaLnBrk="1" latinLnBrk="0" hangingPunct="1">
-        <a:defRPr sz="1800" kern="1200">
+      <a:lvl9pPr marL="2914650" indent="-171450" algn="l" defTabSz="685800" rtl="0" eaLnBrk="1" latinLnBrk="0" hangingPunct="1">
+        <a:lnSpc>
+          <a:spcPct val="90000"/>
+        </a:lnSpc>
+        <a:spcBef>
+          <a:spcPts val="375"/>
+        </a:spcBef>
+        <a:buFont typeface="Arial" panose="020B0604020202020204" pitchFamily="34" charset="0"/>
+        <a:buChar char="•"/>
+        <a:defRPr sz="1350" kern="1200">
+          <a:solidFill>
+            <a:schemeClr val="tx1"/>
+          </a:solidFill>
+          <a:latin typeface="+mn-lt"/>
+          <a:ea typeface="+mn-ea"/>
+          <a:cs typeface="+mn-cs"/>
+        </a:defRPr>
+      </a:lvl9pPr>
+    </p:bodyStyle>
+    <p:otherStyle>
+      <a:defPPr>
+        <a:defRPr lang="en-US"/>
+      </a:defPPr>
+      <a:lvl1pPr marL="0" algn="l" defTabSz="685800" rtl="0" eaLnBrk="1" latinLnBrk="0" hangingPunct="1">
+        <a:defRPr sz="1350" kern="1200">
+          <a:solidFill>
+            <a:schemeClr val="tx1"/>
+          </a:solidFill>
+          <a:latin typeface="+mn-lt"/>
+          <a:ea typeface="+mn-ea"/>
+          <a:cs typeface="+mn-cs"/>
+        </a:defRPr>
+      </a:lvl1pPr>
+      <a:lvl2pPr marL="342900" algn="l" defTabSz="685800" rtl="0" eaLnBrk="1" latinLnBrk="0" hangingPunct="1">
+        <a:defRPr sz="1350" kern="1200">
+          <a:solidFill>
+            <a:schemeClr val="tx1"/>
+          </a:solidFill>
+          <a:latin typeface="+mn-lt"/>
+          <a:ea typeface="+mn-ea"/>
+          <a:cs typeface="+mn-cs"/>
+        </a:defRPr>
+      </a:lvl2pPr>
+      <a:lvl3pPr marL="685800" algn="l" defTabSz="685800" rtl="0" eaLnBrk="1" latinLnBrk="0" hangingPunct="1">
+        <a:defRPr sz="1350" kern="1200">
+          <a:solidFill>
+            <a:schemeClr val="tx1"/>
+          </a:solidFill>
+          <a:latin typeface="+mn-lt"/>
+          <a:ea typeface="+mn-ea"/>
+          <a:cs typeface="+mn-cs"/>
+        </a:defRPr>
+      </a:lvl3pPr>
+      <a:lvl4pPr marL="1028700" algn="l" defTabSz="685800" rtl="0" eaLnBrk="1" latinLnBrk="0" hangingPunct="1">
+        <a:defRPr sz="1350" kern="1200">
+          <a:solidFill>
+            <a:schemeClr val="tx1"/>
+          </a:solidFill>
+          <a:latin typeface="+mn-lt"/>
+          <a:ea typeface="+mn-ea"/>
+          <a:cs typeface="+mn-cs"/>
+        </a:defRPr>
+      </a:lvl4pPr>
+      <a:lvl5pPr marL="1371600" algn="l" defTabSz="685800" rtl="0" eaLnBrk="1" latinLnBrk="0" hangingPunct="1">
+        <a:defRPr sz="1350" kern="1200">
+          <a:solidFill>
+            <a:schemeClr val="tx1"/>
+          </a:solidFill>
+          <a:latin typeface="+mn-lt"/>
+          <a:ea typeface="+mn-ea"/>
+          <a:cs typeface="+mn-cs"/>
+        </a:defRPr>
+      </a:lvl5pPr>
+      <a:lvl6pPr marL="1714500" algn="l" defTabSz="685800" rtl="0" eaLnBrk="1" latinLnBrk="0" hangingPunct="1">
+        <a:defRPr sz="1350" kern="1200">
+          <a:solidFill>
+            <a:schemeClr val="tx1"/>
+          </a:solidFill>
+          <a:latin typeface="+mn-lt"/>
+          <a:ea typeface="+mn-ea"/>
+          <a:cs typeface="+mn-cs"/>
+        </a:defRPr>
+      </a:lvl6pPr>
+      <a:lvl7pPr marL="2057400" algn="l" defTabSz="685800" rtl="0" eaLnBrk="1" latinLnBrk="0" hangingPunct="1">
+        <a:defRPr sz="1350" kern="1200">
+          <a:solidFill>
+            <a:schemeClr val="tx1"/>
+          </a:solidFill>
+          <a:latin typeface="+mn-lt"/>
+          <a:ea typeface="+mn-ea"/>
+          <a:cs typeface="+mn-cs"/>
+        </a:defRPr>
+      </a:lvl7pPr>
+      <a:lvl8pPr marL="2400300" algn="l" defTabSz="685800" rtl="0" eaLnBrk="1" latinLnBrk="0" hangingPunct="1">
+        <a:defRPr sz="1350" kern="1200">
+          <a:solidFill>
+            <a:schemeClr val="tx1"/>
+          </a:solidFill>
+          <a:latin typeface="+mn-lt"/>
+          <a:ea typeface="+mn-ea"/>
+          <a:cs typeface="+mn-cs"/>
+        </a:defRPr>
+      </a:lvl8pPr>
+      <a:lvl9pPr marL="2743200" algn="l" defTabSz="685800" rtl="0" eaLnBrk="1" latinLnBrk="0" hangingPunct="1">
+        <a:defRPr sz="1350" kern="1200">
           <a:solidFill>
             <a:schemeClr val="tx1"/>
           </a:solidFill>
@@ -6940,8 +6498,8 @@
         </p:nvSpPr>
         <p:spPr>
           <a:xfrm>
-            <a:off x="457200" y="1524000"/>
-            <a:ext cx="8382000" cy="609600"/>
+            <a:off x="1219200" y="431800"/>
+            <a:ext cx="6858000" cy="2387600"/>
           </a:xfrm>
         </p:spPr>
         <p:txBody>
@@ -6950,127 +6508,75 @@
           </a:bodyPr>
           <a:lstStyle/>
           <a:p>
-            <a:pPr algn="l"/>
-            <a:r>
-              <a:rPr lang="en-US" b="1" dirty="0" smtClean="0">
-                <a:latin typeface="Verdana" pitchFamily="34" charset="0"/>
-                <a:ea typeface="Verdana" pitchFamily="34" charset="0"/>
-                <a:cs typeface="Verdana" pitchFamily="34" charset="0"/>
-              </a:rPr>
+            <a:r>
+              <a:rPr lang="en-US" dirty="0" smtClean="0"/>
               <a:t>Continuous Delivery</a:t>
             </a:r>
             <a:br>
-              <a:rPr lang="en-US" b="1" dirty="0" smtClean="0">
-                <a:latin typeface="Verdana" pitchFamily="34" charset="0"/>
-                <a:ea typeface="Verdana" pitchFamily="34" charset="0"/>
-                <a:cs typeface="Verdana" pitchFamily="34" charset="0"/>
-              </a:rPr>
+              <a:rPr lang="en-US" dirty="0" smtClean="0"/>
             </a:br>
             <a:r>
-              <a:rPr lang="en-US" b="1" dirty="0" smtClean="0">
-                <a:latin typeface="Verdana" pitchFamily="34" charset="0"/>
-                <a:ea typeface="Verdana" pitchFamily="34" charset="0"/>
-                <a:cs typeface="Verdana" pitchFamily="34" charset="0"/>
-              </a:rPr>
-              <a:t>In Practice</a:t>
+              <a:rPr lang="en-US" dirty="0" smtClean="0"/>
+              <a:t>the Octopus Way</a:t>
             </a:r>
             <a:br>
-              <a:rPr lang="en-US" b="1" dirty="0" smtClean="0">
-                <a:latin typeface="Verdana" pitchFamily="34" charset="0"/>
-                <a:ea typeface="Verdana" pitchFamily="34" charset="0"/>
-                <a:cs typeface="Verdana" pitchFamily="34" charset="0"/>
-              </a:rPr>
+              <a:rPr lang="en-US" dirty="0" smtClean="0"/>
             </a:br>
             <a:r>
-              <a:rPr lang="en-US" b="1" dirty="0">
-                <a:latin typeface="Verdana" pitchFamily="34" charset="0"/>
-                <a:ea typeface="Verdana" pitchFamily="34" charset="0"/>
-                <a:cs typeface="Verdana" pitchFamily="34" charset="0"/>
-              </a:rPr>
+              <a:rPr lang="en-US" dirty="0" smtClean="0"/>
               <a:t/>
             </a:r>
             <a:br>
-              <a:rPr lang="en-US" b="1" dirty="0">
-                <a:latin typeface="Verdana" pitchFamily="34" charset="0"/>
-                <a:ea typeface="Verdana" pitchFamily="34" charset="0"/>
-                <a:cs typeface="Verdana" pitchFamily="34" charset="0"/>
-              </a:rPr>
+              <a:rPr lang="en-US" dirty="0" smtClean="0"/>
             </a:br>
-            <a:r>
-              <a:rPr lang="en-US" sz="3600" b="1" dirty="0" smtClean="0">
-                <a:latin typeface="Verdana" pitchFamily="34" charset="0"/>
-                <a:ea typeface="Verdana" pitchFamily="34" charset="0"/>
-                <a:cs typeface="Verdana" pitchFamily="34" charset="0"/>
-              </a:rPr>
-              <a:t>Jimmy </a:t>
-            </a:r>
-            <a:r>
-              <a:rPr lang="en-US" sz="3600" b="1" dirty="0" err="1" smtClean="0">
-                <a:latin typeface="Verdana" pitchFamily="34" charset="0"/>
-                <a:ea typeface="Verdana" pitchFamily="34" charset="0"/>
-                <a:cs typeface="Verdana" pitchFamily="34" charset="0"/>
-              </a:rPr>
-              <a:t>Bogard</a:t>
-            </a:r>
-            <a:r>
-              <a:rPr lang="en-US" sz="3600" b="1" dirty="0" smtClean="0">
-                <a:latin typeface="Verdana" pitchFamily="34" charset="0"/>
-                <a:ea typeface="Verdana" pitchFamily="34" charset="0"/>
-                <a:cs typeface="Verdana" pitchFamily="34" charset="0"/>
-              </a:rPr>
-              <a:t> - @</a:t>
-            </a:r>
-            <a:r>
-              <a:rPr lang="en-US" sz="3600" b="1" dirty="0" err="1" smtClean="0">
-                <a:latin typeface="Verdana" pitchFamily="34" charset="0"/>
-                <a:ea typeface="Verdana" pitchFamily="34" charset="0"/>
-                <a:cs typeface="Verdana" pitchFamily="34" charset="0"/>
-              </a:rPr>
+            <a:endParaRPr lang="en-US" dirty="0"/>
+          </a:p>
+        </p:txBody>
+      </p:sp>
+      <p:sp>
+        <p:nvSpPr>
+          <p:cNvPr id="6" name="Subtitle 5"/>
+          <p:cNvSpPr>
+            <a:spLocks noGrp="1"/>
+          </p:cNvSpPr>
+          <p:nvPr>
+            <p:ph type="subTitle" idx="1"/>
+          </p:nvPr>
+        </p:nvSpPr>
+        <p:spPr>
+          <a:xfrm>
+            <a:off x="1219200" y="2289389"/>
+            <a:ext cx="6858000" cy="1655762"/>
+          </a:xfrm>
+        </p:spPr>
+        <p:txBody>
+          <a:bodyPr>
+            <a:normAutofit/>
+          </a:bodyPr>
+          <a:lstStyle/>
+          <a:p>
+            <a:r>
+              <a:rPr lang="en-US" sz="3200" dirty="0" smtClean="0"/>
+              <a:t>Jimmy Bogard</a:t>
+            </a:r>
+          </a:p>
+          <a:p>
+            <a:r>
+              <a:rPr lang="en-US" sz="3200" dirty="0" smtClean="0"/>
+              <a:t>@</a:t>
+            </a:r>
+            <a:r>
+              <a:rPr lang="en-US" sz="3200" dirty="0" err="1" smtClean="0"/>
               <a:t>jbogard</a:t>
             </a:r>
-            <a:r>
-              <a:rPr lang="en-US" sz="3600" b="1" dirty="0" smtClean="0">
-                <a:latin typeface="Verdana" pitchFamily="34" charset="0"/>
-                <a:ea typeface="Verdana" pitchFamily="34" charset="0"/>
-                <a:cs typeface="Verdana" pitchFamily="34" charset="0"/>
-              </a:rPr>
-              <a:t/>
-            </a:r>
-            <a:br>
-              <a:rPr lang="en-US" sz="3600" b="1" dirty="0" smtClean="0">
-                <a:latin typeface="Verdana" pitchFamily="34" charset="0"/>
-                <a:ea typeface="Verdana" pitchFamily="34" charset="0"/>
-                <a:cs typeface="Verdana" pitchFamily="34" charset="0"/>
-              </a:rPr>
-            </a:br>
-            <a:r>
-              <a:rPr lang="en-US" sz="3600" b="1" dirty="0" smtClean="0">
-                <a:latin typeface="Verdana" pitchFamily="34" charset="0"/>
-                <a:ea typeface="Verdana" pitchFamily="34" charset="0"/>
-                <a:cs typeface="Verdana" pitchFamily="34" charset="0"/>
-              </a:rPr>
+            <a:endParaRPr lang="en-US" sz="3200" dirty="0" smtClean="0"/>
+          </a:p>
+          <a:p>
+            <a:r>
+              <a:rPr lang="en-US" sz="3200" dirty="0" smtClean="0"/>
               <a:t>jimmybogard.lostechies.com</a:t>
             </a:r>
-            <a:br>
-              <a:rPr lang="en-US" sz="3600" b="1" dirty="0" smtClean="0">
-                <a:latin typeface="Verdana" pitchFamily="34" charset="0"/>
-                <a:ea typeface="Verdana" pitchFamily="34" charset="0"/>
-                <a:cs typeface="Verdana" pitchFamily="34" charset="0"/>
-              </a:rPr>
-            </a:br>
-            <a:r>
-              <a:rPr lang="en-US" sz="3600" b="1" dirty="0" smtClean="0">
-                <a:latin typeface="Verdana" pitchFamily="34" charset="0"/>
-                <a:ea typeface="Verdana" pitchFamily="34" charset="0"/>
-                <a:cs typeface="Verdana" pitchFamily="34" charset="0"/>
-              </a:rPr>
-              <a:t>Headspring</a:t>
-            </a:r>
-            <a:endParaRPr lang="en-US" sz="3600" dirty="0">
-              <a:latin typeface="Verdana" pitchFamily="34" charset="0"/>
-              <a:ea typeface="Verdana" pitchFamily="34" charset="0"/>
-              <a:cs typeface="Verdana" pitchFamily="34" charset="0"/>
-            </a:endParaRPr>
+            <a:endParaRPr lang="en-US" sz="3200" dirty="0"/>
           </a:p>
         </p:txBody>
       </p:sp>
@@ -7097,7 +6603,7 @@
         </p:blipFill>
         <p:spPr bwMode="auto">
           <a:xfrm>
-            <a:off x="381000" y="3733800"/>
+            <a:off x="381000" y="4533899"/>
             <a:ext cx="1428750" cy="1790701"/>
           </a:xfrm>
           <a:prstGeom prst="rect">
@@ -7138,49 +6644,8 @@
         </p:blipFill>
         <p:spPr bwMode="auto">
           <a:xfrm>
-            <a:off x="7315200" y="3733800"/>
+            <a:off x="7315200" y="4533899"/>
             <a:ext cx="1095375" cy="1714500"/>
-          </a:xfrm>
-          <a:prstGeom prst="rect">
-            <a:avLst/>
-          </a:prstGeom>
-          <a:noFill/>
-          <a:extLst>
-            <a:ext uri="{909E8E84-426E-40DD-AFC4-6F175D3DCCD1}">
-              <a14:hiddenFill xmlns:a14="http://schemas.microsoft.com/office/drawing/2010/main">
-                <a:solidFill>
-                  <a:srgbClr val="FFFFFF"/>
-                </a:solidFill>
-              </a14:hiddenFill>
-            </a:ext>
-          </a:extLst>
-        </p:spPr>
-      </p:pic>
-      <p:pic>
-        <p:nvPicPr>
-          <p:cNvPr id="1030" name="Picture 6" descr="http://www.headspring.com/images/logo.png"/>
-          <p:cNvPicPr>
-            <a:picLocks noChangeAspect="1" noChangeArrowheads="1"/>
-          </p:cNvPicPr>
-          <p:nvPr/>
-        </p:nvPicPr>
-        <p:blipFill>
-          <a:blip r:embed="rId6">
-            <a:extLst>
-              <a:ext uri="{28A0092B-C50C-407E-A947-70E740481C1C}">
-                <a14:useLocalDpi xmlns:a14="http://schemas.microsoft.com/office/drawing/2010/main" val="0"/>
-              </a:ext>
-            </a:extLst>
-          </a:blip>
-          <a:srcRect/>
-          <a:stretch>
-            <a:fillRect/>
-          </a:stretch>
-        </p:blipFill>
-        <p:spPr bwMode="auto">
-          <a:xfrm>
-            <a:off x="2476500" y="3733800"/>
-            <a:ext cx="3619500" cy="723900"/>
           </a:xfrm>
           <a:prstGeom prst="rect">
             <a:avLst/>
@@ -7206,7 +6671,7 @@
           <p:nvPr/>
         </p:nvPicPr>
         <p:blipFill>
-          <a:blip r:embed="rId7">
+          <a:blip r:embed="rId6">
             <a:extLst>
               <a:ext uri="{28A0092B-C50C-407E-A947-70E740481C1C}">
                 <a14:useLocalDpi xmlns:a14="http://schemas.microsoft.com/office/drawing/2010/main" val="0"/>
@@ -7220,7 +6685,7 @@
         </p:blipFill>
         <p:spPr bwMode="auto">
           <a:xfrm>
-            <a:off x="1389645" y="4724400"/>
+            <a:off x="1389645" y="4610099"/>
             <a:ext cx="6047539" cy="733425"/>
           </a:xfrm>
           <a:prstGeom prst="rect">
@@ -7247,7 +6712,7 @@
           <p:nvPr/>
         </p:nvPicPr>
         <p:blipFill>
-          <a:blip r:embed="rId8">
+          <a:blip r:embed="rId7">
             <a:extLst>
               <a:ext uri="{28A0092B-C50C-407E-A947-70E740481C1C}">
                 <a14:useLocalDpi xmlns:a14="http://schemas.microsoft.com/office/drawing/2010/main" val="0"/>
@@ -7261,7 +6726,7 @@
         </p:blipFill>
         <p:spPr bwMode="auto">
           <a:xfrm>
-            <a:off x="2476500" y="5871325"/>
+            <a:off x="2476500" y="5905499"/>
             <a:ext cx="3733800" cy="382377"/>
           </a:xfrm>
           <a:prstGeom prst="rect">
@@ -7303,554 +6768,7 @@
 </file>
 
 <file path=ppt/slides/slide2.xml><?xml version="1.0" encoding="utf-8"?>
-<p:sld xmlns:a="http://schemas.openxmlformats.org/drawingml/2006/main" xmlns:r="http://schemas.openxmlformats.org/officeDocument/2006/relationships" xmlns:p="http://schemas.openxmlformats.org/presentationml/2006/main">
-  <p:cSld>
-    <p:spTree>
-      <p:nvGrpSpPr>
-        <p:cNvPr id="1" name=""/>
-        <p:cNvGrpSpPr/>
-        <p:nvPr/>
-      </p:nvGrpSpPr>
-      <p:grpSpPr>
-        <a:xfrm>
-          <a:off x="0" y="0"/>
-          <a:ext cx="0" cy="0"/>
-          <a:chOff x="0" y="0"/>
-          <a:chExt cx="0" cy="0"/>
-        </a:xfrm>
-      </p:grpSpPr>
-      <p:sp>
-        <p:nvSpPr>
-          <p:cNvPr id="2" name="Title 1"/>
-          <p:cNvSpPr>
-            <a:spLocks noGrp="1"/>
-          </p:cNvSpPr>
-          <p:nvPr>
-            <p:ph type="title"/>
-          </p:nvPr>
-        </p:nvSpPr>
-        <p:spPr/>
-        <p:txBody>
-          <a:bodyPr/>
-          <a:lstStyle/>
-          <a:p>
-            <a:r>
-              <a:rPr lang="en-US" dirty="0" smtClean="0"/>
-              <a:t>Sponsors</a:t>
-            </a:r>
-            <a:endParaRPr lang="en-US" dirty="0"/>
-          </a:p>
-        </p:txBody>
-      </p:sp>
-      <p:pic>
-        <p:nvPicPr>
-          <p:cNvPr id="1026" name="Picture 2" descr="http://dallasdayofdotnet.com/images/entries/sponsors/infragistics-logo-vertical.jpg"/>
-          <p:cNvPicPr>
-            <a:picLocks noGrp="1" noChangeAspect="1" noChangeArrowheads="1"/>
-          </p:cNvPicPr>
-          <p:nvPr>
-            <p:ph idx="1"/>
-          </p:nvPr>
-        </p:nvPicPr>
-        <p:blipFill>
-          <a:blip r:embed="rId2" cstate="print">
-            <a:extLst>
-              <a:ext uri="{28A0092B-C50C-407E-A947-70E740481C1C}">
-                <a14:useLocalDpi xmlns:a14="http://schemas.microsoft.com/office/drawing/2010/main" val="0"/>
-              </a:ext>
-            </a:extLst>
-          </a:blip>
-          <a:srcRect/>
-          <a:stretch>
-            <a:fillRect/>
-          </a:stretch>
-        </p:blipFill>
-        <p:spPr bwMode="auto">
-          <a:xfrm>
-            <a:off x="2514600" y="1417639"/>
-            <a:ext cx="3429000" cy="776720"/>
-          </a:xfrm>
-          <a:prstGeom prst="rect">
-            <a:avLst/>
-          </a:prstGeom>
-          <a:noFill/>
-          <a:extLst>
-            <a:ext uri="{909E8E84-426E-40DD-AFC4-6F175D3DCCD1}">
-              <a14:hiddenFill xmlns:a14="http://schemas.microsoft.com/office/drawing/2010/main">
-                <a:solidFill>
-                  <a:srgbClr val="FFFFFF"/>
-                </a:solidFill>
-              </a14:hiddenFill>
-            </a:ext>
-          </a:extLst>
-        </p:spPr>
-      </p:pic>
-      <p:pic>
-        <p:nvPicPr>
-          <p:cNvPr id="1028" name="Picture 4" descr="http://dallasdayofdotnet.com/images/entries/sponsors/telerik.png"/>
-          <p:cNvPicPr>
-            <a:picLocks noChangeAspect="1" noChangeArrowheads="1"/>
-          </p:cNvPicPr>
-          <p:nvPr/>
-        </p:nvPicPr>
-        <p:blipFill>
-          <a:blip r:embed="rId3">
-            <a:extLst>
-              <a:ext uri="{28A0092B-C50C-407E-A947-70E740481C1C}">
-                <a14:useLocalDpi xmlns:a14="http://schemas.microsoft.com/office/drawing/2010/main" val="0"/>
-              </a:ext>
-            </a:extLst>
-          </a:blip>
-          <a:srcRect/>
-          <a:stretch>
-            <a:fillRect/>
-          </a:stretch>
-        </p:blipFill>
-        <p:spPr bwMode="auto">
-          <a:xfrm>
-            <a:off x="1" y="2483098"/>
-            <a:ext cx="1901825" cy="865223"/>
-          </a:xfrm>
-          <a:prstGeom prst="rect">
-            <a:avLst/>
-          </a:prstGeom>
-          <a:noFill/>
-          <a:extLst>
-            <a:ext uri="{909E8E84-426E-40DD-AFC4-6F175D3DCCD1}">
-              <a14:hiddenFill xmlns:a14="http://schemas.microsoft.com/office/drawing/2010/main">
-                <a:solidFill>
-                  <a:srgbClr val="FFFFFF"/>
-                </a:solidFill>
-              </a14:hiddenFill>
-            </a:ext>
-          </a:extLst>
-        </p:spPr>
-      </p:pic>
-      <p:pic>
-        <p:nvPicPr>
-          <p:cNvPr id="1030" name="Picture 6" descr="http://dallasdayofdotnet.com/images/entries/sponsors/fatcloud.png"/>
-          <p:cNvPicPr>
-            <a:picLocks noChangeAspect="1" noChangeArrowheads="1"/>
-          </p:cNvPicPr>
-          <p:nvPr/>
-        </p:nvPicPr>
-        <p:blipFill>
-          <a:blip r:embed="rId4" cstate="print">
-            <a:extLst>
-              <a:ext uri="{28A0092B-C50C-407E-A947-70E740481C1C}">
-                <a14:useLocalDpi xmlns:a14="http://schemas.microsoft.com/office/drawing/2010/main" val="0"/>
-              </a:ext>
-            </a:extLst>
-          </a:blip>
-          <a:srcRect/>
-          <a:stretch>
-            <a:fillRect/>
-          </a:stretch>
-        </p:blipFill>
-        <p:spPr bwMode="auto">
-          <a:xfrm>
-            <a:off x="2000489" y="2557992"/>
-            <a:ext cx="2115104" cy="715433"/>
-          </a:xfrm>
-          <a:prstGeom prst="rect">
-            <a:avLst/>
-          </a:prstGeom>
-          <a:noFill/>
-          <a:extLst>
-            <a:ext uri="{909E8E84-426E-40DD-AFC4-6F175D3DCCD1}">
-              <a14:hiddenFill xmlns:a14="http://schemas.microsoft.com/office/drawing/2010/main">
-                <a:solidFill>
-                  <a:srgbClr val="FFFFFF"/>
-                </a:solidFill>
-              </a14:hiddenFill>
-            </a:ext>
-          </a:extLst>
-        </p:spPr>
-      </p:pic>
-      <p:pic>
-        <p:nvPicPr>
-          <p:cNvPr id="1032" name="Picture 8" descr="http://dallasdayofdotnet.com/images/entries/sponsors/microsoft.jpg"/>
-          <p:cNvPicPr>
-            <a:picLocks noChangeAspect="1" noChangeArrowheads="1"/>
-          </p:cNvPicPr>
-          <p:nvPr/>
-        </p:nvPicPr>
-        <p:blipFill>
-          <a:blip r:embed="rId5">
-            <a:extLst>
-              <a:ext uri="{28A0092B-C50C-407E-A947-70E740481C1C}">
-                <a14:useLocalDpi xmlns:a14="http://schemas.microsoft.com/office/drawing/2010/main" val="0"/>
-              </a:ext>
-            </a:extLst>
-          </a:blip>
-          <a:srcRect/>
-          <a:stretch>
-            <a:fillRect/>
-          </a:stretch>
-        </p:blipFill>
-        <p:spPr bwMode="auto">
-          <a:xfrm>
-            <a:off x="4214258" y="2560639"/>
-            <a:ext cx="1368425" cy="1140355"/>
-          </a:xfrm>
-          <a:prstGeom prst="rect">
-            <a:avLst/>
-          </a:prstGeom>
-          <a:noFill/>
-          <a:extLst>
-            <a:ext uri="{909E8E84-426E-40DD-AFC4-6F175D3DCCD1}">
-              <a14:hiddenFill xmlns:a14="http://schemas.microsoft.com/office/drawing/2010/main">
-                <a:solidFill>
-                  <a:srgbClr val="FFFFFF"/>
-                </a:solidFill>
-              </a14:hiddenFill>
-            </a:ext>
-          </a:extLst>
-        </p:spPr>
-      </p:pic>
-      <p:pic>
-        <p:nvPicPr>
-          <p:cNvPr id="1034" name="Picture 10" descr="http://dallasdayofdotnet.com/images/entries/sponsors/Improving.jpg"/>
-          <p:cNvPicPr>
-            <a:picLocks noChangeAspect="1" noChangeArrowheads="1"/>
-          </p:cNvPicPr>
-          <p:nvPr/>
-        </p:nvPicPr>
-        <p:blipFill>
-          <a:blip r:embed="rId6">
-            <a:extLst>
-              <a:ext uri="{28A0092B-C50C-407E-A947-70E740481C1C}">
-                <a14:useLocalDpi xmlns:a14="http://schemas.microsoft.com/office/drawing/2010/main" val="0"/>
-              </a:ext>
-            </a:extLst>
-          </a:blip>
-          <a:srcRect/>
-          <a:stretch>
-            <a:fillRect/>
-          </a:stretch>
-        </p:blipFill>
-        <p:spPr bwMode="auto">
-          <a:xfrm>
-            <a:off x="5665305" y="2557991"/>
-            <a:ext cx="1749425" cy="933027"/>
-          </a:xfrm>
-          <a:prstGeom prst="rect">
-            <a:avLst/>
-          </a:prstGeom>
-          <a:noFill/>
-          <a:extLst>
-            <a:ext uri="{909E8E84-426E-40DD-AFC4-6F175D3DCCD1}">
-              <a14:hiddenFill xmlns:a14="http://schemas.microsoft.com/office/drawing/2010/main">
-                <a:solidFill>
-                  <a:srgbClr val="FFFFFF"/>
-                </a:solidFill>
-              </a14:hiddenFill>
-            </a:ext>
-          </a:extLst>
-        </p:spPr>
-      </p:pic>
-      <p:pic>
-        <p:nvPicPr>
-          <p:cNvPr id="1036" name="Picture 12" descr="http://dallasdayofdotnet.com/images/entries/sponsors/slalom.jpg"/>
-          <p:cNvPicPr>
-            <a:picLocks noChangeAspect="1" noChangeArrowheads="1"/>
-          </p:cNvPicPr>
-          <p:nvPr/>
-        </p:nvPicPr>
-        <p:blipFill>
-          <a:blip r:embed="rId7" cstate="print">
-            <a:extLst>
-              <a:ext uri="{28A0092B-C50C-407E-A947-70E740481C1C}">
-                <a14:useLocalDpi xmlns:a14="http://schemas.microsoft.com/office/drawing/2010/main" val="0"/>
-              </a:ext>
-            </a:extLst>
-          </a:blip>
-          <a:srcRect/>
-          <a:stretch>
-            <a:fillRect/>
-          </a:stretch>
-        </p:blipFill>
-        <p:spPr bwMode="auto">
-          <a:xfrm>
-            <a:off x="7473288" y="2557991"/>
-            <a:ext cx="1638861" cy="908051"/>
-          </a:xfrm>
-          <a:prstGeom prst="rect">
-            <a:avLst/>
-          </a:prstGeom>
-          <a:noFill/>
-          <a:extLst>
-            <a:ext uri="{909E8E84-426E-40DD-AFC4-6F175D3DCCD1}">
-              <a14:hiddenFill xmlns:a14="http://schemas.microsoft.com/office/drawing/2010/main">
-                <a:solidFill>
-                  <a:srgbClr val="FFFFFF"/>
-                </a:solidFill>
-              </a14:hiddenFill>
-            </a:ext>
-          </a:extLst>
-        </p:spPr>
-      </p:pic>
-      <p:pic>
-        <p:nvPicPr>
-          <p:cNvPr id="1038" name="Picture 14" descr="http://dallasdayofdotnet.com/images/entries/sponsors/dasplogo.png"/>
-          <p:cNvPicPr>
-            <a:picLocks noChangeAspect="1" noChangeArrowheads="1"/>
-          </p:cNvPicPr>
-          <p:nvPr/>
-        </p:nvPicPr>
-        <p:blipFill>
-          <a:blip r:embed="rId8">
-            <a:extLst>
-              <a:ext uri="{28A0092B-C50C-407E-A947-70E740481C1C}">
-                <a14:useLocalDpi xmlns:a14="http://schemas.microsoft.com/office/drawing/2010/main" val="0"/>
-              </a:ext>
-            </a:extLst>
-          </a:blip>
-          <a:srcRect/>
-          <a:stretch>
-            <a:fillRect/>
-          </a:stretch>
-        </p:blipFill>
-        <p:spPr bwMode="auto">
-          <a:xfrm>
-            <a:off x="228600" y="4001028"/>
-            <a:ext cx="1047750" cy="825501"/>
-          </a:xfrm>
-          <a:prstGeom prst="rect">
-            <a:avLst/>
-          </a:prstGeom>
-          <a:noFill/>
-          <a:extLst>
-            <a:ext uri="{909E8E84-426E-40DD-AFC4-6F175D3DCCD1}">
-              <a14:hiddenFill xmlns:a14="http://schemas.microsoft.com/office/drawing/2010/main">
-                <a:solidFill>
-                  <a:srgbClr val="FFFFFF"/>
-                </a:solidFill>
-              </a14:hiddenFill>
-            </a:ext>
-          </a:extLst>
-        </p:spPr>
-      </p:pic>
-      <p:pic>
-        <p:nvPicPr>
-          <p:cNvPr id="1040" name="Picture 16" descr="http://dallasdayofdotnet.com/images/entries/sponsors/syncfusion.png"/>
-          <p:cNvPicPr>
-            <a:picLocks noChangeAspect="1" noChangeArrowheads="1"/>
-          </p:cNvPicPr>
-          <p:nvPr/>
-        </p:nvPicPr>
-        <p:blipFill>
-          <a:blip r:embed="rId9">
-            <a:extLst>
-              <a:ext uri="{28A0092B-C50C-407E-A947-70E740481C1C}">
-                <a14:useLocalDpi xmlns:a14="http://schemas.microsoft.com/office/drawing/2010/main" val="0"/>
-              </a:ext>
-            </a:extLst>
-          </a:blip>
-          <a:srcRect/>
-          <a:stretch>
-            <a:fillRect/>
-          </a:stretch>
-        </p:blipFill>
-        <p:spPr bwMode="auto">
-          <a:xfrm>
-            <a:off x="1676401" y="4001026"/>
-            <a:ext cx="2124075" cy="825501"/>
-          </a:xfrm>
-          <a:prstGeom prst="rect">
-            <a:avLst/>
-          </a:prstGeom>
-          <a:noFill/>
-          <a:extLst>
-            <a:ext uri="{909E8E84-426E-40DD-AFC4-6F175D3DCCD1}">
-              <a14:hiddenFill xmlns:a14="http://schemas.microsoft.com/office/drawing/2010/main">
-                <a:solidFill>
-                  <a:srgbClr val="FFFFFF"/>
-                </a:solidFill>
-              </a14:hiddenFill>
-            </a:ext>
-          </a:extLst>
-        </p:spPr>
-      </p:pic>
-      <p:pic>
-        <p:nvPicPr>
-          <p:cNvPr id="1042" name="Picture 18" descr="http://dallasdayofdotnet.com/images/entries/sponsors/intersectgroup.jpg"/>
-          <p:cNvPicPr>
-            <a:picLocks noChangeAspect="1" noChangeArrowheads="1"/>
-          </p:cNvPicPr>
-          <p:nvPr/>
-        </p:nvPicPr>
-        <p:blipFill>
-          <a:blip r:embed="rId10">
-            <a:extLst>
-              <a:ext uri="{28A0092B-C50C-407E-A947-70E740481C1C}">
-                <a14:useLocalDpi xmlns:a14="http://schemas.microsoft.com/office/drawing/2010/main" val="0"/>
-              </a:ext>
-            </a:extLst>
-          </a:blip>
-          <a:srcRect/>
-          <a:stretch>
-            <a:fillRect/>
-          </a:stretch>
-        </p:blipFill>
-        <p:spPr bwMode="auto">
-          <a:xfrm>
-            <a:off x="3864643" y="4001027"/>
-            <a:ext cx="2662908" cy="825501"/>
-          </a:xfrm>
-          <a:prstGeom prst="rect">
-            <a:avLst/>
-          </a:prstGeom>
-          <a:noFill/>
-          <a:extLst>
-            <a:ext uri="{909E8E84-426E-40DD-AFC4-6F175D3DCCD1}">
-              <a14:hiddenFill xmlns:a14="http://schemas.microsoft.com/office/drawing/2010/main">
-                <a:solidFill>
-                  <a:srgbClr val="FFFFFF"/>
-                </a:solidFill>
-              </a14:hiddenFill>
-            </a:ext>
-          </a:extLst>
-        </p:spPr>
-      </p:pic>
-      <p:pic>
-        <p:nvPicPr>
-          <p:cNvPr id="1044" name="Picture 20" descr="http://dallasdayofdotnet.com/images/entries/sponsors/AgilePremier.jpg"/>
-          <p:cNvPicPr>
-            <a:picLocks noChangeAspect="1" noChangeArrowheads="1"/>
-          </p:cNvPicPr>
-          <p:nvPr/>
-        </p:nvPicPr>
-        <p:blipFill>
-          <a:blip r:embed="rId11">
-            <a:extLst>
-              <a:ext uri="{28A0092B-C50C-407E-A947-70E740481C1C}">
-                <a14:useLocalDpi xmlns:a14="http://schemas.microsoft.com/office/drawing/2010/main" val="0"/>
-              </a:ext>
-            </a:extLst>
-          </a:blip>
-          <a:srcRect/>
-          <a:stretch>
-            <a:fillRect/>
-          </a:stretch>
-        </p:blipFill>
-        <p:spPr bwMode="auto">
-          <a:xfrm>
-            <a:off x="7010401" y="3971394"/>
-            <a:ext cx="1219200" cy="985212"/>
-          </a:xfrm>
-          <a:prstGeom prst="rect">
-            <a:avLst/>
-          </a:prstGeom>
-          <a:noFill/>
-          <a:extLst>
-            <a:ext uri="{909E8E84-426E-40DD-AFC4-6F175D3DCCD1}">
-              <a14:hiddenFill xmlns:a14="http://schemas.microsoft.com/office/drawing/2010/main">
-                <a:solidFill>
-                  <a:srgbClr val="FFFFFF"/>
-                </a:solidFill>
-              </a14:hiddenFill>
-            </a:ext>
-          </a:extLst>
-        </p:spPr>
-      </p:pic>
-      <p:pic>
-        <p:nvPicPr>
-          <p:cNvPr id="1046" name="Picture 22" descr="http://dallasdayofdotnet.com/images/entries/sponsors/match.com-logo.jpg"/>
-          <p:cNvPicPr>
-            <a:picLocks noChangeAspect="1" noChangeArrowheads="1"/>
-          </p:cNvPicPr>
-          <p:nvPr/>
-        </p:nvPicPr>
-        <p:blipFill>
-          <a:blip r:embed="rId12">
-            <a:extLst>
-              <a:ext uri="{28A0092B-C50C-407E-A947-70E740481C1C}">
-                <a14:useLocalDpi xmlns:a14="http://schemas.microsoft.com/office/drawing/2010/main" val="0"/>
-              </a:ext>
-            </a:extLst>
-          </a:blip>
-          <a:srcRect/>
-          <a:stretch>
-            <a:fillRect/>
-          </a:stretch>
-        </p:blipFill>
-        <p:spPr bwMode="auto">
-          <a:xfrm>
-            <a:off x="1447801" y="5154989"/>
-            <a:ext cx="2953043" cy="969433"/>
-          </a:xfrm>
-          <a:prstGeom prst="rect">
-            <a:avLst/>
-          </a:prstGeom>
-          <a:noFill/>
-          <a:extLst>
-            <a:ext uri="{909E8E84-426E-40DD-AFC4-6F175D3DCCD1}">
-              <a14:hiddenFill xmlns:a14="http://schemas.microsoft.com/office/drawing/2010/main">
-                <a:solidFill>
-                  <a:srgbClr val="FFFFFF"/>
-                </a:solidFill>
-              </a14:hiddenFill>
-            </a:ext>
-          </a:extLst>
-        </p:spPr>
-      </p:pic>
-      <p:pic>
-        <p:nvPicPr>
-          <p:cNvPr id="1048" name="Picture 24" descr="http://dallasdayofdotnet.com/images/entries/sponsors/praeses.jpg"/>
-          <p:cNvPicPr>
-            <a:picLocks noChangeAspect="1" noChangeArrowheads="1"/>
-          </p:cNvPicPr>
-          <p:nvPr/>
-        </p:nvPicPr>
-        <p:blipFill>
-          <a:blip r:embed="rId13">
-            <a:extLst>
-              <a:ext uri="{28A0092B-C50C-407E-A947-70E740481C1C}">
-                <a14:useLocalDpi xmlns:a14="http://schemas.microsoft.com/office/drawing/2010/main" val="0"/>
-              </a:ext>
-            </a:extLst>
-          </a:blip>
-          <a:srcRect/>
-          <a:stretch>
-            <a:fillRect/>
-          </a:stretch>
-        </p:blipFill>
-        <p:spPr bwMode="auto">
-          <a:xfrm>
-            <a:off x="4597067" y="5360304"/>
-            <a:ext cx="1571625" cy="558801"/>
-          </a:xfrm>
-          <a:prstGeom prst="rect">
-            <a:avLst/>
-          </a:prstGeom>
-          <a:noFill/>
-          <a:extLst>
-            <a:ext uri="{909E8E84-426E-40DD-AFC4-6F175D3DCCD1}">
-              <a14:hiddenFill xmlns:a14="http://schemas.microsoft.com/office/drawing/2010/main">
-                <a:solidFill>
-                  <a:srgbClr val="FFFFFF"/>
-                </a:solidFill>
-              </a14:hiddenFill>
-            </a:ext>
-          </a:extLst>
-        </p:spPr>
-      </p:pic>
-    </p:spTree>
-    <p:extLst>
-      <p:ext uri="{BB962C8B-B14F-4D97-AF65-F5344CB8AC3E}">
-        <p14:creationId xmlns:p14="http://schemas.microsoft.com/office/powerpoint/2010/main" val="2782956802"/>
-      </p:ext>
-    </p:extLst>
-  </p:cSld>
-  <p:clrMapOvr>
-    <a:masterClrMapping/>
-  </p:clrMapOvr>
-</p:sld>
-</file>
-
-<file path=ppt/slides/slide3.xml><?xml version="1.0" encoding="utf-8"?>
-<p:sld xmlns:a="http://schemas.openxmlformats.org/drawingml/2006/main" xmlns:r="http://schemas.openxmlformats.org/officeDocument/2006/relationships" xmlns:p="http://schemas.openxmlformats.org/presentationml/2006/main">
+<p:sld xmlns:a="http://schemas.openxmlformats.org/drawingml/2006/main" xmlns:r="http://schemas.openxmlformats.org/officeDocument/2006/relationships" xmlns:p="http://schemas.openxmlformats.org/presentationml/2006/main" showMasterSp="0">
   <p:cSld>
     <p:spTree>
       <p:nvGrpSpPr>
@@ -7904,8 +6822,8 @@
 </p:sld>
 </file>
 
-<file path=ppt/slides/slide4.xml><?xml version="1.0" encoding="utf-8"?>
-<p:sld xmlns:a="http://schemas.openxmlformats.org/drawingml/2006/main" xmlns:r="http://schemas.openxmlformats.org/officeDocument/2006/relationships" xmlns:p="http://schemas.openxmlformats.org/presentationml/2006/main">
+<file path=ppt/slides/slide3.xml><?xml version="1.0" encoding="utf-8"?>
+<p:sld xmlns:a="http://schemas.openxmlformats.org/drawingml/2006/main" xmlns:r="http://schemas.openxmlformats.org/officeDocument/2006/relationships" xmlns:p="http://schemas.openxmlformats.org/presentationml/2006/main" showMasterSp="0">
   <p:cSld>
     <p:spTree>
       <p:nvGrpSpPr>
@@ -8045,8 +6963,8 @@
 </p:sld>
 </file>
 
-<file path=ppt/slides/slide5.xml><?xml version="1.0" encoding="utf-8"?>
-<p:sld xmlns:a="http://schemas.openxmlformats.org/drawingml/2006/main" xmlns:r="http://schemas.openxmlformats.org/officeDocument/2006/relationships" xmlns:p="http://schemas.openxmlformats.org/presentationml/2006/main">
+<file path=ppt/slides/slide4.xml><?xml version="1.0" encoding="utf-8"?>
+<p:sld xmlns:a="http://schemas.openxmlformats.org/drawingml/2006/main" xmlns:r="http://schemas.openxmlformats.org/officeDocument/2006/relationships" xmlns:p="http://schemas.openxmlformats.org/presentationml/2006/main" showMasterSp="0">
   <p:cSld>
     <p:spTree>
       <p:nvGrpSpPr>
@@ -8138,8 +7056,8 @@
 </p:sld>
 </file>
 
-<file path=ppt/slides/slide6.xml><?xml version="1.0" encoding="utf-8"?>
-<p:sld xmlns:a="http://schemas.openxmlformats.org/drawingml/2006/main" xmlns:r="http://schemas.openxmlformats.org/officeDocument/2006/relationships" xmlns:p="http://schemas.openxmlformats.org/presentationml/2006/main">
+<file path=ppt/slides/slide5.xml><?xml version="1.0" encoding="utf-8"?>
+<p:sld xmlns:a="http://schemas.openxmlformats.org/drawingml/2006/main" xmlns:r="http://schemas.openxmlformats.org/officeDocument/2006/relationships" xmlns:p="http://schemas.openxmlformats.org/presentationml/2006/main" showMasterSp="0">
   <p:cSld>
     <p:spTree>
       <p:nvGrpSpPr>
@@ -8268,54 +7186,54 @@
 </file>
 
 <file path=ppt/theme/theme1.xml><?xml version="1.0" encoding="utf-8"?>
-<a:theme xmlns:a="http://schemas.openxmlformats.org/drawingml/2006/main" name="Default Design">
+<a:theme xmlns:a="http://schemas.openxmlformats.org/drawingml/2006/main" name="Office Theme">
   <a:themeElements>
-    <a:clrScheme name="">
+    <a:clrScheme name="Office">
       <a:dk1>
-        <a:srgbClr val="A2A2A2"/>
+        <a:sysClr val="windowText" lastClr="000000"/>
       </a:dk1>
       <a:lt1>
-        <a:srgbClr val="F8F8F8"/>
+        <a:sysClr val="window" lastClr="FFFFFF"/>
       </a:lt1>
       <a:dk2>
-        <a:srgbClr val="969696"/>
+        <a:srgbClr val="44546A"/>
       </a:dk2>
       <a:lt2>
-        <a:srgbClr val="FFCC00"/>
+        <a:srgbClr val="E7E6E6"/>
       </a:lt2>
       <a:accent1>
-        <a:srgbClr val="C4D8DA"/>
+        <a:srgbClr val="5B9BD5"/>
       </a:accent1>
       <a:accent2>
-        <a:srgbClr val="FF9933"/>
+        <a:srgbClr val="ED7D31"/>
       </a:accent2>
       <a:accent3>
-        <a:srgbClr val="C9C9C9"/>
+        <a:srgbClr val="A5A5A5"/>
       </a:accent3>
       <a:accent4>
-        <a:srgbClr val="D4D4D4"/>
+        <a:srgbClr val="FFC000"/>
       </a:accent4>
       <a:accent5>
-        <a:srgbClr val="DEE9EA"/>
+        <a:srgbClr val="4472C4"/>
       </a:accent5>
       <a:accent6>
-        <a:srgbClr val="E78A2D"/>
+        <a:srgbClr val="70AD47"/>
       </a:accent6>
       <a:hlink>
-        <a:srgbClr val="FFCC00"/>
+        <a:srgbClr val="0563C1"/>
       </a:hlink>
       <a:folHlink>
-        <a:srgbClr val="99CC00"/>
+        <a:srgbClr val="954F72"/>
       </a:folHlink>
     </a:clrScheme>
-    <a:fontScheme name="Default Design">
+    <a:fontScheme name="Lucida Console">
       <a:majorFont>
-        <a:latin typeface="Arial"/>
+        <a:latin typeface="Lucida Console"/>
         <a:ea typeface=""/>
         <a:cs typeface=""/>
       </a:majorFont>
       <a:minorFont>
-        <a:latin typeface="Arial"/>
+        <a:latin typeface="Lucida Console"/>
         <a:ea typeface=""/>
         <a:cs typeface=""/>
       </a:minorFont>
@@ -8329,823 +7247,142 @@
           <a:gsLst>
             <a:gs pos="0">
               <a:schemeClr val="phClr">
-                <a:tint val="50000"/>
-                <a:satMod val="300000"/>
+                <a:lumMod val="110000"/>
+                <a:satMod val="105000"/>
+                <a:tint val="67000"/>
               </a:schemeClr>
             </a:gs>
-            <a:gs pos="35000">
+            <a:gs pos="50000">
               <a:schemeClr val="phClr">
-                <a:tint val="37000"/>
-                <a:satMod val="300000"/>
+                <a:lumMod val="105000"/>
+                <a:satMod val="103000"/>
+                <a:tint val="73000"/>
               </a:schemeClr>
             </a:gs>
             <a:gs pos="100000">
               <a:schemeClr val="phClr">
-                <a:tint val="15000"/>
-                <a:satMod val="350000"/>
+                <a:lumMod val="105000"/>
+                <a:satMod val="109000"/>
+                <a:tint val="81000"/>
               </a:schemeClr>
             </a:gs>
           </a:gsLst>
-          <a:lin ang="16200000" scaled="1"/>
+          <a:lin ang="5400000" scaled="0"/>
         </a:gradFill>
         <a:gradFill rotWithShape="1">
           <a:gsLst>
             <a:gs pos="0">
               <a:schemeClr val="phClr">
-                <a:shade val="51000"/>
-                <a:satMod val="130000"/>
+                <a:satMod val="103000"/>
+                <a:lumMod val="102000"/>
+                <a:tint val="94000"/>
               </a:schemeClr>
             </a:gs>
-            <a:gs pos="80000">
+            <a:gs pos="50000">
               <a:schemeClr val="phClr">
-                <a:shade val="93000"/>
-                <a:satMod val="130000"/>
+                <a:satMod val="110000"/>
+                <a:lumMod val="100000"/>
+                <a:shade val="100000"/>
               </a:schemeClr>
             </a:gs>
             <a:gs pos="100000">
               <a:schemeClr val="phClr">
-                <a:shade val="94000"/>
-                <a:satMod val="135000"/>
+                <a:lumMod val="99000"/>
+                <a:satMod val="120000"/>
+                <a:shade val="78000"/>
               </a:schemeClr>
             </a:gs>
           </a:gsLst>
-          <a:lin ang="16200000" scaled="0"/>
+          <a:lin ang="5400000" scaled="0"/>
         </a:gradFill>
       </a:fillStyleLst>
       <a:lnStyleLst>
-        <a:ln w="9525" cap="flat" cmpd="sng" algn="ctr">
-          <a:solidFill>
-            <a:schemeClr val="phClr">
-              <a:shade val="95000"/>
-              <a:satMod val="105000"/>
-            </a:schemeClr>
-          </a:solidFill>
-          <a:prstDash val="solid"/>
-        </a:ln>
-        <a:ln w="25400" cap="flat" cmpd="sng" algn="ctr">
+        <a:ln w="6350" cap="flat" cmpd="sng" algn="ctr">
           <a:solidFill>
             <a:schemeClr val="phClr"/>
           </a:solidFill>
           <a:prstDash val="solid"/>
+          <a:miter lim="800000"/>
         </a:ln>
-        <a:ln w="38100" cap="flat" cmpd="sng" algn="ctr">
+        <a:ln w="12700" cap="flat" cmpd="sng" algn="ctr">
           <a:solidFill>
             <a:schemeClr val="phClr"/>
           </a:solidFill>
           <a:prstDash val="solid"/>
+          <a:miter lim="800000"/>
+        </a:ln>
+        <a:ln w="19050" cap="flat" cmpd="sng" algn="ctr">
+          <a:solidFill>
+            <a:schemeClr val="phClr"/>
+          </a:solidFill>
+          <a:prstDash val="solid"/>
+          <a:miter lim="800000"/>
         </a:ln>
       </a:lnStyleLst>
       <a:effectStyleLst>
         <a:effectStyle>
+          <a:effectLst/>
+        </a:effectStyle>
+        <a:effectStyle>
+          <a:effectLst/>
+        </a:effectStyle>
+        <a:effectStyle>
           <a:effectLst>
-            <a:outerShdw blurRad="40000" dist="20000" dir="5400000" rotWithShape="0">
+            <a:outerShdw blurRad="57150" dist="19050" dir="5400000" algn="ctr" rotWithShape="0">
               <a:srgbClr val="000000">
-                <a:alpha val="38000"/>
+                <a:alpha val="63000"/>
               </a:srgbClr>
             </a:outerShdw>
           </a:effectLst>
-        </a:effectStyle>
-        <a:effectStyle>
-          <a:effectLst>
-            <a:outerShdw blurRad="40000" dist="23000" dir="5400000" rotWithShape="0">
-              <a:srgbClr val="000000">
-                <a:alpha val="35000"/>
-              </a:srgbClr>
-            </a:outerShdw>
-          </a:effectLst>
-        </a:effectStyle>
-        <a:effectStyle>
-          <a:effectLst>
-            <a:outerShdw blurRad="40000" dist="23000" dir="5400000" rotWithShape="0">
-              <a:srgbClr val="000000">
-                <a:alpha val="35000"/>
-              </a:srgbClr>
-            </a:outerShdw>
-          </a:effectLst>
-          <a:scene3d>
-            <a:camera prst="orthographicFront">
-              <a:rot lat="0" lon="0" rev="0"/>
-            </a:camera>
-            <a:lightRig rig="threePt" dir="t">
-              <a:rot lat="0" lon="0" rev="1200000"/>
-            </a:lightRig>
-          </a:scene3d>
-          <a:sp3d>
-            <a:bevelT w="63500" h="25400"/>
-          </a:sp3d>
         </a:effectStyle>
       </a:effectStyleLst>
       <a:bgFillStyleLst>
         <a:solidFill>
           <a:schemeClr val="phClr"/>
         </a:solidFill>
+        <a:solidFill>
+          <a:schemeClr val="phClr">
+            <a:tint val="95000"/>
+            <a:satMod val="170000"/>
+          </a:schemeClr>
+        </a:solidFill>
         <a:gradFill rotWithShape="1">
           <a:gsLst>
             <a:gs pos="0">
               <a:schemeClr val="phClr">
-                <a:tint val="40000"/>
-                <a:satMod val="350000"/>
+                <a:tint val="93000"/>
+                <a:satMod val="150000"/>
+                <a:shade val="98000"/>
+                <a:lumMod val="102000"/>
               </a:schemeClr>
             </a:gs>
-            <a:gs pos="40000">
+            <a:gs pos="50000">
               <a:schemeClr val="phClr">
-                <a:tint val="45000"/>
-                <a:shade val="99000"/>
-                <a:satMod val="350000"/>
+                <a:tint val="98000"/>
+                <a:satMod val="130000"/>
+                <a:shade val="90000"/>
+                <a:lumMod val="103000"/>
               </a:schemeClr>
             </a:gs>
             <a:gs pos="100000">
               <a:schemeClr val="phClr">
-                <a:shade val="20000"/>
-                <a:satMod val="255000"/>
+                <a:shade val="63000"/>
+                <a:satMod val="120000"/>
               </a:schemeClr>
             </a:gs>
           </a:gsLst>
-          <a:path path="circle">
-            <a:fillToRect l="50000" t="-80000" r="50000" b="180000"/>
-          </a:path>
-        </a:gradFill>
-        <a:gradFill rotWithShape="1">
-          <a:gsLst>
-            <a:gs pos="0">
-              <a:schemeClr val="phClr">
-                <a:tint val="80000"/>
-                <a:satMod val="300000"/>
-              </a:schemeClr>
-            </a:gs>
-            <a:gs pos="100000">
-              <a:schemeClr val="phClr">
-                <a:shade val="30000"/>
-                <a:satMod val="200000"/>
-              </a:schemeClr>
-            </a:gs>
-          </a:gsLst>
-          <a:path path="circle">
-            <a:fillToRect l="50000" t="50000" r="50000" b="50000"/>
-          </a:path>
+          <a:lin ang="5400000" scaled="0"/>
         </a:gradFill>
       </a:bgFillStyleLst>
     </a:fmtScheme>
   </a:themeElements>
   <a:objectDefaults/>
-  <a:extraClrSchemeLst>
-    <a:extraClrScheme>
-      <a:clrScheme name="Default Design 1">
-        <a:dk1>
-          <a:srgbClr val="000000"/>
-        </a:dk1>
-        <a:lt1>
-          <a:srgbClr val="FFFFFF"/>
-        </a:lt1>
-        <a:dk2>
-          <a:srgbClr val="000000"/>
-        </a:dk2>
-        <a:lt2>
-          <a:srgbClr val="808080"/>
-        </a:lt2>
-        <a:accent1>
-          <a:srgbClr val="BBE0E3"/>
-        </a:accent1>
-        <a:accent2>
-          <a:srgbClr val="333399"/>
-        </a:accent2>
-        <a:accent3>
-          <a:srgbClr val="FFFFFF"/>
-        </a:accent3>
-        <a:accent4>
-          <a:srgbClr val="000000"/>
-        </a:accent4>
-        <a:accent5>
-          <a:srgbClr val="DAEDEF"/>
-        </a:accent5>
-        <a:accent6>
-          <a:srgbClr val="2D2D8A"/>
-        </a:accent6>
-        <a:hlink>
-          <a:srgbClr val="009999"/>
-        </a:hlink>
-        <a:folHlink>
-          <a:srgbClr val="99CC00"/>
-        </a:folHlink>
-      </a:clrScheme>
-      <a:clrMap bg1="lt1" tx1="dk1" bg2="lt2" tx2="dk2" accent1="accent1" accent2="accent2" accent3="accent3" accent4="accent4" accent5="accent5" accent6="accent6" hlink="hlink" folHlink="folHlink"/>
-    </a:extraClrScheme>
-    <a:extraClrScheme>
-      <a:clrScheme name="Default Design 2">
-        <a:dk1>
-          <a:srgbClr val="000000"/>
-        </a:dk1>
-        <a:lt1>
-          <a:srgbClr val="FFFFFF"/>
-        </a:lt1>
-        <a:dk2>
-          <a:srgbClr val="000000"/>
-        </a:dk2>
-        <a:lt2>
-          <a:srgbClr val="969696"/>
-        </a:lt2>
-        <a:accent1>
-          <a:srgbClr val="FBDF53"/>
-        </a:accent1>
-        <a:accent2>
-          <a:srgbClr val="FF9966"/>
-        </a:accent2>
-        <a:accent3>
-          <a:srgbClr val="FFFFFF"/>
-        </a:accent3>
-        <a:accent4>
-          <a:srgbClr val="000000"/>
-        </a:accent4>
-        <a:accent5>
-          <a:srgbClr val="FDECB3"/>
-        </a:accent5>
-        <a:accent6>
-          <a:srgbClr val="E78A5C"/>
-        </a:accent6>
-        <a:hlink>
-          <a:srgbClr val="CC3300"/>
-        </a:hlink>
-        <a:folHlink>
-          <a:srgbClr val="996600"/>
-        </a:folHlink>
-      </a:clrScheme>
-      <a:clrMap bg1="lt1" tx1="dk1" bg2="lt2" tx2="dk2" accent1="accent1" accent2="accent2" accent3="accent3" accent4="accent4" accent5="accent5" accent6="accent6" hlink="hlink" folHlink="folHlink"/>
-    </a:extraClrScheme>
-    <a:extraClrScheme>
-      <a:clrScheme name="Default Design 3">
-        <a:dk1>
-          <a:srgbClr val="000000"/>
-        </a:dk1>
-        <a:lt1>
-          <a:srgbClr val="FFFFFF"/>
-        </a:lt1>
-        <a:dk2>
-          <a:srgbClr val="000000"/>
-        </a:dk2>
-        <a:lt2>
-          <a:srgbClr val="808080"/>
-        </a:lt2>
-        <a:accent1>
-          <a:srgbClr val="99CCFF"/>
-        </a:accent1>
-        <a:accent2>
-          <a:srgbClr val="CCCCFF"/>
-        </a:accent2>
-        <a:accent3>
-          <a:srgbClr val="FFFFFF"/>
-        </a:accent3>
-        <a:accent4>
-          <a:srgbClr val="000000"/>
-        </a:accent4>
-        <a:accent5>
-          <a:srgbClr val="CAE2FF"/>
-        </a:accent5>
-        <a:accent6>
-          <a:srgbClr val="B9B9E7"/>
-        </a:accent6>
-        <a:hlink>
-          <a:srgbClr val="3333CC"/>
-        </a:hlink>
-        <a:folHlink>
-          <a:srgbClr val="AF67FF"/>
-        </a:folHlink>
-      </a:clrScheme>
-      <a:clrMap bg1="lt1" tx1="dk1" bg2="lt2" tx2="dk2" accent1="accent1" accent2="accent2" accent3="accent3" accent4="accent4" accent5="accent5" accent6="accent6" hlink="hlink" folHlink="folHlink"/>
-    </a:extraClrScheme>
-    <a:extraClrScheme>
-      <a:clrScheme name="Default Design 4">
-        <a:dk1>
-          <a:srgbClr val="000000"/>
-        </a:dk1>
-        <a:lt1>
-          <a:srgbClr val="DEF6F1"/>
-        </a:lt1>
-        <a:dk2>
-          <a:srgbClr val="000000"/>
-        </a:dk2>
-        <a:lt2>
-          <a:srgbClr val="969696"/>
-        </a:lt2>
-        <a:accent1>
-          <a:srgbClr val="FFFFFF"/>
-        </a:accent1>
-        <a:accent2>
-          <a:srgbClr val="8DC6FF"/>
-        </a:accent2>
-        <a:accent3>
-          <a:srgbClr val="ECFAF7"/>
-        </a:accent3>
-        <a:accent4>
-          <a:srgbClr val="000000"/>
-        </a:accent4>
-        <a:accent5>
-          <a:srgbClr val="FFFFFF"/>
-        </a:accent5>
-        <a:accent6>
-          <a:srgbClr val="7FB3E7"/>
-        </a:accent6>
-        <a:hlink>
-          <a:srgbClr val="0066CC"/>
-        </a:hlink>
-        <a:folHlink>
-          <a:srgbClr val="00A800"/>
-        </a:folHlink>
-      </a:clrScheme>
-      <a:clrMap bg1="lt1" tx1="dk1" bg2="lt2" tx2="dk2" accent1="accent1" accent2="accent2" accent3="accent3" accent4="accent4" accent5="accent5" accent6="accent6" hlink="hlink" folHlink="folHlink"/>
-    </a:extraClrScheme>
-    <a:extraClrScheme>
-      <a:clrScheme name="Default Design 5">
-        <a:dk1>
-          <a:srgbClr val="000000"/>
-        </a:dk1>
-        <a:lt1>
-          <a:srgbClr val="FFFFD9"/>
-        </a:lt1>
-        <a:dk2>
-          <a:srgbClr val="000000"/>
-        </a:dk2>
-        <a:lt2>
-          <a:srgbClr val="777777"/>
-        </a:lt2>
-        <a:accent1>
-          <a:srgbClr val="FFFFF7"/>
-        </a:accent1>
-        <a:accent2>
-          <a:srgbClr val="33CCCC"/>
-        </a:accent2>
-        <a:accent3>
-          <a:srgbClr val="FFFFE9"/>
-        </a:accent3>
-        <a:accent4>
-          <a:srgbClr val="000000"/>
-        </a:accent4>
-        <a:accent5>
-          <a:srgbClr val="FFFFFA"/>
-        </a:accent5>
-        <a:accent6>
-          <a:srgbClr val="2DB9B9"/>
-        </a:accent6>
-        <a:hlink>
-          <a:srgbClr val="FF5050"/>
-        </a:hlink>
-        <a:folHlink>
-          <a:srgbClr val="FF9900"/>
-        </a:folHlink>
-      </a:clrScheme>
-      <a:clrMap bg1="lt1" tx1="dk1" bg2="lt2" tx2="dk2" accent1="accent1" accent2="accent2" accent3="accent3" accent4="accent4" accent5="accent5" accent6="accent6" hlink="hlink" folHlink="folHlink"/>
-    </a:extraClrScheme>
-    <a:extraClrScheme>
-      <a:clrScheme name="Default Design 6">
-        <a:dk1>
-          <a:srgbClr val="005A58"/>
-        </a:dk1>
-        <a:lt1>
-          <a:srgbClr val="FFFFFF"/>
-        </a:lt1>
-        <a:dk2>
-          <a:srgbClr val="008080"/>
-        </a:dk2>
-        <a:lt2>
-          <a:srgbClr val="FFFF99"/>
-        </a:lt2>
-        <a:accent1>
-          <a:srgbClr val="006462"/>
-        </a:accent1>
-        <a:accent2>
-          <a:srgbClr val="6D6FC7"/>
-        </a:accent2>
-        <a:accent3>
-          <a:srgbClr val="AAC0C0"/>
-        </a:accent3>
-        <a:accent4>
-          <a:srgbClr val="DADADA"/>
-        </a:accent4>
-        <a:accent5>
-          <a:srgbClr val="AAB8B7"/>
-        </a:accent5>
-        <a:accent6>
-          <a:srgbClr val="6264B4"/>
-        </a:accent6>
-        <a:hlink>
-          <a:srgbClr val="00FFFF"/>
-        </a:hlink>
-        <a:folHlink>
-          <a:srgbClr val="00FF00"/>
-        </a:folHlink>
-      </a:clrScheme>
-      <a:clrMap bg1="dk2" tx1="lt1" bg2="dk1" tx2="lt2" accent1="accent1" accent2="accent2" accent3="accent3" accent4="accent4" accent5="accent5" accent6="accent6" hlink="hlink" folHlink="folHlink"/>
-    </a:extraClrScheme>
-    <a:extraClrScheme>
-      <a:clrScheme name="Default Design 7">
-        <a:dk1>
-          <a:srgbClr val="5C1F00"/>
-        </a:dk1>
-        <a:lt1>
-          <a:srgbClr val="FFFFFF"/>
-        </a:lt1>
-        <a:dk2>
-          <a:srgbClr val="800000"/>
-        </a:dk2>
-        <a:lt2>
-          <a:srgbClr val="DFD293"/>
-        </a:lt2>
-        <a:accent1>
-          <a:srgbClr val="CC3300"/>
-        </a:accent1>
-        <a:accent2>
-          <a:srgbClr val="BE7960"/>
-        </a:accent2>
-        <a:accent3>
-          <a:srgbClr val="C0AAAA"/>
-        </a:accent3>
-        <a:accent4>
-          <a:srgbClr val="DADADA"/>
-        </a:accent4>
-        <a:accent5>
-          <a:srgbClr val="E2ADAA"/>
-        </a:accent5>
-        <a:accent6>
-          <a:srgbClr val="AC6D56"/>
-        </a:accent6>
-        <a:hlink>
-          <a:srgbClr val="FFFF99"/>
-        </a:hlink>
-        <a:folHlink>
-          <a:srgbClr val="D3A219"/>
-        </a:folHlink>
-      </a:clrScheme>
-      <a:clrMap bg1="dk2" tx1="lt1" bg2="dk1" tx2="lt2" accent1="accent1" accent2="accent2" accent3="accent3" accent4="accent4" accent5="accent5" accent6="accent6" hlink="hlink" folHlink="folHlink"/>
-    </a:extraClrScheme>
-    <a:extraClrScheme>
-      <a:clrScheme name="Default Design 8">
-        <a:dk1>
-          <a:srgbClr val="003366"/>
-        </a:dk1>
-        <a:lt1>
-          <a:srgbClr val="FFFFFF"/>
-        </a:lt1>
-        <a:dk2>
-          <a:srgbClr val="000099"/>
-        </a:dk2>
-        <a:lt2>
-          <a:srgbClr val="CCFFFF"/>
-        </a:lt2>
-        <a:accent1>
-          <a:srgbClr val="3366CC"/>
-        </a:accent1>
-        <a:accent2>
-          <a:srgbClr val="00B000"/>
-        </a:accent2>
-        <a:accent3>
-          <a:srgbClr val="AAAACA"/>
-        </a:accent3>
-        <a:accent4>
-          <a:srgbClr val="DADADA"/>
-        </a:accent4>
-        <a:accent5>
-          <a:srgbClr val="ADB8E2"/>
-        </a:accent5>
-        <a:accent6>
-          <a:srgbClr val="009F00"/>
-        </a:accent6>
-        <a:hlink>
-          <a:srgbClr val="66CCFF"/>
-        </a:hlink>
-        <a:folHlink>
-          <a:srgbClr val="FFE701"/>
-        </a:folHlink>
-      </a:clrScheme>
-      <a:clrMap bg1="dk2" tx1="lt1" bg2="dk1" tx2="lt2" accent1="accent1" accent2="accent2" accent3="accent3" accent4="accent4" accent5="accent5" accent6="accent6" hlink="hlink" folHlink="folHlink"/>
-    </a:extraClrScheme>
-    <a:extraClrScheme>
-      <a:clrScheme name="Default Design 9">
-        <a:dk1>
-          <a:srgbClr val="336699"/>
-        </a:dk1>
-        <a:lt1>
-          <a:srgbClr val="FFFFFF"/>
-        </a:lt1>
-        <a:dk2>
-          <a:srgbClr val="000000"/>
-        </a:dk2>
-        <a:lt2>
-          <a:srgbClr val="E3EBF1"/>
-        </a:lt2>
-        <a:accent1>
-          <a:srgbClr val="003399"/>
-        </a:accent1>
-        <a:accent2>
-          <a:srgbClr val="468A4B"/>
-        </a:accent2>
-        <a:accent3>
-          <a:srgbClr val="AAAAAA"/>
-        </a:accent3>
-        <a:accent4>
-          <a:srgbClr val="DADADA"/>
-        </a:accent4>
-        <a:accent5>
-          <a:srgbClr val="AAADCA"/>
-        </a:accent5>
-        <a:accent6>
-          <a:srgbClr val="3F7D43"/>
-        </a:accent6>
-        <a:hlink>
-          <a:srgbClr val="66CCFF"/>
-        </a:hlink>
-        <a:folHlink>
-          <a:srgbClr val="F0E500"/>
-        </a:folHlink>
-      </a:clrScheme>
-      <a:clrMap bg1="dk2" tx1="lt1" bg2="dk1" tx2="lt2" accent1="accent1" accent2="accent2" accent3="accent3" accent4="accent4" accent5="accent5" accent6="accent6" hlink="hlink" folHlink="folHlink"/>
-    </a:extraClrScheme>
-    <a:extraClrScheme>
-      <a:clrScheme name="Default Design 10">
-        <a:dk1>
-          <a:srgbClr val="777777"/>
-        </a:dk1>
-        <a:lt1>
-          <a:srgbClr val="FFFFFF"/>
-        </a:lt1>
-        <a:dk2>
-          <a:srgbClr val="686B5D"/>
-        </a:dk2>
-        <a:lt2>
-          <a:srgbClr val="D1D1CB"/>
-        </a:lt2>
-        <a:accent1>
-          <a:srgbClr val="909082"/>
-        </a:accent1>
-        <a:accent2>
-          <a:srgbClr val="809EA8"/>
-        </a:accent2>
-        <a:accent3>
-          <a:srgbClr val="B9BAB6"/>
-        </a:accent3>
-        <a:accent4>
-          <a:srgbClr val="DADADA"/>
-        </a:accent4>
-        <a:accent5>
-          <a:srgbClr val="C6C6C1"/>
-        </a:accent5>
-        <a:accent6>
-          <a:srgbClr val="738F98"/>
-        </a:accent6>
-        <a:hlink>
-          <a:srgbClr val="FFCC66"/>
-        </a:hlink>
-        <a:folHlink>
-          <a:srgbClr val="E9DCB9"/>
-        </a:folHlink>
-      </a:clrScheme>
-      <a:clrMap bg1="dk2" tx1="lt1" bg2="dk1" tx2="lt2" accent1="accent1" accent2="accent2" accent3="accent3" accent4="accent4" accent5="accent5" accent6="accent6" hlink="hlink" folHlink="folHlink"/>
-    </a:extraClrScheme>
-    <a:extraClrScheme>
-      <a:clrScheme name="Default Design 11">
-        <a:dk1>
-          <a:srgbClr val="3E3E5C"/>
-        </a:dk1>
-        <a:lt1>
-          <a:srgbClr val="FFFFFF"/>
-        </a:lt1>
-        <a:dk2>
-          <a:srgbClr val="666699"/>
-        </a:dk2>
-        <a:lt2>
-          <a:srgbClr val="FFFFFF"/>
-        </a:lt2>
-        <a:accent1>
-          <a:srgbClr val="60597B"/>
-        </a:accent1>
-        <a:accent2>
-          <a:srgbClr val="6666FF"/>
-        </a:accent2>
-        <a:accent3>
-          <a:srgbClr val="B8B8CA"/>
-        </a:accent3>
-        <a:accent4>
-          <a:srgbClr val="DADADA"/>
-        </a:accent4>
-        <a:accent5>
-          <a:srgbClr val="B6B5BF"/>
-        </a:accent5>
-        <a:accent6>
-          <a:srgbClr val="5C5CE7"/>
-        </a:accent6>
-        <a:hlink>
-          <a:srgbClr val="99CCFF"/>
-        </a:hlink>
-        <a:folHlink>
-          <a:srgbClr val="FFFF99"/>
-        </a:folHlink>
-      </a:clrScheme>
-      <a:clrMap bg1="dk2" tx1="lt1" bg2="dk1" tx2="lt2" accent1="accent1" accent2="accent2" accent3="accent3" accent4="accent4" accent5="accent5" accent6="accent6" hlink="hlink" folHlink="folHlink"/>
-    </a:extraClrScheme>
-    <a:extraClrScheme>
-      <a:clrScheme name="Default Design 12">
-        <a:dk1>
-          <a:srgbClr val="2D2015"/>
-        </a:dk1>
-        <a:lt1>
-          <a:srgbClr val="FFFFFF"/>
-        </a:lt1>
-        <a:dk2>
-          <a:srgbClr val="523E26"/>
-        </a:dk2>
-        <a:lt2>
-          <a:srgbClr val="DFC08D"/>
-        </a:lt2>
-        <a:accent1>
-          <a:srgbClr val="8C7B70"/>
-        </a:accent1>
-        <a:accent2>
-          <a:srgbClr val="8F5F2F"/>
-        </a:accent2>
-        <a:accent3>
-          <a:srgbClr val="B3AFAC"/>
-        </a:accent3>
-        <a:accent4>
-          <a:srgbClr val="DADADA"/>
-        </a:accent4>
-        <a:accent5>
-          <a:srgbClr val="C5BFBB"/>
-        </a:accent5>
-        <a:accent6>
-          <a:srgbClr val="81552A"/>
-        </a:accent6>
-        <a:hlink>
-          <a:srgbClr val="CCB400"/>
-        </a:hlink>
-        <a:folHlink>
-          <a:srgbClr val="8C9EA0"/>
-        </a:folHlink>
-      </a:clrScheme>
-      <a:clrMap bg1="dk2" tx1="lt1" bg2="dk1" tx2="lt2" accent1="accent1" accent2="accent2" accent3="accent3" accent4="accent4" accent5="accent5" accent6="accent6" hlink="hlink" folHlink="folHlink"/>
-    </a:extraClrScheme>
-    <a:extraClrScheme>
-      <a:clrScheme name="Default Design 13">
-        <a:dk1>
-          <a:srgbClr val="BEC53B"/>
-        </a:dk1>
-        <a:lt1>
-          <a:srgbClr val="F8F8F8"/>
-        </a:lt1>
-        <a:dk2>
-          <a:srgbClr val="111111"/>
-        </a:dk2>
-        <a:lt2>
-          <a:srgbClr val="FFFF66"/>
-        </a:lt2>
-        <a:accent1>
-          <a:srgbClr val="BBE0E3"/>
-        </a:accent1>
-        <a:accent2>
-          <a:srgbClr val="FF9933"/>
-        </a:accent2>
-        <a:accent3>
-          <a:srgbClr val="AAAAAA"/>
-        </a:accent3>
-        <a:accent4>
-          <a:srgbClr val="D4D4D4"/>
-        </a:accent4>
-        <a:accent5>
-          <a:srgbClr val="DAEDEF"/>
-        </a:accent5>
-        <a:accent6>
-          <a:srgbClr val="E78A2D"/>
-        </a:accent6>
-        <a:hlink>
-          <a:srgbClr val="FFCC00"/>
-        </a:hlink>
-        <a:folHlink>
-          <a:srgbClr val="99CC00"/>
-        </a:folHlink>
-      </a:clrScheme>
-      <a:clrMap bg1="dk2" tx1="lt1" bg2="dk1" tx2="lt2" accent1="accent1" accent2="accent2" accent3="accent3" accent4="accent4" accent5="accent5" accent6="accent6" hlink="hlink" folHlink="folHlink"/>
-    </a:extraClrScheme>
-    <a:extraClrScheme>
-      <a:clrScheme name="Default Design 14">
-        <a:dk1>
-          <a:srgbClr val="BEC53B"/>
-        </a:dk1>
-        <a:lt1>
-          <a:srgbClr val="F8F8F8"/>
-        </a:lt1>
-        <a:dk2>
-          <a:srgbClr val="C0C0C0"/>
-        </a:dk2>
-        <a:lt2>
-          <a:srgbClr val="FFFF66"/>
-        </a:lt2>
-        <a:accent1>
-          <a:srgbClr val="BBE0E3"/>
-        </a:accent1>
-        <a:accent2>
-          <a:srgbClr val="FF9933"/>
-        </a:accent2>
-        <a:accent3>
-          <a:srgbClr val="DCDCDC"/>
-        </a:accent3>
-        <a:accent4>
-          <a:srgbClr val="D4D4D4"/>
-        </a:accent4>
-        <a:accent5>
-          <a:srgbClr val="DAEDEF"/>
-        </a:accent5>
-        <a:accent6>
-          <a:srgbClr val="E78A2D"/>
-        </a:accent6>
-        <a:hlink>
-          <a:srgbClr val="FFCC00"/>
-        </a:hlink>
-        <a:folHlink>
-          <a:srgbClr val="99CC00"/>
-        </a:folHlink>
-      </a:clrScheme>
-      <a:clrMap bg1="dk2" tx1="lt1" bg2="dk1" tx2="lt2" accent1="accent1" accent2="accent2" accent3="accent3" accent4="accent4" accent5="accent5" accent6="accent6" hlink="hlink" folHlink="folHlink"/>
-    </a:extraClrScheme>
-    <a:extraClrScheme>
-      <a:clrScheme name="Default Design 15">
-        <a:dk1>
-          <a:srgbClr val="BEC53B"/>
-        </a:dk1>
-        <a:lt1>
-          <a:srgbClr val="F8F8F8"/>
-        </a:lt1>
-        <a:dk2>
-          <a:srgbClr val="FF6600"/>
-        </a:dk2>
-        <a:lt2>
-          <a:srgbClr val="FFFF66"/>
-        </a:lt2>
-        <a:accent1>
-          <a:srgbClr val="BBE0E3"/>
-        </a:accent1>
-        <a:accent2>
-          <a:srgbClr val="FF9933"/>
-        </a:accent2>
-        <a:accent3>
-          <a:srgbClr val="FFB8AA"/>
-        </a:accent3>
-        <a:accent4>
-          <a:srgbClr val="D4D4D4"/>
-        </a:accent4>
-        <a:accent5>
-          <a:srgbClr val="DAEDEF"/>
-        </a:accent5>
-        <a:accent6>
-          <a:srgbClr val="E78A2D"/>
-        </a:accent6>
-        <a:hlink>
-          <a:srgbClr val="FFCC00"/>
-        </a:hlink>
-        <a:folHlink>
-          <a:srgbClr val="99CC00"/>
-        </a:folHlink>
-      </a:clrScheme>
-      <a:clrMap bg1="dk2" tx1="lt1" bg2="dk1" tx2="lt2" accent1="accent1" accent2="accent2" accent3="accent3" accent4="accent4" accent5="accent5" accent6="accent6" hlink="hlink" folHlink="folHlink"/>
-    </a:extraClrScheme>
-    <a:extraClrScheme>
-      <a:clrScheme name="Default Design 16">
-        <a:dk1>
-          <a:srgbClr val="BEC53B"/>
-        </a:dk1>
-        <a:lt1>
-          <a:srgbClr val="F8F8F8"/>
-        </a:lt1>
-        <a:dk2>
-          <a:srgbClr val="FF6600"/>
-        </a:dk2>
-        <a:lt2>
-          <a:srgbClr val="CC0000"/>
-        </a:lt2>
-        <a:accent1>
-          <a:srgbClr val="BBE0E3"/>
-        </a:accent1>
-        <a:accent2>
-          <a:srgbClr val="FF9933"/>
-        </a:accent2>
-        <a:accent3>
-          <a:srgbClr val="FFB8AA"/>
-        </a:accent3>
-        <a:accent4>
-          <a:srgbClr val="D4D4D4"/>
-        </a:accent4>
-        <a:accent5>
-          <a:srgbClr val="DAEDEF"/>
-        </a:accent5>
-        <a:accent6>
-          <a:srgbClr val="E78A2D"/>
-        </a:accent6>
-        <a:hlink>
-          <a:srgbClr val="FFCC00"/>
-        </a:hlink>
-        <a:folHlink>
-          <a:srgbClr val="99CC00"/>
-        </a:folHlink>
-      </a:clrScheme>
-      <a:clrMap bg1="dk2" tx1="lt1" bg2="dk1" tx2="lt2" accent1="accent1" accent2="accent2" accent3="accent3" accent4="accent4" accent5="accent5" accent6="accent6" hlink="hlink" folHlink="folHlink"/>
-    </a:extraClrScheme>
-  </a:extraClrSchemeLst>
+  <a:extraClrSchemeLst/>
+  <a:extLst>
+    <a:ext uri="{05A4C25C-085E-4340-85A3-A5531E510DB2}">
+      <thm15:themeFamily xmlns:thm15="http://schemas.microsoft.com/office/thememl/2012/main" name="Office Theme" id="{62F939B6-93AF-4DB8-9C6B-D6C7DFDC589F}" vid="{4A3C46E8-61CC-4603-A589-7422A47A8E4A}"/>
+    </a:ext>
+  </a:extLst>
 </a:theme>
 </file>
 

--- a/ContinuousDeliveryInPractice/Continuous Delivery.pptx
+++ b/ContinuousDeliveryInPractice/Continuous Delivery.pptx
@@ -6878,60 +6878,55 @@
             </p:custDataLst>
           </p:nvPr>
         </p:nvSpPr>
-        <p:spPr>
-          <a:xfrm>
-            <a:off x="457200" y="1143000"/>
-            <a:ext cx="8229600" cy="4525963"/>
-          </a:xfrm>
-        </p:spPr>
+        <p:spPr/>
         <p:txBody>
           <a:bodyPr/>
           <a:lstStyle/>
           <a:p>
             <a:r>
-              <a:rPr lang="en-US" dirty="0" smtClean="0"/>
+              <a:rPr lang="en-US" smtClean="0"/>
               <a:t>Repeatable, reliable process for releasing software</a:t>
             </a:r>
           </a:p>
           <a:p>
             <a:r>
-              <a:rPr lang="en-US" dirty="0" smtClean="0"/>
+              <a:rPr lang="en-US" smtClean="0"/>
               <a:t>Automate almost everything</a:t>
             </a:r>
           </a:p>
           <a:p>
             <a:r>
-              <a:rPr lang="en-US" dirty="0" smtClean="0"/>
+              <a:rPr lang="en-US" smtClean="0"/>
               <a:t>Keep everything in version control</a:t>
             </a:r>
           </a:p>
           <a:p>
             <a:r>
-              <a:rPr lang="en-US" dirty="0" smtClean="0"/>
+              <a:rPr lang="en-US" smtClean="0"/>
               <a:t>Bring the pain forward</a:t>
             </a:r>
           </a:p>
           <a:p>
             <a:r>
-              <a:rPr lang="en-US" dirty="0" smtClean="0"/>
+              <a:rPr lang="en-US" smtClean="0"/>
               <a:t>Build quality in</a:t>
             </a:r>
           </a:p>
           <a:p>
             <a:r>
-              <a:rPr lang="en-US" dirty="0" smtClean="0"/>
+              <a:rPr lang="en-US" smtClean="0"/>
               <a:t>Done means released</a:t>
             </a:r>
           </a:p>
           <a:p>
             <a:r>
-              <a:rPr lang="en-US" dirty="0" smtClean="0"/>
+              <a:rPr lang="en-US" smtClean="0"/>
               <a:t>Everyone responsible</a:t>
             </a:r>
           </a:p>
           <a:p>
             <a:r>
-              <a:rPr lang="en-US" dirty="0" smtClean="0"/>
+              <a:rPr lang="en-US" smtClean="0"/>
               <a:t>Continuous improvement</a:t>
             </a:r>
           </a:p>
@@ -6998,7 +6993,7 @@
           <a:lstStyle/>
           <a:p>
             <a:r>
-              <a:rPr lang="en-US" sz="8800" dirty="0" smtClean="0"/>
+              <a:rPr lang="en-US" sz="8800" smtClean="0"/>
               <a:t>Practices</a:t>
             </a:r>
             <a:endParaRPr lang="en-US" sz="8800" dirty="0"/>

--- a/ContinuousDeliveryInPractice/Continuous Delivery.pptx
+++ b/ContinuousDeliveryInPractice/Continuous Delivery.pptx
@@ -11,7 +11,7 @@
     <p:sldId id="269" r:id="rId2"/>
     <p:sldId id="273" r:id="rId3"/>
     <p:sldId id="258" r:id="rId4"/>
-    <p:sldId id="270" r:id="rId5"/>
+    <p:sldId id="274" r:id="rId5"/>
     <p:sldId id="271" r:id="rId6"/>
   </p:sldIdLst>
   <p:sldSz cx="9144000" cy="6858000" type="screen4x3"/>
@@ -3175,7 +3175,7 @@
           <a:p>
             <a:fld id="{3A7C3860-7027-407A-982A-3CBA694F3788}" type="datetimeFigureOut">
               <a:rPr lang="en-US" smtClean="0"/>
-              <a:t>1/12/2014</a:t>
+              <a:t>1/13/2014</a:t>
             </a:fld>
             <a:endParaRPr lang="en-US"/>
           </a:p>
@@ -6819,6 +6819,13 @@
   <p:clrMapOvr>
     <a:masterClrMapping/>
   </p:clrMapOvr>
+  <p:timing>
+    <p:tnLst>
+      <p:par>
+        <p:cTn id="1" dur="indefinite" restart="never" nodeType="tmRoot"/>
+      </p:par>
+    </p:tnLst>
+  </p:timing>
 </p:sld>
 </file>
 
@@ -6959,7 +6966,7 @@
 </file>
 
 <file path=ppt/slides/slide4.xml><?xml version="1.0" encoding="utf-8"?>
-<p:sld xmlns:a="http://schemas.openxmlformats.org/drawingml/2006/main" xmlns:r="http://schemas.openxmlformats.org/officeDocument/2006/relationships" xmlns:p="http://schemas.openxmlformats.org/presentationml/2006/main" showMasterSp="0">
+<p:sld xmlns:a="http://schemas.openxmlformats.org/drawingml/2006/main" xmlns:r="http://schemas.openxmlformats.org/officeDocument/2006/relationships" xmlns:p="http://schemas.openxmlformats.org/presentationml/2006/main">
   <p:cSld>
     <p:spTree>
       <p:nvGrpSpPr>
@@ -6977,77 +6984,677 @@
       </p:grpSpPr>
       <p:sp>
         <p:nvSpPr>
+          <p:cNvPr id="17" name="Down Arrow 16"/>
+          <p:cNvSpPr/>
+          <p:nvPr/>
+        </p:nvSpPr>
+        <p:spPr>
+          <a:xfrm rot="16200000">
+            <a:off x="5537597" y="2621880"/>
+            <a:ext cx="1676400" cy="1612104"/>
+          </a:xfrm>
+          <a:prstGeom prst="downArrow">
+            <a:avLst/>
+          </a:prstGeom>
+        </p:spPr>
+        <p:style>
+          <a:lnRef idx="1">
+            <a:schemeClr val="accent1"/>
+          </a:lnRef>
+          <a:fillRef idx="2">
+            <a:schemeClr val="accent1"/>
+          </a:fillRef>
+          <a:effectRef idx="1">
+            <a:schemeClr val="accent1"/>
+          </a:effectRef>
+          <a:fontRef idx="minor">
+            <a:schemeClr val="dk1"/>
+          </a:fontRef>
+        </p:style>
+        <p:txBody>
+          <a:bodyPr rtlCol="0" anchor="ctr"/>
+          <a:lstStyle/>
+          <a:p>
+            <a:pPr algn="ctr"/>
+            <a:endParaRPr lang="en-US"/>
+          </a:p>
+        </p:txBody>
+      </p:sp>
+      <p:sp>
+        <p:nvSpPr>
+          <p:cNvPr id="12" name="Down Arrow 11"/>
+          <p:cNvSpPr/>
+          <p:nvPr/>
+        </p:nvSpPr>
+        <p:spPr>
+          <a:xfrm rot="16200000">
+            <a:off x="2081212" y="2596752"/>
+            <a:ext cx="1676400" cy="1612104"/>
+          </a:xfrm>
+          <a:prstGeom prst="downArrow">
+            <a:avLst/>
+          </a:prstGeom>
+        </p:spPr>
+        <p:style>
+          <a:lnRef idx="1">
+            <a:schemeClr val="accent1"/>
+          </a:lnRef>
+          <a:fillRef idx="2">
+            <a:schemeClr val="accent1"/>
+          </a:fillRef>
+          <a:effectRef idx="1">
+            <a:schemeClr val="accent1"/>
+          </a:effectRef>
+          <a:fontRef idx="minor">
+            <a:schemeClr val="dk1"/>
+          </a:fontRef>
+        </p:style>
+        <p:txBody>
+          <a:bodyPr rtlCol="0" anchor="ctr"/>
+          <a:lstStyle/>
+          <a:p>
+            <a:pPr algn="ctr"/>
+            <a:endParaRPr lang="en-US"/>
+          </a:p>
+        </p:txBody>
+      </p:sp>
+      <p:cxnSp>
+        <p:nvCxnSpPr>
+          <p:cNvPr id="11" name="Straight Connector 10"/>
+          <p:cNvCxnSpPr>
+            <a:stCxn id="2" idx="0"/>
+          </p:cNvCxnSpPr>
+          <p:nvPr/>
+        </p:nvCxnSpPr>
+        <p:spPr>
+          <a:xfrm>
+            <a:off x="4572000" y="365126"/>
+            <a:ext cx="0" cy="6188074"/>
+          </a:xfrm>
+          <a:prstGeom prst="line">
+            <a:avLst/>
+          </a:prstGeom>
+          <a:ln>
+            <a:prstDash val="dash"/>
+          </a:ln>
+        </p:spPr>
+        <p:style>
+          <a:lnRef idx="1">
+            <a:schemeClr val="dk1"/>
+          </a:lnRef>
+          <a:fillRef idx="0">
+            <a:schemeClr val="dk1"/>
+          </a:fillRef>
+          <a:effectRef idx="0">
+            <a:schemeClr val="dk1"/>
+          </a:effectRef>
+          <a:fontRef idx="minor">
+            <a:schemeClr val="tx1"/>
+          </a:fontRef>
+        </p:style>
+      </p:cxnSp>
+      <p:sp>
+        <p:nvSpPr>
           <p:cNvPr id="2" name="Title 1"/>
           <p:cNvSpPr>
             <a:spLocks noGrp="1"/>
           </p:cNvSpPr>
           <p:nvPr>
-            <p:ph type="ctrTitle"/>
+            <p:ph type="title"/>
           </p:nvPr>
         </p:nvSpPr>
         <p:spPr/>
         <p:txBody>
-          <a:bodyPr>
-            <a:normAutofit/>
+          <a:bodyPr/>
+          <a:lstStyle/>
+          <a:p>
+            <a:r>
+              <a:rPr lang="en-US" dirty="0" smtClean="0"/>
+              <a:t>Setup</a:t>
+            </a:r>
+            <a:endParaRPr lang="en-US" dirty="0"/>
+          </a:p>
+        </p:txBody>
+      </p:sp>
+      <p:sp>
+        <p:nvSpPr>
+          <p:cNvPr id="4" name="Rectangle 3"/>
+          <p:cNvSpPr/>
+          <p:nvPr/>
+        </p:nvSpPr>
+        <p:spPr>
+          <a:xfrm>
+            <a:off x="628650" y="2895600"/>
+            <a:ext cx="1276350" cy="990600"/>
+          </a:xfrm>
+          <a:prstGeom prst="rect">
+            <a:avLst/>
+          </a:prstGeom>
+        </p:spPr>
+        <p:style>
+          <a:lnRef idx="2">
+            <a:schemeClr val="accent1">
+              <a:shade val="50000"/>
+            </a:schemeClr>
+          </a:lnRef>
+          <a:fillRef idx="1">
+            <a:schemeClr val="accent1"/>
+          </a:fillRef>
+          <a:effectRef idx="0">
+            <a:schemeClr val="accent1"/>
+          </a:effectRef>
+          <a:fontRef idx="minor">
+            <a:schemeClr val="lt1"/>
+          </a:fontRef>
+        </p:style>
+        <p:txBody>
+          <a:bodyPr rtlCol="0" anchor="ctr"/>
+          <a:lstStyle/>
+          <a:p>
+            <a:pPr algn="ctr"/>
+            <a:r>
+              <a:rPr lang="en-US" sz="1400" dirty="0" smtClean="0"/>
+              <a:t>Version Control</a:t>
+            </a:r>
+            <a:endParaRPr lang="en-US" sz="1400" dirty="0"/>
+          </a:p>
+        </p:txBody>
+      </p:sp>
+      <p:sp>
+        <p:nvSpPr>
+          <p:cNvPr id="5" name="Rectangle 4"/>
+          <p:cNvSpPr/>
+          <p:nvPr/>
+        </p:nvSpPr>
+        <p:spPr>
+          <a:xfrm>
+            <a:off x="3933825" y="2895600"/>
+            <a:ext cx="1276350" cy="990600"/>
+          </a:xfrm>
+          <a:prstGeom prst="rect">
+            <a:avLst/>
+          </a:prstGeom>
+        </p:spPr>
+        <p:style>
+          <a:lnRef idx="2">
+            <a:schemeClr val="accent1">
+              <a:shade val="50000"/>
+            </a:schemeClr>
+          </a:lnRef>
+          <a:fillRef idx="1">
+            <a:schemeClr val="accent1"/>
+          </a:fillRef>
+          <a:effectRef idx="0">
+            <a:schemeClr val="accent1"/>
+          </a:effectRef>
+          <a:fontRef idx="minor">
+            <a:schemeClr val="lt1"/>
+          </a:fontRef>
+        </p:style>
+        <p:txBody>
+          <a:bodyPr rtlCol="0" anchor="ctr"/>
+          <a:lstStyle/>
+          <a:p>
+            <a:pPr algn="ctr"/>
+            <a:r>
+              <a:rPr lang="en-US" sz="1400" dirty="0" err="1" smtClean="0"/>
+              <a:t>NuGet</a:t>
+            </a:r>
+            <a:r>
+              <a:rPr lang="en-US" sz="1400" dirty="0" smtClean="0"/>
+              <a:t> Repository</a:t>
+            </a:r>
+            <a:endParaRPr lang="en-US" sz="1400" dirty="0"/>
+          </a:p>
+        </p:txBody>
+      </p:sp>
+      <p:sp>
+        <p:nvSpPr>
+          <p:cNvPr id="6" name="Rectangle 5"/>
+          <p:cNvSpPr/>
+          <p:nvPr/>
+        </p:nvSpPr>
+        <p:spPr>
+          <a:xfrm>
+            <a:off x="2386012" y="2274094"/>
+            <a:ext cx="1066800" cy="533400"/>
+          </a:xfrm>
+          <a:prstGeom prst="rect">
+            <a:avLst/>
+          </a:prstGeom>
+        </p:spPr>
+        <p:style>
+          <a:lnRef idx="2">
+            <a:schemeClr val="accent6">
+              <a:shade val="50000"/>
+            </a:schemeClr>
+          </a:lnRef>
+          <a:fillRef idx="1">
+            <a:schemeClr val="accent6"/>
+          </a:fillRef>
+          <a:effectRef idx="0">
+            <a:schemeClr val="accent6"/>
+          </a:effectRef>
+          <a:fontRef idx="minor">
+            <a:schemeClr val="lt1"/>
+          </a:fontRef>
+        </p:style>
+        <p:txBody>
+          <a:bodyPr rtlCol="0" anchor="ctr"/>
+          <a:lstStyle/>
+          <a:p>
+            <a:pPr algn="ctr"/>
+            <a:r>
+              <a:rPr lang="en-US" sz="1400" dirty="0" smtClean="0"/>
+              <a:t>Build</a:t>
+            </a:r>
+            <a:endParaRPr lang="en-US" sz="1400" dirty="0"/>
+          </a:p>
+        </p:txBody>
+      </p:sp>
+      <p:sp>
+        <p:nvSpPr>
+          <p:cNvPr id="8" name="Rectangle 7"/>
+          <p:cNvSpPr/>
+          <p:nvPr/>
+        </p:nvSpPr>
+        <p:spPr>
+          <a:xfrm>
+            <a:off x="2386012" y="3124199"/>
+            <a:ext cx="1066800" cy="533400"/>
+          </a:xfrm>
+          <a:prstGeom prst="rect">
+            <a:avLst/>
+          </a:prstGeom>
+        </p:spPr>
+        <p:style>
+          <a:lnRef idx="2">
+            <a:schemeClr val="accent6">
+              <a:shade val="50000"/>
+            </a:schemeClr>
+          </a:lnRef>
+          <a:fillRef idx="1">
+            <a:schemeClr val="accent6"/>
+          </a:fillRef>
+          <a:effectRef idx="0">
+            <a:schemeClr val="accent6"/>
+          </a:effectRef>
+          <a:fontRef idx="minor">
+            <a:schemeClr val="lt1"/>
+          </a:fontRef>
+        </p:style>
+        <p:txBody>
+          <a:bodyPr rtlCol="0" anchor="ctr"/>
+          <a:lstStyle/>
+          <a:p>
+            <a:pPr algn="ctr"/>
+            <a:r>
+              <a:rPr lang="en-US" sz="1400" dirty="0" smtClean="0"/>
+              <a:t>Test</a:t>
+            </a:r>
+            <a:endParaRPr lang="en-US" sz="1400" dirty="0"/>
+          </a:p>
+        </p:txBody>
+      </p:sp>
+      <p:sp>
+        <p:nvSpPr>
+          <p:cNvPr id="9" name="Rectangle 8"/>
+          <p:cNvSpPr/>
+          <p:nvPr/>
+        </p:nvSpPr>
+        <p:spPr>
+          <a:xfrm>
+            <a:off x="2386012" y="3974304"/>
+            <a:ext cx="1066800" cy="533400"/>
+          </a:xfrm>
+          <a:prstGeom prst="rect">
+            <a:avLst/>
+          </a:prstGeom>
+        </p:spPr>
+        <p:style>
+          <a:lnRef idx="2">
+            <a:schemeClr val="accent6">
+              <a:shade val="50000"/>
+            </a:schemeClr>
+          </a:lnRef>
+          <a:fillRef idx="1">
+            <a:schemeClr val="accent6"/>
+          </a:fillRef>
+          <a:effectRef idx="0">
+            <a:schemeClr val="accent6"/>
+          </a:effectRef>
+          <a:fontRef idx="minor">
+            <a:schemeClr val="lt1"/>
+          </a:fontRef>
+        </p:style>
+        <p:txBody>
+          <a:bodyPr rtlCol="0" anchor="ctr"/>
+          <a:lstStyle/>
+          <a:p>
+            <a:pPr algn="ctr"/>
+            <a:r>
+              <a:rPr lang="en-US" sz="1400" dirty="0" smtClean="0"/>
+              <a:t>Package</a:t>
+            </a:r>
+            <a:endParaRPr lang="en-US" sz="1400" dirty="0"/>
+          </a:p>
+        </p:txBody>
+      </p:sp>
+      <p:sp>
+        <p:nvSpPr>
+          <p:cNvPr id="13" name="TextBox 12"/>
+          <p:cNvSpPr txBox="1"/>
+          <p:nvPr/>
+        </p:nvSpPr>
+        <p:spPr>
+          <a:xfrm>
+            <a:off x="735806" y="5968425"/>
+            <a:ext cx="3276600" cy="584775"/>
+          </a:xfrm>
+          <a:prstGeom prst="rect">
+            <a:avLst/>
+          </a:prstGeom>
+          <a:noFill/>
+        </p:spPr>
+        <p:txBody>
+          <a:bodyPr wrap="square" rtlCol="0">
+            <a:spAutoFit/>
           </a:bodyPr>
           <a:lstStyle/>
           <a:p>
-            <a:r>
-              <a:rPr lang="en-US" sz="8800" smtClean="0"/>
-              <a:t>Practices</a:t>
-            </a:r>
-            <a:endParaRPr lang="en-US" sz="8800" dirty="0"/>
-          </a:p>
-        </p:txBody>
-      </p:sp>
-      <p:sp>
-        <p:nvSpPr>
-          <p:cNvPr id="5" name="Subtitle 4"/>
-          <p:cNvSpPr>
-            <a:spLocks noGrp="1"/>
-          </p:cNvSpPr>
-          <p:nvPr>
-            <p:ph type="subTitle" idx="1"/>
-          </p:nvPr>
-        </p:nvSpPr>
-        <p:spPr/>
-        <p:txBody>
-          <a:bodyPr/>
+            <a:pPr algn="ctr"/>
+            <a:r>
+              <a:rPr lang="en-US" sz="3200" dirty="0" err="1" smtClean="0">
+                <a:solidFill>
+                  <a:srgbClr val="A8A8A8"/>
+                </a:solidFill>
+              </a:rPr>
+              <a:t>TeamCity</a:t>
+            </a:r>
+            <a:endParaRPr lang="en-US" sz="3200" dirty="0">
+              <a:solidFill>
+                <a:srgbClr val="A8A8A8"/>
+              </a:solidFill>
+            </a:endParaRPr>
+          </a:p>
+        </p:txBody>
+      </p:sp>
+      <p:sp>
+        <p:nvSpPr>
+          <p:cNvPr id="14" name="TextBox 13"/>
+          <p:cNvSpPr txBox="1"/>
+          <p:nvPr/>
+        </p:nvSpPr>
+        <p:spPr>
+          <a:xfrm>
+            <a:off x="5120245" y="5968425"/>
+            <a:ext cx="3631406" cy="584775"/>
+          </a:xfrm>
+          <a:prstGeom prst="rect">
+            <a:avLst/>
+          </a:prstGeom>
+          <a:noFill/>
+        </p:spPr>
+        <p:txBody>
+          <a:bodyPr wrap="square" rtlCol="0">
+            <a:spAutoFit/>
+          </a:bodyPr>
           <a:lstStyle/>
           <a:p>
-            <a:endParaRPr lang="en-US"/>
-          </a:p>
-        </p:txBody>
-      </p:sp>
-      <p:sp>
-        <p:nvSpPr>
-          <p:cNvPr id="4" name="Footer Placeholder 3"/>
-          <p:cNvSpPr>
-            <a:spLocks noGrp="1"/>
-          </p:cNvSpPr>
-          <p:nvPr>
-            <p:ph type="ftr" sz="quarter" idx="11"/>
-          </p:nvPr>
-        </p:nvSpPr>
-        <p:spPr/>
-        <p:txBody>
-          <a:bodyPr/>
+            <a:pPr algn="ctr"/>
+            <a:r>
+              <a:rPr lang="en-US" sz="3200" dirty="0" smtClean="0">
+                <a:solidFill>
+                  <a:srgbClr val="A8A8A8"/>
+                </a:solidFill>
+              </a:rPr>
+              <a:t>Octopus Deploy</a:t>
+            </a:r>
+            <a:endParaRPr lang="en-US" sz="3200" dirty="0">
+              <a:solidFill>
+                <a:srgbClr val="A8A8A8"/>
+              </a:solidFill>
+            </a:endParaRPr>
+          </a:p>
+        </p:txBody>
+      </p:sp>
+      <p:sp>
+        <p:nvSpPr>
+          <p:cNvPr id="15" name="Rectangle 14"/>
+          <p:cNvSpPr/>
+          <p:nvPr/>
+        </p:nvSpPr>
+        <p:spPr>
+          <a:xfrm>
+            <a:off x="5769769" y="2765084"/>
+            <a:ext cx="1066800" cy="533400"/>
+          </a:xfrm>
+          <a:prstGeom prst="rect">
+            <a:avLst/>
+          </a:prstGeom>
+        </p:spPr>
+        <p:style>
+          <a:lnRef idx="2">
+            <a:schemeClr val="accent6">
+              <a:shade val="50000"/>
+            </a:schemeClr>
+          </a:lnRef>
+          <a:fillRef idx="1">
+            <a:schemeClr val="accent6"/>
+          </a:fillRef>
+          <a:effectRef idx="0">
+            <a:schemeClr val="accent6"/>
+          </a:effectRef>
+          <a:fontRef idx="minor">
+            <a:schemeClr val="lt1"/>
+          </a:fontRef>
+        </p:style>
+        <p:txBody>
+          <a:bodyPr rtlCol="0" anchor="ctr"/>
           <a:lstStyle/>
           <a:p>
-            <a:endParaRPr lang="en-US"/>
+            <a:pPr algn="ctr"/>
+            <a:r>
+              <a:rPr lang="en-US" sz="1400" dirty="0" smtClean="0"/>
+              <a:t>Deploy</a:t>
+            </a:r>
+            <a:endParaRPr lang="en-US" sz="1400" dirty="0"/>
+          </a:p>
+        </p:txBody>
+      </p:sp>
+      <p:sp>
+        <p:nvSpPr>
+          <p:cNvPr id="16" name="Rectangle 15"/>
+          <p:cNvSpPr/>
+          <p:nvPr/>
+        </p:nvSpPr>
+        <p:spPr>
+          <a:xfrm>
+            <a:off x="5769769" y="3615189"/>
+            <a:ext cx="1066800" cy="533400"/>
+          </a:xfrm>
+          <a:prstGeom prst="rect">
+            <a:avLst/>
+          </a:prstGeom>
+        </p:spPr>
+        <p:style>
+          <a:lnRef idx="2">
+            <a:schemeClr val="accent6">
+              <a:shade val="50000"/>
+            </a:schemeClr>
+          </a:lnRef>
+          <a:fillRef idx="1">
+            <a:schemeClr val="accent6"/>
+          </a:fillRef>
+          <a:effectRef idx="0">
+            <a:schemeClr val="accent6"/>
+          </a:effectRef>
+          <a:fontRef idx="minor">
+            <a:schemeClr val="lt1"/>
+          </a:fontRef>
+        </p:style>
+        <p:txBody>
+          <a:bodyPr rtlCol="0" anchor="ctr"/>
+          <a:lstStyle/>
+          <a:p>
+            <a:pPr algn="ctr"/>
+            <a:r>
+              <a:rPr lang="en-US" sz="1400" dirty="0" smtClean="0"/>
+              <a:t>Promote</a:t>
+            </a:r>
+            <a:endParaRPr lang="en-US" sz="1400" dirty="0"/>
+          </a:p>
+        </p:txBody>
+      </p:sp>
+      <p:sp>
+        <p:nvSpPr>
+          <p:cNvPr id="19" name="Rectangle 18"/>
+          <p:cNvSpPr/>
+          <p:nvPr/>
+        </p:nvSpPr>
+        <p:spPr>
+          <a:xfrm>
+            <a:off x="7475301" y="1517082"/>
+            <a:ext cx="1276350" cy="990600"/>
+          </a:xfrm>
+          <a:prstGeom prst="rect">
+            <a:avLst/>
+          </a:prstGeom>
+        </p:spPr>
+        <p:style>
+          <a:lnRef idx="2">
+            <a:schemeClr val="accent2">
+              <a:shade val="50000"/>
+            </a:schemeClr>
+          </a:lnRef>
+          <a:fillRef idx="1">
+            <a:schemeClr val="accent2"/>
+          </a:fillRef>
+          <a:effectRef idx="0">
+            <a:schemeClr val="accent2"/>
+          </a:effectRef>
+          <a:fontRef idx="minor">
+            <a:schemeClr val="lt1"/>
+          </a:fontRef>
+        </p:style>
+        <p:txBody>
+          <a:bodyPr rtlCol="0" anchor="ctr"/>
+          <a:lstStyle/>
+          <a:p>
+            <a:pPr algn="ctr"/>
+            <a:r>
+              <a:rPr lang="en-US" sz="1400" dirty="0" smtClean="0"/>
+              <a:t>Dev</a:t>
+            </a:r>
+            <a:endParaRPr lang="en-US" sz="1400" dirty="0"/>
+          </a:p>
+        </p:txBody>
+      </p:sp>
+      <p:sp>
+        <p:nvSpPr>
+          <p:cNvPr id="20" name="Rectangle 19"/>
+          <p:cNvSpPr/>
+          <p:nvPr/>
+        </p:nvSpPr>
+        <p:spPr>
+          <a:xfrm>
+            <a:off x="7447966" y="2895599"/>
+            <a:ext cx="1276350" cy="990600"/>
+          </a:xfrm>
+          <a:prstGeom prst="rect">
+            <a:avLst/>
+          </a:prstGeom>
+        </p:spPr>
+        <p:style>
+          <a:lnRef idx="2">
+            <a:schemeClr val="accent2">
+              <a:shade val="50000"/>
+            </a:schemeClr>
+          </a:lnRef>
+          <a:fillRef idx="1">
+            <a:schemeClr val="accent2"/>
+          </a:fillRef>
+          <a:effectRef idx="0">
+            <a:schemeClr val="accent2"/>
+          </a:effectRef>
+          <a:fontRef idx="minor">
+            <a:schemeClr val="lt1"/>
+          </a:fontRef>
+        </p:style>
+        <p:txBody>
+          <a:bodyPr rtlCol="0" anchor="ctr"/>
+          <a:lstStyle/>
+          <a:p>
+            <a:pPr algn="ctr"/>
+            <a:r>
+              <a:rPr lang="en-US" sz="1400" dirty="0" smtClean="0"/>
+              <a:t>Test</a:t>
+            </a:r>
+            <a:endParaRPr lang="en-US" sz="1400" dirty="0"/>
+          </a:p>
+        </p:txBody>
+      </p:sp>
+      <p:sp>
+        <p:nvSpPr>
+          <p:cNvPr id="21" name="Rectangle 20"/>
+          <p:cNvSpPr/>
+          <p:nvPr/>
+        </p:nvSpPr>
+        <p:spPr>
+          <a:xfrm>
+            <a:off x="7447966" y="4274116"/>
+            <a:ext cx="1276350" cy="990600"/>
+          </a:xfrm>
+          <a:prstGeom prst="rect">
+            <a:avLst/>
+          </a:prstGeom>
+        </p:spPr>
+        <p:style>
+          <a:lnRef idx="2">
+            <a:schemeClr val="accent2">
+              <a:shade val="50000"/>
+            </a:schemeClr>
+          </a:lnRef>
+          <a:fillRef idx="1">
+            <a:schemeClr val="accent2"/>
+          </a:fillRef>
+          <a:effectRef idx="0">
+            <a:schemeClr val="accent2"/>
+          </a:effectRef>
+          <a:fontRef idx="minor">
+            <a:schemeClr val="lt1"/>
+          </a:fontRef>
+        </p:style>
+        <p:txBody>
+          <a:bodyPr rtlCol="0" anchor="ctr"/>
+          <a:lstStyle/>
+          <a:p>
+            <a:pPr algn="ctr"/>
+            <a:r>
+              <a:rPr lang="en-US" sz="1400" dirty="0" smtClean="0"/>
+              <a:t>Prod</a:t>
+            </a:r>
+            <a:endParaRPr lang="en-US" sz="1400" dirty="0"/>
           </a:p>
         </p:txBody>
       </p:sp>
     </p:spTree>
     <p:extLst>
       <p:ext uri="{BB962C8B-B14F-4D97-AF65-F5344CB8AC3E}">
-        <p14:creationId xmlns:p14="http://schemas.microsoft.com/office/powerpoint/2010/main" val="1491660190"/>
+        <p14:creationId xmlns:p14="http://schemas.microsoft.com/office/powerpoint/2010/main" val="521568341"/>
       </p:ext>
     </p:extLst>
   </p:cSld>
   <p:clrMapOvr>
     <a:masterClrMapping/>
   </p:clrMapOvr>
+  <p:timing>
+    <p:tnLst>
+      <p:par>
+        <p:cTn id="1" dur="indefinite" restart="never" nodeType="tmRoot"/>
+      </p:par>
+    </p:tnLst>
+  </p:timing>
 </p:sld>
 </file>
 
@@ -7087,7 +7694,7 @@
           <a:p>
             <a:r>
               <a:rPr lang="en-US" sz="8000" dirty="0" smtClean="0"/>
-              <a:t>Demo!!!</a:t>
+              <a:t>Demo</a:t>
             </a:r>
             <a:endParaRPr lang="en-US" sz="8000" dirty="0"/>
           </a:p>
@@ -7141,6 +7748,13 @@
   <p:clrMapOvr>
     <a:masterClrMapping/>
   </p:clrMapOvr>
+  <p:timing>
+    <p:tnLst>
+      <p:par>
+        <p:cTn id="1" dur="indefinite" restart="never" nodeType="tmRoot"/>
+      </p:par>
+    </p:tnLst>
+  </p:timing>
 </p:sld>
 </file>
 

--- a/ContinuousDeliveryInPractice/Continuous Delivery.pptx
+++ b/ContinuousDeliveryInPractice/Continuous Delivery.pptx
@@ -5,14 +5,15 @@
     <p:sldMasterId id="2147483694" r:id="rId1"/>
   </p:sldMasterIdLst>
   <p:notesMasterIdLst>
-    <p:notesMasterId r:id="rId7"/>
+    <p:notesMasterId r:id="rId8"/>
   </p:notesMasterIdLst>
   <p:sldIdLst>
     <p:sldId id="269" r:id="rId2"/>
     <p:sldId id="273" r:id="rId3"/>
-    <p:sldId id="258" r:id="rId4"/>
+    <p:sldId id="275" r:id="rId4"/>
     <p:sldId id="274" r:id="rId5"/>
-    <p:sldId id="271" r:id="rId6"/>
+    <p:sldId id="276" r:id="rId6"/>
+    <p:sldId id="271" r:id="rId7"/>
   </p:sldIdLst>
   <p:sldSz cx="9144000" cy="6858000" type="screen4x3"/>
   <p:notesSz cx="6858000" cy="9144000"/>
@@ -3443,90 +3444,6 @@
 </p:notesMaster>
 </file>
 
-<file path=ppt/notesSlides/notesSlide1.xml><?xml version="1.0" encoding="utf-8"?>
-<p:notes xmlns:a="http://schemas.openxmlformats.org/drawingml/2006/main" xmlns:r="http://schemas.openxmlformats.org/officeDocument/2006/relationships" xmlns:p="http://schemas.openxmlformats.org/presentationml/2006/main">
-  <p:cSld>
-    <p:spTree>
-      <p:nvGrpSpPr>
-        <p:cNvPr id="1" name=""/>
-        <p:cNvGrpSpPr/>
-        <p:nvPr/>
-      </p:nvGrpSpPr>
-      <p:grpSpPr>
-        <a:xfrm>
-          <a:off x="0" y="0"/>
-          <a:ext cx="0" cy="0"/>
-          <a:chOff x="0" y="0"/>
-          <a:chExt cx="0" cy="0"/>
-        </a:xfrm>
-      </p:grpSpPr>
-      <p:sp>
-        <p:nvSpPr>
-          <p:cNvPr id="2" name="Slide Image Placeholder 1"/>
-          <p:cNvSpPr>
-            <a:spLocks noGrp="1" noRot="1" noChangeAspect="1"/>
-          </p:cNvSpPr>
-          <p:nvPr>
-            <p:ph type="sldImg"/>
-          </p:nvPr>
-        </p:nvSpPr>
-        <p:spPr/>
-      </p:sp>
-      <p:sp>
-        <p:nvSpPr>
-          <p:cNvPr id="3" name="Notes Placeholder 2"/>
-          <p:cNvSpPr>
-            <a:spLocks noGrp="1"/>
-          </p:cNvSpPr>
-          <p:nvPr>
-            <p:ph type="body" idx="1"/>
-          </p:nvPr>
-        </p:nvSpPr>
-        <p:spPr/>
-        <p:txBody>
-          <a:bodyPr/>
-          <a:lstStyle/>
-          <a:p>
-            <a:endParaRPr lang="en-US" dirty="0"/>
-          </a:p>
-        </p:txBody>
-      </p:sp>
-      <p:sp>
-        <p:nvSpPr>
-          <p:cNvPr id="4" name="Slide Number Placeholder 3"/>
-          <p:cNvSpPr>
-            <a:spLocks noGrp="1"/>
-          </p:cNvSpPr>
-          <p:nvPr>
-            <p:ph type="sldNum" sz="quarter" idx="10"/>
-          </p:nvPr>
-        </p:nvSpPr>
-        <p:spPr/>
-        <p:txBody>
-          <a:bodyPr/>
-          <a:lstStyle/>
-          <a:p>
-            <a:fld id="{77DA41C2-2EC4-49B5-B3CD-E0A57519EAE4}" type="slidenum">
-              <a:rPr lang="en-US" smtClean="0"/>
-              <a:t>3</a:t>
-            </a:fld>
-            <a:endParaRPr lang="en-US"/>
-          </a:p>
-        </p:txBody>
-      </p:sp>
-    </p:spTree>
-    <p:extLst>
-      <p:ext uri="{BB962C8B-B14F-4D97-AF65-F5344CB8AC3E}">
-        <p14:creationId xmlns:p14="http://schemas.microsoft.com/office/powerpoint/2010/main" val="1683442698"/>
-      </p:ext>
-    </p:extLst>
-  </p:cSld>
-  <p:clrMapOvr>
-    <a:masterClrMapping/>
-  </p:clrMapOvr>
-</p:notes>
-</file>
-
 <file path=ppt/slideLayouts/slideLayout1.xml><?xml version="1.0" encoding="utf-8"?>
 <p:sldLayout xmlns:a="http://schemas.openxmlformats.org/drawingml/2006/main" xmlns:r="http://schemas.openxmlformats.org/officeDocument/2006/relationships" xmlns:p="http://schemas.openxmlformats.org/presentationml/2006/main" showMasterSp="0" type="title" preserve="1">
   <p:cSld name="Title Slide">
@@ -6551,13 +6468,17 @@
         </p:spPr>
         <p:txBody>
           <a:bodyPr>
-            <a:normAutofit/>
+            <a:normAutofit fontScale="85000" lnSpcReduction="20000"/>
           </a:bodyPr>
           <a:lstStyle/>
           <a:p>
             <a:r>
               <a:rPr lang="en-US" sz="3200" dirty="0" smtClean="0"/>
-              <a:t>Jimmy Bogard</a:t>
+              <a:t>Jimmy </a:t>
+            </a:r>
+            <a:r>
+              <a:rPr lang="en-US" sz="3200" dirty="0" smtClean="0"/>
+              <a:t>Bogard</a:t>
             </a:r>
           </a:p>
           <a:p>
@@ -6569,6 +6490,17 @@
               <a:rPr lang="en-US" sz="3200" dirty="0" err="1" smtClean="0"/>
               <a:t>jbogard</a:t>
             </a:r>
+            <a:endParaRPr lang="en-US" sz="3200" dirty="0"/>
+          </a:p>
+          <a:p>
+            <a:r>
+              <a:rPr lang="en-US" sz="3200" dirty="0" smtClean="0"/>
+              <a:t>github.com/</a:t>
+            </a:r>
+            <a:r>
+              <a:rPr lang="en-US" sz="3200" dirty="0" err="1" smtClean="0"/>
+              <a:t>jbogard</a:t>
+            </a:r>
             <a:endParaRPr lang="en-US" sz="3200" dirty="0" smtClean="0"/>
           </a:p>
           <a:p>
@@ -6576,7 +6508,6 @@
               <a:rPr lang="en-US" sz="3200" dirty="0" smtClean="0"/>
               <a:t>jimmybogard.lostechies.com</a:t>
             </a:r>
-            <a:endParaRPr lang="en-US" sz="3200" dirty="0"/>
           </a:p>
         </p:txBody>
       </p:sp>
@@ -6830,7 +6761,7 @@
 </file>
 
 <file path=ppt/slides/slide3.xml><?xml version="1.0" encoding="utf-8"?>
-<p:sld xmlns:a="http://schemas.openxmlformats.org/drawingml/2006/main" xmlns:r="http://schemas.openxmlformats.org/officeDocument/2006/relationships" xmlns:p="http://schemas.openxmlformats.org/presentationml/2006/main" showMasterSp="0">
+<p:sld xmlns:a="http://schemas.openxmlformats.org/drawingml/2006/main" xmlns:r="http://schemas.openxmlformats.org/officeDocument/2006/relationships" xmlns:p="http://schemas.openxmlformats.org/presentationml/2006/main">
   <p:cSld>
     <p:spTree>
       <p:nvGrpSpPr>
@@ -6854,21 +6785,20 @@
           </p:cNvSpPr>
           <p:nvPr>
             <p:ph type="title"/>
-            <p:custDataLst>
-              <p:tags r:id="rId2"/>
-            </p:custDataLst>
           </p:nvPr>
         </p:nvSpPr>
         <p:spPr/>
         <p:txBody>
-          <a:bodyPr/>
+          <a:bodyPr>
+            <a:normAutofit/>
+          </a:bodyPr>
           <a:lstStyle/>
           <a:p>
             <a:r>
-              <a:rPr lang="en-US" smtClean="0"/>
-              <a:t>Principles</a:t>
-            </a:r>
-            <a:endParaRPr lang="en-US" dirty="0"/>
+              <a:rPr lang="en-US" sz="4800" dirty="0" smtClean="0"/>
+              <a:t>Tooling</a:t>
+            </a:r>
+            <a:endParaRPr lang="en-US" sz="4800" dirty="0"/>
           </a:p>
         </p:txBody>
       </p:sp>
@@ -6880,75 +6810,69 @@
           </p:cNvSpPr>
           <p:nvPr>
             <p:ph idx="1"/>
-            <p:custDataLst>
-              <p:tags r:id="rId3"/>
-            </p:custDataLst>
           </p:nvPr>
         </p:nvSpPr>
         <p:spPr/>
         <p:txBody>
-          <a:bodyPr/>
+          <a:bodyPr>
+            <a:normAutofit/>
+          </a:bodyPr>
           <a:lstStyle/>
           <a:p>
             <a:r>
-              <a:rPr lang="en-US" smtClean="0"/>
-              <a:t>Repeatable, reliable process for releasing software</a:t>
-            </a:r>
-          </a:p>
-          <a:p>
-            <a:r>
-              <a:rPr lang="en-US" smtClean="0"/>
-              <a:t>Automate almost everything</a:t>
-            </a:r>
-          </a:p>
-          <a:p>
-            <a:r>
-              <a:rPr lang="en-US" smtClean="0"/>
-              <a:t>Keep everything in version control</a:t>
-            </a:r>
-          </a:p>
-          <a:p>
-            <a:r>
-              <a:rPr lang="en-US" smtClean="0"/>
-              <a:t>Bring the pain forward</a:t>
-            </a:r>
-          </a:p>
-          <a:p>
-            <a:r>
-              <a:rPr lang="en-US" smtClean="0"/>
-              <a:t>Build quality in</a:t>
-            </a:r>
-          </a:p>
-          <a:p>
-            <a:r>
-              <a:rPr lang="en-US" smtClean="0"/>
-              <a:t>Done means released</a:t>
-            </a:r>
-          </a:p>
-          <a:p>
-            <a:r>
-              <a:rPr lang="en-US" smtClean="0"/>
-              <a:t>Everyone responsible</a:t>
-            </a:r>
-          </a:p>
-          <a:p>
-            <a:r>
-              <a:rPr lang="en-US" smtClean="0"/>
-              <a:t>Continuous improvement</a:t>
-            </a:r>
-          </a:p>
-          <a:p>
-            <a:endParaRPr lang="en-US" dirty="0"/>
+              <a:rPr lang="en-US" sz="3600" dirty="0" smtClean="0"/>
+              <a:t>Source Control – </a:t>
+            </a:r>
+            <a:r>
+              <a:rPr lang="en-US" sz="3600" dirty="0" err="1" smtClean="0"/>
+              <a:t>Git</a:t>
+            </a:r>
+            <a:endParaRPr lang="en-US" sz="3600" dirty="0" smtClean="0"/>
+          </a:p>
+          <a:p>
+            <a:endParaRPr lang="en-US" sz="3600" dirty="0"/>
+          </a:p>
+          <a:p>
+            <a:r>
+              <a:rPr lang="en-US" sz="3600" dirty="0" smtClean="0"/>
+              <a:t>Build – </a:t>
+            </a:r>
+            <a:r>
+              <a:rPr lang="en-US" sz="3600" dirty="0" err="1" smtClean="0"/>
+              <a:t>Psake</a:t>
+            </a:r>
+            <a:endParaRPr lang="en-US" sz="3600" dirty="0" smtClean="0"/>
+          </a:p>
+          <a:p>
+            <a:endParaRPr lang="en-US" sz="3600" dirty="0"/>
+          </a:p>
+          <a:p>
+            <a:r>
+              <a:rPr lang="en-US" sz="3600" dirty="0" smtClean="0"/>
+              <a:t>CI – </a:t>
+            </a:r>
+            <a:r>
+              <a:rPr lang="en-US" sz="3600" dirty="0" err="1" smtClean="0"/>
+              <a:t>TeamCity</a:t>
+            </a:r>
+            <a:endParaRPr lang="en-US" sz="3600" dirty="0" smtClean="0"/>
+          </a:p>
+          <a:p>
+            <a:endParaRPr lang="en-US" sz="3600" dirty="0"/>
+          </a:p>
+          <a:p>
+            <a:r>
+              <a:rPr lang="en-US" sz="3600" dirty="0" smtClean="0"/>
+              <a:t>Deploy - Octopus</a:t>
+            </a:r>
+            <a:endParaRPr lang="en-US" sz="3600" dirty="0"/>
           </a:p>
         </p:txBody>
       </p:sp>
     </p:spTree>
-    <p:custDataLst>
-      <p:tags r:id="rId1"/>
-    </p:custDataLst>
     <p:extLst>
       <p:ext uri="{BB962C8B-B14F-4D97-AF65-F5344CB8AC3E}">
-        <p14:creationId xmlns:p14="http://schemas.microsoft.com/office/powerpoint/2010/main" val="3290263920"/>
+        <p14:creationId xmlns:p14="http://schemas.microsoft.com/office/powerpoint/2010/main" val="1795784700"/>
       </p:ext>
     </p:extLst>
   </p:cSld>
@@ -7659,6 +7583,215 @@
 </file>
 
 <file path=ppt/slides/slide5.xml><?xml version="1.0" encoding="utf-8"?>
+<p:sld xmlns:a="http://schemas.openxmlformats.org/drawingml/2006/main" xmlns:r="http://schemas.openxmlformats.org/officeDocument/2006/relationships" xmlns:p="http://schemas.openxmlformats.org/presentationml/2006/main">
+  <p:cSld>
+    <p:spTree>
+      <p:nvGrpSpPr>
+        <p:cNvPr id="1" name=""/>
+        <p:cNvGrpSpPr/>
+        <p:nvPr/>
+      </p:nvGrpSpPr>
+      <p:grpSpPr>
+        <a:xfrm>
+          <a:off x="0" y="0"/>
+          <a:ext cx="0" cy="0"/>
+          <a:chOff x="0" y="0"/>
+          <a:chExt cx="0" cy="0"/>
+        </a:xfrm>
+      </p:grpSpPr>
+      <p:sp>
+        <p:nvSpPr>
+          <p:cNvPr id="2" name="Title 1"/>
+          <p:cNvSpPr>
+            <a:spLocks noGrp="1"/>
+          </p:cNvSpPr>
+          <p:nvPr>
+            <p:ph type="title"/>
+          </p:nvPr>
+        </p:nvSpPr>
+        <p:spPr/>
+        <p:txBody>
+          <a:bodyPr/>
+          <a:lstStyle/>
+          <a:p>
+            <a:r>
+              <a:rPr lang="en-US" dirty="0" smtClean="0"/>
+              <a:t>Logical Architecture</a:t>
+            </a:r>
+            <a:endParaRPr lang="en-US" dirty="0"/>
+          </a:p>
+        </p:txBody>
+      </p:sp>
+      <p:pic>
+        <p:nvPicPr>
+          <p:cNvPr id="8" name="Content Placeholder 7"/>
+          <p:cNvPicPr>
+            <a:picLocks noGrp="1" noChangeAspect="1"/>
+          </p:cNvPicPr>
+          <p:nvPr>
+            <p:ph idx="1"/>
+          </p:nvPr>
+        </p:nvPicPr>
+        <p:blipFill>
+          <a:blip r:embed="rId2"/>
+          <a:stretch>
+            <a:fillRect/>
+          </a:stretch>
+        </p:blipFill>
+        <p:spPr>
+          <a:xfrm>
+            <a:off x="628650" y="2008816"/>
+            <a:ext cx="7886700" cy="3984956"/>
+          </a:xfrm>
+          <a:prstGeom prst="rect">
+            <a:avLst/>
+          </a:prstGeom>
+        </p:spPr>
+      </p:pic>
+      <p:pic>
+        <p:nvPicPr>
+          <p:cNvPr id="1026" name="Picture 2" descr="http://blogs.jetbrains.com/teamcity/wp-content/uploads/2008/09/teamcity512.png"/>
+          <p:cNvPicPr>
+            <a:picLocks noChangeAspect="1" noChangeArrowheads="1"/>
+          </p:cNvPicPr>
+          <p:nvPr/>
+        </p:nvPicPr>
+        <p:blipFill>
+          <a:blip r:embed="rId3" cstate="print">
+            <a:extLst>
+              <a:ext uri="{28A0092B-C50C-407E-A947-70E740481C1C}">
+                <a14:useLocalDpi xmlns:a14="http://schemas.microsoft.com/office/drawing/2010/main" val="0"/>
+              </a:ext>
+            </a:extLst>
+          </a:blip>
+          <a:srcRect/>
+          <a:stretch>
+            <a:fillRect/>
+          </a:stretch>
+        </p:blipFill>
+        <p:spPr bwMode="auto">
+          <a:xfrm>
+            <a:off x="2971800" y="2362200"/>
+            <a:ext cx="762000" cy="762000"/>
+          </a:xfrm>
+          <a:prstGeom prst="rect">
+            <a:avLst/>
+          </a:prstGeom>
+          <a:noFill/>
+          <a:extLst>
+            <a:ext uri="{909E8E84-426E-40DD-AFC4-6F175D3DCCD1}">
+              <a14:hiddenFill xmlns:a14="http://schemas.microsoft.com/office/drawing/2010/main">
+                <a:solidFill>
+                  <a:srgbClr val="FFFFFF"/>
+                </a:solidFill>
+              </a14:hiddenFill>
+            </a:ext>
+          </a:extLst>
+        </p:spPr>
+      </p:pic>
+      <p:pic>
+        <p:nvPicPr>
+          <p:cNvPr id="1028" name="Picture 4" descr="http://qaidjacobs.com/wp-content/uploads/2012/11/Git_icon.svg_.png"/>
+          <p:cNvPicPr>
+            <a:picLocks noChangeAspect="1" noChangeArrowheads="1"/>
+          </p:cNvPicPr>
+          <p:nvPr/>
+        </p:nvPicPr>
+        <p:blipFill>
+          <a:blip r:embed="rId4" cstate="print">
+            <a:extLst>
+              <a:ext uri="{28A0092B-C50C-407E-A947-70E740481C1C}">
+                <a14:useLocalDpi xmlns:a14="http://schemas.microsoft.com/office/drawing/2010/main" val="0"/>
+              </a:ext>
+            </a:extLst>
+          </a:blip>
+          <a:srcRect/>
+          <a:stretch>
+            <a:fillRect/>
+          </a:stretch>
+        </p:blipFill>
+        <p:spPr bwMode="auto">
+          <a:xfrm>
+            <a:off x="797010" y="2362199"/>
+            <a:ext cx="726989" cy="726989"/>
+          </a:xfrm>
+          <a:prstGeom prst="rect">
+            <a:avLst/>
+          </a:prstGeom>
+          <a:noFill/>
+          <a:extLst>
+            <a:ext uri="{909E8E84-426E-40DD-AFC4-6F175D3DCCD1}">
+              <a14:hiddenFill xmlns:a14="http://schemas.microsoft.com/office/drawing/2010/main">
+                <a:solidFill>
+                  <a:srgbClr val="FFFFFF"/>
+                </a:solidFill>
+              </a14:hiddenFill>
+            </a:ext>
+          </a:extLst>
+        </p:spPr>
+      </p:pic>
+      <p:pic>
+        <p:nvPicPr>
+          <p:cNvPr id="1030" name="Picture 6" descr="https://lh4.googleusercontent.com/-AP93RJrDmGs/AAAAAAAAAAI/AAAAAAAAABA/k5Xeeq6aH1U/photo.jpg"/>
+          <p:cNvPicPr>
+            <a:picLocks noChangeAspect="1" noChangeArrowheads="1"/>
+          </p:cNvPicPr>
+          <p:nvPr/>
+        </p:nvPicPr>
+        <p:blipFill>
+          <a:blip r:embed="rId5" cstate="print">
+            <a:extLst>
+              <a:ext uri="{28A0092B-C50C-407E-A947-70E740481C1C}">
+                <a14:useLocalDpi xmlns:a14="http://schemas.microsoft.com/office/drawing/2010/main" val="0"/>
+              </a:ext>
+            </a:extLst>
+          </a:blip>
+          <a:srcRect/>
+          <a:stretch>
+            <a:fillRect/>
+          </a:stretch>
+        </p:blipFill>
+        <p:spPr bwMode="auto">
+          <a:xfrm>
+            <a:off x="6629400" y="1345033"/>
+            <a:ext cx="691311" cy="691311"/>
+          </a:xfrm>
+          <a:prstGeom prst="rect">
+            <a:avLst/>
+          </a:prstGeom>
+          <a:noFill/>
+          <a:extLst>
+            <a:ext uri="{909E8E84-426E-40DD-AFC4-6F175D3DCCD1}">
+              <a14:hiddenFill xmlns:a14="http://schemas.microsoft.com/office/drawing/2010/main">
+                <a:solidFill>
+                  <a:srgbClr val="FFFFFF"/>
+                </a:solidFill>
+              </a14:hiddenFill>
+            </a:ext>
+          </a:extLst>
+        </p:spPr>
+      </p:pic>
+    </p:spTree>
+    <p:extLst>
+      <p:ext uri="{BB962C8B-B14F-4D97-AF65-F5344CB8AC3E}">
+        <p14:creationId xmlns:p14="http://schemas.microsoft.com/office/powerpoint/2010/main" val="3779844486"/>
+      </p:ext>
+    </p:extLst>
+  </p:cSld>
+  <p:clrMapOvr>
+    <a:masterClrMapping/>
+  </p:clrMapOvr>
+  <p:timing>
+    <p:tnLst>
+      <p:par>
+        <p:cTn id="1" dur="indefinite" restart="never" nodeType="tmRoot"/>
+      </p:par>
+    </p:tnLst>
+  </p:timing>
+</p:sld>
+</file>
+
+<file path=ppt/slides/slide6.xml><?xml version="1.0" encoding="utf-8"?>
 <p:sld xmlns:a="http://schemas.openxmlformats.org/drawingml/2006/main" xmlns:r="http://schemas.openxmlformats.org/officeDocument/2006/relationships" xmlns:p="http://schemas.openxmlformats.org/presentationml/2006/main" showMasterSp="0">
   <p:cSld>
     <p:spTree>
@@ -7773,24 +7906,6 @@
 <file path=ppt/tags/tag3.xml><?xml version="1.0" encoding="utf-8"?>
 <p:tagLst xmlns:a="http://schemas.openxmlformats.org/drawingml/2006/main" xmlns:r="http://schemas.openxmlformats.org/officeDocument/2006/relationships" xmlns:p="http://schemas.openxmlformats.org/presentationml/2006/main">
   <p:tag name="DVSHAPEID" val="KqnQr14qliG5w1lOvfrj5k"/>
-</p:tagLst>
-</file>
-
-<file path=ppt/tags/tag4.xml><?xml version="1.0" encoding="utf-8"?>
-<p:tagLst xmlns:a="http://schemas.openxmlformats.org/drawingml/2006/main" xmlns:r="http://schemas.openxmlformats.org/officeDocument/2006/relationships" xmlns:p="http://schemas.openxmlformats.org/presentationml/2006/main">
-  <p:tag name="DVSECTIONID" val="2J6CRbKDISaueyjfK4nPIQ"/>
-</p:tagLst>
-</file>
-
-<file path=ppt/tags/tag5.xml><?xml version="1.0" encoding="utf-8"?>
-<p:tagLst xmlns:a="http://schemas.openxmlformats.org/drawingml/2006/main" xmlns:r="http://schemas.openxmlformats.org/officeDocument/2006/relationships" xmlns:p="http://schemas.openxmlformats.org/presentationml/2006/main">
-  <p:tag name="DVSHAPEID" val="eLZE1Yhiaal1zsiy8H9OdA"/>
-</p:tagLst>
-</file>
-
-<file path=ppt/tags/tag6.xml><?xml version="1.0" encoding="utf-8"?>
-<p:tagLst xmlns:a="http://schemas.openxmlformats.org/drawingml/2006/main" xmlns:r="http://schemas.openxmlformats.org/officeDocument/2006/relationships" xmlns:p="http://schemas.openxmlformats.org/presentationml/2006/main">
-  <p:tag name="DVSHAPEID" val="HfDPzGcWadyqbBQN06827v"/>
 </p:tagLst>
 </file>
 

--- a/ContinuousDeliveryInPractice/Continuous Delivery.pptx
+++ b/ContinuousDeliveryInPractice/Continuous Delivery.pptx
@@ -3176,7 +3176,7 @@
           <a:p>
             <a:fld id="{3A7C3860-7027-407A-982A-3CBA694F3788}" type="datetimeFigureOut">
               <a:rPr lang="en-US" smtClean="0"/>
-              <a:t>1/13/2014</a:t>
+              <a:t>2/10/2014</a:t>
             </a:fld>
             <a:endParaRPr lang="en-US"/>
           </a:p>
@@ -6474,11 +6474,7 @@
           <a:p>
             <a:r>
               <a:rPr lang="en-US" sz="3200" dirty="0" smtClean="0"/>
-              <a:t>Jimmy </a:t>
-            </a:r>
-            <a:r>
-              <a:rPr lang="en-US" sz="3200" dirty="0" smtClean="0"/>
-              <a:t>Bogard</a:t>
+              <a:t>Jimmy Bogard</a:t>
             </a:r>
           </a:p>
           <a:p>
@@ -6838,8 +6834,12 @@
               <a:t>Build – </a:t>
             </a:r>
             <a:r>
+              <a:rPr lang="en-US" sz="3600" dirty="0" err="1"/>
+              <a:t>p</a:t>
+            </a:r>
+            <a:r>
               <a:rPr lang="en-US" sz="3600" dirty="0" err="1" smtClean="0"/>
-              <a:t>Psake</a:t>
+              <a:t>sake</a:t>
             </a:r>
             <a:endParaRPr lang="en-US" sz="3600" dirty="0" smtClean="0"/>
           </a:p>

--- a/ContinuousDeliveryInPractice/Continuous Delivery.pptx
+++ b/ContinuousDeliveryInPractice/Continuous Delivery.pptx
@@ -3176,7 +3176,7 @@
           <a:p>
             <a:fld id="{3A7C3860-7027-407A-982A-3CBA694F3788}" type="datetimeFigureOut">
               <a:rPr lang="en-US" smtClean="0"/>
-              <a:t>2/10/2014</a:t>
+              <a:t>4/8/2014</a:t>
             </a:fld>
             <a:endParaRPr lang="en-US"/>
           </a:p>

--- a/ContinuousDeliveryInPractice/Continuous Delivery.pptx
+++ b/ContinuousDeliveryInPractice/Continuous Delivery.pptx
@@ -3,17 +3,19 @@
 <p:presentation xmlns:a="http://schemas.openxmlformats.org/drawingml/2006/main" xmlns:r="http://schemas.openxmlformats.org/officeDocument/2006/relationships" xmlns:p="http://schemas.openxmlformats.org/presentationml/2006/main" saveSubsetFonts="1">
   <p:sldMasterIdLst>
     <p:sldMasterId id="2147483694" r:id="rId1"/>
+    <p:sldMasterId id="2147483706" r:id="rId2"/>
   </p:sldMasterIdLst>
   <p:notesMasterIdLst>
-    <p:notesMasterId r:id="rId8"/>
+    <p:notesMasterId r:id="rId10"/>
   </p:notesMasterIdLst>
   <p:sldIdLst>
-    <p:sldId id="269" r:id="rId2"/>
-    <p:sldId id="273" r:id="rId3"/>
-    <p:sldId id="275" r:id="rId4"/>
-    <p:sldId id="274" r:id="rId5"/>
-    <p:sldId id="276" r:id="rId6"/>
-    <p:sldId id="271" r:id="rId7"/>
+    <p:sldId id="269" r:id="rId3"/>
+    <p:sldId id="277" r:id="rId4"/>
+    <p:sldId id="273" r:id="rId5"/>
+    <p:sldId id="275" r:id="rId6"/>
+    <p:sldId id="274" r:id="rId7"/>
+    <p:sldId id="276" r:id="rId8"/>
+    <p:sldId id="271" r:id="rId9"/>
   </p:sldIdLst>
   <p:sldSz cx="9144000" cy="6858000" type="screen4x3"/>
   <p:notesSz cx="6858000" cy="9144000"/>
@@ -3176,7 +3178,7 @@
           <a:p>
             <a:fld id="{3A7C3860-7027-407A-982A-3CBA694F3788}" type="datetimeFigureOut">
               <a:rPr lang="en-US" smtClean="0"/>
-              <a:t>4/8/2014</a:t>
+              <a:t>5/16/2014</a:t>
             </a:fld>
             <a:endParaRPr lang="en-US"/>
           </a:p>
@@ -4010,6 +4012,2120 @@
 </p:sldLayout>
 </file>
 
+<file path=ppt/slideLayouts/slideLayout12.xml><?xml version="1.0" encoding="utf-8"?>
+<p:sldLayout xmlns:a="http://schemas.openxmlformats.org/drawingml/2006/main" xmlns:r="http://schemas.openxmlformats.org/officeDocument/2006/relationships" xmlns:p="http://schemas.openxmlformats.org/presentationml/2006/main" type="title" preserve="1">
+  <p:cSld name="Title Slide">
+    <p:spTree>
+      <p:nvGrpSpPr>
+        <p:cNvPr id="1" name=""/>
+        <p:cNvGrpSpPr/>
+        <p:nvPr/>
+      </p:nvGrpSpPr>
+      <p:grpSpPr>
+        <a:xfrm>
+          <a:off x="0" y="0"/>
+          <a:ext cx="0" cy="0"/>
+          <a:chOff x="0" y="0"/>
+          <a:chExt cx="0" cy="0"/>
+        </a:xfrm>
+      </p:grpSpPr>
+      <p:sp>
+        <p:nvSpPr>
+          <p:cNvPr id="2" name="Title 1"/>
+          <p:cNvSpPr>
+            <a:spLocks noGrp="1"/>
+          </p:cNvSpPr>
+          <p:nvPr>
+            <p:ph type="ctrTitle"/>
+          </p:nvPr>
+        </p:nvSpPr>
+        <p:spPr>
+          <a:xfrm>
+            <a:off x="685800" y="2130425"/>
+            <a:ext cx="7772400" cy="1470025"/>
+          </a:xfrm>
+        </p:spPr>
+        <p:txBody>
+          <a:bodyPr/>
+          <a:lstStyle/>
+          <a:p>
+            <a:r>
+              <a:rPr lang="en-US" smtClean="0"/>
+              <a:t>Click to edit Master title style</a:t>
+            </a:r>
+            <a:endParaRPr lang="en-US"/>
+          </a:p>
+        </p:txBody>
+      </p:sp>
+      <p:sp>
+        <p:nvSpPr>
+          <p:cNvPr id="3" name="Subtitle 2"/>
+          <p:cNvSpPr>
+            <a:spLocks noGrp="1"/>
+          </p:cNvSpPr>
+          <p:nvPr>
+            <p:ph type="subTitle" idx="1"/>
+          </p:nvPr>
+        </p:nvSpPr>
+        <p:spPr>
+          <a:xfrm>
+            <a:off x="1371600" y="3886200"/>
+            <a:ext cx="6400800" cy="1752600"/>
+          </a:xfrm>
+        </p:spPr>
+        <p:txBody>
+          <a:bodyPr/>
+          <a:lstStyle>
+            <a:lvl1pPr marL="0" indent="0" algn="ctr">
+              <a:buNone/>
+              <a:defRPr>
+                <a:solidFill>
+                  <a:schemeClr val="tx1">
+                    <a:tint val="75000"/>
+                  </a:schemeClr>
+                </a:solidFill>
+              </a:defRPr>
+            </a:lvl1pPr>
+            <a:lvl2pPr marL="457200" indent="0" algn="ctr">
+              <a:buNone/>
+              <a:defRPr>
+                <a:solidFill>
+                  <a:schemeClr val="tx1">
+                    <a:tint val="75000"/>
+                  </a:schemeClr>
+                </a:solidFill>
+              </a:defRPr>
+            </a:lvl2pPr>
+            <a:lvl3pPr marL="914400" indent="0" algn="ctr">
+              <a:buNone/>
+              <a:defRPr>
+                <a:solidFill>
+                  <a:schemeClr val="tx1">
+                    <a:tint val="75000"/>
+                  </a:schemeClr>
+                </a:solidFill>
+              </a:defRPr>
+            </a:lvl3pPr>
+            <a:lvl4pPr marL="1371600" indent="0" algn="ctr">
+              <a:buNone/>
+              <a:defRPr>
+                <a:solidFill>
+                  <a:schemeClr val="tx1">
+                    <a:tint val="75000"/>
+                  </a:schemeClr>
+                </a:solidFill>
+              </a:defRPr>
+            </a:lvl4pPr>
+            <a:lvl5pPr marL="1828800" indent="0" algn="ctr">
+              <a:buNone/>
+              <a:defRPr>
+                <a:solidFill>
+                  <a:schemeClr val="tx1">
+                    <a:tint val="75000"/>
+                  </a:schemeClr>
+                </a:solidFill>
+              </a:defRPr>
+            </a:lvl5pPr>
+            <a:lvl6pPr marL="2286000" indent="0" algn="ctr">
+              <a:buNone/>
+              <a:defRPr>
+                <a:solidFill>
+                  <a:schemeClr val="tx1">
+                    <a:tint val="75000"/>
+                  </a:schemeClr>
+                </a:solidFill>
+              </a:defRPr>
+            </a:lvl6pPr>
+            <a:lvl7pPr marL="2743200" indent="0" algn="ctr">
+              <a:buNone/>
+              <a:defRPr>
+                <a:solidFill>
+                  <a:schemeClr val="tx1">
+                    <a:tint val="75000"/>
+                  </a:schemeClr>
+                </a:solidFill>
+              </a:defRPr>
+            </a:lvl7pPr>
+            <a:lvl8pPr marL="3200400" indent="0" algn="ctr">
+              <a:buNone/>
+              <a:defRPr>
+                <a:solidFill>
+                  <a:schemeClr val="tx1">
+                    <a:tint val="75000"/>
+                  </a:schemeClr>
+                </a:solidFill>
+              </a:defRPr>
+            </a:lvl8pPr>
+            <a:lvl9pPr marL="3657600" indent="0" algn="ctr">
+              <a:buNone/>
+              <a:defRPr>
+                <a:solidFill>
+                  <a:schemeClr val="tx1">
+                    <a:tint val="75000"/>
+                  </a:schemeClr>
+                </a:solidFill>
+              </a:defRPr>
+            </a:lvl9pPr>
+          </a:lstStyle>
+          <a:p>
+            <a:r>
+              <a:rPr lang="en-US" smtClean="0"/>
+              <a:t>Click to edit Master subtitle style</a:t>
+            </a:r>
+            <a:endParaRPr lang="en-US"/>
+          </a:p>
+        </p:txBody>
+      </p:sp>
+      <p:sp>
+        <p:nvSpPr>
+          <p:cNvPr id="4" name="Date Placeholder 3"/>
+          <p:cNvSpPr>
+            <a:spLocks noGrp="1"/>
+          </p:cNvSpPr>
+          <p:nvPr>
+            <p:ph type="dt" sz="half" idx="10"/>
+          </p:nvPr>
+        </p:nvSpPr>
+        <p:spPr/>
+        <p:txBody>
+          <a:bodyPr/>
+          <a:lstStyle/>
+          <a:p>
+            <a:fld id="{173C66E3-29A9-874C-B80D-C4D9C846BBB6}" type="datetimeFigureOut">
+              <a:rPr lang="en-US" smtClean="0">
+                <a:solidFill>
+                  <a:prstClr val="black">
+                    <a:tint val="75000"/>
+                  </a:prstClr>
+                </a:solidFill>
+              </a:rPr>
+              <a:pPr/>
+              <a:t>5/16/2014</a:t>
+            </a:fld>
+            <a:endParaRPr lang="en-US">
+              <a:solidFill>
+                <a:prstClr val="black">
+                  <a:tint val="75000"/>
+                </a:prstClr>
+              </a:solidFill>
+            </a:endParaRPr>
+          </a:p>
+        </p:txBody>
+      </p:sp>
+      <p:sp>
+        <p:nvSpPr>
+          <p:cNvPr id="5" name="Footer Placeholder 4"/>
+          <p:cNvSpPr>
+            <a:spLocks noGrp="1"/>
+          </p:cNvSpPr>
+          <p:nvPr>
+            <p:ph type="ftr" sz="quarter" idx="11"/>
+          </p:nvPr>
+        </p:nvSpPr>
+        <p:spPr/>
+        <p:txBody>
+          <a:bodyPr/>
+          <a:lstStyle/>
+          <a:p>
+            <a:endParaRPr lang="en-US">
+              <a:solidFill>
+                <a:prstClr val="black">
+                  <a:tint val="75000"/>
+                </a:prstClr>
+              </a:solidFill>
+            </a:endParaRPr>
+          </a:p>
+        </p:txBody>
+      </p:sp>
+      <p:sp>
+        <p:nvSpPr>
+          <p:cNvPr id="6" name="Slide Number Placeholder 5"/>
+          <p:cNvSpPr>
+            <a:spLocks noGrp="1"/>
+          </p:cNvSpPr>
+          <p:nvPr>
+            <p:ph type="sldNum" sz="quarter" idx="12"/>
+          </p:nvPr>
+        </p:nvSpPr>
+        <p:spPr/>
+        <p:txBody>
+          <a:bodyPr/>
+          <a:lstStyle/>
+          <a:p>
+            <a:fld id="{1EFED167-E928-A943-AC2D-CDCABD0DB418}" type="slidenum">
+              <a:rPr lang="en-US" smtClean="0">
+                <a:solidFill>
+                  <a:prstClr val="black">
+                    <a:tint val="75000"/>
+                  </a:prstClr>
+                </a:solidFill>
+              </a:rPr>
+              <a:pPr/>
+              <a:t>‹#›</a:t>
+            </a:fld>
+            <a:endParaRPr lang="en-US">
+              <a:solidFill>
+                <a:prstClr val="black">
+                  <a:tint val="75000"/>
+                </a:prstClr>
+              </a:solidFill>
+            </a:endParaRPr>
+          </a:p>
+        </p:txBody>
+      </p:sp>
+    </p:spTree>
+    <p:extLst>
+      <p:ext uri="{BB962C8B-B14F-4D97-AF65-F5344CB8AC3E}">
+        <p14:creationId xmlns:p14="http://schemas.microsoft.com/office/powerpoint/2010/main" val="2595327861"/>
+      </p:ext>
+    </p:extLst>
+  </p:cSld>
+  <p:clrMapOvr>
+    <a:masterClrMapping/>
+  </p:clrMapOvr>
+</p:sldLayout>
+</file>
+
+<file path=ppt/slideLayouts/slideLayout13.xml><?xml version="1.0" encoding="utf-8"?>
+<p:sldLayout xmlns:a="http://schemas.openxmlformats.org/drawingml/2006/main" xmlns:r="http://schemas.openxmlformats.org/officeDocument/2006/relationships" xmlns:p="http://schemas.openxmlformats.org/presentationml/2006/main" type="obj" preserve="1">
+  <p:cSld name="Title and Content">
+    <p:spTree>
+      <p:nvGrpSpPr>
+        <p:cNvPr id="1" name=""/>
+        <p:cNvGrpSpPr/>
+        <p:nvPr/>
+      </p:nvGrpSpPr>
+      <p:grpSpPr>
+        <a:xfrm>
+          <a:off x="0" y="0"/>
+          <a:ext cx="0" cy="0"/>
+          <a:chOff x="0" y="0"/>
+          <a:chExt cx="0" cy="0"/>
+        </a:xfrm>
+      </p:grpSpPr>
+      <p:sp>
+        <p:nvSpPr>
+          <p:cNvPr id="2" name="Title 1"/>
+          <p:cNvSpPr>
+            <a:spLocks noGrp="1"/>
+          </p:cNvSpPr>
+          <p:nvPr>
+            <p:ph type="title"/>
+          </p:nvPr>
+        </p:nvSpPr>
+        <p:spPr/>
+        <p:txBody>
+          <a:bodyPr/>
+          <a:lstStyle/>
+          <a:p>
+            <a:r>
+              <a:rPr lang="en-US" smtClean="0"/>
+              <a:t>Click to edit Master title style</a:t>
+            </a:r>
+            <a:endParaRPr lang="en-US"/>
+          </a:p>
+        </p:txBody>
+      </p:sp>
+      <p:sp>
+        <p:nvSpPr>
+          <p:cNvPr id="3" name="Content Placeholder 2"/>
+          <p:cNvSpPr>
+            <a:spLocks noGrp="1"/>
+          </p:cNvSpPr>
+          <p:nvPr>
+            <p:ph idx="1"/>
+          </p:nvPr>
+        </p:nvSpPr>
+        <p:spPr/>
+        <p:txBody>
+          <a:bodyPr/>
+          <a:lstStyle/>
+          <a:p>
+            <a:pPr lvl="0"/>
+            <a:r>
+              <a:rPr lang="en-US" smtClean="0"/>
+              <a:t>Click to edit Master text styles</a:t>
+            </a:r>
+          </a:p>
+          <a:p>
+            <a:pPr lvl="1"/>
+            <a:r>
+              <a:rPr lang="en-US" smtClean="0"/>
+              <a:t>Second level</a:t>
+            </a:r>
+          </a:p>
+          <a:p>
+            <a:pPr lvl="2"/>
+            <a:r>
+              <a:rPr lang="en-US" smtClean="0"/>
+              <a:t>Third level</a:t>
+            </a:r>
+          </a:p>
+          <a:p>
+            <a:pPr lvl="3"/>
+            <a:r>
+              <a:rPr lang="en-US" smtClean="0"/>
+              <a:t>Fourth level</a:t>
+            </a:r>
+          </a:p>
+          <a:p>
+            <a:pPr lvl="4"/>
+            <a:r>
+              <a:rPr lang="en-US" smtClean="0"/>
+              <a:t>Fifth level</a:t>
+            </a:r>
+            <a:endParaRPr lang="en-US"/>
+          </a:p>
+        </p:txBody>
+      </p:sp>
+      <p:sp>
+        <p:nvSpPr>
+          <p:cNvPr id="4" name="Date Placeholder 3"/>
+          <p:cNvSpPr>
+            <a:spLocks noGrp="1"/>
+          </p:cNvSpPr>
+          <p:nvPr>
+            <p:ph type="dt" sz="half" idx="10"/>
+          </p:nvPr>
+        </p:nvSpPr>
+        <p:spPr/>
+        <p:txBody>
+          <a:bodyPr/>
+          <a:lstStyle/>
+          <a:p>
+            <a:fld id="{173C66E3-29A9-874C-B80D-C4D9C846BBB6}" type="datetimeFigureOut">
+              <a:rPr lang="en-US" smtClean="0">
+                <a:solidFill>
+                  <a:prstClr val="black">
+                    <a:tint val="75000"/>
+                  </a:prstClr>
+                </a:solidFill>
+              </a:rPr>
+              <a:pPr/>
+              <a:t>5/16/2014</a:t>
+            </a:fld>
+            <a:endParaRPr lang="en-US">
+              <a:solidFill>
+                <a:prstClr val="black">
+                  <a:tint val="75000"/>
+                </a:prstClr>
+              </a:solidFill>
+            </a:endParaRPr>
+          </a:p>
+        </p:txBody>
+      </p:sp>
+      <p:sp>
+        <p:nvSpPr>
+          <p:cNvPr id="5" name="Footer Placeholder 4"/>
+          <p:cNvSpPr>
+            <a:spLocks noGrp="1"/>
+          </p:cNvSpPr>
+          <p:nvPr>
+            <p:ph type="ftr" sz="quarter" idx="11"/>
+          </p:nvPr>
+        </p:nvSpPr>
+        <p:spPr/>
+        <p:txBody>
+          <a:bodyPr/>
+          <a:lstStyle/>
+          <a:p>
+            <a:endParaRPr lang="en-US">
+              <a:solidFill>
+                <a:prstClr val="black">
+                  <a:tint val="75000"/>
+                </a:prstClr>
+              </a:solidFill>
+            </a:endParaRPr>
+          </a:p>
+        </p:txBody>
+      </p:sp>
+      <p:sp>
+        <p:nvSpPr>
+          <p:cNvPr id="6" name="Slide Number Placeholder 5"/>
+          <p:cNvSpPr>
+            <a:spLocks noGrp="1"/>
+          </p:cNvSpPr>
+          <p:nvPr>
+            <p:ph type="sldNum" sz="quarter" idx="12"/>
+          </p:nvPr>
+        </p:nvSpPr>
+        <p:spPr/>
+        <p:txBody>
+          <a:bodyPr/>
+          <a:lstStyle/>
+          <a:p>
+            <a:fld id="{1EFED167-E928-A943-AC2D-CDCABD0DB418}" type="slidenum">
+              <a:rPr lang="en-US" smtClean="0">
+                <a:solidFill>
+                  <a:prstClr val="black">
+                    <a:tint val="75000"/>
+                  </a:prstClr>
+                </a:solidFill>
+              </a:rPr>
+              <a:pPr/>
+              <a:t>‹#›</a:t>
+            </a:fld>
+            <a:endParaRPr lang="en-US">
+              <a:solidFill>
+                <a:prstClr val="black">
+                  <a:tint val="75000"/>
+                </a:prstClr>
+              </a:solidFill>
+            </a:endParaRPr>
+          </a:p>
+        </p:txBody>
+      </p:sp>
+    </p:spTree>
+    <p:extLst>
+      <p:ext uri="{BB962C8B-B14F-4D97-AF65-F5344CB8AC3E}">
+        <p14:creationId xmlns:p14="http://schemas.microsoft.com/office/powerpoint/2010/main" val="3993063245"/>
+      </p:ext>
+    </p:extLst>
+  </p:cSld>
+  <p:clrMapOvr>
+    <a:masterClrMapping/>
+  </p:clrMapOvr>
+</p:sldLayout>
+</file>
+
+<file path=ppt/slideLayouts/slideLayout14.xml><?xml version="1.0" encoding="utf-8"?>
+<p:sldLayout xmlns:a="http://schemas.openxmlformats.org/drawingml/2006/main" xmlns:r="http://schemas.openxmlformats.org/officeDocument/2006/relationships" xmlns:p="http://schemas.openxmlformats.org/presentationml/2006/main" type="secHead" preserve="1">
+  <p:cSld name="Section Header">
+    <p:spTree>
+      <p:nvGrpSpPr>
+        <p:cNvPr id="1" name=""/>
+        <p:cNvGrpSpPr/>
+        <p:nvPr/>
+      </p:nvGrpSpPr>
+      <p:grpSpPr>
+        <a:xfrm>
+          <a:off x="0" y="0"/>
+          <a:ext cx="0" cy="0"/>
+          <a:chOff x="0" y="0"/>
+          <a:chExt cx="0" cy="0"/>
+        </a:xfrm>
+      </p:grpSpPr>
+      <p:sp>
+        <p:nvSpPr>
+          <p:cNvPr id="2" name="Title 1"/>
+          <p:cNvSpPr>
+            <a:spLocks noGrp="1"/>
+          </p:cNvSpPr>
+          <p:nvPr>
+            <p:ph type="title"/>
+          </p:nvPr>
+        </p:nvSpPr>
+        <p:spPr>
+          <a:xfrm>
+            <a:off x="722313" y="4406900"/>
+            <a:ext cx="7772400" cy="1362075"/>
+          </a:xfrm>
+        </p:spPr>
+        <p:txBody>
+          <a:bodyPr anchor="t"/>
+          <a:lstStyle>
+            <a:lvl1pPr algn="l">
+              <a:defRPr sz="4000" b="1" cap="all"/>
+            </a:lvl1pPr>
+          </a:lstStyle>
+          <a:p>
+            <a:r>
+              <a:rPr lang="en-US" smtClean="0"/>
+              <a:t>Click to edit Master title style</a:t>
+            </a:r>
+            <a:endParaRPr lang="en-US"/>
+          </a:p>
+        </p:txBody>
+      </p:sp>
+      <p:sp>
+        <p:nvSpPr>
+          <p:cNvPr id="3" name="Text Placeholder 2"/>
+          <p:cNvSpPr>
+            <a:spLocks noGrp="1"/>
+          </p:cNvSpPr>
+          <p:nvPr>
+            <p:ph type="body" idx="1"/>
+          </p:nvPr>
+        </p:nvSpPr>
+        <p:spPr>
+          <a:xfrm>
+            <a:off x="722313" y="2906713"/>
+            <a:ext cx="7772400" cy="1500187"/>
+          </a:xfrm>
+        </p:spPr>
+        <p:txBody>
+          <a:bodyPr anchor="b"/>
+          <a:lstStyle>
+            <a:lvl1pPr marL="0" indent="0">
+              <a:buNone/>
+              <a:defRPr sz="2000">
+                <a:solidFill>
+                  <a:schemeClr val="tx1">
+                    <a:tint val="75000"/>
+                  </a:schemeClr>
+                </a:solidFill>
+              </a:defRPr>
+            </a:lvl1pPr>
+            <a:lvl2pPr marL="457200" indent="0">
+              <a:buNone/>
+              <a:defRPr sz="1800">
+                <a:solidFill>
+                  <a:schemeClr val="tx1">
+                    <a:tint val="75000"/>
+                  </a:schemeClr>
+                </a:solidFill>
+              </a:defRPr>
+            </a:lvl2pPr>
+            <a:lvl3pPr marL="914400" indent="0">
+              <a:buNone/>
+              <a:defRPr sz="1600">
+                <a:solidFill>
+                  <a:schemeClr val="tx1">
+                    <a:tint val="75000"/>
+                  </a:schemeClr>
+                </a:solidFill>
+              </a:defRPr>
+            </a:lvl3pPr>
+            <a:lvl4pPr marL="1371600" indent="0">
+              <a:buNone/>
+              <a:defRPr sz="1400">
+                <a:solidFill>
+                  <a:schemeClr val="tx1">
+                    <a:tint val="75000"/>
+                  </a:schemeClr>
+                </a:solidFill>
+              </a:defRPr>
+            </a:lvl4pPr>
+            <a:lvl5pPr marL="1828800" indent="0">
+              <a:buNone/>
+              <a:defRPr sz="1400">
+                <a:solidFill>
+                  <a:schemeClr val="tx1">
+                    <a:tint val="75000"/>
+                  </a:schemeClr>
+                </a:solidFill>
+              </a:defRPr>
+            </a:lvl5pPr>
+            <a:lvl6pPr marL="2286000" indent="0">
+              <a:buNone/>
+              <a:defRPr sz="1400">
+                <a:solidFill>
+                  <a:schemeClr val="tx1">
+                    <a:tint val="75000"/>
+                  </a:schemeClr>
+                </a:solidFill>
+              </a:defRPr>
+            </a:lvl6pPr>
+            <a:lvl7pPr marL="2743200" indent="0">
+              <a:buNone/>
+              <a:defRPr sz="1400">
+                <a:solidFill>
+                  <a:schemeClr val="tx1">
+                    <a:tint val="75000"/>
+                  </a:schemeClr>
+                </a:solidFill>
+              </a:defRPr>
+            </a:lvl7pPr>
+            <a:lvl8pPr marL="3200400" indent="0">
+              <a:buNone/>
+              <a:defRPr sz="1400">
+                <a:solidFill>
+                  <a:schemeClr val="tx1">
+                    <a:tint val="75000"/>
+                  </a:schemeClr>
+                </a:solidFill>
+              </a:defRPr>
+            </a:lvl8pPr>
+            <a:lvl9pPr marL="3657600" indent="0">
+              <a:buNone/>
+              <a:defRPr sz="1400">
+                <a:solidFill>
+                  <a:schemeClr val="tx1">
+                    <a:tint val="75000"/>
+                  </a:schemeClr>
+                </a:solidFill>
+              </a:defRPr>
+            </a:lvl9pPr>
+          </a:lstStyle>
+          <a:p>
+            <a:pPr lvl="0"/>
+            <a:r>
+              <a:rPr lang="en-US" smtClean="0"/>
+              <a:t>Click to edit Master text styles</a:t>
+            </a:r>
+          </a:p>
+        </p:txBody>
+      </p:sp>
+      <p:sp>
+        <p:nvSpPr>
+          <p:cNvPr id="4" name="Date Placeholder 3"/>
+          <p:cNvSpPr>
+            <a:spLocks noGrp="1"/>
+          </p:cNvSpPr>
+          <p:nvPr>
+            <p:ph type="dt" sz="half" idx="10"/>
+          </p:nvPr>
+        </p:nvSpPr>
+        <p:spPr/>
+        <p:txBody>
+          <a:bodyPr/>
+          <a:lstStyle/>
+          <a:p>
+            <a:fld id="{173C66E3-29A9-874C-B80D-C4D9C846BBB6}" type="datetimeFigureOut">
+              <a:rPr lang="en-US" smtClean="0">
+                <a:solidFill>
+                  <a:prstClr val="black">
+                    <a:tint val="75000"/>
+                  </a:prstClr>
+                </a:solidFill>
+              </a:rPr>
+              <a:pPr/>
+              <a:t>5/16/2014</a:t>
+            </a:fld>
+            <a:endParaRPr lang="en-US">
+              <a:solidFill>
+                <a:prstClr val="black">
+                  <a:tint val="75000"/>
+                </a:prstClr>
+              </a:solidFill>
+            </a:endParaRPr>
+          </a:p>
+        </p:txBody>
+      </p:sp>
+      <p:sp>
+        <p:nvSpPr>
+          <p:cNvPr id="5" name="Footer Placeholder 4"/>
+          <p:cNvSpPr>
+            <a:spLocks noGrp="1"/>
+          </p:cNvSpPr>
+          <p:nvPr>
+            <p:ph type="ftr" sz="quarter" idx="11"/>
+          </p:nvPr>
+        </p:nvSpPr>
+        <p:spPr/>
+        <p:txBody>
+          <a:bodyPr/>
+          <a:lstStyle/>
+          <a:p>
+            <a:endParaRPr lang="en-US">
+              <a:solidFill>
+                <a:prstClr val="black">
+                  <a:tint val="75000"/>
+                </a:prstClr>
+              </a:solidFill>
+            </a:endParaRPr>
+          </a:p>
+        </p:txBody>
+      </p:sp>
+      <p:sp>
+        <p:nvSpPr>
+          <p:cNvPr id="6" name="Slide Number Placeholder 5"/>
+          <p:cNvSpPr>
+            <a:spLocks noGrp="1"/>
+          </p:cNvSpPr>
+          <p:nvPr>
+            <p:ph type="sldNum" sz="quarter" idx="12"/>
+          </p:nvPr>
+        </p:nvSpPr>
+        <p:spPr/>
+        <p:txBody>
+          <a:bodyPr/>
+          <a:lstStyle/>
+          <a:p>
+            <a:fld id="{1EFED167-E928-A943-AC2D-CDCABD0DB418}" type="slidenum">
+              <a:rPr lang="en-US" smtClean="0">
+                <a:solidFill>
+                  <a:prstClr val="black">
+                    <a:tint val="75000"/>
+                  </a:prstClr>
+                </a:solidFill>
+              </a:rPr>
+              <a:pPr/>
+              <a:t>‹#›</a:t>
+            </a:fld>
+            <a:endParaRPr lang="en-US">
+              <a:solidFill>
+                <a:prstClr val="black">
+                  <a:tint val="75000"/>
+                </a:prstClr>
+              </a:solidFill>
+            </a:endParaRPr>
+          </a:p>
+        </p:txBody>
+      </p:sp>
+    </p:spTree>
+    <p:extLst>
+      <p:ext uri="{BB962C8B-B14F-4D97-AF65-F5344CB8AC3E}">
+        <p14:creationId xmlns:p14="http://schemas.microsoft.com/office/powerpoint/2010/main" val="3794271063"/>
+      </p:ext>
+    </p:extLst>
+  </p:cSld>
+  <p:clrMapOvr>
+    <a:masterClrMapping/>
+  </p:clrMapOvr>
+</p:sldLayout>
+</file>
+
+<file path=ppt/slideLayouts/slideLayout15.xml><?xml version="1.0" encoding="utf-8"?>
+<p:sldLayout xmlns:a="http://schemas.openxmlformats.org/drawingml/2006/main" xmlns:r="http://schemas.openxmlformats.org/officeDocument/2006/relationships" xmlns:p="http://schemas.openxmlformats.org/presentationml/2006/main" type="twoObj" preserve="1">
+  <p:cSld name="Two Content">
+    <p:spTree>
+      <p:nvGrpSpPr>
+        <p:cNvPr id="1" name=""/>
+        <p:cNvGrpSpPr/>
+        <p:nvPr/>
+      </p:nvGrpSpPr>
+      <p:grpSpPr>
+        <a:xfrm>
+          <a:off x="0" y="0"/>
+          <a:ext cx="0" cy="0"/>
+          <a:chOff x="0" y="0"/>
+          <a:chExt cx="0" cy="0"/>
+        </a:xfrm>
+      </p:grpSpPr>
+      <p:sp>
+        <p:nvSpPr>
+          <p:cNvPr id="2" name="Title 1"/>
+          <p:cNvSpPr>
+            <a:spLocks noGrp="1"/>
+          </p:cNvSpPr>
+          <p:nvPr>
+            <p:ph type="title"/>
+          </p:nvPr>
+        </p:nvSpPr>
+        <p:spPr/>
+        <p:txBody>
+          <a:bodyPr/>
+          <a:lstStyle/>
+          <a:p>
+            <a:r>
+              <a:rPr lang="en-US" smtClean="0"/>
+              <a:t>Click to edit Master title style</a:t>
+            </a:r>
+            <a:endParaRPr lang="en-US"/>
+          </a:p>
+        </p:txBody>
+      </p:sp>
+      <p:sp>
+        <p:nvSpPr>
+          <p:cNvPr id="3" name="Content Placeholder 2"/>
+          <p:cNvSpPr>
+            <a:spLocks noGrp="1"/>
+          </p:cNvSpPr>
+          <p:nvPr>
+            <p:ph sz="half" idx="1"/>
+          </p:nvPr>
+        </p:nvSpPr>
+        <p:spPr>
+          <a:xfrm>
+            <a:off x="457200" y="1600200"/>
+            <a:ext cx="4038600" cy="4525963"/>
+          </a:xfrm>
+        </p:spPr>
+        <p:txBody>
+          <a:bodyPr/>
+          <a:lstStyle>
+            <a:lvl1pPr>
+              <a:defRPr sz="2800"/>
+            </a:lvl1pPr>
+            <a:lvl2pPr>
+              <a:defRPr sz="2400"/>
+            </a:lvl2pPr>
+            <a:lvl3pPr>
+              <a:defRPr sz="2000"/>
+            </a:lvl3pPr>
+            <a:lvl4pPr>
+              <a:defRPr sz="1800"/>
+            </a:lvl4pPr>
+            <a:lvl5pPr>
+              <a:defRPr sz="1800"/>
+            </a:lvl5pPr>
+            <a:lvl6pPr>
+              <a:defRPr sz="1800"/>
+            </a:lvl6pPr>
+            <a:lvl7pPr>
+              <a:defRPr sz="1800"/>
+            </a:lvl7pPr>
+            <a:lvl8pPr>
+              <a:defRPr sz="1800"/>
+            </a:lvl8pPr>
+            <a:lvl9pPr>
+              <a:defRPr sz="1800"/>
+            </a:lvl9pPr>
+          </a:lstStyle>
+          <a:p>
+            <a:pPr lvl="0"/>
+            <a:r>
+              <a:rPr lang="en-US" smtClean="0"/>
+              <a:t>Click to edit Master text styles</a:t>
+            </a:r>
+          </a:p>
+          <a:p>
+            <a:pPr lvl="1"/>
+            <a:r>
+              <a:rPr lang="en-US" smtClean="0"/>
+              <a:t>Second level</a:t>
+            </a:r>
+          </a:p>
+          <a:p>
+            <a:pPr lvl="2"/>
+            <a:r>
+              <a:rPr lang="en-US" smtClean="0"/>
+              <a:t>Third level</a:t>
+            </a:r>
+          </a:p>
+          <a:p>
+            <a:pPr lvl="3"/>
+            <a:r>
+              <a:rPr lang="en-US" smtClean="0"/>
+              <a:t>Fourth level</a:t>
+            </a:r>
+          </a:p>
+          <a:p>
+            <a:pPr lvl="4"/>
+            <a:r>
+              <a:rPr lang="en-US" smtClean="0"/>
+              <a:t>Fifth level</a:t>
+            </a:r>
+            <a:endParaRPr lang="en-US"/>
+          </a:p>
+        </p:txBody>
+      </p:sp>
+      <p:sp>
+        <p:nvSpPr>
+          <p:cNvPr id="4" name="Content Placeholder 3"/>
+          <p:cNvSpPr>
+            <a:spLocks noGrp="1"/>
+          </p:cNvSpPr>
+          <p:nvPr>
+            <p:ph sz="half" idx="2"/>
+          </p:nvPr>
+        </p:nvSpPr>
+        <p:spPr>
+          <a:xfrm>
+            <a:off x="4648200" y="1600200"/>
+            <a:ext cx="4038600" cy="4525963"/>
+          </a:xfrm>
+        </p:spPr>
+        <p:txBody>
+          <a:bodyPr/>
+          <a:lstStyle>
+            <a:lvl1pPr>
+              <a:defRPr sz="2800"/>
+            </a:lvl1pPr>
+            <a:lvl2pPr>
+              <a:defRPr sz="2400"/>
+            </a:lvl2pPr>
+            <a:lvl3pPr>
+              <a:defRPr sz="2000"/>
+            </a:lvl3pPr>
+            <a:lvl4pPr>
+              <a:defRPr sz="1800"/>
+            </a:lvl4pPr>
+            <a:lvl5pPr>
+              <a:defRPr sz="1800"/>
+            </a:lvl5pPr>
+            <a:lvl6pPr>
+              <a:defRPr sz="1800"/>
+            </a:lvl6pPr>
+            <a:lvl7pPr>
+              <a:defRPr sz="1800"/>
+            </a:lvl7pPr>
+            <a:lvl8pPr>
+              <a:defRPr sz="1800"/>
+            </a:lvl8pPr>
+            <a:lvl9pPr>
+              <a:defRPr sz="1800"/>
+            </a:lvl9pPr>
+          </a:lstStyle>
+          <a:p>
+            <a:pPr lvl="0"/>
+            <a:r>
+              <a:rPr lang="en-US" smtClean="0"/>
+              <a:t>Click to edit Master text styles</a:t>
+            </a:r>
+          </a:p>
+          <a:p>
+            <a:pPr lvl="1"/>
+            <a:r>
+              <a:rPr lang="en-US" smtClean="0"/>
+              <a:t>Second level</a:t>
+            </a:r>
+          </a:p>
+          <a:p>
+            <a:pPr lvl="2"/>
+            <a:r>
+              <a:rPr lang="en-US" smtClean="0"/>
+              <a:t>Third level</a:t>
+            </a:r>
+          </a:p>
+          <a:p>
+            <a:pPr lvl="3"/>
+            <a:r>
+              <a:rPr lang="en-US" smtClean="0"/>
+              <a:t>Fourth level</a:t>
+            </a:r>
+          </a:p>
+          <a:p>
+            <a:pPr lvl="4"/>
+            <a:r>
+              <a:rPr lang="en-US" smtClean="0"/>
+              <a:t>Fifth level</a:t>
+            </a:r>
+            <a:endParaRPr lang="en-US"/>
+          </a:p>
+        </p:txBody>
+      </p:sp>
+      <p:sp>
+        <p:nvSpPr>
+          <p:cNvPr id="5" name="Date Placeholder 4"/>
+          <p:cNvSpPr>
+            <a:spLocks noGrp="1"/>
+          </p:cNvSpPr>
+          <p:nvPr>
+            <p:ph type="dt" sz="half" idx="10"/>
+          </p:nvPr>
+        </p:nvSpPr>
+        <p:spPr/>
+        <p:txBody>
+          <a:bodyPr/>
+          <a:lstStyle/>
+          <a:p>
+            <a:fld id="{173C66E3-29A9-874C-B80D-C4D9C846BBB6}" type="datetimeFigureOut">
+              <a:rPr lang="en-US" smtClean="0">
+                <a:solidFill>
+                  <a:prstClr val="black">
+                    <a:tint val="75000"/>
+                  </a:prstClr>
+                </a:solidFill>
+              </a:rPr>
+              <a:pPr/>
+              <a:t>5/16/2014</a:t>
+            </a:fld>
+            <a:endParaRPr lang="en-US">
+              <a:solidFill>
+                <a:prstClr val="black">
+                  <a:tint val="75000"/>
+                </a:prstClr>
+              </a:solidFill>
+            </a:endParaRPr>
+          </a:p>
+        </p:txBody>
+      </p:sp>
+      <p:sp>
+        <p:nvSpPr>
+          <p:cNvPr id="6" name="Footer Placeholder 5"/>
+          <p:cNvSpPr>
+            <a:spLocks noGrp="1"/>
+          </p:cNvSpPr>
+          <p:nvPr>
+            <p:ph type="ftr" sz="quarter" idx="11"/>
+          </p:nvPr>
+        </p:nvSpPr>
+        <p:spPr/>
+        <p:txBody>
+          <a:bodyPr/>
+          <a:lstStyle/>
+          <a:p>
+            <a:endParaRPr lang="en-US">
+              <a:solidFill>
+                <a:prstClr val="black">
+                  <a:tint val="75000"/>
+                </a:prstClr>
+              </a:solidFill>
+            </a:endParaRPr>
+          </a:p>
+        </p:txBody>
+      </p:sp>
+      <p:sp>
+        <p:nvSpPr>
+          <p:cNvPr id="7" name="Slide Number Placeholder 6"/>
+          <p:cNvSpPr>
+            <a:spLocks noGrp="1"/>
+          </p:cNvSpPr>
+          <p:nvPr>
+            <p:ph type="sldNum" sz="quarter" idx="12"/>
+          </p:nvPr>
+        </p:nvSpPr>
+        <p:spPr/>
+        <p:txBody>
+          <a:bodyPr/>
+          <a:lstStyle/>
+          <a:p>
+            <a:fld id="{1EFED167-E928-A943-AC2D-CDCABD0DB418}" type="slidenum">
+              <a:rPr lang="en-US" smtClean="0">
+                <a:solidFill>
+                  <a:prstClr val="black">
+                    <a:tint val="75000"/>
+                  </a:prstClr>
+                </a:solidFill>
+              </a:rPr>
+              <a:pPr/>
+              <a:t>‹#›</a:t>
+            </a:fld>
+            <a:endParaRPr lang="en-US">
+              <a:solidFill>
+                <a:prstClr val="black">
+                  <a:tint val="75000"/>
+                </a:prstClr>
+              </a:solidFill>
+            </a:endParaRPr>
+          </a:p>
+        </p:txBody>
+      </p:sp>
+    </p:spTree>
+    <p:extLst>
+      <p:ext uri="{BB962C8B-B14F-4D97-AF65-F5344CB8AC3E}">
+        <p14:creationId xmlns:p14="http://schemas.microsoft.com/office/powerpoint/2010/main" val="658406009"/>
+      </p:ext>
+    </p:extLst>
+  </p:cSld>
+  <p:clrMapOvr>
+    <a:masterClrMapping/>
+  </p:clrMapOvr>
+</p:sldLayout>
+</file>
+
+<file path=ppt/slideLayouts/slideLayout16.xml><?xml version="1.0" encoding="utf-8"?>
+<p:sldLayout xmlns:a="http://schemas.openxmlformats.org/drawingml/2006/main" xmlns:r="http://schemas.openxmlformats.org/officeDocument/2006/relationships" xmlns:p="http://schemas.openxmlformats.org/presentationml/2006/main" type="twoTxTwoObj" preserve="1">
+  <p:cSld name="Comparison">
+    <p:spTree>
+      <p:nvGrpSpPr>
+        <p:cNvPr id="1" name=""/>
+        <p:cNvGrpSpPr/>
+        <p:nvPr/>
+      </p:nvGrpSpPr>
+      <p:grpSpPr>
+        <a:xfrm>
+          <a:off x="0" y="0"/>
+          <a:ext cx="0" cy="0"/>
+          <a:chOff x="0" y="0"/>
+          <a:chExt cx="0" cy="0"/>
+        </a:xfrm>
+      </p:grpSpPr>
+      <p:sp>
+        <p:nvSpPr>
+          <p:cNvPr id="2" name="Title 1"/>
+          <p:cNvSpPr>
+            <a:spLocks noGrp="1"/>
+          </p:cNvSpPr>
+          <p:nvPr>
+            <p:ph type="title"/>
+          </p:nvPr>
+        </p:nvSpPr>
+        <p:spPr/>
+        <p:txBody>
+          <a:bodyPr/>
+          <a:lstStyle>
+            <a:lvl1pPr>
+              <a:defRPr/>
+            </a:lvl1pPr>
+          </a:lstStyle>
+          <a:p>
+            <a:r>
+              <a:rPr lang="en-US" smtClean="0"/>
+              <a:t>Click to edit Master title style</a:t>
+            </a:r>
+            <a:endParaRPr lang="en-US"/>
+          </a:p>
+        </p:txBody>
+      </p:sp>
+      <p:sp>
+        <p:nvSpPr>
+          <p:cNvPr id="3" name="Text Placeholder 2"/>
+          <p:cNvSpPr>
+            <a:spLocks noGrp="1"/>
+          </p:cNvSpPr>
+          <p:nvPr>
+            <p:ph type="body" idx="1"/>
+          </p:nvPr>
+        </p:nvSpPr>
+        <p:spPr>
+          <a:xfrm>
+            <a:off x="457200" y="1535113"/>
+            <a:ext cx="4040188" cy="639762"/>
+          </a:xfrm>
+        </p:spPr>
+        <p:txBody>
+          <a:bodyPr anchor="b"/>
+          <a:lstStyle>
+            <a:lvl1pPr marL="0" indent="0">
+              <a:buNone/>
+              <a:defRPr sz="2400" b="1"/>
+            </a:lvl1pPr>
+            <a:lvl2pPr marL="457200" indent="0">
+              <a:buNone/>
+              <a:defRPr sz="2000" b="1"/>
+            </a:lvl2pPr>
+            <a:lvl3pPr marL="914400" indent="0">
+              <a:buNone/>
+              <a:defRPr sz="1800" b="1"/>
+            </a:lvl3pPr>
+            <a:lvl4pPr marL="1371600" indent="0">
+              <a:buNone/>
+              <a:defRPr sz="1600" b="1"/>
+            </a:lvl4pPr>
+            <a:lvl5pPr marL="1828800" indent="0">
+              <a:buNone/>
+              <a:defRPr sz="1600" b="1"/>
+            </a:lvl5pPr>
+            <a:lvl6pPr marL="2286000" indent="0">
+              <a:buNone/>
+              <a:defRPr sz="1600" b="1"/>
+            </a:lvl6pPr>
+            <a:lvl7pPr marL="2743200" indent="0">
+              <a:buNone/>
+              <a:defRPr sz="1600" b="1"/>
+            </a:lvl7pPr>
+            <a:lvl8pPr marL="3200400" indent="0">
+              <a:buNone/>
+              <a:defRPr sz="1600" b="1"/>
+            </a:lvl8pPr>
+            <a:lvl9pPr marL="3657600" indent="0">
+              <a:buNone/>
+              <a:defRPr sz="1600" b="1"/>
+            </a:lvl9pPr>
+          </a:lstStyle>
+          <a:p>
+            <a:pPr lvl="0"/>
+            <a:r>
+              <a:rPr lang="en-US" smtClean="0"/>
+              <a:t>Click to edit Master text styles</a:t>
+            </a:r>
+          </a:p>
+        </p:txBody>
+      </p:sp>
+      <p:sp>
+        <p:nvSpPr>
+          <p:cNvPr id="4" name="Content Placeholder 3"/>
+          <p:cNvSpPr>
+            <a:spLocks noGrp="1"/>
+          </p:cNvSpPr>
+          <p:nvPr>
+            <p:ph sz="half" idx="2"/>
+          </p:nvPr>
+        </p:nvSpPr>
+        <p:spPr>
+          <a:xfrm>
+            <a:off x="457200" y="2174875"/>
+            <a:ext cx="4040188" cy="3951288"/>
+          </a:xfrm>
+        </p:spPr>
+        <p:txBody>
+          <a:bodyPr/>
+          <a:lstStyle>
+            <a:lvl1pPr>
+              <a:defRPr sz="2400"/>
+            </a:lvl1pPr>
+            <a:lvl2pPr>
+              <a:defRPr sz="2000"/>
+            </a:lvl2pPr>
+            <a:lvl3pPr>
+              <a:defRPr sz="1800"/>
+            </a:lvl3pPr>
+            <a:lvl4pPr>
+              <a:defRPr sz="1600"/>
+            </a:lvl4pPr>
+            <a:lvl5pPr>
+              <a:defRPr sz="1600"/>
+            </a:lvl5pPr>
+            <a:lvl6pPr>
+              <a:defRPr sz="1600"/>
+            </a:lvl6pPr>
+            <a:lvl7pPr>
+              <a:defRPr sz="1600"/>
+            </a:lvl7pPr>
+            <a:lvl8pPr>
+              <a:defRPr sz="1600"/>
+            </a:lvl8pPr>
+            <a:lvl9pPr>
+              <a:defRPr sz="1600"/>
+            </a:lvl9pPr>
+          </a:lstStyle>
+          <a:p>
+            <a:pPr lvl="0"/>
+            <a:r>
+              <a:rPr lang="en-US" smtClean="0"/>
+              <a:t>Click to edit Master text styles</a:t>
+            </a:r>
+          </a:p>
+          <a:p>
+            <a:pPr lvl="1"/>
+            <a:r>
+              <a:rPr lang="en-US" smtClean="0"/>
+              <a:t>Second level</a:t>
+            </a:r>
+          </a:p>
+          <a:p>
+            <a:pPr lvl="2"/>
+            <a:r>
+              <a:rPr lang="en-US" smtClean="0"/>
+              <a:t>Third level</a:t>
+            </a:r>
+          </a:p>
+          <a:p>
+            <a:pPr lvl="3"/>
+            <a:r>
+              <a:rPr lang="en-US" smtClean="0"/>
+              <a:t>Fourth level</a:t>
+            </a:r>
+          </a:p>
+          <a:p>
+            <a:pPr lvl="4"/>
+            <a:r>
+              <a:rPr lang="en-US" smtClean="0"/>
+              <a:t>Fifth level</a:t>
+            </a:r>
+            <a:endParaRPr lang="en-US"/>
+          </a:p>
+        </p:txBody>
+      </p:sp>
+      <p:sp>
+        <p:nvSpPr>
+          <p:cNvPr id="5" name="Text Placeholder 4"/>
+          <p:cNvSpPr>
+            <a:spLocks noGrp="1"/>
+          </p:cNvSpPr>
+          <p:nvPr>
+            <p:ph type="body" sz="quarter" idx="3"/>
+          </p:nvPr>
+        </p:nvSpPr>
+        <p:spPr>
+          <a:xfrm>
+            <a:off x="4645025" y="1535113"/>
+            <a:ext cx="4041775" cy="639762"/>
+          </a:xfrm>
+        </p:spPr>
+        <p:txBody>
+          <a:bodyPr anchor="b"/>
+          <a:lstStyle>
+            <a:lvl1pPr marL="0" indent="0">
+              <a:buNone/>
+              <a:defRPr sz="2400" b="1"/>
+            </a:lvl1pPr>
+            <a:lvl2pPr marL="457200" indent="0">
+              <a:buNone/>
+              <a:defRPr sz="2000" b="1"/>
+            </a:lvl2pPr>
+            <a:lvl3pPr marL="914400" indent="0">
+              <a:buNone/>
+              <a:defRPr sz="1800" b="1"/>
+            </a:lvl3pPr>
+            <a:lvl4pPr marL="1371600" indent="0">
+              <a:buNone/>
+              <a:defRPr sz="1600" b="1"/>
+            </a:lvl4pPr>
+            <a:lvl5pPr marL="1828800" indent="0">
+              <a:buNone/>
+              <a:defRPr sz="1600" b="1"/>
+            </a:lvl5pPr>
+            <a:lvl6pPr marL="2286000" indent="0">
+              <a:buNone/>
+              <a:defRPr sz="1600" b="1"/>
+            </a:lvl6pPr>
+            <a:lvl7pPr marL="2743200" indent="0">
+              <a:buNone/>
+              <a:defRPr sz="1600" b="1"/>
+            </a:lvl7pPr>
+            <a:lvl8pPr marL="3200400" indent="0">
+              <a:buNone/>
+              <a:defRPr sz="1600" b="1"/>
+            </a:lvl8pPr>
+            <a:lvl9pPr marL="3657600" indent="0">
+              <a:buNone/>
+              <a:defRPr sz="1600" b="1"/>
+            </a:lvl9pPr>
+          </a:lstStyle>
+          <a:p>
+            <a:pPr lvl="0"/>
+            <a:r>
+              <a:rPr lang="en-US" smtClean="0"/>
+              <a:t>Click to edit Master text styles</a:t>
+            </a:r>
+          </a:p>
+        </p:txBody>
+      </p:sp>
+      <p:sp>
+        <p:nvSpPr>
+          <p:cNvPr id="6" name="Content Placeholder 5"/>
+          <p:cNvSpPr>
+            <a:spLocks noGrp="1"/>
+          </p:cNvSpPr>
+          <p:nvPr>
+            <p:ph sz="quarter" idx="4"/>
+          </p:nvPr>
+        </p:nvSpPr>
+        <p:spPr>
+          <a:xfrm>
+            <a:off x="4645025" y="2174875"/>
+            <a:ext cx="4041775" cy="3951288"/>
+          </a:xfrm>
+        </p:spPr>
+        <p:txBody>
+          <a:bodyPr/>
+          <a:lstStyle>
+            <a:lvl1pPr>
+              <a:defRPr sz="2400"/>
+            </a:lvl1pPr>
+            <a:lvl2pPr>
+              <a:defRPr sz="2000"/>
+            </a:lvl2pPr>
+            <a:lvl3pPr>
+              <a:defRPr sz="1800"/>
+            </a:lvl3pPr>
+            <a:lvl4pPr>
+              <a:defRPr sz="1600"/>
+            </a:lvl4pPr>
+            <a:lvl5pPr>
+              <a:defRPr sz="1600"/>
+            </a:lvl5pPr>
+            <a:lvl6pPr>
+              <a:defRPr sz="1600"/>
+            </a:lvl6pPr>
+            <a:lvl7pPr>
+              <a:defRPr sz="1600"/>
+            </a:lvl7pPr>
+            <a:lvl8pPr>
+              <a:defRPr sz="1600"/>
+            </a:lvl8pPr>
+            <a:lvl9pPr>
+              <a:defRPr sz="1600"/>
+            </a:lvl9pPr>
+          </a:lstStyle>
+          <a:p>
+            <a:pPr lvl="0"/>
+            <a:r>
+              <a:rPr lang="en-US" smtClean="0"/>
+              <a:t>Click to edit Master text styles</a:t>
+            </a:r>
+          </a:p>
+          <a:p>
+            <a:pPr lvl="1"/>
+            <a:r>
+              <a:rPr lang="en-US" smtClean="0"/>
+              <a:t>Second level</a:t>
+            </a:r>
+          </a:p>
+          <a:p>
+            <a:pPr lvl="2"/>
+            <a:r>
+              <a:rPr lang="en-US" smtClean="0"/>
+              <a:t>Third level</a:t>
+            </a:r>
+          </a:p>
+          <a:p>
+            <a:pPr lvl="3"/>
+            <a:r>
+              <a:rPr lang="en-US" smtClean="0"/>
+              <a:t>Fourth level</a:t>
+            </a:r>
+          </a:p>
+          <a:p>
+            <a:pPr lvl="4"/>
+            <a:r>
+              <a:rPr lang="en-US" smtClean="0"/>
+              <a:t>Fifth level</a:t>
+            </a:r>
+            <a:endParaRPr lang="en-US"/>
+          </a:p>
+        </p:txBody>
+      </p:sp>
+      <p:sp>
+        <p:nvSpPr>
+          <p:cNvPr id="7" name="Date Placeholder 6"/>
+          <p:cNvSpPr>
+            <a:spLocks noGrp="1"/>
+          </p:cNvSpPr>
+          <p:nvPr>
+            <p:ph type="dt" sz="half" idx="10"/>
+          </p:nvPr>
+        </p:nvSpPr>
+        <p:spPr/>
+        <p:txBody>
+          <a:bodyPr/>
+          <a:lstStyle/>
+          <a:p>
+            <a:fld id="{173C66E3-29A9-874C-B80D-C4D9C846BBB6}" type="datetimeFigureOut">
+              <a:rPr lang="en-US" smtClean="0">
+                <a:solidFill>
+                  <a:prstClr val="black">
+                    <a:tint val="75000"/>
+                  </a:prstClr>
+                </a:solidFill>
+              </a:rPr>
+              <a:pPr/>
+              <a:t>5/16/2014</a:t>
+            </a:fld>
+            <a:endParaRPr lang="en-US">
+              <a:solidFill>
+                <a:prstClr val="black">
+                  <a:tint val="75000"/>
+                </a:prstClr>
+              </a:solidFill>
+            </a:endParaRPr>
+          </a:p>
+        </p:txBody>
+      </p:sp>
+      <p:sp>
+        <p:nvSpPr>
+          <p:cNvPr id="8" name="Footer Placeholder 7"/>
+          <p:cNvSpPr>
+            <a:spLocks noGrp="1"/>
+          </p:cNvSpPr>
+          <p:nvPr>
+            <p:ph type="ftr" sz="quarter" idx="11"/>
+          </p:nvPr>
+        </p:nvSpPr>
+        <p:spPr/>
+        <p:txBody>
+          <a:bodyPr/>
+          <a:lstStyle/>
+          <a:p>
+            <a:endParaRPr lang="en-US">
+              <a:solidFill>
+                <a:prstClr val="black">
+                  <a:tint val="75000"/>
+                </a:prstClr>
+              </a:solidFill>
+            </a:endParaRPr>
+          </a:p>
+        </p:txBody>
+      </p:sp>
+      <p:sp>
+        <p:nvSpPr>
+          <p:cNvPr id="9" name="Slide Number Placeholder 8"/>
+          <p:cNvSpPr>
+            <a:spLocks noGrp="1"/>
+          </p:cNvSpPr>
+          <p:nvPr>
+            <p:ph type="sldNum" sz="quarter" idx="12"/>
+          </p:nvPr>
+        </p:nvSpPr>
+        <p:spPr/>
+        <p:txBody>
+          <a:bodyPr/>
+          <a:lstStyle/>
+          <a:p>
+            <a:fld id="{1EFED167-E928-A943-AC2D-CDCABD0DB418}" type="slidenum">
+              <a:rPr lang="en-US" smtClean="0">
+                <a:solidFill>
+                  <a:prstClr val="black">
+                    <a:tint val="75000"/>
+                  </a:prstClr>
+                </a:solidFill>
+              </a:rPr>
+              <a:pPr/>
+              <a:t>‹#›</a:t>
+            </a:fld>
+            <a:endParaRPr lang="en-US">
+              <a:solidFill>
+                <a:prstClr val="black">
+                  <a:tint val="75000"/>
+                </a:prstClr>
+              </a:solidFill>
+            </a:endParaRPr>
+          </a:p>
+        </p:txBody>
+      </p:sp>
+    </p:spTree>
+    <p:extLst>
+      <p:ext uri="{BB962C8B-B14F-4D97-AF65-F5344CB8AC3E}">
+        <p14:creationId xmlns:p14="http://schemas.microsoft.com/office/powerpoint/2010/main" val="1864009491"/>
+      </p:ext>
+    </p:extLst>
+  </p:cSld>
+  <p:clrMapOvr>
+    <a:masterClrMapping/>
+  </p:clrMapOvr>
+</p:sldLayout>
+</file>
+
+<file path=ppt/slideLayouts/slideLayout17.xml><?xml version="1.0" encoding="utf-8"?>
+<p:sldLayout xmlns:a="http://schemas.openxmlformats.org/drawingml/2006/main" xmlns:r="http://schemas.openxmlformats.org/officeDocument/2006/relationships" xmlns:p="http://schemas.openxmlformats.org/presentationml/2006/main" type="titleOnly" preserve="1">
+  <p:cSld name="Title Only">
+    <p:spTree>
+      <p:nvGrpSpPr>
+        <p:cNvPr id="1" name=""/>
+        <p:cNvGrpSpPr/>
+        <p:nvPr/>
+      </p:nvGrpSpPr>
+      <p:grpSpPr>
+        <a:xfrm>
+          <a:off x="0" y="0"/>
+          <a:ext cx="0" cy="0"/>
+          <a:chOff x="0" y="0"/>
+          <a:chExt cx="0" cy="0"/>
+        </a:xfrm>
+      </p:grpSpPr>
+      <p:sp>
+        <p:nvSpPr>
+          <p:cNvPr id="2" name="Title 1"/>
+          <p:cNvSpPr>
+            <a:spLocks noGrp="1"/>
+          </p:cNvSpPr>
+          <p:nvPr>
+            <p:ph type="title"/>
+          </p:nvPr>
+        </p:nvSpPr>
+        <p:spPr/>
+        <p:txBody>
+          <a:bodyPr/>
+          <a:lstStyle/>
+          <a:p>
+            <a:r>
+              <a:rPr lang="en-US" smtClean="0"/>
+              <a:t>Click to edit Master title style</a:t>
+            </a:r>
+            <a:endParaRPr lang="en-US"/>
+          </a:p>
+        </p:txBody>
+      </p:sp>
+      <p:sp>
+        <p:nvSpPr>
+          <p:cNvPr id="3" name="Date Placeholder 2"/>
+          <p:cNvSpPr>
+            <a:spLocks noGrp="1"/>
+          </p:cNvSpPr>
+          <p:nvPr>
+            <p:ph type="dt" sz="half" idx="10"/>
+          </p:nvPr>
+        </p:nvSpPr>
+        <p:spPr/>
+        <p:txBody>
+          <a:bodyPr/>
+          <a:lstStyle/>
+          <a:p>
+            <a:fld id="{173C66E3-29A9-874C-B80D-C4D9C846BBB6}" type="datetimeFigureOut">
+              <a:rPr lang="en-US" smtClean="0">
+                <a:solidFill>
+                  <a:prstClr val="black">
+                    <a:tint val="75000"/>
+                  </a:prstClr>
+                </a:solidFill>
+              </a:rPr>
+              <a:pPr/>
+              <a:t>5/16/2014</a:t>
+            </a:fld>
+            <a:endParaRPr lang="en-US">
+              <a:solidFill>
+                <a:prstClr val="black">
+                  <a:tint val="75000"/>
+                </a:prstClr>
+              </a:solidFill>
+            </a:endParaRPr>
+          </a:p>
+        </p:txBody>
+      </p:sp>
+      <p:sp>
+        <p:nvSpPr>
+          <p:cNvPr id="4" name="Footer Placeholder 3"/>
+          <p:cNvSpPr>
+            <a:spLocks noGrp="1"/>
+          </p:cNvSpPr>
+          <p:nvPr>
+            <p:ph type="ftr" sz="quarter" idx="11"/>
+          </p:nvPr>
+        </p:nvSpPr>
+        <p:spPr/>
+        <p:txBody>
+          <a:bodyPr/>
+          <a:lstStyle/>
+          <a:p>
+            <a:endParaRPr lang="en-US">
+              <a:solidFill>
+                <a:prstClr val="black">
+                  <a:tint val="75000"/>
+                </a:prstClr>
+              </a:solidFill>
+            </a:endParaRPr>
+          </a:p>
+        </p:txBody>
+      </p:sp>
+      <p:sp>
+        <p:nvSpPr>
+          <p:cNvPr id="5" name="Slide Number Placeholder 4"/>
+          <p:cNvSpPr>
+            <a:spLocks noGrp="1"/>
+          </p:cNvSpPr>
+          <p:nvPr>
+            <p:ph type="sldNum" sz="quarter" idx="12"/>
+          </p:nvPr>
+        </p:nvSpPr>
+        <p:spPr/>
+        <p:txBody>
+          <a:bodyPr/>
+          <a:lstStyle/>
+          <a:p>
+            <a:fld id="{1EFED167-E928-A943-AC2D-CDCABD0DB418}" type="slidenum">
+              <a:rPr lang="en-US" smtClean="0">
+                <a:solidFill>
+                  <a:prstClr val="black">
+                    <a:tint val="75000"/>
+                  </a:prstClr>
+                </a:solidFill>
+              </a:rPr>
+              <a:pPr/>
+              <a:t>‹#›</a:t>
+            </a:fld>
+            <a:endParaRPr lang="en-US">
+              <a:solidFill>
+                <a:prstClr val="black">
+                  <a:tint val="75000"/>
+                </a:prstClr>
+              </a:solidFill>
+            </a:endParaRPr>
+          </a:p>
+        </p:txBody>
+      </p:sp>
+    </p:spTree>
+    <p:extLst>
+      <p:ext uri="{BB962C8B-B14F-4D97-AF65-F5344CB8AC3E}">
+        <p14:creationId xmlns:p14="http://schemas.microsoft.com/office/powerpoint/2010/main" val="4021832296"/>
+      </p:ext>
+    </p:extLst>
+  </p:cSld>
+  <p:clrMapOvr>
+    <a:masterClrMapping/>
+  </p:clrMapOvr>
+</p:sldLayout>
+</file>
+
+<file path=ppt/slideLayouts/slideLayout18.xml><?xml version="1.0" encoding="utf-8"?>
+<p:sldLayout xmlns:a="http://schemas.openxmlformats.org/drawingml/2006/main" xmlns:r="http://schemas.openxmlformats.org/officeDocument/2006/relationships" xmlns:p="http://schemas.openxmlformats.org/presentationml/2006/main" type="blank" preserve="1">
+  <p:cSld name="Blank">
+    <p:spTree>
+      <p:nvGrpSpPr>
+        <p:cNvPr id="1" name=""/>
+        <p:cNvGrpSpPr/>
+        <p:nvPr/>
+      </p:nvGrpSpPr>
+      <p:grpSpPr>
+        <a:xfrm>
+          <a:off x="0" y="0"/>
+          <a:ext cx="0" cy="0"/>
+          <a:chOff x="0" y="0"/>
+          <a:chExt cx="0" cy="0"/>
+        </a:xfrm>
+      </p:grpSpPr>
+      <p:sp>
+        <p:nvSpPr>
+          <p:cNvPr id="2" name="Date Placeholder 1"/>
+          <p:cNvSpPr>
+            <a:spLocks noGrp="1"/>
+          </p:cNvSpPr>
+          <p:nvPr>
+            <p:ph type="dt" sz="half" idx="10"/>
+          </p:nvPr>
+        </p:nvSpPr>
+        <p:spPr/>
+        <p:txBody>
+          <a:bodyPr/>
+          <a:lstStyle/>
+          <a:p>
+            <a:fld id="{173C66E3-29A9-874C-B80D-C4D9C846BBB6}" type="datetimeFigureOut">
+              <a:rPr lang="en-US" smtClean="0">
+                <a:solidFill>
+                  <a:prstClr val="black">
+                    <a:tint val="75000"/>
+                  </a:prstClr>
+                </a:solidFill>
+              </a:rPr>
+              <a:pPr/>
+              <a:t>5/16/2014</a:t>
+            </a:fld>
+            <a:endParaRPr lang="en-US">
+              <a:solidFill>
+                <a:prstClr val="black">
+                  <a:tint val="75000"/>
+                </a:prstClr>
+              </a:solidFill>
+            </a:endParaRPr>
+          </a:p>
+        </p:txBody>
+      </p:sp>
+      <p:sp>
+        <p:nvSpPr>
+          <p:cNvPr id="3" name="Footer Placeholder 2"/>
+          <p:cNvSpPr>
+            <a:spLocks noGrp="1"/>
+          </p:cNvSpPr>
+          <p:nvPr>
+            <p:ph type="ftr" sz="quarter" idx="11"/>
+          </p:nvPr>
+        </p:nvSpPr>
+        <p:spPr/>
+        <p:txBody>
+          <a:bodyPr/>
+          <a:lstStyle/>
+          <a:p>
+            <a:endParaRPr lang="en-US">
+              <a:solidFill>
+                <a:prstClr val="black">
+                  <a:tint val="75000"/>
+                </a:prstClr>
+              </a:solidFill>
+            </a:endParaRPr>
+          </a:p>
+        </p:txBody>
+      </p:sp>
+      <p:sp>
+        <p:nvSpPr>
+          <p:cNvPr id="4" name="Slide Number Placeholder 3"/>
+          <p:cNvSpPr>
+            <a:spLocks noGrp="1"/>
+          </p:cNvSpPr>
+          <p:nvPr>
+            <p:ph type="sldNum" sz="quarter" idx="12"/>
+          </p:nvPr>
+        </p:nvSpPr>
+        <p:spPr/>
+        <p:txBody>
+          <a:bodyPr/>
+          <a:lstStyle/>
+          <a:p>
+            <a:fld id="{1EFED167-E928-A943-AC2D-CDCABD0DB418}" type="slidenum">
+              <a:rPr lang="en-US" smtClean="0">
+                <a:solidFill>
+                  <a:prstClr val="black">
+                    <a:tint val="75000"/>
+                  </a:prstClr>
+                </a:solidFill>
+              </a:rPr>
+              <a:pPr/>
+              <a:t>‹#›</a:t>
+            </a:fld>
+            <a:endParaRPr lang="en-US">
+              <a:solidFill>
+                <a:prstClr val="black">
+                  <a:tint val="75000"/>
+                </a:prstClr>
+              </a:solidFill>
+            </a:endParaRPr>
+          </a:p>
+        </p:txBody>
+      </p:sp>
+    </p:spTree>
+    <p:extLst>
+      <p:ext uri="{BB962C8B-B14F-4D97-AF65-F5344CB8AC3E}">
+        <p14:creationId xmlns:p14="http://schemas.microsoft.com/office/powerpoint/2010/main" val="1095615275"/>
+      </p:ext>
+    </p:extLst>
+  </p:cSld>
+  <p:clrMapOvr>
+    <a:masterClrMapping/>
+  </p:clrMapOvr>
+</p:sldLayout>
+</file>
+
+<file path=ppt/slideLayouts/slideLayout19.xml><?xml version="1.0" encoding="utf-8"?>
+<p:sldLayout xmlns:a="http://schemas.openxmlformats.org/drawingml/2006/main" xmlns:r="http://schemas.openxmlformats.org/officeDocument/2006/relationships" xmlns:p="http://schemas.openxmlformats.org/presentationml/2006/main" type="objTx" preserve="1">
+  <p:cSld name="Content with Caption">
+    <p:spTree>
+      <p:nvGrpSpPr>
+        <p:cNvPr id="1" name=""/>
+        <p:cNvGrpSpPr/>
+        <p:nvPr/>
+      </p:nvGrpSpPr>
+      <p:grpSpPr>
+        <a:xfrm>
+          <a:off x="0" y="0"/>
+          <a:ext cx="0" cy="0"/>
+          <a:chOff x="0" y="0"/>
+          <a:chExt cx="0" cy="0"/>
+        </a:xfrm>
+      </p:grpSpPr>
+      <p:sp>
+        <p:nvSpPr>
+          <p:cNvPr id="2" name="Title 1"/>
+          <p:cNvSpPr>
+            <a:spLocks noGrp="1"/>
+          </p:cNvSpPr>
+          <p:nvPr>
+            <p:ph type="title"/>
+          </p:nvPr>
+        </p:nvSpPr>
+        <p:spPr>
+          <a:xfrm>
+            <a:off x="457200" y="273050"/>
+            <a:ext cx="3008313" cy="1162050"/>
+          </a:xfrm>
+        </p:spPr>
+        <p:txBody>
+          <a:bodyPr anchor="b"/>
+          <a:lstStyle>
+            <a:lvl1pPr algn="l">
+              <a:defRPr sz="2000" b="1"/>
+            </a:lvl1pPr>
+          </a:lstStyle>
+          <a:p>
+            <a:r>
+              <a:rPr lang="en-US" smtClean="0"/>
+              <a:t>Click to edit Master title style</a:t>
+            </a:r>
+            <a:endParaRPr lang="en-US"/>
+          </a:p>
+        </p:txBody>
+      </p:sp>
+      <p:sp>
+        <p:nvSpPr>
+          <p:cNvPr id="3" name="Content Placeholder 2"/>
+          <p:cNvSpPr>
+            <a:spLocks noGrp="1"/>
+          </p:cNvSpPr>
+          <p:nvPr>
+            <p:ph idx="1"/>
+          </p:nvPr>
+        </p:nvSpPr>
+        <p:spPr>
+          <a:xfrm>
+            <a:off x="3575050" y="273050"/>
+            <a:ext cx="5111750" cy="5853113"/>
+          </a:xfrm>
+        </p:spPr>
+        <p:txBody>
+          <a:bodyPr/>
+          <a:lstStyle>
+            <a:lvl1pPr>
+              <a:defRPr sz="3200"/>
+            </a:lvl1pPr>
+            <a:lvl2pPr>
+              <a:defRPr sz="2800"/>
+            </a:lvl2pPr>
+            <a:lvl3pPr>
+              <a:defRPr sz="2400"/>
+            </a:lvl3pPr>
+            <a:lvl4pPr>
+              <a:defRPr sz="2000"/>
+            </a:lvl4pPr>
+            <a:lvl5pPr>
+              <a:defRPr sz="2000"/>
+            </a:lvl5pPr>
+            <a:lvl6pPr>
+              <a:defRPr sz="2000"/>
+            </a:lvl6pPr>
+            <a:lvl7pPr>
+              <a:defRPr sz="2000"/>
+            </a:lvl7pPr>
+            <a:lvl8pPr>
+              <a:defRPr sz="2000"/>
+            </a:lvl8pPr>
+            <a:lvl9pPr>
+              <a:defRPr sz="2000"/>
+            </a:lvl9pPr>
+          </a:lstStyle>
+          <a:p>
+            <a:pPr lvl="0"/>
+            <a:r>
+              <a:rPr lang="en-US" smtClean="0"/>
+              <a:t>Click to edit Master text styles</a:t>
+            </a:r>
+          </a:p>
+          <a:p>
+            <a:pPr lvl="1"/>
+            <a:r>
+              <a:rPr lang="en-US" smtClean="0"/>
+              <a:t>Second level</a:t>
+            </a:r>
+          </a:p>
+          <a:p>
+            <a:pPr lvl="2"/>
+            <a:r>
+              <a:rPr lang="en-US" smtClean="0"/>
+              <a:t>Third level</a:t>
+            </a:r>
+          </a:p>
+          <a:p>
+            <a:pPr lvl="3"/>
+            <a:r>
+              <a:rPr lang="en-US" smtClean="0"/>
+              <a:t>Fourth level</a:t>
+            </a:r>
+          </a:p>
+          <a:p>
+            <a:pPr lvl="4"/>
+            <a:r>
+              <a:rPr lang="en-US" smtClean="0"/>
+              <a:t>Fifth level</a:t>
+            </a:r>
+            <a:endParaRPr lang="en-US"/>
+          </a:p>
+        </p:txBody>
+      </p:sp>
+      <p:sp>
+        <p:nvSpPr>
+          <p:cNvPr id="4" name="Text Placeholder 3"/>
+          <p:cNvSpPr>
+            <a:spLocks noGrp="1"/>
+          </p:cNvSpPr>
+          <p:nvPr>
+            <p:ph type="body" sz="half" idx="2"/>
+          </p:nvPr>
+        </p:nvSpPr>
+        <p:spPr>
+          <a:xfrm>
+            <a:off x="457200" y="1435100"/>
+            <a:ext cx="3008313" cy="4691063"/>
+          </a:xfrm>
+        </p:spPr>
+        <p:txBody>
+          <a:bodyPr/>
+          <a:lstStyle>
+            <a:lvl1pPr marL="0" indent="0">
+              <a:buNone/>
+              <a:defRPr sz="1400"/>
+            </a:lvl1pPr>
+            <a:lvl2pPr marL="457200" indent="0">
+              <a:buNone/>
+              <a:defRPr sz="1200"/>
+            </a:lvl2pPr>
+            <a:lvl3pPr marL="914400" indent="0">
+              <a:buNone/>
+              <a:defRPr sz="1000"/>
+            </a:lvl3pPr>
+            <a:lvl4pPr marL="1371600" indent="0">
+              <a:buNone/>
+              <a:defRPr sz="900"/>
+            </a:lvl4pPr>
+            <a:lvl5pPr marL="1828800" indent="0">
+              <a:buNone/>
+              <a:defRPr sz="900"/>
+            </a:lvl5pPr>
+            <a:lvl6pPr marL="2286000" indent="0">
+              <a:buNone/>
+              <a:defRPr sz="900"/>
+            </a:lvl6pPr>
+            <a:lvl7pPr marL="2743200" indent="0">
+              <a:buNone/>
+              <a:defRPr sz="900"/>
+            </a:lvl7pPr>
+            <a:lvl8pPr marL="3200400" indent="0">
+              <a:buNone/>
+              <a:defRPr sz="900"/>
+            </a:lvl8pPr>
+            <a:lvl9pPr marL="3657600" indent="0">
+              <a:buNone/>
+              <a:defRPr sz="900"/>
+            </a:lvl9pPr>
+          </a:lstStyle>
+          <a:p>
+            <a:pPr lvl="0"/>
+            <a:r>
+              <a:rPr lang="en-US" smtClean="0"/>
+              <a:t>Click to edit Master text styles</a:t>
+            </a:r>
+          </a:p>
+        </p:txBody>
+      </p:sp>
+      <p:sp>
+        <p:nvSpPr>
+          <p:cNvPr id="5" name="Date Placeholder 4"/>
+          <p:cNvSpPr>
+            <a:spLocks noGrp="1"/>
+          </p:cNvSpPr>
+          <p:nvPr>
+            <p:ph type="dt" sz="half" idx="10"/>
+          </p:nvPr>
+        </p:nvSpPr>
+        <p:spPr/>
+        <p:txBody>
+          <a:bodyPr/>
+          <a:lstStyle/>
+          <a:p>
+            <a:fld id="{173C66E3-29A9-874C-B80D-C4D9C846BBB6}" type="datetimeFigureOut">
+              <a:rPr lang="en-US" smtClean="0">
+                <a:solidFill>
+                  <a:prstClr val="black">
+                    <a:tint val="75000"/>
+                  </a:prstClr>
+                </a:solidFill>
+              </a:rPr>
+              <a:pPr/>
+              <a:t>5/16/2014</a:t>
+            </a:fld>
+            <a:endParaRPr lang="en-US">
+              <a:solidFill>
+                <a:prstClr val="black">
+                  <a:tint val="75000"/>
+                </a:prstClr>
+              </a:solidFill>
+            </a:endParaRPr>
+          </a:p>
+        </p:txBody>
+      </p:sp>
+      <p:sp>
+        <p:nvSpPr>
+          <p:cNvPr id="6" name="Footer Placeholder 5"/>
+          <p:cNvSpPr>
+            <a:spLocks noGrp="1"/>
+          </p:cNvSpPr>
+          <p:nvPr>
+            <p:ph type="ftr" sz="quarter" idx="11"/>
+          </p:nvPr>
+        </p:nvSpPr>
+        <p:spPr/>
+        <p:txBody>
+          <a:bodyPr/>
+          <a:lstStyle/>
+          <a:p>
+            <a:endParaRPr lang="en-US">
+              <a:solidFill>
+                <a:prstClr val="black">
+                  <a:tint val="75000"/>
+                </a:prstClr>
+              </a:solidFill>
+            </a:endParaRPr>
+          </a:p>
+        </p:txBody>
+      </p:sp>
+      <p:sp>
+        <p:nvSpPr>
+          <p:cNvPr id="7" name="Slide Number Placeholder 6"/>
+          <p:cNvSpPr>
+            <a:spLocks noGrp="1"/>
+          </p:cNvSpPr>
+          <p:nvPr>
+            <p:ph type="sldNum" sz="quarter" idx="12"/>
+          </p:nvPr>
+        </p:nvSpPr>
+        <p:spPr/>
+        <p:txBody>
+          <a:bodyPr/>
+          <a:lstStyle/>
+          <a:p>
+            <a:fld id="{1EFED167-E928-A943-AC2D-CDCABD0DB418}" type="slidenum">
+              <a:rPr lang="en-US" smtClean="0">
+                <a:solidFill>
+                  <a:prstClr val="black">
+                    <a:tint val="75000"/>
+                  </a:prstClr>
+                </a:solidFill>
+              </a:rPr>
+              <a:pPr/>
+              <a:t>‹#›</a:t>
+            </a:fld>
+            <a:endParaRPr lang="en-US">
+              <a:solidFill>
+                <a:prstClr val="black">
+                  <a:tint val="75000"/>
+                </a:prstClr>
+              </a:solidFill>
+            </a:endParaRPr>
+          </a:p>
+        </p:txBody>
+      </p:sp>
+    </p:spTree>
+    <p:extLst>
+      <p:ext uri="{BB962C8B-B14F-4D97-AF65-F5344CB8AC3E}">
+        <p14:creationId xmlns:p14="http://schemas.microsoft.com/office/powerpoint/2010/main" val="3243082101"/>
+      </p:ext>
+    </p:extLst>
+  </p:cSld>
+  <p:clrMapOvr>
+    <a:masterClrMapping/>
+  </p:clrMapOvr>
+</p:sldLayout>
+</file>
+
 <file path=ppt/slideLayouts/slideLayout2.xml><?xml version="1.0" encoding="utf-8"?>
 <p:sldLayout xmlns:a="http://schemas.openxmlformats.org/drawingml/2006/main" xmlns:r="http://schemas.openxmlformats.org/officeDocument/2006/relationships" xmlns:p="http://schemas.openxmlformats.org/presentationml/2006/main" showMasterSp="0" type="obj" preserve="1">
   <p:cSld name="Title and Content">
@@ -4179,6 +6295,705 @@
     <p:extLst>
       <p:ext uri="{BB962C8B-B14F-4D97-AF65-F5344CB8AC3E}">
         <p14:creationId xmlns:p14="http://schemas.microsoft.com/office/powerpoint/2010/main" val="1129736352"/>
+      </p:ext>
+    </p:extLst>
+  </p:cSld>
+  <p:clrMapOvr>
+    <a:masterClrMapping/>
+  </p:clrMapOvr>
+</p:sldLayout>
+</file>
+
+<file path=ppt/slideLayouts/slideLayout20.xml><?xml version="1.0" encoding="utf-8"?>
+<p:sldLayout xmlns:a="http://schemas.openxmlformats.org/drawingml/2006/main" xmlns:r="http://schemas.openxmlformats.org/officeDocument/2006/relationships" xmlns:p="http://schemas.openxmlformats.org/presentationml/2006/main" type="picTx" preserve="1">
+  <p:cSld name="Picture with Caption">
+    <p:spTree>
+      <p:nvGrpSpPr>
+        <p:cNvPr id="1" name=""/>
+        <p:cNvGrpSpPr/>
+        <p:nvPr/>
+      </p:nvGrpSpPr>
+      <p:grpSpPr>
+        <a:xfrm>
+          <a:off x="0" y="0"/>
+          <a:ext cx="0" cy="0"/>
+          <a:chOff x="0" y="0"/>
+          <a:chExt cx="0" cy="0"/>
+        </a:xfrm>
+      </p:grpSpPr>
+      <p:sp>
+        <p:nvSpPr>
+          <p:cNvPr id="2" name="Title 1"/>
+          <p:cNvSpPr>
+            <a:spLocks noGrp="1"/>
+          </p:cNvSpPr>
+          <p:nvPr>
+            <p:ph type="title"/>
+          </p:nvPr>
+        </p:nvSpPr>
+        <p:spPr>
+          <a:xfrm>
+            <a:off x="1792288" y="4800600"/>
+            <a:ext cx="5486400" cy="566738"/>
+          </a:xfrm>
+        </p:spPr>
+        <p:txBody>
+          <a:bodyPr anchor="b"/>
+          <a:lstStyle>
+            <a:lvl1pPr algn="l">
+              <a:defRPr sz="2000" b="1"/>
+            </a:lvl1pPr>
+          </a:lstStyle>
+          <a:p>
+            <a:r>
+              <a:rPr lang="en-US" smtClean="0"/>
+              <a:t>Click to edit Master title style</a:t>
+            </a:r>
+            <a:endParaRPr lang="en-US"/>
+          </a:p>
+        </p:txBody>
+      </p:sp>
+      <p:sp>
+        <p:nvSpPr>
+          <p:cNvPr id="3" name="Picture Placeholder 2"/>
+          <p:cNvSpPr>
+            <a:spLocks noGrp="1"/>
+          </p:cNvSpPr>
+          <p:nvPr>
+            <p:ph type="pic" idx="1"/>
+          </p:nvPr>
+        </p:nvSpPr>
+        <p:spPr>
+          <a:xfrm>
+            <a:off x="1792288" y="612775"/>
+            <a:ext cx="5486400" cy="4114800"/>
+          </a:xfrm>
+        </p:spPr>
+        <p:txBody>
+          <a:bodyPr/>
+          <a:lstStyle>
+            <a:lvl1pPr marL="0" indent="0">
+              <a:buNone/>
+              <a:defRPr sz="3200"/>
+            </a:lvl1pPr>
+            <a:lvl2pPr marL="457200" indent="0">
+              <a:buNone/>
+              <a:defRPr sz="2800"/>
+            </a:lvl2pPr>
+            <a:lvl3pPr marL="914400" indent="0">
+              <a:buNone/>
+              <a:defRPr sz="2400"/>
+            </a:lvl3pPr>
+            <a:lvl4pPr marL="1371600" indent="0">
+              <a:buNone/>
+              <a:defRPr sz="2000"/>
+            </a:lvl4pPr>
+            <a:lvl5pPr marL="1828800" indent="0">
+              <a:buNone/>
+              <a:defRPr sz="2000"/>
+            </a:lvl5pPr>
+            <a:lvl6pPr marL="2286000" indent="0">
+              <a:buNone/>
+              <a:defRPr sz="2000"/>
+            </a:lvl6pPr>
+            <a:lvl7pPr marL="2743200" indent="0">
+              <a:buNone/>
+              <a:defRPr sz="2000"/>
+            </a:lvl7pPr>
+            <a:lvl8pPr marL="3200400" indent="0">
+              <a:buNone/>
+              <a:defRPr sz="2000"/>
+            </a:lvl8pPr>
+            <a:lvl9pPr marL="3657600" indent="0">
+              <a:buNone/>
+              <a:defRPr sz="2000"/>
+            </a:lvl9pPr>
+          </a:lstStyle>
+          <a:p>
+            <a:endParaRPr lang="en-US"/>
+          </a:p>
+        </p:txBody>
+      </p:sp>
+      <p:sp>
+        <p:nvSpPr>
+          <p:cNvPr id="4" name="Text Placeholder 3"/>
+          <p:cNvSpPr>
+            <a:spLocks noGrp="1"/>
+          </p:cNvSpPr>
+          <p:nvPr>
+            <p:ph type="body" sz="half" idx="2"/>
+          </p:nvPr>
+        </p:nvSpPr>
+        <p:spPr>
+          <a:xfrm>
+            <a:off x="1792288" y="5367338"/>
+            <a:ext cx="5486400" cy="804862"/>
+          </a:xfrm>
+        </p:spPr>
+        <p:txBody>
+          <a:bodyPr/>
+          <a:lstStyle>
+            <a:lvl1pPr marL="0" indent="0">
+              <a:buNone/>
+              <a:defRPr sz="1400"/>
+            </a:lvl1pPr>
+            <a:lvl2pPr marL="457200" indent="0">
+              <a:buNone/>
+              <a:defRPr sz="1200"/>
+            </a:lvl2pPr>
+            <a:lvl3pPr marL="914400" indent="0">
+              <a:buNone/>
+              <a:defRPr sz="1000"/>
+            </a:lvl3pPr>
+            <a:lvl4pPr marL="1371600" indent="0">
+              <a:buNone/>
+              <a:defRPr sz="900"/>
+            </a:lvl4pPr>
+            <a:lvl5pPr marL="1828800" indent="0">
+              <a:buNone/>
+              <a:defRPr sz="900"/>
+            </a:lvl5pPr>
+            <a:lvl6pPr marL="2286000" indent="0">
+              <a:buNone/>
+              <a:defRPr sz="900"/>
+            </a:lvl6pPr>
+            <a:lvl7pPr marL="2743200" indent="0">
+              <a:buNone/>
+              <a:defRPr sz="900"/>
+            </a:lvl7pPr>
+            <a:lvl8pPr marL="3200400" indent="0">
+              <a:buNone/>
+              <a:defRPr sz="900"/>
+            </a:lvl8pPr>
+            <a:lvl9pPr marL="3657600" indent="0">
+              <a:buNone/>
+              <a:defRPr sz="900"/>
+            </a:lvl9pPr>
+          </a:lstStyle>
+          <a:p>
+            <a:pPr lvl="0"/>
+            <a:r>
+              <a:rPr lang="en-US" smtClean="0"/>
+              <a:t>Click to edit Master text styles</a:t>
+            </a:r>
+          </a:p>
+        </p:txBody>
+      </p:sp>
+      <p:sp>
+        <p:nvSpPr>
+          <p:cNvPr id="5" name="Date Placeholder 4"/>
+          <p:cNvSpPr>
+            <a:spLocks noGrp="1"/>
+          </p:cNvSpPr>
+          <p:nvPr>
+            <p:ph type="dt" sz="half" idx="10"/>
+          </p:nvPr>
+        </p:nvSpPr>
+        <p:spPr/>
+        <p:txBody>
+          <a:bodyPr/>
+          <a:lstStyle/>
+          <a:p>
+            <a:fld id="{173C66E3-29A9-874C-B80D-C4D9C846BBB6}" type="datetimeFigureOut">
+              <a:rPr lang="en-US" smtClean="0">
+                <a:solidFill>
+                  <a:prstClr val="black">
+                    <a:tint val="75000"/>
+                  </a:prstClr>
+                </a:solidFill>
+              </a:rPr>
+              <a:pPr/>
+              <a:t>5/16/2014</a:t>
+            </a:fld>
+            <a:endParaRPr lang="en-US">
+              <a:solidFill>
+                <a:prstClr val="black">
+                  <a:tint val="75000"/>
+                </a:prstClr>
+              </a:solidFill>
+            </a:endParaRPr>
+          </a:p>
+        </p:txBody>
+      </p:sp>
+      <p:sp>
+        <p:nvSpPr>
+          <p:cNvPr id="6" name="Footer Placeholder 5"/>
+          <p:cNvSpPr>
+            <a:spLocks noGrp="1"/>
+          </p:cNvSpPr>
+          <p:nvPr>
+            <p:ph type="ftr" sz="quarter" idx="11"/>
+          </p:nvPr>
+        </p:nvSpPr>
+        <p:spPr/>
+        <p:txBody>
+          <a:bodyPr/>
+          <a:lstStyle/>
+          <a:p>
+            <a:endParaRPr lang="en-US">
+              <a:solidFill>
+                <a:prstClr val="black">
+                  <a:tint val="75000"/>
+                </a:prstClr>
+              </a:solidFill>
+            </a:endParaRPr>
+          </a:p>
+        </p:txBody>
+      </p:sp>
+      <p:sp>
+        <p:nvSpPr>
+          <p:cNvPr id="7" name="Slide Number Placeholder 6"/>
+          <p:cNvSpPr>
+            <a:spLocks noGrp="1"/>
+          </p:cNvSpPr>
+          <p:nvPr>
+            <p:ph type="sldNum" sz="quarter" idx="12"/>
+          </p:nvPr>
+        </p:nvSpPr>
+        <p:spPr/>
+        <p:txBody>
+          <a:bodyPr/>
+          <a:lstStyle/>
+          <a:p>
+            <a:fld id="{1EFED167-E928-A943-AC2D-CDCABD0DB418}" type="slidenum">
+              <a:rPr lang="en-US" smtClean="0">
+                <a:solidFill>
+                  <a:prstClr val="black">
+                    <a:tint val="75000"/>
+                  </a:prstClr>
+                </a:solidFill>
+              </a:rPr>
+              <a:pPr/>
+              <a:t>‹#›</a:t>
+            </a:fld>
+            <a:endParaRPr lang="en-US">
+              <a:solidFill>
+                <a:prstClr val="black">
+                  <a:tint val="75000"/>
+                </a:prstClr>
+              </a:solidFill>
+            </a:endParaRPr>
+          </a:p>
+        </p:txBody>
+      </p:sp>
+    </p:spTree>
+    <p:extLst>
+      <p:ext uri="{BB962C8B-B14F-4D97-AF65-F5344CB8AC3E}">
+        <p14:creationId xmlns:p14="http://schemas.microsoft.com/office/powerpoint/2010/main" val="210719148"/>
+      </p:ext>
+    </p:extLst>
+  </p:cSld>
+  <p:clrMapOvr>
+    <a:masterClrMapping/>
+  </p:clrMapOvr>
+</p:sldLayout>
+</file>
+
+<file path=ppt/slideLayouts/slideLayout21.xml><?xml version="1.0" encoding="utf-8"?>
+<p:sldLayout xmlns:a="http://schemas.openxmlformats.org/drawingml/2006/main" xmlns:r="http://schemas.openxmlformats.org/officeDocument/2006/relationships" xmlns:p="http://schemas.openxmlformats.org/presentationml/2006/main" type="vertTx" preserve="1">
+  <p:cSld name="Title and Vertical Text">
+    <p:spTree>
+      <p:nvGrpSpPr>
+        <p:cNvPr id="1" name=""/>
+        <p:cNvGrpSpPr/>
+        <p:nvPr/>
+      </p:nvGrpSpPr>
+      <p:grpSpPr>
+        <a:xfrm>
+          <a:off x="0" y="0"/>
+          <a:ext cx="0" cy="0"/>
+          <a:chOff x="0" y="0"/>
+          <a:chExt cx="0" cy="0"/>
+        </a:xfrm>
+      </p:grpSpPr>
+      <p:sp>
+        <p:nvSpPr>
+          <p:cNvPr id="2" name="Title 1"/>
+          <p:cNvSpPr>
+            <a:spLocks noGrp="1"/>
+          </p:cNvSpPr>
+          <p:nvPr>
+            <p:ph type="title"/>
+          </p:nvPr>
+        </p:nvSpPr>
+        <p:spPr/>
+        <p:txBody>
+          <a:bodyPr/>
+          <a:lstStyle/>
+          <a:p>
+            <a:r>
+              <a:rPr lang="en-US" smtClean="0"/>
+              <a:t>Click to edit Master title style</a:t>
+            </a:r>
+            <a:endParaRPr lang="en-US"/>
+          </a:p>
+        </p:txBody>
+      </p:sp>
+      <p:sp>
+        <p:nvSpPr>
+          <p:cNvPr id="3" name="Vertical Text Placeholder 2"/>
+          <p:cNvSpPr>
+            <a:spLocks noGrp="1"/>
+          </p:cNvSpPr>
+          <p:nvPr>
+            <p:ph type="body" orient="vert" idx="1"/>
+          </p:nvPr>
+        </p:nvSpPr>
+        <p:spPr/>
+        <p:txBody>
+          <a:bodyPr vert="eaVert"/>
+          <a:lstStyle/>
+          <a:p>
+            <a:pPr lvl="0"/>
+            <a:r>
+              <a:rPr lang="en-US" smtClean="0"/>
+              <a:t>Click to edit Master text styles</a:t>
+            </a:r>
+          </a:p>
+          <a:p>
+            <a:pPr lvl="1"/>
+            <a:r>
+              <a:rPr lang="en-US" smtClean="0"/>
+              <a:t>Second level</a:t>
+            </a:r>
+          </a:p>
+          <a:p>
+            <a:pPr lvl="2"/>
+            <a:r>
+              <a:rPr lang="en-US" smtClean="0"/>
+              <a:t>Third level</a:t>
+            </a:r>
+          </a:p>
+          <a:p>
+            <a:pPr lvl="3"/>
+            <a:r>
+              <a:rPr lang="en-US" smtClean="0"/>
+              <a:t>Fourth level</a:t>
+            </a:r>
+          </a:p>
+          <a:p>
+            <a:pPr lvl="4"/>
+            <a:r>
+              <a:rPr lang="en-US" smtClean="0"/>
+              <a:t>Fifth level</a:t>
+            </a:r>
+            <a:endParaRPr lang="en-US"/>
+          </a:p>
+        </p:txBody>
+      </p:sp>
+      <p:sp>
+        <p:nvSpPr>
+          <p:cNvPr id="4" name="Date Placeholder 3"/>
+          <p:cNvSpPr>
+            <a:spLocks noGrp="1"/>
+          </p:cNvSpPr>
+          <p:nvPr>
+            <p:ph type="dt" sz="half" idx="10"/>
+          </p:nvPr>
+        </p:nvSpPr>
+        <p:spPr/>
+        <p:txBody>
+          <a:bodyPr/>
+          <a:lstStyle/>
+          <a:p>
+            <a:fld id="{173C66E3-29A9-874C-B80D-C4D9C846BBB6}" type="datetimeFigureOut">
+              <a:rPr lang="en-US" smtClean="0">
+                <a:solidFill>
+                  <a:prstClr val="black">
+                    <a:tint val="75000"/>
+                  </a:prstClr>
+                </a:solidFill>
+              </a:rPr>
+              <a:pPr/>
+              <a:t>5/16/2014</a:t>
+            </a:fld>
+            <a:endParaRPr lang="en-US">
+              <a:solidFill>
+                <a:prstClr val="black">
+                  <a:tint val="75000"/>
+                </a:prstClr>
+              </a:solidFill>
+            </a:endParaRPr>
+          </a:p>
+        </p:txBody>
+      </p:sp>
+      <p:sp>
+        <p:nvSpPr>
+          <p:cNvPr id="5" name="Footer Placeholder 4"/>
+          <p:cNvSpPr>
+            <a:spLocks noGrp="1"/>
+          </p:cNvSpPr>
+          <p:nvPr>
+            <p:ph type="ftr" sz="quarter" idx="11"/>
+          </p:nvPr>
+        </p:nvSpPr>
+        <p:spPr/>
+        <p:txBody>
+          <a:bodyPr/>
+          <a:lstStyle/>
+          <a:p>
+            <a:endParaRPr lang="en-US">
+              <a:solidFill>
+                <a:prstClr val="black">
+                  <a:tint val="75000"/>
+                </a:prstClr>
+              </a:solidFill>
+            </a:endParaRPr>
+          </a:p>
+        </p:txBody>
+      </p:sp>
+      <p:sp>
+        <p:nvSpPr>
+          <p:cNvPr id="6" name="Slide Number Placeholder 5"/>
+          <p:cNvSpPr>
+            <a:spLocks noGrp="1"/>
+          </p:cNvSpPr>
+          <p:nvPr>
+            <p:ph type="sldNum" sz="quarter" idx="12"/>
+          </p:nvPr>
+        </p:nvSpPr>
+        <p:spPr/>
+        <p:txBody>
+          <a:bodyPr/>
+          <a:lstStyle/>
+          <a:p>
+            <a:fld id="{1EFED167-E928-A943-AC2D-CDCABD0DB418}" type="slidenum">
+              <a:rPr lang="en-US" smtClean="0">
+                <a:solidFill>
+                  <a:prstClr val="black">
+                    <a:tint val="75000"/>
+                  </a:prstClr>
+                </a:solidFill>
+              </a:rPr>
+              <a:pPr/>
+              <a:t>‹#›</a:t>
+            </a:fld>
+            <a:endParaRPr lang="en-US">
+              <a:solidFill>
+                <a:prstClr val="black">
+                  <a:tint val="75000"/>
+                </a:prstClr>
+              </a:solidFill>
+            </a:endParaRPr>
+          </a:p>
+        </p:txBody>
+      </p:sp>
+    </p:spTree>
+    <p:extLst>
+      <p:ext uri="{BB962C8B-B14F-4D97-AF65-F5344CB8AC3E}">
+        <p14:creationId xmlns:p14="http://schemas.microsoft.com/office/powerpoint/2010/main" val="411966174"/>
+      </p:ext>
+    </p:extLst>
+  </p:cSld>
+  <p:clrMapOvr>
+    <a:masterClrMapping/>
+  </p:clrMapOvr>
+</p:sldLayout>
+</file>
+
+<file path=ppt/slideLayouts/slideLayout22.xml><?xml version="1.0" encoding="utf-8"?>
+<p:sldLayout xmlns:a="http://schemas.openxmlformats.org/drawingml/2006/main" xmlns:r="http://schemas.openxmlformats.org/officeDocument/2006/relationships" xmlns:p="http://schemas.openxmlformats.org/presentationml/2006/main" type="vertTitleAndTx" preserve="1">
+  <p:cSld name="Vertical Title and Text">
+    <p:spTree>
+      <p:nvGrpSpPr>
+        <p:cNvPr id="1" name=""/>
+        <p:cNvGrpSpPr/>
+        <p:nvPr/>
+      </p:nvGrpSpPr>
+      <p:grpSpPr>
+        <a:xfrm>
+          <a:off x="0" y="0"/>
+          <a:ext cx="0" cy="0"/>
+          <a:chOff x="0" y="0"/>
+          <a:chExt cx="0" cy="0"/>
+        </a:xfrm>
+      </p:grpSpPr>
+      <p:sp>
+        <p:nvSpPr>
+          <p:cNvPr id="2" name="Vertical Title 1"/>
+          <p:cNvSpPr>
+            <a:spLocks noGrp="1"/>
+          </p:cNvSpPr>
+          <p:nvPr>
+            <p:ph type="title" orient="vert"/>
+          </p:nvPr>
+        </p:nvSpPr>
+        <p:spPr>
+          <a:xfrm>
+            <a:off x="6629400" y="274638"/>
+            <a:ext cx="2057400" cy="5851525"/>
+          </a:xfrm>
+        </p:spPr>
+        <p:txBody>
+          <a:bodyPr vert="eaVert"/>
+          <a:lstStyle/>
+          <a:p>
+            <a:r>
+              <a:rPr lang="en-US" smtClean="0"/>
+              <a:t>Click to edit Master title style</a:t>
+            </a:r>
+            <a:endParaRPr lang="en-US"/>
+          </a:p>
+        </p:txBody>
+      </p:sp>
+      <p:sp>
+        <p:nvSpPr>
+          <p:cNvPr id="3" name="Vertical Text Placeholder 2"/>
+          <p:cNvSpPr>
+            <a:spLocks noGrp="1"/>
+          </p:cNvSpPr>
+          <p:nvPr>
+            <p:ph type="body" orient="vert" idx="1"/>
+          </p:nvPr>
+        </p:nvSpPr>
+        <p:spPr>
+          <a:xfrm>
+            <a:off x="457200" y="274638"/>
+            <a:ext cx="6019800" cy="5851525"/>
+          </a:xfrm>
+        </p:spPr>
+        <p:txBody>
+          <a:bodyPr vert="eaVert"/>
+          <a:lstStyle/>
+          <a:p>
+            <a:pPr lvl="0"/>
+            <a:r>
+              <a:rPr lang="en-US" smtClean="0"/>
+              <a:t>Click to edit Master text styles</a:t>
+            </a:r>
+          </a:p>
+          <a:p>
+            <a:pPr lvl="1"/>
+            <a:r>
+              <a:rPr lang="en-US" smtClean="0"/>
+              <a:t>Second level</a:t>
+            </a:r>
+          </a:p>
+          <a:p>
+            <a:pPr lvl="2"/>
+            <a:r>
+              <a:rPr lang="en-US" smtClean="0"/>
+              <a:t>Third level</a:t>
+            </a:r>
+          </a:p>
+          <a:p>
+            <a:pPr lvl="3"/>
+            <a:r>
+              <a:rPr lang="en-US" smtClean="0"/>
+              <a:t>Fourth level</a:t>
+            </a:r>
+          </a:p>
+          <a:p>
+            <a:pPr lvl="4"/>
+            <a:r>
+              <a:rPr lang="en-US" smtClean="0"/>
+              <a:t>Fifth level</a:t>
+            </a:r>
+            <a:endParaRPr lang="en-US"/>
+          </a:p>
+        </p:txBody>
+      </p:sp>
+      <p:sp>
+        <p:nvSpPr>
+          <p:cNvPr id="4" name="Date Placeholder 3"/>
+          <p:cNvSpPr>
+            <a:spLocks noGrp="1"/>
+          </p:cNvSpPr>
+          <p:nvPr>
+            <p:ph type="dt" sz="half" idx="10"/>
+          </p:nvPr>
+        </p:nvSpPr>
+        <p:spPr/>
+        <p:txBody>
+          <a:bodyPr/>
+          <a:lstStyle/>
+          <a:p>
+            <a:fld id="{173C66E3-29A9-874C-B80D-C4D9C846BBB6}" type="datetimeFigureOut">
+              <a:rPr lang="en-US" smtClean="0">
+                <a:solidFill>
+                  <a:prstClr val="black">
+                    <a:tint val="75000"/>
+                  </a:prstClr>
+                </a:solidFill>
+              </a:rPr>
+              <a:pPr/>
+              <a:t>5/16/2014</a:t>
+            </a:fld>
+            <a:endParaRPr lang="en-US">
+              <a:solidFill>
+                <a:prstClr val="black">
+                  <a:tint val="75000"/>
+                </a:prstClr>
+              </a:solidFill>
+            </a:endParaRPr>
+          </a:p>
+        </p:txBody>
+      </p:sp>
+      <p:sp>
+        <p:nvSpPr>
+          <p:cNvPr id="5" name="Footer Placeholder 4"/>
+          <p:cNvSpPr>
+            <a:spLocks noGrp="1"/>
+          </p:cNvSpPr>
+          <p:nvPr>
+            <p:ph type="ftr" sz="quarter" idx="11"/>
+          </p:nvPr>
+        </p:nvSpPr>
+        <p:spPr/>
+        <p:txBody>
+          <a:bodyPr/>
+          <a:lstStyle/>
+          <a:p>
+            <a:endParaRPr lang="en-US">
+              <a:solidFill>
+                <a:prstClr val="black">
+                  <a:tint val="75000"/>
+                </a:prstClr>
+              </a:solidFill>
+            </a:endParaRPr>
+          </a:p>
+        </p:txBody>
+      </p:sp>
+      <p:sp>
+        <p:nvSpPr>
+          <p:cNvPr id="6" name="Slide Number Placeholder 5"/>
+          <p:cNvSpPr>
+            <a:spLocks noGrp="1"/>
+          </p:cNvSpPr>
+          <p:nvPr>
+            <p:ph type="sldNum" sz="quarter" idx="12"/>
+          </p:nvPr>
+        </p:nvSpPr>
+        <p:spPr/>
+        <p:txBody>
+          <a:bodyPr/>
+          <a:lstStyle/>
+          <a:p>
+            <a:fld id="{1EFED167-E928-A943-AC2D-CDCABD0DB418}" type="slidenum">
+              <a:rPr lang="en-US" smtClean="0">
+                <a:solidFill>
+                  <a:prstClr val="black">
+                    <a:tint val="75000"/>
+                  </a:prstClr>
+                </a:solidFill>
+              </a:rPr>
+              <a:pPr/>
+              <a:t>‹#›</a:t>
+            </a:fld>
+            <a:endParaRPr lang="en-US">
+              <a:solidFill>
+                <a:prstClr val="black">
+                  <a:tint val="75000"/>
+                </a:prstClr>
+              </a:solidFill>
+            </a:endParaRPr>
+          </a:p>
+        </p:txBody>
+      </p:sp>
+    </p:spTree>
+    <p:extLst>
+      <p:ext uri="{BB962C8B-B14F-4D97-AF65-F5344CB8AC3E}">
+        <p14:creationId xmlns:p14="http://schemas.microsoft.com/office/powerpoint/2010/main" val="1958877127"/>
       </p:ext>
     </p:extLst>
   </p:cSld>
@@ -6383,6 +9198,551 @@
 </p:sldMaster>
 </file>
 
+<file path=ppt/slideMasters/slideMaster2.xml><?xml version="1.0" encoding="utf-8"?>
+<p:sldMaster xmlns:a="http://schemas.openxmlformats.org/drawingml/2006/main" xmlns:r="http://schemas.openxmlformats.org/officeDocument/2006/relationships" xmlns:p="http://schemas.openxmlformats.org/presentationml/2006/main">
+  <p:cSld>
+    <p:bg>
+      <p:bgRef idx="1001">
+        <a:schemeClr val="bg1"/>
+      </p:bgRef>
+    </p:bg>
+    <p:spTree>
+      <p:nvGrpSpPr>
+        <p:cNvPr id="1" name=""/>
+        <p:cNvGrpSpPr/>
+        <p:nvPr/>
+      </p:nvGrpSpPr>
+      <p:grpSpPr>
+        <a:xfrm>
+          <a:off x="0" y="0"/>
+          <a:ext cx="0" cy="0"/>
+          <a:chOff x="0" y="0"/>
+          <a:chExt cx="0" cy="0"/>
+        </a:xfrm>
+      </p:grpSpPr>
+      <p:sp>
+        <p:nvSpPr>
+          <p:cNvPr id="2" name="Title Placeholder 1"/>
+          <p:cNvSpPr>
+            <a:spLocks noGrp="1"/>
+          </p:cNvSpPr>
+          <p:nvPr>
+            <p:ph type="title"/>
+          </p:nvPr>
+        </p:nvSpPr>
+        <p:spPr>
+          <a:xfrm>
+            <a:off x="457200" y="274638"/>
+            <a:ext cx="8229600" cy="1143000"/>
+          </a:xfrm>
+          <a:prstGeom prst="rect">
+            <a:avLst/>
+          </a:prstGeom>
+        </p:spPr>
+        <p:txBody>
+          <a:bodyPr vert="horz" lIns="91440" tIns="45720" rIns="91440" bIns="45720" rtlCol="0" anchor="ctr">
+            <a:normAutofit/>
+          </a:bodyPr>
+          <a:lstStyle/>
+          <a:p>
+            <a:r>
+              <a:rPr lang="en-US" smtClean="0"/>
+              <a:t>Click to edit Master title style</a:t>
+            </a:r>
+            <a:endParaRPr lang="en-US"/>
+          </a:p>
+        </p:txBody>
+      </p:sp>
+      <p:sp>
+        <p:nvSpPr>
+          <p:cNvPr id="3" name="Text Placeholder 2"/>
+          <p:cNvSpPr>
+            <a:spLocks noGrp="1"/>
+          </p:cNvSpPr>
+          <p:nvPr>
+            <p:ph type="body" idx="1"/>
+          </p:nvPr>
+        </p:nvSpPr>
+        <p:spPr>
+          <a:xfrm>
+            <a:off x="457200" y="1600200"/>
+            <a:ext cx="8229600" cy="4525963"/>
+          </a:xfrm>
+          <a:prstGeom prst="rect">
+            <a:avLst/>
+          </a:prstGeom>
+        </p:spPr>
+        <p:txBody>
+          <a:bodyPr vert="horz" lIns="91440" tIns="45720" rIns="91440" bIns="45720" rtlCol="0">
+            <a:normAutofit/>
+          </a:bodyPr>
+          <a:lstStyle/>
+          <a:p>
+            <a:pPr lvl="0"/>
+            <a:r>
+              <a:rPr lang="en-US" smtClean="0"/>
+              <a:t>Click to edit Master text styles</a:t>
+            </a:r>
+          </a:p>
+          <a:p>
+            <a:pPr lvl="1"/>
+            <a:r>
+              <a:rPr lang="en-US" smtClean="0"/>
+              <a:t>Second level</a:t>
+            </a:r>
+          </a:p>
+          <a:p>
+            <a:pPr lvl="2"/>
+            <a:r>
+              <a:rPr lang="en-US" smtClean="0"/>
+              <a:t>Third level</a:t>
+            </a:r>
+          </a:p>
+          <a:p>
+            <a:pPr lvl="3"/>
+            <a:r>
+              <a:rPr lang="en-US" smtClean="0"/>
+              <a:t>Fourth level</a:t>
+            </a:r>
+          </a:p>
+          <a:p>
+            <a:pPr lvl="4"/>
+            <a:r>
+              <a:rPr lang="en-US" smtClean="0"/>
+              <a:t>Fifth level</a:t>
+            </a:r>
+            <a:endParaRPr lang="en-US"/>
+          </a:p>
+        </p:txBody>
+      </p:sp>
+      <p:sp>
+        <p:nvSpPr>
+          <p:cNvPr id="4" name="Date Placeholder 3"/>
+          <p:cNvSpPr>
+            <a:spLocks noGrp="1"/>
+          </p:cNvSpPr>
+          <p:nvPr>
+            <p:ph type="dt" sz="half" idx="2"/>
+          </p:nvPr>
+        </p:nvSpPr>
+        <p:spPr>
+          <a:xfrm>
+            <a:off x="457200" y="6356350"/>
+            <a:ext cx="2133600" cy="365125"/>
+          </a:xfrm>
+          <a:prstGeom prst="rect">
+            <a:avLst/>
+          </a:prstGeom>
+        </p:spPr>
+        <p:txBody>
+          <a:bodyPr vert="horz" lIns="91440" tIns="45720" rIns="91440" bIns="45720" rtlCol="0" anchor="ctr"/>
+          <a:lstStyle>
+            <a:lvl1pPr algn="l">
+              <a:defRPr sz="1200">
+                <a:solidFill>
+                  <a:schemeClr val="tx1">
+                    <a:tint val="75000"/>
+                  </a:schemeClr>
+                </a:solidFill>
+              </a:defRPr>
+            </a:lvl1pPr>
+          </a:lstStyle>
+          <a:p>
+            <a:pPr defTabSz="457200"/>
+            <a:fld id="{173C66E3-29A9-874C-B80D-C4D9C846BBB6}" type="datetimeFigureOut">
+              <a:rPr lang="en-US" smtClean="0">
+                <a:solidFill>
+                  <a:prstClr val="black">
+                    <a:tint val="75000"/>
+                  </a:prstClr>
+                </a:solidFill>
+              </a:rPr>
+              <a:pPr defTabSz="457200"/>
+              <a:t>5/16/2014</a:t>
+            </a:fld>
+            <a:endParaRPr lang="en-US">
+              <a:solidFill>
+                <a:prstClr val="black">
+                  <a:tint val="75000"/>
+                </a:prstClr>
+              </a:solidFill>
+            </a:endParaRPr>
+          </a:p>
+        </p:txBody>
+      </p:sp>
+      <p:sp>
+        <p:nvSpPr>
+          <p:cNvPr id="5" name="Footer Placeholder 4"/>
+          <p:cNvSpPr>
+            <a:spLocks noGrp="1"/>
+          </p:cNvSpPr>
+          <p:nvPr>
+            <p:ph type="ftr" sz="quarter" idx="3"/>
+          </p:nvPr>
+        </p:nvSpPr>
+        <p:spPr>
+          <a:xfrm>
+            <a:off x="3124200" y="6356350"/>
+            <a:ext cx="2895600" cy="365125"/>
+          </a:xfrm>
+          <a:prstGeom prst="rect">
+            <a:avLst/>
+          </a:prstGeom>
+        </p:spPr>
+        <p:txBody>
+          <a:bodyPr vert="horz" lIns="91440" tIns="45720" rIns="91440" bIns="45720" rtlCol="0" anchor="ctr"/>
+          <a:lstStyle>
+            <a:lvl1pPr algn="ctr">
+              <a:defRPr sz="1200">
+                <a:solidFill>
+                  <a:schemeClr val="tx1">
+                    <a:tint val="75000"/>
+                  </a:schemeClr>
+                </a:solidFill>
+              </a:defRPr>
+            </a:lvl1pPr>
+          </a:lstStyle>
+          <a:p>
+            <a:pPr defTabSz="457200"/>
+            <a:endParaRPr lang="en-US">
+              <a:solidFill>
+                <a:prstClr val="black">
+                  <a:tint val="75000"/>
+                </a:prstClr>
+              </a:solidFill>
+            </a:endParaRPr>
+          </a:p>
+        </p:txBody>
+      </p:sp>
+      <p:sp>
+        <p:nvSpPr>
+          <p:cNvPr id="6" name="Slide Number Placeholder 5"/>
+          <p:cNvSpPr>
+            <a:spLocks noGrp="1"/>
+          </p:cNvSpPr>
+          <p:nvPr>
+            <p:ph type="sldNum" sz="quarter" idx="4"/>
+          </p:nvPr>
+        </p:nvSpPr>
+        <p:spPr>
+          <a:xfrm>
+            <a:off x="6553200" y="6356350"/>
+            <a:ext cx="2133600" cy="365125"/>
+          </a:xfrm>
+          <a:prstGeom prst="rect">
+            <a:avLst/>
+          </a:prstGeom>
+        </p:spPr>
+        <p:txBody>
+          <a:bodyPr vert="horz" lIns="91440" tIns="45720" rIns="91440" bIns="45720" rtlCol="0" anchor="ctr"/>
+          <a:lstStyle>
+            <a:lvl1pPr algn="r">
+              <a:defRPr sz="1200">
+                <a:solidFill>
+                  <a:schemeClr val="tx1">
+                    <a:tint val="75000"/>
+                  </a:schemeClr>
+                </a:solidFill>
+              </a:defRPr>
+            </a:lvl1pPr>
+          </a:lstStyle>
+          <a:p>
+            <a:pPr defTabSz="457200"/>
+            <a:fld id="{1EFED167-E928-A943-AC2D-CDCABD0DB418}" type="slidenum">
+              <a:rPr lang="en-US" smtClean="0">
+                <a:solidFill>
+                  <a:prstClr val="black">
+                    <a:tint val="75000"/>
+                  </a:prstClr>
+                </a:solidFill>
+              </a:rPr>
+              <a:pPr defTabSz="457200"/>
+              <a:t>‹#›</a:t>
+            </a:fld>
+            <a:endParaRPr lang="en-US">
+              <a:solidFill>
+                <a:prstClr val="black">
+                  <a:tint val="75000"/>
+                </a:prstClr>
+              </a:solidFill>
+            </a:endParaRPr>
+          </a:p>
+        </p:txBody>
+      </p:sp>
+    </p:spTree>
+    <p:extLst>
+      <p:ext uri="{BB962C8B-B14F-4D97-AF65-F5344CB8AC3E}">
+        <p14:creationId xmlns:p14="http://schemas.microsoft.com/office/powerpoint/2010/main" val="2265535860"/>
+      </p:ext>
+    </p:extLst>
+  </p:cSld>
+  <p:clrMap bg1="lt1" tx1="dk1" bg2="lt2" tx2="dk2" accent1="accent1" accent2="accent2" accent3="accent3" accent4="accent4" accent5="accent5" accent6="accent6" hlink="hlink" folHlink="folHlink"/>
+  <p:sldLayoutIdLst>
+    <p:sldLayoutId id="2147483707" r:id="rId1"/>
+    <p:sldLayoutId id="2147483708" r:id="rId2"/>
+    <p:sldLayoutId id="2147483709" r:id="rId3"/>
+    <p:sldLayoutId id="2147483710" r:id="rId4"/>
+    <p:sldLayoutId id="2147483711" r:id="rId5"/>
+    <p:sldLayoutId id="2147483712" r:id="rId6"/>
+    <p:sldLayoutId id="2147483713" r:id="rId7"/>
+    <p:sldLayoutId id="2147483714" r:id="rId8"/>
+    <p:sldLayoutId id="2147483715" r:id="rId9"/>
+    <p:sldLayoutId id="2147483716" r:id="rId10"/>
+    <p:sldLayoutId id="2147483717" r:id="rId11"/>
+  </p:sldLayoutIdLst>
+  <p:txStyles>
+    <p:titleStyle>
+      <a:lvl1pPr algn="ctr" defTabSz="457200" rtl="0" eaLnBrk="1" latinLnBrk="0" hangingPunct="1">
+        <a:spcBef>
+          <a:spcPct val="0"/>
+        </a:spcBef>
+        <a:buNone/>
+        <a:defRPr sz="4400" kern="1200">
+          <a:solidFill>
+            <a:schemeClr val="tx1"/>
+          </a:solidFill>
+          <a:latin typeface="+mj-lt"/>
+          <a:ea typeface="+mj-ea"/>
+          <a:cs typeface="+mj-cs"/>
+        </a:defRPr>
+      </a:lvl1pPr>
+    </p:titleStyle>
+    <p:bodyStyle>
+      <a:lvl1pPr marL="342900" indent="-342900" algn="l" defTabSz="457200" rtl="0" eaLnBrk="1" latinLnBrk="0" hangingPunct="1">
+        <a:spcBef>
+          <a:spcPct val="20000"/>
+        </a:spcBef>
+        <a:buFont typeface="Arial"/>
+        <a:buChar char="•"/>
+        <a:defRPr sz="3200" kern="1200">
+          <a:solidFill>
+            <a:schemeClr val="tx1"/>
+          </a:solidFill>
+          <a:latin typeface="+mn-lt"/>
+          <a:ea typeface="+mn-ea"/>
+          <a:cs typeface="+mn-cs"/>
+        </a:defRPr>
+      </a:lvl1pPr>
+      <a:lvl2pPr marL="742950" indent="-285750" algn="l" defTabSz="457200" rtl="0" eaLnBrk="1" latinLnBrk="0" hangingPunct="1">
+        <a:spcBef>
+          <a:spcPct val="20000"/>
+        </a:spcBef>
+        <a:buFont typeface="Arial"/>
+        <a:buChar char="–"/>
+        <a:defRPr sz="2800" kern="1200">
+          <a:solidFill>
+            <a:schemeClr val="tx1"/>
+          </a:solidFill>
+          <a:latin typeface="+mn-lt"/>
+          <a:ea typeface="+mn-ea"/>
+          <a:cs typeface="+mn-cs"/>
+        </a:defRPr>
+      </a:lvl2pPr>
+      <a:lvl3pPr marL="1143000" indent="-228600" algn="l" defTabSz="457200" rtl="0" eaLnBrk="1" latinLnBrk="0" hangingPunct="1">
+        <a:spcBef>
+          <a:spcPct val="20000"/>
+        </a:spcBef>
+        <a:buFont typeface="Arial"/>
+        <a:buChar char="•"/>
+        <a:defRPr sz="2400" kern="1200">
+          <a:solidFill>
+            <a:schemeClr val="tx1"/>
+          </a:solidFill>
+          <a:latin typeface="+mn-lt"/>
+          <a:ea typeface="+mn-ea"/>
+          <a:cs typeface="+mn-cs"/>
+        </a:defRPr>
+      </a:lvl3pPr>
+      <a:lvl4pPr marL="1600200" indent="-228600" algn="l" defTabSz="457200" rtl="0" eaLnBrk="1" latinLnBrk="0" hangingPunct="1">
+        <a:spcBef>
+          <a:spcPct val="20000"/>
+        </a:spcBef>
+        <a:buFont typeface="Arial"/>
+        <a:buChar char="–"/>
+        <a:defRPr sz="2000" kern="1200">
+          <a:solidFill>
+            <a:schemeClr val="tx1"/>
+          </a:solidFill>
+          <a:latin typeface="+mn-lt"/>
+          <a:ea typeface="+mn-ea"/>
+          <a:cs typeface="+mn-cs"/>
+        </a:defRPr>
+      </a:lvl4pPr>
+      <a:lvl5pPr marL="2057400" indent="-228600" algn="l" defTabSz="457200" rtl="0" eaLnBrk="1" latinLnBrk="0" hangingPunct="1">
+        <a:spcBef>
+          <a:spcPct val="20000"/>
+        </a:spcBef>
+        <a:buFont typeface="Arial"/>
+        <a:buChar char="»"/>
+        <a:defRPr sz="2000" kern="1200">
+          <a:solidFill>
+            <a:schemeClr val="tx1"/>
+          </a:solidFill>
+          <a:latin typeface="+mn-lt"/>
+          <a:ea typeface="+mn-ea"/>
+          <a:cs typeface="+mn-cs"/>
+        </a:defRPr>
+      </a:lvl5pPr>
+      <a:lvl6pPr marL="2514600" indent="-228600" algn="l" defTabSz="457200" rtl="0" eaLnBrk="1" latinLnBrk="0" hangingPunct="1">
+        <a:spcBef>
+          <a:spcPct val="20000"/>
+        </a:spcBef>
+        <a:buFont typeface="Arial"/>
+        <a:buChar char="•"/>
+        <a:defRPr sz="2000" kern="1200">
+          <a:solidFill>
+            <a:schemeClr val="tx1"/>
+          </a:solidFill>
+          <a:latin typeface="+mn-lt"/>
+          <a:ea typeface="+mn-ea"/>
+          <a:cs typeface="+mn-cs"/>
+        </a:defRPr>
+      </a:lvl6pPr>
+      <a:lvl7pPr marL="2971800" indent="-228600" algn="l" defTabSz="457200" rtl="0" eaLnBrk="1" latinLnBrk="0" hangingPunct="1">
+        <a:spcBef>
+          <a:spcPct val="20000"/>
+        </a:spcBef>
+        <a:buFont typeface="Arial"/>
+        <a:buChar char="•"/>
+        <a:defRPr sz="2000" kern="1200">
+          <a:solidFill>
+            <a:schemeClr val="tx1"/>
+          </a:solidFill>
+          <a:latin typeface="+mn-lt"/>
+          <a:ea typeface="+mn-ea"/>
+          <a:cs typeface="+mn-cs"/>
+        </a:defRPr>
+      </a:lvl7pPr>
+      <a:lvl8pPr marL="3429000" indent="-228600" algn="l" defTabSz="457200" rtl="0" eaLnBrk="1" latinLnBrk="0" hangingPunct="1">
+        <a:spcBef>
+          <a:spcPct val="20000"/>
+        </a:spcBef>
+        <a:buFont typeface="Arial"/>
+        <a:buChar char="•"/>
+        <a:defRPr sz="2000" kern="1200">
+          <a:solidFill>
+            <a:schemeClr val="tx1"/>
+          </a:solidFill>
+          <a:latin typeface="+mn-lt"/>
+          <a:ea typeface="+mn-ea"/>
+          <a:cs typeface="+mn-cs"/>
+        </a:defRPr>
+      </a:lvl8pPr>
+      <a:lvl9pPr marL="3886200" indent="-228600" algn="l" defTabSz="457200" rtl="0" eaLnBrk="1" latinLnBrk="0" hangingPunct="1">
+        <a:spcBef>
+          <a:spcPct val="20000"/>
+        </a:spcBef>
+        <a:buFont typeface="Arial"/>
+        <a:buChar char="•"/>
+        <a:defRPr sz="2000" kern="1200">
+          <a:solidFill>
+            <a:schemeClr val="tx1"/>
+          </a:solidFill>
+          <a:latin typeface="+mn-lt"/>
+          <a:ea typeface="+mn-ea"/>
+          <a:cs typeface="+mn-cs"/>
+        </a:defRPr>
+      </a:lvl9pPr>
+    </p:bodyStyle>
+    <p:otherStyle>
+      <a:defPPr>
+        <a:defRPr lang="en-US"/>
+      </a:defPPr>
+      <a:lvl1pPr marL="0" algn="l" defTabSz="457200" rtl="0" eaLnBrk="1" latinLnBrk="0" hangingPunct="1">
+        <a:defRPr sz="1800" kern="1200">
+          <a:solidFill>
+            <a:schemeClr val="tx1"/>
+          </a:solidFill>
+          <a:latin typeface="+mn-lt"/>
+          <a:ea typeface="+mn-ea"/>
+          <a:cs typeface="+mn-cs"/>
+        </a:defRPr>
+      </a:lvl1pPr>
+      <a:lvl2pPr marL="457200" algn="l" defTabSz="457200" rtl="0" eaLnBrk="1" latinLnBrk="0" hangingPunct="1">
+        <a:defRPr sz="1800" kern="1200">
+          <a:solidFill>
+            <a:schemeClr val="tx1"/>
+          </a:solidFill>
+          <a:latin typeface="+mn-lt"/>
+          <a:ea typeface="+mn-ea"/>
+          <a:cs typeface="+mn-cs"/>
+        </a:defRPr>
+      </a:lvl2pPr>
+      <a:lvl3pPr marL="914400" algn="l" defTabSz="457200" rtl="0" eaLnBrk="1" latinLnBrk="0" hangingPunct="1">
+        <a:defRPr sz="1800" kern="1200">
+          <a:solidFill>
+            <a:schemeClr val="tx1"/>
+          </a:solidFill>
+          <a:latin typeface="+mn-lt"/>
+          <a:ea typeface="+mn-ea"/>
+          <a:cs typeface="+mn-cs"/>
+        </a:defRPr>
+      </a:lvl3pPr>
+      <a:lvl4pPr marL="1371600" algn="l" defTabSz="457200" rtl="0" eaLnBrk="1" latinLnBrk="0" hangingPunct="1">
+        <a:defRPr sz="1800" kern="1200">
+          <a:solidFill>
+            <a:schemeClr val="tx1"/>
+          </a:solidFill>
+          <a:latin typeface="+mn-lt"/>
+          <a:ea typeface="+mn-ea"/>
+          <a:cs typeface="+mn-cs"/>
+        </a:defRPr>
+      </a:lvl4pPr>
+      <a:lvl5pPr marL="1828800" algn="l" defTabSz="457200" rtl="0" eaLnBrk="1" latinLnBrk="0" hangingPunct="1">
+        <a:defRPr sz="1800" kern="1200">
+          <a:solidFill>
+            <a:schemeClr val="tx1"/>
+          </a:solidFill>
+          <a:latin typeface="+mn-lt"/>
+          <a:ea typeface="+mn-ea"/>
+          <a:cs typeface="+mn-cs"/>
+        </a:defRPr>
+      </a:lvl5pPr>
+      <a:lvl6pPr marL="2286000" algn="l" defTabSz="457200" rtl="0" eaLnBrk="1" latinLnBrk="0" hangingPunct="1">
+        <a:defRPr sz="1800" kern="1200">
+          <a:solidFill>
+            <a:schemeClr val="tx1"/>
+          </a:solidFill>
+          <a:latin typeface="+mn-lt"/>
+          <a:ea typeface="+mn-ea"/>
+          <a:cs typeface="+mn-cs"/>
+        </a:defRPr>
+      </a:lvl6pPr>
+      <a:lvl7pPr marL="2743200" algn="l" defTabSz="457200" rtl="0" eaLnBrk="1" latinLnBrk="0" hangingPunct="1">
+        <a:defRPr sz="1800" kern="1200">
+          <a:solidFill>
+            <a:schemeClr val="tx1"/>
+          </a:solidFill>
+          <a:latin typeface="+mn-lt"/>
+          <a:ea typeface="+mn-ea"/>
+          <a:cs typeface="+mn-cs"/>
+        </a:defRPr>
+      </a:lvl7pPr>
+      <a:lvl8pPr marL="3200400" algn="l" defTabSz="457200" rtl="0" eaLnBrk="1" latinLnBrk="0" hangingPunct="1">
+        <a:defRPr sz="1800" kern="1200">
+          <a:solidFill>
+            <a:schemeClr val="tx1"/>
+          </a:solidFill>
+          <a:latin typeface="+mn-lt"/>
+          <a:ea typeface="+mn-ea"/>
+          <a:cs typeface="+mn-cs"/>
+        </a:defRPr>
+      </a:lvl8pPr>
+      <a:lvl9pPr marL="3657600" algn="l" defTabSz="457200" rtl="0" eaLnBrk="1" latinLnBrk="0" hangingPunct="1">
+        <a:defRPr sz="1800" kern="1200">
+          <a:solidFill>
+            <a:schemeClr val="tx1"/>
+          </a:solidFill>
+          <a:latin typeface="+mn-lt"/>
+          <a:ea typeface="+mn-ea"/>
+          <a:cs typeface="+mn-cs"/>
+        </a:defRPr>
+      </a:lvl9pPr>
+    </p:otherStyle>
+  </p:txStyles>
+</p:sldMaster>
+</file>
+
 <file path=ppt/slides/slide1.xml><?xml version="1.0" encoding="utf-8"?>
 <p:sld xmlns:a="http://schemas.openxmlformats.org/drawingml/2006/main" xmlns:r="http://schemas.openxmlformats.org/officeDocument/2006/relationships" xmlns:p="http://schemas.openxmlformats.org/presentationml/2006/main">
   <p:cSld>
@@ -6695,6 +10055,1351 @@
 </file>
 
 <file path=ppt/slides/slide2.xml><?xml version="1.0" encoding="utf-8"?>
+<p:sld xmlns:a="http://schemas.openxmlformats.org/drawingml/2006/main" xmlns:r="http://schemas.openxmlformats.org/officeDocument/2006/relationships" xmlns:p="http://schemas.openxmlformats.org/presentationml/2006/main">
+  <p:cSld>
+    <p:spTree>
+      <p:nvGrpSpPr>
+        <p:cNvPr id="1" name=""/>
+        <p:cNvGrpSpPr/>
+        <p:nvPr/>
+      </p:nvGrpSpPr>
+      <p:grpSpPr>
+        <a:xfrm>
+          <a:off x="0" y="0"/>
+          <a:ext cx="0" cy="0"/>
+          <a:chOff x="0" y="0"/>
+          <a:chExt cx="0" cy="0"/>
+        </a:xfrm>
+      </p:grpSpPr>
+      <p:graphicFrame>
+        <p:nvGraphicFramePr>
+          <p:cNvPr id="5" name="Table 4"/>
+          <p:cNvGraphicFramePr>
+            <a:graphicFrameLocks noGrp="1"/>
+          </p:cNvGraphicFramePr>
+          <p:nvPr>
+            <p:extLst/>
+          </p:nvPr>
+        </p:nvGraphicFramePr>
+        <p:xfrm>
+          <a:off x="85746" y="127139"/>
+          <a:ext cx="8956888" cy="1540503"/>
+        </p:xfrm>
+        <a:graphic>
+          <a:graphicData uri="http://schemas.openxmlformats.org/drawingml/2006/table">
+            <a:tbl>
+              <a:tblPr firstRow="1" bandRow="1">
+                <a:tableStyleId>{5C22544A-7EE6-4342-B048-85BDC9FD1C3A}</a:tableStyleId>
+              </a:tblPr>
+              <a:tblGrid>
+                <a:gridCol w="8956888"/>
+              </a:tblGrid>
+              <a:tr h="1540503">
+                <a:tc>
+                  <a:txBody>
+                    <a:bodyPr/>
+                    <a:lstStyle/>
+                    <a:p>
+                      <a:pPr algn="l"/>
+                      <a:r>
+                        <a:rPr lang="en-US" sz="2400" u="sng" dirty="0" smtClean="0">
+                          <a:solidFill>
+                            <a:schemeClr val="accent6"/>
+                          </a:solidFill>
+                        </a:rPr>
+                        <a:t>Titanium</a:t>
+                      </a:r>
+                      <a:r>
+                        <a:rPr lang="en-US" sz="2400" u="sng" baseline="0" dirty="0" smtClean="0">
+                          <a:solidFill>
+                            <a:schemeClr val="accent6"/>
+                          </a:solidFill>
+                        </a:rPr>
+                        <a:t> Sponsors</a:t>
+                      </a:r>
+                      <a:endParaRPr lang="en-US" sz="2400" u="sng" dirty="0">
+                        <a:solidFill>
+                          <a:schemeClr val="accent6"/>
+                        </a:solidFill>
+                      </a:endParaRPr>
+                    </a:p>
+                  </a:txBody>
+                  <a:tcPr>
+                    <a:lnL w="12700" cap="flat" cmpd="sng" algn="ctr">
+                      <a:solidFill>
+                        <a:scrgbClr r="0" g="0" b="0"/>
+                      </a:solidFill>
+                      <a:prstDash val="solid"/>
+                      <a:round/>
+                      <a:headEnd type="none" w="med" len="med"/>
+                      <a:tailEnd type="none" w="med" len="med"/>
+                    </a:lnL>
+                    <a:lnR w="12700" cap="flat" cmpd="sng" algn="ctr">
+                      <a:solidFill>
+                        <a:scrgbClr r="0" g="0" b="0"/>
+                      </a:solidFill>
+                      <a:prstDash val="solid"/>
+                      <a:round/>
+                      <a:headEnd type="none" w="med" len="med"/>
+                      <a:tailEnd type="none" w="med" len="med"/>
+                    </a:lnR>
+                    <a:lnT w="12700" cap="flat" cmpd="sng" algn="ctr">
+                      <a:solidFill>
+                        <a:scrgbClr r="0" g="0" b="0"/>
+                      </a:solidFill>
+                      <a:prstDash val="solid"/>
+                      <a:round/>
+                      <a:headEnd type="none" w="med" len="med"/>
+                      <a:tailEnd type="none" w="med" len="med"/>
+                    </a:lnT>
+                    <a:lnB w="12700" cap="flat" cmpd="sng" algn="ctr">
+                      <a:solidFill>
+                        <a:scrgbClr r="0" g="0" b="0"/>
+                      </a:solidFill>
+                      <a:prstDash val="solid"/>
+                      <a:round/>
+                      <a:headEnd type="none" w="med" len="med"/>
+                      <a:tailEnd type="none" w="med" len="med"/>
+                    </a:lnB>
+                    <a:noFill/>
+                  </a:tcPr>
+                </a:tc>
+              </a:tr>
+            </a:tbl>
+          </a:graphicData>
+        </a:graphic>
+      </p:graphicFrame>
+      <p:pic>
+        <p:nvPicPr>
+          <p:cNvPr id="6" name="Picture 5" descr="AJi Software.png"/>
+          <p:cNvPicPr>
+            <a:picLocks noChangeAspect="1"/>
+          </p:cNvPicPr>
+          <p:nvPr/>
+        </p:nvPicPr>
+        <p:blipFill>
+          <a:blip r:embed="rId2">
+            <a:extLst>
+              <a:ext uri="{28A0092B-C50C-407E-A947-70E740481C1C}">
+                <a14:useLocalDpi xmlns:a14="http://schemas.microsoft.com/office/drawing/2010/main" val="0"/>
+              </a:ext>
+            </a:extLst>
+          </a:blip>
+          <a:stretch>
+            <a:fillRect/>
+          </a:stretch>
+        </p:blipFill>
+        <p:spPr>
+          <a:xfrm>
+            <a:off x="177551" y="574458"/>
+            <a:ext cx="2869405" cy="1007480"/>
+          </a:xfrm>
+          <a:prstGeom prst="rect">
+            <a:avLst/>
+          </a:prstGeom>
+        </p:spPr>
+      </p:pic>
+      <p:pic>
+        <p:nvPicPr>
+          <p:cNvPr id="7" name="Picture 6" descr="AdventureTech.png"/>
+          <p:cNvPicPr>
+            <a:picLocks noChangeAspect="1"/>
+          </p:cNvPicPr>
+          <p:nvPr/>
+        </p:nvPicPr>
+        <p:blipFill>
+          <a:blip r:embed="rId3">
+            <a:extLst>
+              <a:ext uri="{28A0092B-C50C-407E-A947-70E740481C1C}">
+                <a14:useLocalDpi xmlns:a14="http://schemas.microsoft.com/office/drawing/2010/main" val="0"/>
+              </a:ext>
+            </a:extLst>
+          </a:blip>
+          <a:stretch>
+            <a:fillRect/>
+          </a:stretch>
+        </p:blipFill>
+        <p:spPr>
+          <a:xfrm>
+            <a:off x="7468620" y="173036"/>
+            <a:ext cx="1558713" cy="1454799"/>
+          </a:xfrm>
+          <a:prstGeom prst="rect">
+            <a:avLst/>
+          </a:prstGeom>
+        </p:spPr>
+      </p:pic>
+      <p:pic>
+        <p:nvPicPr>
+          <p:cNvPr id="8" name="Picture 7" descr="Paige Technologies.png"/>
+          <p:cNvPicPr>
+            <a:picLocks noChangeAspect="1"/>
+          </p:cNvPicPr>
+          <p:nvPr/>
+        </p:nvPicPr>
+        <p:blipFill>
+          <a:blip r:embed="rId4">
+            <a:extLst>
+              <a:ext uri="{28A0092B-C50C-407E-A947-70E740481C1C}">
+                <a14:useLocalDpi xmlns:a14="http://schemas.microsoft.com/office/drawing/2010/main" val="0"/>
+              </a:ext>
+            </a:extLst>
+          </a:blip>
+          <a:stretch>
+            <a:fillRect/>
+          </a:stretch>
+        </p:blipFill>
+        <p:spPr>
+          <a:xfrm>
+            <a:off x="5111233" y="183588"/>
+            <a:ext cx="2280389" cy="1444247"/>
+          </a:xfrm>
+          <a:prstGeom prst="rect">
+            <a:avLst/>
+          </a:prstGeom>
+        </p:spPr>
+      </p:pic>
+      <p:pic>
+        <p:nvPicPr>
+          <p:cNvPr id="9" name="Picture 8" descr="Valorem.png"/>
+          <p:cNvPicPr>
+            <a:picLocks noChangeAspect="1"/>
+          </p:cNvPicPr>
+          <p:nvPr/>
+        </p:nvPicPr>
+        <p:blipFill>
+          <a:blip r:embed="rId5">
+            <a:extLst>
+              <a:ext uri="{28A0092B-C50C-407E-A947-70E740481C1C}">
+                <a14:useLocalDpi xmlns:a14="http://schemas.microsoft.com/office/drawing/2010/main" val="0"/>
+              </a:ext>
+            </a:extLst>
+          </a:blip>
+          <a:stretch>
+            <a:fillRect/>
+          </a:stretch>
+        </p:blipFill>
+        <p:spPr>
+          <a:xfrm>
+            <a:off x="2998921" y="182922"/>
+            <a:ext cx="2172680" cy="1448454"/>
+          </a:xfrm>
+          <a:prstGeom prst="rect">
+            <a:avLst/>
+          </a:prstGeom>
+        </p:spPr>
+      </p:pic>
+      <p:graphicFrame>
+        <p:nvGraphicFramePr>
+          <p:cNvPr id="10" name="Table 9"/>
+          <p:cNvGraphicFramePr>
+            <a:graphicFrameLocks noGrp="1"/>
+          </p:cNvGraphicFramePr>
+          <p:nvPr>
+            <p:extLst/>
+          </p:nvPr>
+        </p:nvGraphicFramePr>
+        <p:xfrm>
+          <a:off x="85746" y="1820653"/>
+          <a:ext cx="8956888" cy="2478505"/>
+        </p:xfrm>
+        <a:graphic>
+          <a:graphicData uri="http://schemas.openxmlformats.org/drawingml/2006/table">
+            <a:tbl>
+              <a:tblPr firstRow="1" bandRow="1">
+                <a:tableStyleId>{5C22544A-7EE6-4342-B048-85BDC9FD1C3A}</a:tableStyleId>
+              </a:tblPr>
+              <a:tblGrid>
+                <a:gridCol w="8956888"/>
+              </a:tblGrid>
+              <a:tr h="2478505">
+                <a:tc>
+                  <a:txBody>
+                    <a:bodyPr/>
+                    <a:lstStyle/>
+                    <a:p>
+                      <a:r>
+                        <a:rPr lang="en-US" sz="2000" u="sng" dirty="0" smtClean="0">
+                          <a:solidFill>
+                            <a:srgbClr val="F79646"/>
+                          </a:solidFill>
+                        </a:rPr>
+                        <a:t>Platinum</a:t>
+                      </a:r>
+                      <a:r>
+                        <a:rPr lang="en-US" sz="2000" u="sng" baseline="0" dirty="0" smtClean="0">
+                          <a:solidFill>
+                            <a:srgbClr val="F79646"/>
+                          </a:solidFill>
+                        </a:rPr>
+                        <a:t> Sponsors</a:t>
+                      </a:r>
+                      <a:endParaRPr lang="en-US" sz="2000" u="sng" dirty="0">
+                        <a:solidFill>
+                          <a:srgbClr val="F79646"/>
+                        </a:solidFill>
+                      </a:endParaRPr>
+                    </a:p>
+                  </a:txBody>
+                  <a:tcPr>
+                    <a:lnL w="12700" cap="flat" cmpd="sng" algn="ctr">
+                      <a:solidFill>
+                        <a:scrgbClr r="0" g="0" b="0"/>
+                      </a:solidFill>
+                      <a:prstDash val="solid"/>
+                      <a:round/>
+                      <a:headEnd type="none" w="med" len="med"/>
+                      <a:tailEnd type="none" w="med" len="med"/>
+                    </a:lnL>
+                    <a:lnR w="12700" cap="flat" cmpd="sng" algn="ctr">
+                      <a:solidFill>
+                        <a:scrgbClr r="0" g="0" b="0"/>
+                      </a:solidFill>
+                      <a:prstDash val="solid"/>
+                      <a:round/>
+                      <a:headEnd type="none" w="med" len="med"/>
+                      <a:tailEnd type="none" w="med" len="med"/>
+                    </a:lnR>
+                    <a:lnT w="12700" cap="flat" cmpd="sng" algn="ctr">
+                      <a:solidFill>
+                        <a:scrgbClr r="0" g="0" b="0"/>
+                      </a:solidFill>
+                      <a:prstDash val="solid"/>
+                      <a:round/>
+                      <a:headEnd type="none" w="med" len="med"/>
+                      <a:tailEnd type="none" w="med" len="med"/>
+                    </a:lnT>
+                    <a:lnB w="12700" cap="flat" cmpd="sng" algn="ctr">
+                      <a:solidFill>
+                        <a:scrgbClr r="0" g="0" b="0"/>
+                      </a:solidFill>
+                      <a:prstDash val="solid"/>
+                      <a:round/>
+                      <a:headEnd type="none" w="med" len="med"/>
+                      <a:tailEnd type="none" w="med" len="med"/>
+                    </a:lnB>
+                    <a:solidFill>
+                      <a:srgbClr val="FFFFFF"/>
+                    </a:solidFill>
+                  </a:tcPr>
+                </a:tc>
+              </a:tr>
+            </a:tbl>
+          </a:graphicData>
+        </a:graphic>
+      </p:graphicFrame>
+      <p:pic>
+        <p:nvPicPr>
+          <p:cNvPr id="11" name="Picture 10" descr="Adaptive Solutions Group.png"/>
+          <p:cNvPicPr>
+            <a:picLocks noChangeAspect="1"/>
+          </p:cNvPicPr>
+          <p:nvPr/>
+        </p:nvPicPr>
+        <p:blipFill>
+          <a:blip r:embed="rId6">
+            <a:extLst>
+              <a:ext uri="{28A0092B-C50C-407E-A947-70E740481C1C}">
+                <a14:useLocalDpi xmlns:a14="http://schemas.microsoft.com/office/drawing/2010/main" val="0"/>
+              </a:ext>
+            </a:extLst>
+          </a:blip>
+          <a:stretch>
+            <a:fillRect/>
+          </a:stretch>
+        </p:blipFill>
+        <p:spPr>
+          <a:xfrm>
+            <a:off x="131648" y="2295319"/>
+            <a:ext cx="2130693" cy="419037"/>
+          </a:xfrm>
+          <a:prstGeom prst="rect">
+            <a:avLst/>
+          </a:prstGeom>
+        </p:spPr>
+      </p:pic>
+      <p:pic>
+        <p:nvPicPr>
+          <p:cNvPr id="12" name="Picture 11" descr="Balance Innovations.png"/>
+          <p:cNvPicPr>
+            <a:picLocks noChangeAspect="1"/>
+          </p:cNvPicPr>
+          <p:nvPr/>
+        </p:nvPicPr>
+        <p:blipFill>
+          <a:blip r:embed="rId7" cstate="print">
+            <a:extLst>
+              <a:ext uri="{28A0092B-C50C-407E-A947-70E740481C1C}">
+                <a14:useLocalDpi xmlns:a14="http://schemas.microsoft.com/office/drawing/2010/main" val="0"/>
+              </a:ext>
+            </a:extLst>
+          </a:blip>
+          <a:stretch>
+            <a:fillRect/>
+          </a:stretch>
+        </p:blipFill>
+        <p:spPr>
+          <a:xfrm>
+            <a:off x="3833617" y="2330006"/>
+            <a:ext cx="1209914" cy="956763"/>
+          </a:xfrm>
+          <a:prstGeom prst="rect">
+            <a:avLst/>
+          </a:prstGeom>
+        </p:spPr>
+      </p:pic>
+      <p:pic>
+        <p:nvPicPr>
+          <p:cNvPr id="13" name="Picture 12" descr="DevExpress.png"/>
+          <p:cNvPicPr>
+            <a:picLocks noChangeAspect="1"/>
+          </p:cNvPicPr>
+          <p:nvPr/>
+        </p:nvPicPr>
+        <p:blipFill>
+          <a:blip r:embed="rId8">
+            <a:extLst>
+              <a:ext uri="{28A0092B-C50C-407E-A947-70E740481C1C}">
+                <a14:useLocalDpi xmlns:a14="http://schemas.microsoft.com/office/drawing/2010/main" val="0"/>
+              </a:ext>
+            </a:extLst>
+          </a:blip>
+          <a:stretch>
+            <a:fillRect/>
+          </a:stretch>
+        </p:blipFill>
+        <p:spPr>
+          <a:xfrm>
+            <a:off x="5622883" y="2808388"/>
+            <a:ext cx="2329697" cy="388283"/>
+          </a:xfrm>
+          <a:prstGeom prst="rect">
+            <a:avLst/>
+          </a:prstGeom>
+        </p:spPr>
+      </p:pic>
+      <p:pic>
+        <p:nvPicPr>
+          <p:cNvPr id="14" name="Picture 13" descr="DST.png"/>
+          <p:cNvPicPr>
+            <a:picLocks noChangeAspect="1"/>
+          </p:cNvPicPr>
+          <p:nvPr/>
+        </p:nvPicPr>
+        <p:blipFill>
+          <a:blip r:embed="rId9">
+            <a:extLst>
+              <a:ext uri="{28A0092B-C50C-407E-A947-70E740481C1C}">
+                <a14:useLocalDpi xmlns:a14="http://schemas.microsoft.com/office/drawing/2010/main" val="0"/>
+              </a:ext>
+            </a:extLst>
+          </a:blip>
+          <a:stretch>
+            <a:fillRect/>
+          </a:stretch>
+        </p:blipFill>
+        <p:spPr>
+          <a:xfrm>
+            <a:off x="2310207" y="1909763"/>
+            <a:ext cx="1239523" cy="1115571"/>
+          </a:xfrm>
+          <a:prstGeom prst="rect">
+            <a:avLst/>
+          </a:prstGeom>
+        </p:spPr>
+      </p:pic>
+      <p:pic>
+        <p:nvPicPr>
+          <p:cNvPr id="15" name="Picture 14" descr="Epiq Systems.png"/>
+          <p:cNvPicPr>
+            <a:picLocks noChangeAspect="1"/>
+          </p:cNvPicPr>
+          <p:nvPr/>
+        </p:nvPicPr>
+        <p:blipFill>
+          <a:blip r:embed="rId10">
+            <a:extLst>
+              <a:ext uri="{28A0092B-C50C-407E-A947-70E740481C1C}">
+                <a14:useLocalDpi xmlns:a14="http://schemas.microsoft.com/office/drawing/2010/main" val="0"/>
+              </a:ext>
+            </a:extLst>
+          </a:blip>
+          <a:stretch>
+            <a:fillRect/>
+          </a:stretch>
+        </p:blipFill>
+        <p:spPr>
+          <a:xfrm>
+            <a:off x="7299816" y="2024013"/>
+            <a:ext cx="1655306" cy="728335"/>
+          </a:xfrm>
+          <a:prstGeom prst="rect">
+            <a:avLst/>
+          </a:prstGeom>
+        </p:spPr>
+      </p:pic>
+      <p:pic>
+        <p:nvPicPr>
+          <p:cNvPr id="16" name="Picture 15" descr="Jack Henry And Associates.png"/>
+          <p:cNvPicPr>
+            <a:picLocks noChangeAspect="1"/>
+          </p:cNvPicPr>
+          <p:nvPr/>
+        </p:nvPicPr>
+        <p:blipFill>
+          <a:blip r:embed="rId11">
+            <a:extLst>
+              <a:ext uri="{28A0092B-C50C-407E-A947-70E740481C1C}">
+                <a14:useLocalDpi xmlns:a14="http://schemas.microsoft.com/office/drawing/2010/main" val="0"/>
+              </a:ext>
+            </a:extLst>
+          </a:blip>
+          <a:stretch>
+            <a:fillRect/>
+          </a:stretch>
+        </p:blipFill>
+        <p:spPr>
+          <a:xfrm>
+            <a:off x="133294" y="3215130"/>
+            <a:ext cx="2284193" cy="541680"/>
+          </a:xfrm>
+          <a:prstGeom prst="rect">
+            <a:avLst/>
+          </a:prstGeom>
+        </p:spPr>
+      </p:pic>
+      <p:pic>
+        <p:nvPicPr>
+          <p:cNvPr id="17" name="Picture 16" descr="Kauffman Labs.png"/>
+          <p:cNvPicPr>
+            <a:picLocks noChangeAspect="1"/>
+          </p:cNvPicPr>
+          <p:nvPr/>
+        </p:nvPicPr>
+        <p:blipFill>
+          <a:blip r:embed="rId12">
+            <a:extLst>
+              <a:ext uri="{28A0092B-C50C-407E-A947-70E740481C1C}">
+                <a14:useLocalDpi xmlns:a14="http://schemas.microsoft.com/office/drawing/2010/main" val="0"/>
+              </a:ext>
+            </a:extLst>
+          </a:blip>
+          <a:stretch>
+            <a:fillRect/>
+          </a:stretch>
+        </p:blipFill>
+        <p:spPr>
+          <a:xfrm>
+            <a:off x="4652534" y="3626366"/>
+            <a:ext cx="2249973" cy="464994"/>
+          </a:xfrm>
+          <a:prstGeom prst="rect">
+            <a:avLst/>
+          </a:prstGeom>
+        </p:spPr>
+      </p:pic>
+      <p:pic>
+        <p:nvPicPr>
+          <p:cNvPr id="18" name="Picture 17" descr="OReilly.png"/>
+          <p:cNvPicPr>
+            <a:picLocks noChangeAspect="1"/>
+          </p:cNvPicPr>
+          <p:nvPr/>
+        </p:nvPicPr>
+        <p:blipFill>
+          <a:blip r:embed="rId13">
+            <a:extLst>
+              <a:ext uri="{28A0092B-C50C-407E-A947-70E740481C1C}">
+                <a14:useLocalDpi xmlns:a14="http://schemas.microsoft.com/office/drawing/2010/main" val="0"/>
+              </a:ext>
+            </a:extLst>
+          </a:blip>
+          <a:stretch>
+            <a:fillRect/>
+          </a:stretch>
+        </p:blipFill>
+        <p:spPr>
+          <a:xfrm>
+            <a:off x="2598999" y="3643066"/>
+            <a:ext cx="1620339" cy="448294"/>
+          </a:xfrm>
+          <a:prstGeom prst="rect">
+            <a:avLst/>
+          </a:prstGeom>
+        </p:spPr>
+      </p:pic>
+      <p:pic>
+        <p:nvPicPr>
+          <p:cNvPr id="19" name="Picture 18" descr="Sprint.png"/>
+          <p:cNvPicPr>
+            <a:picLocks noChangeAspect="1"/>
+          </p:cNvPicPr>
+          <p:nvPr/>
+        </p:nvPicPr>
+        <p:blipFill>
+          <a:blip r:embed="rId14">
+            <a:extLst>
+              <a:ext uri="{28A0092B-C50C-407E-A947-70E740481C1C}">
+                <a14:useLocalDpi xmlns:a14="http://schemas.microsoft.com/office/drawing/2010/main" val="0"/>
+              </a:ext>
+            </a:extLst>
+          </a:blip>
+          <a:stretch>
+            <a:fillRect/>
+          </a:stretch>
+        </p:blipFill>
+        <p:spPr>
+          <a:xfrm>
+            <a:off x="5111233" y="1894463"/>
+            <a:ext cx="1791274" cy="779409"/>
+          </a:xfrm>
+          <a:prstGeom prst="rect">
+            <a:avLst/>
+          </a:prstGeom>
+        </p:spPr>
+      </p:pic>
+      <p:pic>
+        <p:nvPicPr>
+          <p:cNvPr id="20" name="Picture 19" descr="Freightquote.png"/>
+          <p:cNvPicPr>
+            <a:picLocks noChangeAspect="1"/>
+          </p:cNvPicPr>
+          <p:nvPr/>
+        </p:nvPicPr>
+        <p:blipFill>
+          <a:blip r:embed="rId15">
+            <a:extLst>
+              <a:ext uri="{28A0092B-C50C-407E-A947-70E740481C1C}">
+                <a14:useLocalDpi xmlns:a14="http://schemas.microsoft.com/office/drawing/2010/main" val="0"/>
+              </a:ext>
+            </a:extLst>
+          </a:blip>
+          <a:stretch>
+            <a:fillRect/>
+          </a:stretch>
+        </p:blipFill>
+        <p:spPr>
+          <a:xfrm>
+            <a:off x="7299816" y="3410154"/>
+            <a:ext cx="1610961" cy="681206"/>
+          </a:xfrm>
+          <a:prstGeom prst="rect">
+            <a:avLst/>
+          </a:prstGeom>
+        </p:spPr>
+      </p:pic>
+      <p:graphicFrame>
+        <p:nvGraphicFramePr>
+          <p:cNvPr id="21" name="Table 20"/>
+          <p:cNvGraphicFramePr>
+            <a:graphicFrameLocks noGrp="1"/>
+          </p:cNvGraphicFramePr>
+          <p:nvPr>
+            <p:extLst/>
+          </p:nvPr>
+        </p:nvGraphicFramePr>
+        <p:xfrm>
+          <a:off x="85746" y="4498053"/>
+          <a:ext cx="8956888" cy="2218428"/>
+        </p:xfrm>
+        <a:graphic>
+          <a:graphicData uri="http://schemas.openxmlformats.org/drawingml/2006/table">
+            <a:tbl>
+              <a:tblPr firstRow="1" bandRow="1">
+                <a:tableStyleId>{5C22544A-7EE6-4342-B048-85BDC9FD1C3A}</a:tableStyleId>
+              </a:tblPr>
+              <a:tblGrid>
+                <a:gridCol w="8956888"/>
+              </a:tblGrid>
+              <a:tr h="2218428">
+                <a:tc>
+                  <a:txBody>
+                    <a:bodyPr/>
+                    <a:lstStyle/>
+                    <a:p>
+                      <a:r>
+                        <a:rPr lang="en-US" u="sng" dirty="0" smtClean="0">
+                          <a:solidFill>
+                            <a:srgbClr val="F79646"/>
+                          </a:solidFill>
+                        </a:rPr>
+                        <a:t>Gold Sponsors</a:t>
+                      </a:r>
+                      <a:endParaRPr lang="en-US" u="sng" dirty="0">
+                        <a:solidFill>
+                          <a:srgbClr val="F79646"/>
+                        </a:solidFill>
+                      </a:endParaRPr>
+                    </a:p>
+                  </a:txBody>
+                  <a:tcPr>
+                    <a:lnL w="12700" cap="flat" cmpd="sng" algn="ctr">
+                      <a:solidFill>
+                        <a:scrgbClr r="0" g="0" b="0"/>
+                      </a:solidFill>
+                      <a:prstDash val="solid"/>
+                      <a:round/>
+                      <a:headEnd type="none" w="med" len="med"/>
+                      <a:tailEnd type="none" w="med" len="med"/>
+                    </a:lnL>
+                    <a:lnR w="12700" cap="flat" cmpd="sng" algn="ctr">
+                      <a:solidFill>
+                        <a:scrgbClr r="0" g="0" b="0"/>
+                      </a:solidFill>
+                      <a:prstDash val="solid"/>
+                      <a:round/>
+                      <a:headEnd type="none" w="med" len="med"/>
+                      <a:tailEnd type="none" w="med" len="med"/>
+                    </a:lnR>
+                    <a:lnT w="12700" cap="flat" cmpd="sng" algn="ctr">
+                      <a:solidFill>
+                        <a:scrgbClr r="0" g="0" b="0"/>
+                      </a:solidFill>
+                      <a:prstDash val="solid"/>
+                      <a:round/>
+                      <a:headEnd type="none" w="med" len="med"/>
+                      <a:tailEnd type="none" w="med" len="med"/>
+                    </a:lnT>
+                    <a:lnB w="12700" cap="flat" cmpd="sng" algn="ctr">
+                      <a:solidFill>
+                        <a:scrgbClr r="0" g="0" b="0"/>
+                      </a:solidFill>
+                      <a:prstDash val="solid"/>
+                      <a:round/>
+                      <a:headEnd type="none" w="med" len="med"/>
+                      <a:tailEnd type="none" w="med" len="med"/>
+                    </a:lnB>
+                    <a:solidFill>
+                      <a:srgbClr val="FFFFFF"/>
+                    </a:solidFill>
+                  </a:tcPr>
+                </a:tc>
+              </a:tr>
+            </a:tbl>
+          </a:graphicData>
+        </a:graphic>
+      </p:graphicFrame>
+      <p:pic>
+        <p:nvPicPr>
+          <p:cNvPr id="22" name="Picture 21" descr="Advantage Tech.png"/>
+          <p:cNvPicPr>
+            <a:picLocks noChangeAspect="1"/>
+          </p:cNvPicPr>
+          <p:nvPr/>
+        </p:nvPicPr>
+        <p:blipFill>
+          <a:blip r:embed="rId16">
+            <a:extLst>
+              <a:ext uri="{28A0092B-C50C-407E-A947-70E740481C1C}">
+                <a14:useLocalDpi xmlns:a14="http://schemas.microsoft.com/office/drawing/2010/main" val="0"/>
+              </a:ext>
+            </a:extLst>
+          </a:blip>
+          <a:stretch>
+            <a:fillRect/>
+          </a:stretch>
+        </p:blipFill>
+        <p:spPr>
+          <a:xfrm>
+            <a:off x="5760592" y="4605224"/>
+            <a:ext cx="1569826" cy="514903"/>
+          </a:xfrm>
+          <a:prstGeom prst="rect">
+            <a:avLst/>
+          </a:prstGeom>
+        </p:spPr>
+      </p:pic>
+      <p:pic>
+        <p:nvPicPr>
+          <p:cNvPr id="23" name="Picture 22" descr="Bradford and Galt.png"/>
+          <p:cNvPicPr>
+            <a:picLocks noChangeAspect="1"/>
+          </p:cNvPicPr>
+          <p:nvPr/>
+        </p:nvPicPr>
+        <p:blipFill>
+          <a:blip r:embed="rId17" cstate="print">
+            <a:extLst>
+              <a:ext uri="{28A0092B-C50C-407E-A947-70E740481C1C}">
+                <a14:useLocalDpi xmlns:a14="http://schemas.microsoft.com/office/drawing/2010/main" val="0"/>
+              </a:ext>
+            </a:extLst>
+          </a:blip>
+          <a:stretch>
+            <a:fillRect/>
+          </a:stretch>
+        </p:blipFill>
+        <p:spPr>
+          <a:xfrm>
+            <a:off x="4731527" y="4605224"/>
+            <a:ext cx="861694" cy="590876"/>
+          </a:xfrm>
+          <a:prstGeom prst="rect">
+            <a:avLst/>
+          </a:prstGeom>
+        </p:spPr>
+      </p:pic>
+      <p:pic>
+        <p:nvPicPr>
+          <p:cNvPr id="24" name="Picture 23" descr="Centriq Training.png"/>
+          <p:cNvPicPr>
+            <a:picLocks noChangeAspect="1"/>
+          </p:cNvPicPr>
+          <p:nvPr/>
+        </p:nvPicPr>
+        <p:blipFill>
+          <a:blip r:embed="rId18" cstate="print">
+            <a:extLst>
+              <a:ext uri="{28A0092B-C50C-407E-A947-70E740481C1C}">
+                <a14:useLocalDpi xmlns:a14="http://schemas.microsoft.com/office/drawing/2010/main" val="0"/>
+              </a:ext>
+            </a:extLst>
+          </a:blip>
+          <a:stretch>
+            <a:fillRect/>
+          </a:stretch>
+        </p:blipFill>
+        <p:spPr>
+          <a:xfrm>
+            <a:off x="3339642" y="4613162"/>
+            <a:ext cx="1216306" cy="514903"/>
+          </a:xfrm>
+          <a:prstGeom prst="rect">
+            <a:avLst/>
+          </a:prstGeom>
+        </p:spPr>
+      </p:pic>
+      <p:pic>
+        <p:nvPicPr>
+          <p:cNvPr id="25" name="Picture 24" descr="Cerner.png"/>
+          <p:cNvPicPr>
+            <a:picLocks noChangeAspect="1"/>
+          </p:cNvPicPr>
+          <p:nvPr/>
+        </p:nvPicPr>
+        <p:blipFill>
+          <a:blip r:embed="rId19">
+            <a:extLst>
+              <a:ext uri="{28A0092B-C50C-407E-A947-70E740481C1C}">
+                <a14:useLocalDpi xmlns:a14="http://schemas.microsoft.com/office/drawing/2010/main" val="0"/>
+              </a:ext>
+            </a:extLst>
+          </a:blip>
+          <a:stretch>
+            <a:fillRect/>
+          </a:stretch>
+        </p:blipFill>
+        <p:spPr>
+          <a:xfrm>
+            <a:off x="1706878" y="4613163"/>
+            <a:ext cx="1587892" cy="431000"/>
+          </a:xfrm>
+          <a:prstGeom prst="rect">
+            <a:avLst/>
+          </a:prstGeom>
+        </p:spPr>
+      </p:pic>
+      <p:pic>
+        <p:nvPicPr>
+          <p:cNvPr id="26" name="Picture 25" descr="ComponentOne.png"/>
+          <p:cNvPicPr>
+            <a:picLocks noChangeAspect="1"/>
+          </p:cNvPicPr>
+          <p:nvPr/>
+        </p:nvPicPr>
+        <p:blipFill>
+          <a:blip r:embed="rId20" cstate="print">
+            <a:extLst>
+              <a:ext uri="{28A0092B-C50C-407E-A947-70E740481C1C}">
+                <a14:useLocalDpi xmlns:a14="http://schemas.microsoft.com/office/drawing/2010/main" val="0"/>
+              </a:ext>
+            </a:extLst>
+          </a:blip>
+          <a:stretch>
+            <a:fillRect/>
+          </a:stretch>
+        </p:blipFill>
+        <p:spPr>
+          <a:xfrm>
+            <a:off x="269357" y="4944478"/>
+            <a:ext cx="709880" cy="624694"/>
+          </a:xfrm>
+          <a:prstGeom prst="rect">
+            <a:avLst/>
+          </a:prstGeom>
+        </p:spPr>
+      </p:pic>
+      <p:pic>
+        <p:nvPicPr>
+          <p:cNvPr id="28" name="Picture 27" descr="DSI.png"/>
+          <p:cNvPicPr>
+            <a:picLocks noChangeAspect="1"/>
+          </p:cNvPicPr>
+          <p:nvPr/>
+        </p:nvPicPr>
+        <p:blipFill>
+          <a:blip r:embed="rId21" cstate="print">
+            <a:extLst>
+              <a:ext uri="{28A0092B-C50C-407E-A947-70E740481C1C}">
+                <a14:useLocalDpi xmlns:a14="http://schemas.microsoft.com/office/drawing/2010/main" val="0"/>
+              </a:ext>
+            </a:extLst>
+          </a:blip>
+          <a:stretch>
+            <a:fillRect/>
+          </a:stretch>
+        </p:blipFill>
+        <p:spPr>
+          <a:xfrm>
+            <a:off x="1171595" y="5128273"/>
+            <a:ext cx="1209501" cy="393171"/>
+          </a:xfrm>
+          <a:prstGeom prst="rect">
+            <a:avLst/>
+          </a:prstGeom>
+        </p:spPr>
+      </p:pic>
+      <p:pic>
+        <p:nvPicPr>
+          <p:cNvPr id="29" name="Picture 28" descr="Garmin.png"/>
+          <p:cNvPicPr>
+            <a:picLocks noChangeAspect="1"/>
+          </p:cNvPicPr>
+          <p:nvPr/>
+        </p:nvPicPr>
+        <p:blipFill>
+          <a:blip r:embed="rId22">
+            <a:extLst>
+              <a:ext uri="{28A0092B-C50C-407E-A947-70E740481C1C}">
+                <a14:useLocalDpi xmlns:a14="http://schemas.microsoft.com/office/drawing/2010/main" val="0"/>
+              </a:ext>
+            </a:extLst>
+          </a:blip>
+          <a:stretch>
+            <a:fillRect/>
+          </a:stretch>
+        </p:blipFill>
+        <p:spPr>
+          <a:xfrm>
+            <a:off x="3983440" y="5311926"/>
+            <a:ext cx="1496173" cy="406104"/>
+          </a:xfrm>
+          <a:prstGeom prst="rect">
+            <a:avLst/>
+          </a:prstGeom>
+        </p:spPr>
+      </p:pic>
+      <p:pic>
+        <p:nvPicPr>
+          <p:cNvPr id="30" name="Picture 29" descr="JetBrains.png"/>
+          <p:cNvPicPr>
+            <a:picLocks noChangeAspect="1"/>
+          </p:cNvPicPr>
+          <p:nvPr/>
+        </p:nvPicPr>
+        <p:blipFill>
+          <a:blip r:embed="rId23" cstate="print">
+            <a:extLst>
+              <a:ext uri="{28A0092B-C50C-407E-A947-70E740481C1C}">
+                <a14:useLocalDpi xmlns:a14="http://schemas.microsoft.com/office/drawing/2010/main" val="0"/>
+              </a:ext>
+            </a:extLst>
+          </a:blip>
+          <a:stretch>
+            <a:fillRect/>
+          </a:stretch>
+        </p:blipFill>
+        <p:spPr>
+          <a:xfrm>
+            <a:off x="5728190" y="5324859"/>
+            <a:ext cx="1034660" cy="393171"/>
+          </a:xfrm>
+          <a:prstGeom prst="rect">
+            <a:avLst/>
+          </a:prstGeom>
+        </p:spPr>
+      </p:pic>
+      <p:pic>
+        <p:nvPicPr>
+          <p:cNvPr id="31" name="Picture 30" descr="Keyhole Software.png"/>
+          <p:cNvPicPr>
+            <a:picLocks noChangeAspect="1"/>
+          </p:cNvPicPr>
+          <p:nvPr/>
+        </p:nvPicPr>
+        <p:blipFill>
+          <a:blip r:embed="rId24">
+            <a:extLst>
+              <a:ext uri="{28A0092B-C50C-407E-A947-70E740481C1C}">
+                <a14:useLocalDpi xmlns:a14="http://schemas.microsoft.com/office/drawing/2010/main" val="0"/>
+              </a:ext>
+            </a:extLst>
+          </a:blip>
+          <a:stretch>
+            <a:fillRect/>
+          </a:stretch>
+        </p:blipFill>
+        <p:spPr>
+          <a:xfrm>
+            <a:off x="7560426" y="4613163"/>
+            <a:ext cx="1259866" cy="455952"/>
+          </a:xfrm>
+          <a:prstGeom prst="rect">
+            <a:avLst/>
+          </a:prstGeom>
+        </p:spPr>
+      </p:pic>
+      <p:pic>
+        <p:nvPicPr>
+          <p:cNvPr id="32" name="Picture 31" descr="KU Edwards Campus.png"/>
+          <p:cNvPicPr>
+            <a:picLocks noChangeAspect="1"/>
+          </p:cNvPicPr>
+          <p:nvPr/>
+        </p:nvPicPr>
+        <p:blipFill>
+          <a:blip r:embed="rId25" cstate="print">
+            <a:extLst>
+              <a:ext uri="{28A0092B-C50C-407E-A947-70E740481C1C}">
+                <a14:useLocalDpi xmlns:a14="http://schemas.microsoft.com/office/drawing/2010/main" val="0"/>
+              </a:ext>
+            </a:extLst>
+          </a:blip>
+          <a:stretch>
+            <a:fillRect/>
+          </a:stretch>
+        </p:blipFill>
+        <p:spPr>
+          <a:xfrm>
+            <a:off x="189215" y="5828078"/>
+            <a:ext cx="842725" cy="674180"/>
+          </a:xfrm>
+          <a:prstGeom prst="rect">
+            <a:avLst/>
+          </a:prstGeom>
+        </p:spPr>
+      </p:pic>
+      <p:pic>
+        <p:nvPicPr>
+          <p:cNvPr id="33" name="Picture 32" descr="LRS Consulting Services.png"/>
+          <p:cNvPicPr>
+            <a:picLocks noChangeAspect="1"/>
+          </p:cNvPicPr>
+          <p:nvPr/>
+        </p:nvPicPr>
+        <p:blipFill>
+          <a:blip r:embed="rId26" cstate="print">
+            <a:extLst>
+              <a:ext uri="{28A0092B-C50C-407E-A947-70E740481C1C}">
+                <a14:useLocalDpi xmlns:a14="http://schemas.microsoft.com/office/drawing/2010/main" val="0"/>
+              </a:ext>
+            </a:extLst>
+          </a:blip>
+          <a:stretch>
+            <a:fillRect/>
+          </a:stretch>
+        </p:blipFill>
+        <p:spPr>
+          <a:xfrm>
+            <a:off x="2629601" y="5196100"/>
+            <a:ext cx="1066338" cy="355446"/>
+          </a:xfrm>
+          <a:prstGeom prst="rect">
+            <a:avLst/>
+          </a:prstGeom>
+        </p:spPr>
+      </p:pic>
+      <p:pic>
+        <p:nvPicPr>
+          <p:cNvPr id="34" name="Picture 33" descr="Microsoft.png"/>
+          <p:cNvPicPr>
+            <a:picLocks noChangeAspect="1"/>
+          </p:cNvPicPr>
+          <p:nvPr/>
+        </p:nvPicPr>
+        <p:blipFill>
+          <a:blip r:embed="rId27" cstate="print">
+            <a:extLst>
+              <a:ext uri="{28A0092B-C50C-407E-A947-70E740481C1C}">
+                <a14:useLocalDpi xmlns:a14="http://schemas.microsoft.com/office/drawing/2010/main" val="0"/>
+              </a:ext>
+            </a:extLst>
+          </a:blip>
+          <a:stretch>
+            <a:fillRect/>
+          </a:stretch>
+        </p:blipFill>
+        <p:spPr>
+          <a:xfrm>
+            <a:off x="7109365" y="5311926"/>
+            <a:ext cx="1417795" cy="320017"/>
+          </a:xfrm>
+          <a:prstGeom prst="rect">
+            <a:avLst/>
+          </a:prstGeom>
+        </p:spPr>
+      </p:pic>
+      <p:pic>
+        <p:nvPicPr>
+          <p:cNvPr id="35" name="Picture 34" descr="Multi Service.png"/>
+          <p:cNvPicPr>
+            <a:picLocks noChangeAspect="1"/>
+          </p:cNvPicPr>
+          <p:nvPr/>
+        </p:nvPicPr>
+        <p:blipFill>
+          <a:blip r:embed="rId28">
+            <a:extLst>
+              <a:ext uri="{28A0092B-C50C-407E-A947-70E740481C1C}">
+                <a14:useLocalDpi xmlns:a14="http://schemas.microsoft.com/office/drawing/2010/main" val="0"/>
+              </a:ext>
+            </a:extLst>
+          </a:blip>
+          <a:stretch>
+            <a:fillRect/>
+          </a:stretch>
+        </p:blipFill>
+        <p:spPr>
+          <a:xfrm>
+            <a:off x="1357985" y="5706863"/>
+            <a:ext cx="2455713" cy="329767"/>
+          </a:xfrm>
+          <a:prstGeom prst="rect">
+            <a:avLst/>
+          </a:prstGeom>
+        </p:spPr>
+      </p:pic>
+      <p:pic>
+        <p:nvPicPr>
+          <p:cNvPr id="36" name="Picture 35" descr="Netchemia.png"/>
+          <p:cNvPicPr>
+            <a:picLocks noChangeAspect="1"/>
+          </p:cNvPicPr>
+          <p:nvPr/>
+        </p:nvPicPr>
+        <p:blipFill>
+          <a:blip r:embed="rId29">
+            <a:extLst>
+              <a:ext uri="{28A0092B-C50C-407E-A947-70E740481C1C}">
+                <a14:useLocalDpi xmlns:a14="http://schemas.microsoft.com/office/drawing/2010/main" val="0"/>
+              </a:ext>
+            </a:extLst>
+          </a:blip>
+          <a:stretch>
+            <a:fillRect/>
+          </a:stretch>
+        </p:blipFill>
+        <p:spPr>
+          <a:xfrm>
+            <a:off x="4028102" y="5873975"/>
+            <a:ext cx="1594781" cy="346295"/>
+          </a:xfrm>
+          <a:prstGeom prst="rect">
+            <a:avLst/>
+          </a:prstGeom>
+        </p:spPr>
+      </p:pic>
+      <p:pic>
+        <p:nvPicPr>
+          <p:cNvPr id="37" name="Picture 36" descr="Oakwood Systems.png"/>
+          <p:cNvPicPr>
+            <a:picLocks noChangeAspect="1"/>
+          </p:cNvPicPr>
+          <p:nvPr/>
+        </p:nvPicPr>
+        <p:blipFill>
+          <a:blip r:embed="rId30">
+            <a:extLst>
+              <a:ext uri="{28A0092B-C50C-407E-A947-70E740481C1C}">
+                <a14:useLocalDpi xmlns:a14="http://schemas.microsoft.com/office/drawing/2010/main" val="0"/>
+              </a:ext>
+            </a:extLst>
+          </a:blip>
+          <a:stretch>
+            <a:fillRect/>
+          </a:stretch>
+        </p:blipFill>
+        <p:spPr>
+          <a:xfrm>
+            <a:off x="5728190" y="5790484"/>
+            <a:ext cx="1587687" cy="399190"/>
+          </a:xfrm>
+          <a:prstGeom prst="rect">
+            <a:avLst/>
+          </a:prstGeom>
+        </p:spPr>
+      </p:pic>
+      <p:pic>
+        <p:nvPicPr>
+          <p:cNvPr id="38" name="Picture 37" descr="Perceptive Software.png"/>
+          <p:cNvPicPr>
+            <a:picLocks noChangeAspect="1"/>
+          </p:cNvPicPr>
+          <p:nvPr/>
+        </p:nvPicPr>
+        <p:blipFill>
+          <a:blip r:embed="rId31">
+            <a:extLst>
+              <a:ext uri="{28A0092B-C50C-407E-A947-70E740481C1C}">
+                <a14:useLocalDpi xmlns:a14="http://schemas.microsoft.com/office/drawing/2010/main" val="0"/>
+              </a:ext>
+            </a:extLst>
+          </a:blip>
+          <a:stretch>
+            <a:fillRect/>
+          </a:stretch>
+        </p:blipFill>
+        <p:spPr>
+          <a:xfrm>
+            <a:off x="1066473" y="6189672"/>
+            <a:ext cx="1811996" cy="327885"/>
+          </a:xfrm>
+          <a:prstGeom prst="rect">
+            <a:avLst/>
+          </a:prstGeom>
+        </p:spPr>
+      </p:pic>
+      <p:pic>
+        <p:nvPicPr>
+          <p:cNvPr id="39" name="Picture 38" descr="Stackify.png"/>
+          <p:cNvPicPr>
+            <a:picLocks noChangeAspect="1"/>
+          </p:cNvPicPr>
+          <p:nvPr/>
+        </p:nvPicPr>
+        <p:blipFill>
+          <a:blip r:embed="rId32" cstate="print">
+            <a:extLst>
+              <a:ext uri="{28A0092B-C50C-407E-A947-70E740481C1C}">
+                <a14:useLocalDpi xmlns:a14="http://schemas.microsoft.com/office/drawing/2010/main" val="0"/>
+              </a:ext>
+            </a:extLst>
+          </a:blip>
+          <a:stretch>
+            <a:fillRect/>
+          </a:stretch>
+        </p:blipFill>
+        <p:spPr>
+          <a:xfrm>
+            <a:off x="7821142" y="5790484"/>
+            <a:ext cx="1120237" cy="374479"/>
+          </a:xfrm>
+          <a:prstGeom prst="rect">
+            <a:avLst/>
+          </a:prstGeom>
+        </p:spPr>
+      </p:pic>
+      <p:pic>
+        <p:nvPicPr>
+          <p:cNvPr id="40" name="Picture 39" descr="TEKSystems.png"/>
+          <p:cNvPicPr>
+            <a:picLocks noChangeAspect="1"/>
+          </p:cNvPicPr>
+          <p:nvPr/>
+        </p:nvPicPr>
+        <p:blipFill>
+          <a:blip r:embed="rId33" cstate="print">
+            <a:extLst>
+              <a:ext uri="{28A0092B-C50C-407E-A947-70E740481C1C}">
+                <a14:useLocalDpi xmlns:a14="http://schemas.microsoft.com/office/drawing/2010/main" val="0"/>
+              </a:ext>
+            </a:extLst>
+          </a:blip>
+          <a:stretch>
+            <a:fillRect/>
+          </a:stretch>
+        </p:blipFill>
+        <p:spPr>
+          <a:xfrm>
+            <a:off x="3139722" y="6255404"/>
+            <a:ext cx="1347952" cy="365873"/>
+          </a:xfrm>
+          <a:prstGeom prst="rect">
+            <a:avLst/>
+          </a:prstGeom>
+        </p:spPr>
+      </p:pic>
+      <p:pic>
+        <p:nvPicPr>
+          <p:cNvPr id="41" name="Picture 40" descr="Twilio.png"/>
+          <p:cNvPicPr>
+            <a:picLocks noChangeAspect="1"/>
+          </p:cNvPicPr>
+          <p:nvPr/>
+        </p:nvPicPr>
+        <p:blipFill>
+          <a:blip r:embed="rId34" cstate="print">
+            <a:extLst>
+              <a:ext uri="{28A0092B-C50C-407E-A947-70E740481C1C}">
+                <a14:useLocalDpi xmlns:a14="http://schemas.microsoft.com/office/drawing/2010/main" val="0"/>
+              </a:ext>
+            </a:extLst>
+          </a:blip>
+          <a:stretch>
+            <a:fillRect/>
+          </a:stretch>
+        </p:blipFill>
+        <p:spPr>
+          <a:xfrm>
+            <a:off x="5111233" y="6241431"/>
+            <a:ext cx="1315837" cy="439866"/>
+          </a:xfrm>
+          <a:prstGeom prst="rect">
+            <a:avLst/>
+          </a:prstGeom>
+        </p:spPr>
+      </p:pic>
+      <p:pic>
+        <p:nvPicPr>
+          <p:cNvPr id="42" name="Picture 41" descr="UnitedLex.png"/>
+          <p:cNvPicPr>
+            <a:picLocks noChangeAspect="1"/>
+          </p:cNvPicPr>
+          <p:nvPr/>
+        </p:nvPicPr>
+        <p:blipFill>
+          <a:blip r:embed="rId35" cstate="print">
+            <a:extLst>
+              <a:ext uri="{28A0092B-C50C-407E-A947-70E740481C1C}">
+                <a14:useLocalDpi xmlns:a14="http://schemas.microsoft.com/office/drawing/2010/main" val="0"/>
+              </a:ext>
+            </a:extLst>
+          </a:blip>
+          <a:stretch>
+            <a:fillRect/>
+          </a:stretch>
+        </p:blipFill>
+        <p:spPr>
+          <a:xfrm>
+            <a:off x="6902507" y="6255406"/>
+            <a:ext cx="1315837" cy="323320"/>
+          </a:xfrm>
+          <a:prstGeom prst="rect">
+            <a:avLst/>
+          </a:prstGeom>
+        </p:spPr>
+      </p:pic>
+    </p:spTree>
+    <p:extLst>
+      <p:ext uri="{BB962C8B-B14F-4D97-AF65-F5344CB8AC3E}">
+        <p14:creationId xmlns:p14="http://schemas.microsoft.com/office/powerpoint/2010/main" val="2906096237"/>
+      </p:ext>
+    </p:extLst>
+  </p:cSld>
+  <p:clrMapOvr>
+    <a:masterClrMapping/>
+  </p:clrMapOvr>
+  <p:timing>
+    <p:tnLst>
+      <p:par>
+        <p:cTn id="1" dur="indefinite" restart="never" nodeType="tmRoot"/>
+      </p:par>
+    </p:tnLst>
+  </p:timing>
+</p:sld>
+</file>
+
+<file path=ppt/slides/slide3.xml><?xml version="1.0" encoding="utf-8"?>
 <p:sld xmlns:a="http://schemas.openxmlformats.org/drawingml/2006/main" xmlns:r="http://schemas.openxmlformats.org/officeDocument/2006/relationships" xmlns:p="http://schemas.openxmlformats.org/presentationml/2006/main" showMasterSp="0">
   <p:cSld>
     <p:spTree>
@@ -6756,7 +11461,7 @@
 </p:sld>
 </file>
 
-<file path=ppt/slides/slide3.xml><?xml version="1.0" encoding="utf-8"?>
+<file path=ppt/slides/slide4.xml><?xml version="1.0" encoding="utf-8"?>
 <p:sld xmlns:a="http://schemas.openxmlformats.org/drawingml/2006/main" xmlns:r="http://schemas.openxmlformats.org/officeDocument/2006/relationships" xmlns:p="http://schemas.openxmlformats.org/presentationml/2006/main">
   <p:cSld>
     <p:spTree>
@@ -6889,7 +11594,7 @@
 </p:sld>
 </file>
 
-<file path=ppt/slides/slide4.xml><?xml version="1.0" encoding="utf-8"?>
+<file path=ppt/slides/slide5.xml><?xml version="1.0" encoding="utf-8"?>
 <p:sld xmlns:a="http://schemas.openxmlformats.org/drawingml/2006/main" xmlns:r="http://schemas.openxmlformats.org/officeDocument/2006/relationships" xmlns:p="http://schemas.openxmlformats.org/presentationml/2006/main">
   <p:cSld>
     <p:spTree>
@@ -7582,7 +12287,7 @@
 </p:sld>
 </file>
 
-<file path=ppt/slides/slide5.xml><?xml version="1.0" encoding="utf-8"?>
+<file path=ppt/slides/slide6.xml><?xml version="1.0" encoding="utf-8"?>
 <p:sld xmlns:a="http://schemas.openxmlformats.org/drawingml/2006/main" xmlns:r="http://schemas.openxmlformats.org/officeDocument/2006/relationships" xmlns:p="http://schemas.openxmlformats.org/presentationml/2006/main">
   <p:cSld>
     <p:spTree>
@@ -7791,7 +12496,7 @@
 </p:sld>
 </file>
 
-<file path=ppt/slides/slide6.xml><?xml version="1.0" encoding="utf-8"?>
+<file path=ppt/slides/slide7.xml><?xml version="1.0" encoding="utf-8"?>
 <p:sld xmlns:a="http://schemas.openxmlformats.org/drawingml/2006/main" xmlns:r="http://schemas.openxmlformats.org/officeDocument/2006/relationships" xmlns:p="http://schemas.openxmlformats.org/presentationml/2006/main" showMasterSp="0">
   <p:cSld>
     <p:spTree>
@@ -8111,6 +12816,326 @@
 </file>
 
 <file path=ppt/theme/theme2.xml><?xml version="1.0" encoding="utf-8"?>
+<a:theme xmlns:a="http://schemas.openxmlformats.org/drawingml/2006/main" name="1_Office Theme">
+  <a:themeElements>
+    <a:clrScheme name="Office">
+      <a:dk1>
+        <a:sysClr val="windowText" lastClr="000000"/>
+      </a:dk1>
+      <a:lt1>
+        <a:sysClr val="window" lastClr="FFFFFF"/>
+      </a:lt1>
+      <a:dk2>
+        <a:srgbClr val="1F497D"/>
+      </a:dk2>
+      <a:lt2>
+        <a:srgbClr val="EEECE1"/>
+      </a:lt2>
+      <a:accent1>
+        <a:srgbClr val="4F81BD"/>
+      </a:accent1>
+      <a:accent2>
+        <a:srgbClr val="C0504D"/>
+      </a:accent2>
+      <a:accent3>
+        <a:srgbClr val="9BBB59"/>
+      </a:accent3>
+      <a:accent4>
+        <a:srgbClr val="8064A2"/>
+      </a:accent4>
+      <a:accent5>
+        <a:srgbClr val="4BACC6"/>
+      </a:accent5>
+      <a:accent6>
+        <a:srgbClr val="F79646"/>
+      </a:accent6>
+      <a:hlink>
+        <a:srgbClr val="0000FF"/>
+      </a:hlink>
+      <a:folHlink>
+        <a:srgbClr val="800080"/>
+      </a:folHlink>
+    </a:clrScheme>
+    <a:fontScheme name="Office">
+      <a:majorFont>
+        <a:latin typeface="Calibri"/>
+        <a:ea typeface=""/>
+        <a:cs typeface=""/>
+        <a:font script="Jpan" typeface="ＭＳ Ｐゴシック"/>
+        <a:font script="Hang" typeface="맑은 고딕"/>
+        <a:font script="Hans" typeface="宋体"/>
+        <a:font script="Hant" typeface="新細明體"/>
+        <a:font script="Arab" typeface="Times New Roman"/>
+        <a:font script="Hebr" typeface="Times New Roman"/>
+        <a:font script="Thai" typeface="Angsana New"/>
+        <a:font script="Ethi" typeface="Nyala"/>
+        <a:font script="Beng" typeface="Vrinda"/>
+        <a:font script="Gujr" typeface="Shruti"/>
+        <a:font script="Khmr" typeface="MoolBoran"/>
+        <a:font script="Knda" typeface="Tunga"/>
+        <a:font script="Guru" typeface="Raavi"/>
+        <a:font script="Cans" typeface="Euphemia"/>
+        <a:font script="Cher" typeface="Plantagenet Cherokee"/>
+        <a:font script="Yiii" typeface="Microsoft Yi Baiti"/>
+        <a:font script="Tibt" typeface="Microsoft Himalaya"/>
+        <a:font script="Thaa" typeface="MV Boli"/>
+        <a:font script="Deva" typeface="Mangal"/>
+        <a:font script="Telu" typeface="Gautami"/>
+        <a:font script="Taml" typeface="Latha"/>
+        <a:font script="Syrc" typeface="Estrangelo Edessa"/>
+        <a:font script="Orya" typeface="Kalinga"/>
+        <a:font script="Mlym" typeface="Kartika"/>
+        <a:font script="Laoo" typeface="DokChampa"/>
+        <a:font script="Sinh" typeface="Iskoola Pota"/>
+        <a:font script="Mong" typeface="Mongolian Baiti"/>
+        <a:font script="Viet" typeface="Times New Roman"/>
+        <a:font script="Uigh" typeface="Microsoft Uighur"/>
+        <a:font script="Geor" typeface="Sylfaen"/>
+      </a:majorFont>
+      <a:minorFont>
+        <a:latin typeface="Calibri"/>
+        <a:ea typeface=""/>
+        <a:cs typeface=""/>
+        <a:font script="Jpan" typeface="ＭＳ Ｐゴシック"/>
+        <a:font script="Hang" typeface="맑은 고딕"/>
+        <a:font script="Hans" typeface="宋体"/>
+        <a:font script="Hant" typeface="新細明體"/>
+        <a:font script="Arab" typeface="Arial"/>
+        <a:font script="Hebr" typeface="Arial"/>
+        <a:font script="Thai" typeface="Cordia New"/>
+        <a:font script="Ethi" typeface="Nyala"/>
+        <a:font script="Beng" typeface="Vrinda"/>
+        <a:font script="Gujr" typeface="Shruti"/>
+        <a:font script="Khmr" typeface="DaunPenh"/>
+        <a:font script="Knda" typeface="Tunga"/>
+        <a:font script="Guru" typeface="Raavi"/>
+        <a:font script="Cans" typeface="Euphemia"/>
+        <a:font script="Cher" typeface="Plantagenet Cherokee"/>
+        <a:font script="Yiii" typeface="Microsoft Yi Baiti"/>
+        <a:font script="Tibt" typeface="Microsoft Himalaya"/>
+        <a:font script="Thaa" typeface="MV Boli"/>
+        <a:font script="Deva" typeface="Mangal"/>
+        <a:font script="Telu" typeface="Gautami"/>
+        <a:font script="Taml" typeface="Latha"/>
+        <a:font script="Syrc" typeface="Estrangelo Edessa"/>
+        <a:font script="Orya" typeface="Kalinga"/>
+        <a:font script="Mlym" typeface="Kartika"/>
+        <a:font script="Laoo" typeface="DokChampa"/>
+        <a:font script="Sinh" typeface="Iskoola Pota"/>
+        <a:font script="Mong" typeface="Mongolian Baiti"/>
+        <a:font script="Viet" typeface="Arial"/>
+        <a:font script="Uigh" typeface="Microsoft Uighur"/>
+        <a:font script="Geor" typeface="Sylfaen"/>
+      </a:minorFont>
+    </a:fontScheme>
+    <a:fmtScheme name="Office">
+      <a:fillStyleLst>
+        <a:solidFill>
+          <a:schemeClr val="phClr"/>
+        </a:solidFill>
+        <a:gradFill rotWithShape="1">
+          <a:gsLst>
+            <a:gs pos="0">
+              <a:schemeClr val="phClr">
+                <a:tint val="50000"/>
+                <a:satMod val="300000"/>
+              </a:schemeClr>
+            </a:gs>
+            <a:gs pos="35000">
+              <a:schemeClr val="phClr">
+                <a:tint val="37000"/>
+                <a:satMod val="300000"/>
+              </a:schemeClr>
+            </a:gs>
+            <a:gs pos="100000">
+              <a:schemeClr val="phClr">
+                <a:tint val="15000"/>
+                <a:satMod val="350000"/>
+              </a:schemeClr>
+            </a:gs>
+          </a:gsLst>
+          <a:lin ang="16200000" scaled="1"/>
+        </a:gradFill>
+        <a:gradFill rotWithShape="1">
+          <a:gsLst>
+            <a:gs pos="0">
+              <a:schemeClr val="phClr">
+                <a:tint val="100000"/>
+                <a:shade val="100000"/>
+                <a:satMod val="130000"/>
+              </a:schemeClr>
+            </a:gs>
+            <a:gs pos="100000">
+              <a:schemeClr val="phClr">
+                <a:tint val="50000"/>
+                <a:shade val="100000"/>
+                <a:satMod val="350000"/>
+              </a:schemeClr>
+            </a:gs>
+          </a:gsLst>
+          <a:lin ang="16200000" scaled="0"/>
+        </a:gradFill>
+      </a:fillStyleLst>
+      <a:lnStyleLst>
+        <a:ln w="9525" cap="flat" cmpd="sng" algn="ctr">
+          <a:solidFill>
+            <a:schemeClr val="phClr">
+              <a:shade val="95000"/>
+              <a:satMod val="105000"/>
+            </a:schemeClr>
+          </a:solidFill>
+          <a:prstDash val="solid"/>
+        </a:ln>
+        <a:ln w="25400" cap="flat" cmpd="sng" algn="ctr">
+          <a:solidFill>
+            <a:schemeClr val="phClr"/>
+          </a:solidFill>
+          <a:prstDash val="solid"/>
+        </a:ln>
+        <a:ln w="38100" cap="flat" cmpd="sng" algn="ctr">
+          <a:solidFill>
+            <a:schemeClr val="phClr"/>
+          </a:solidFill>
+          <a:prstDash val="solid"/>
+        </a:ln>
+      </a:lnStyleLst>
+      <a:effectStyleLst>
+        <a:effectStyle>
+          <a:effectLst>
+            <a:outerShdw blurRad="40000" dist="20000" dir="5400000" rotWithShape="0">
+              <a:srgbClr val="000000">
+                <a:alpha val="38000"/>
+              </a:srgbClr>
+            </a:outerShdw>
+          </a:effectLst>
+        </a:effectStyle>
+        <a:effectStyle>
+          <a:effectLst>
+            <a:outerShdw blurRad="40000" dist="23000" dir="5400000" rotWithShape="0">
+              <a:srgbClr val="000000">
+                <a:alpha val="35000"/>
+              </a:srgbClr>
+            </a:outerShdw>
+          </a:effectLst>
+        </a:effectStyle>
+        <a:effectStyle>
+          <a:effectLst>
+            <a:outerShdw blurRad="40000" dist="23000" dir="5400000" rotWithShape="0">
+              <a:srgbClr val="000000">
+                <a:alpha val="35000"/>
+              </a:srgbClr>
+            </a:outerShdw>
+          </a:effectLst>
+          <a:scene3d>
+            <a:camera prst="orthographicFront">
+              <a:rot lat="0" lon="0" rev="0"/>
+            </a:camera>
+            <a:lightRig rig="threePt" dir="t">
+              <a:rot lat="0" lon="0" rev="1200000"/>
+            </a:lightRig>
+          </a:scene3d>
+          <a:sp3d>
+            <a:bevelT w="63500" h="25400"/>
+          </a:sp3d>
+        </a:effectStyle>
+      </a:effectStyleLst>
+      <a:bgFillStyleLst>
+        <a:solidFill>
+          <a:schemeClr val="phClr"/>
+        </a:solidFill>
+        <a:gradFill rotWithShape="1">
+          <a:gsLst>
+            <a:gs pos="0">
+              <a:schemeClr val="phClr">
+                <a:tint val="40000"/>
+                <a:satMod val="350000"/>
+              </a:schemeClr>
+            </a:gs>
+            <a:gs pos="40000">
+              <a:schemeClr val="phClr">
+                <a:tint val="45000"/>
+                <a:shade val="99000"/>
+                <a:satMod val="350000"/>
+              </a:schemeClr>
+            </a:gs>
+            <a:gs pos="100000">
+              <a:schemeClr val="phClr">
+                <a:shade val="20000"/>
+                <a:satMod val="255000"/>
+              </a:schemeClr>
+            </a:gs>
+          </a:gsLst>
+          <a:path path="circle">
+            <a:fillToRect l="50000" t="-80000" r="50000" b="180000"/>
+          </a:path>
+        </a:gradFill>
+        <a:gradFill rotWithShape="1">
+          <a:gsLst>
+            <a:gs pos="0">
+              <a:schemeClr val="phClr">
+                <a:tint val="80000"/>
+                <a:satMod val="300000"/>
+              </a:schemeClr>
+            </a:gs>
+            <a:gs pos="100000">
+              <a:schemeClr val="phClr">
+                <a:shade val="30000"/>
+                <a:satMod val="200000"/>
+              </a:schemeClr>
+            </a:gs>
+          </a:gsLst>
+          <a:path path="circle">
+            <a:fillToRect l="50000" t="50000" r="50000" b="50000"/>
+          </a:path>
+        </a:gradFill>
+      </a:bgFillStyleLst>
+    </a:fmtScheme>
+  </a:themeElements>
+  <a:objectDefaults>
+    <a:spDef>
+      <a:spPr/>
+      <a:bodyPr/>
+      <a:lstStyle/>
+      <a:style>
+        <a:lnRef idx="1">
+          <a:schemeClr val="accent1"/>
+        </a:lnRef>
+        <a:fillRef idx="3">
+          <a:schemeClr val="accent1"/>
+        </a:fillRef>
+        <a:effectRef idx="2">
+          <a:schemeClr val="accent1"/>
+        </a:effectRef>
+        <a:fontRef idx="minor">
+          <a:schemeClr val="lt1"/>
+        </a:fontRef>
+      </a:style>
+    </a:spDef>
+    <a:lnDef>
+      <a:spPr/>
+      <a:bodyPr/>
+      <a:lstStyle/>
+      <a:style>
+        <a:lnRef idx="2">
+          <a:schemeClr val="accent1"/>
+        </a:lnRef>
+        <a:fillRef idx="0">
+          <a:schemeClr val="accent1"/>
+        </a:fillRef>
+        <a:effectRef idx="1">
+          <a:schemeClr val="accent1"/>
+        </a:effectRef>
+        <a:fontRef idx="minor">
+          <a:schemeClr val="tx1"/>
+        </a:fontRef>
+      </a:style>
+    </a:lnDef>
+  </a:objectDefaults>
+  <a:extraClrSchemeLst/>
+</a:theme>
+</file>
+
+<file path=ppt/theme/theme3.xml><?xml version="1.0" encoding="utf-8"?>
 <a:theme xmlns:a="http://schemas.openxmlformats.org/drawingml/2006/main" name="Office Theme">
   <a:themeElements>
     <a:clrScheme name="Office">
